--- a/モデル提出用/モデル_馬場案.pptx
+++ b/モデル提出用/モデル_馬場案.pptx
@@ -12,8 +12,8 @@
   </p:handoutMasterIdLst>
   <p:sldIdLst>
     <p:sldId id="257" r:id="rId3"/>
-    <p:sldId id="259" r:id="rId4"/>
-    <p:sldId id="260" r:id="rId5"/>
+    <p:sldId id="260" r:id="rId4"/>
+    <p:sldId id="259" r:id="rId5"/>
     <p:sldId id="261" r:id="rId6"/>
     <p:sldId id="262" r:id="rId7"/>
     <p:sldId id="263" r:id="rId8"/>
@@ -147,7 +147,7 @@
   </p:defaultTextStyle>
   <p:extLst>
     <p:ext uri="{EFAFB233-063F-42B5-8137-9DF3F51BA10A}">
-      <p15:sldGuideLst xmlns:p15="http://schemas.microsoft.com/office/powerpoint/2012/main" xmlns="">
+      <p15:sldGuideLst xmlns="" xmlns:p15="http://schemas.microsoft.com/office/powerpoint/2012/main">
         <p15:guide id="1" orient="horz" pos="3368" userDrawn="1">
           <p15:clr>
             <a:srgbClr val="A4A3A4"/>
@@ -161,7 +161,7 @@
       </p15:sldGuideLst>
     </p:ext>
     <p:ext uri="{2D200454-40CA-4A62-9FC3-DE9A4176ACB9}">
-      <p15:notesGuideLst xmlns:p15="http://schemas.microsoft.com/office/powerpoint/2012/main" xmlns="">
+      <p15:notesGuideLst xmlns="" xmlns:p15="http://schemas.microsoft.com/office/powerpoint/2012/main">
         <p15:guide id="1" orient="horz" pos="3282" userDrawn="1">
           <p15:clr>
             <a:srgbClr val="A4A3A4"/>
@@ -577,7 +577,7 @@
           <a:p>
             <a:fld id="{3DF0FF95-4C4E-4E36-9A68-8AA61AF53122}" type="datetimeFigureOut">
               <a:rPr lang="ja-JP" altLang="en-US" smtClean="0"/>
-              <a:t>2017/7/31</a:t>
+              <a:t>2017/8/3</a:t>
             </a:fld>
             <a:endParaRPr lang="ja-JP" altLang="en-US"/>
           </a:p>
@@ -4180,7 +4180,7 @@
           <p:cNvPr id="29" name="四角形: 角を丸くする 2">
             <a:extLst>
               <a:ext uri="{FF2B5EF4-FFF2-40B4-BE49-F238E27FC236}">
-                <a16:creationId xmlns:a16="http://schemas.microsoft.com/office/drawing/2014/main" xmlns="" id="{2B99B1EA-17D2-4495-A343-2A1713BC8495}"/>
+                <a16:creationId xmlns="" xmlns:a16="http://schemas.microsoft.com/office/drawing/2014/main" id="{2B99B1EA-17D2-4495-A343-2A1713BC8495}"/>
               </a:ext>
             </a:extLst>
           </p:cNvPr>
@@ -4189,7 +4189,7 @@
         </p:nvSpPr>
         <p:spPr bwMode="auto">
           <a:xfrm>
-            <a:off x="280849" y="3331139"/>
+            <a:off x="280849" y="3689722"/>
             <a:ext cx="8928992" cy="6696744"/>
           </a:xfrm>
           <a:prstGeom prst="roundRect">
@@ -4233,6 +4233,70 @@
       </p:sp>
       <p:pic>
         <p:nvPicPr>
+          <p:cNvPr id="1031" name="Picture 7"/>
+          <p:cNvPicPr>
+            <a:picLocks noChangeAspect="1" noChangeArrowheads="1"/>
+          </p:cNvPicPr>
+          <p:nvPr/>
+        </p:nvPicPr>
+        <p:blipFill>
+          <a:blip r:embed="rId2">
+            <a:extLst>
+              <a:ext uri="{28A0092B-C50C-407E-A947-70E740481C1C}">
+                <a14:useLocalDpi xmlns:a14="http://schemas.microsoft.com/office/drawing/2010/main" val="0"/>
+              </a:ext>
+            </a:extLst>
+          </a:blip>
+          <a:srcRect/>
+          <a:stretch>
+            <a:fillRect/>
+          </a:stretch>
+        </p:blipFill>
+        <p:spPr bwMode="auto">
+          <a:xfrm>
+            <a:off x="449198" y="4151609"/>
+            <a:ext cx="8262605" cy="5089636"/>
+          </a:xfrm>
+          <a:prstGeom prst="rect">
+            <a:avLst/>
+          </a:prstGeom>
+          <a:noFill/>
+          <a:ln>
+            <a:noFill/>
+          </a:ln>
+          <a:effectLst/>
+          <a:extLst>
+            <a:ext uri="{909E8E84-426E-40DD-AFC4-6F175D3DCCD1}">
+              <a14:hiddenFill xmlns:a14="http://schemas.microsoft.com/office/drawing/2010/main">
+                <a:solidFill>
+                  <a:schemeClr val="accent1"/>
+                </a:solidFill>
+              </a14:hiddenFill>
+            </a:ext>
+            <a:ext uri="{91240B29-F687-4F45-9708-019B960494DF}">
+              <a14:hiddenLine xmlns:a14="http://schemas.microsoft.com/office/drawing/2010/main" w="9525">
+                <a:solidFill>
+                  <a:schemeClr val="tx1"/>
+                </a:solidFill>
+                <a:miter lim="800000"/>
+                <a:headEnd/>
+                <a:tailEnd/>
+              </a14:hiddenLine>
+            </a:ext>
+            <a:ext uri="{AF507438-7753-43E0-B8FC-AC1667EBCBE1}">
+              <a14:hiddenEffects xmlns:a14="http://schemas.microsoft.com/office/drawing/2010/main">
+                <a:effectLst>
+                  <a:outerShdw dist="35921" dir="2700000" algn="ctr" rotWithShape="0">
+                    <a:schemeClr val="bg2"/>
+                  </a:outerShdw>
+                </a:effectLst>
+              </a14:hiddenEffects>
+            </a:ext>
+          </a:extLst>
+        </p:spPr>
+      </p:pic>
+      <p:pic>
+        <p:nvPicPr>
           <p:cNvPr id="1026" name="Picture 2"/>
           <p:cNvPicPr>
             <a:picLocks noChangeAspect="1" noChangeArrowheads="1"/>
@@ -4240,7 +4304,7 @@
           <p:nvPr/>
         </p:nvPicPr>
         <p:blipFill>
-          <a:blip r:embed="rId2">
+          <a:blip r:embed="rId3">
             <a:extLst>
               <a:ext uri="{28A0092B-C50C-407E-A947-70E740481C1C}">
                 <a14:useLocalDpi xmlns:a14="http://schemas.microsoft.com/office/drawing/2010/main" val="0"/>
@@ -4303,7 +4367,7 @@
         </p:nvGrpSpPr>
         <p:grpSpPr>
           <a:xfrm>
-            <a:off x="9503891" y="3257674"/>
+            <a:off x="9503891" y="3645924"/>
             <a:ext cx="5112568" cy="6524518"/>
             <a:chOff x="7415659" y="2925844"/>
             <a:chExt cx="4032448" cy="5471740"/>
@@ -4320,7 +4384,7 @@
             <p:cNvPr id="32" name="四角形: 角を丸くする 31">
               <a:extLst>
                 <a:ext uri="{FF2B5EF4-FFF2-40B4-BE49-F238E27FC236}">
-                  <a16:creationId xmlns:a16="http://schemas.microsoft.com/office/drawing/2014/main" xmlns="" id="{2CB54470-E1EE-4955-BF14-A25A1992B9AE}"/>
+                  <a16:creationId xmlns="" xmlns:a16="http://schemas.microsoft.com/office/drawing/2014/main" id="{2CB54470-E1EE-4955-BF14-A25A1992B9AE}"/>
                 </a:ext>
               </a:extLst>
             </p:cNvPr>
@@ -4376,7 +4440,7 @@
             <p:cNvPr id="26" name="図 25">
               <a:extLst>
                 <a:ext uri="{FF2B5EF4-FFF2-40B4-BE49-F238E27FC236}">
-                  <a16:creationId xmlns:a16="http://schemas.microsoft.com/office/drawing/2014/main" xmlns="" id="{574E1E1E-B7FA-40EC-A6D2-799349572C52}"/>
+                  <a16:creationId xmlns="" xmlns:a16="http://schemas.microsoft.com/office/drawing/2014/main" id="{574E1E1E-B7FA-40EC-A6D2-799349572C52}"/>
                 </a:ext>
               </a:extLst>
             </p:cNvPr>
@@ -4386,7 +4450,7 @@
             <p:nvPr/>
           </p:nvPicPr>
           <p:blipFill rotWithShape="1">
-            <a:blip r:embed="rId3">
+            <a:blip r:embed="rId4">
               <a:extLst>
                 <a:ext uri="{28A0092B-C50C-407E-A947-70E740481C1C}">
                   <a14:useLocalDpi xmlns:a14="http://schemas.microsoft.com/office/drawing/2010/main" val="0"/>
@@ -4413,7 +4477,7 @@
           <p:cNvPr id="16" name="テキスト ボックス 15">
             <a:extLst>
               <a:ext uri="{FF2B5EF4-FFF2-40B4-BE49-F238E27FC236}">
-                <a16:creationId xmlns:a16="http://schemas.microsoft.com/office/drawing/2014/main" xmlns="" id="{FBE064E7-1A85-4AD9-98DB-4B7D8573EBC8}"/>
+                <a16:creationId xmlns="" xmlns:a16="http://schemas.microsoft.com/office/drawing/2014/main" id="{FBE064E7-1A85-4AD9-98DB-4B7D8573EBC8}"/>
               </a:ext>
             </a:extLst>
           </p:cNvPr>
@@ -4422,8 +4486,8 @@
         </p:nvSpPr>
         <p:spPr>
           <a:xfrm>
-            <a:off x="719109" y="1859331"/>
-            <a:ext cx="12529198" cy="1169537"/>
+            <a:off x="719109" y="2177554"/>
+            <a:ext cx="14257390" cy="1477313"/>
           </a:xfrm>
           <a:prstGeom prst="rect">
             <a:avLst/>
@@ -4473,13 +4537,17 @@
               <a:rPr kumimoji="1" lang="ja-JP" altLang="en-US" dirty="0" smtClean="0"/>
               <a:t>、</a:t>
             </a:r>
-            <a:endParaRPr kumimoji="1" lang="en-US" altLang="ja-JP" dirty="0" smtClean="0"/>
+            <a:endParaRPr kumimoji="1" lang="en-US" altLang="ja-JP" dirty="0"/>
           </a:p>
           <a:p>
             <a:pPr algn="l"/>
             <a:r>
               <a:rPr kumimoji="1" lang="ja-JP" altLang="en-US" dirty="0" smtClean="0"/>
-              <a:t>「必ずゴールに到達</a:t>
+              <a:t>「必ず</a:t>
+            </a:r>
+            <a:r>
+              <a:rPr kumimoji="1" lang="ja-JP" altLang="en-US" dirty="0" smtClean="0"/>
+              <a:t>ゴールに到達</a:t>
             </a:r>
             <a:r>
               <a:rPr kumimoji="1" lang="ja-JP" altLang="en-US" dirty="0"/>
@@ -4487,7 +4555,11 @@
             </a:r>
             <a:r>
               <a:rPr kumimoji="1" lang="ja-JP" altLang="en-US" dirty="0" smtClean="0"/>
-              <a:t>行いました。</a:t>
+              <a:t>行いました</a:t>
+            </a:r>
+            <a:r>
+              <a:rPr kumimoji="1" lang="ja-JP" altLang="en-US" dirty="0" smtClean="0"/>
+              <a:t>。</a:t>
             </a:r>
             <a:endParaRPr kumimoji="1" lang="en-US" altLang="ja-JP" dirty="0" smtClean="0"/>
           </a:p>
@@ -4495,15 +4567,39 @@
             <a:pPr algn="l"/>
             <a:r>
               <a:rPr kumimoji="1" lang="ja-JP" altLang="en-US" dirty="0" smtClean="0"/>
-              <a:t>走行体の暴走によるコース逸脱を判定し、復帰</a:t>
-            </a:r>
-            <a:r>
-              <a:rPr kumimoji="1" lang="ja-JP" altLang="en-US" dirty="0"/>
-              <a:t>する制御を</a:t>
+              <a:t>コース環境の影響による</a:t>
             </a:r>
             <a:r>
               <a:rPr kumimoji="1" lang="ja-JP" altLang="en-US" dirty="0" smtClean="0"/>
-              <a:t>盛り込み、何</a:t>
+              <a:t>コース逸脱を</a:t>
+            </a:r>
+            <a:r>
+              <a:rPr kumimoji="1" lang="ja-JP" altLang="en-US" dirty="0" smtClean="0"/>
+              <a:t>判定（</a:t>
+            </a:r>
+            <a:r>
+              <a:rPr kumimoji="1" lang="ja-JP" altLang="en-US" sz="2000" b="1" dirty="0" smtClean="0"/>
+              <a:t>コース離脱判定</a:t>
+            </a:r>
+            <a:r>
+              <a:rPr kumimoji="1" lang="ja-JP" altLang="en-US" dirty="0" smtClean="0"/>
+              <a:t>）し、その後に</a:t>
+            </a:r>
+            <a:r>
+              <a:rPr kumimoji="1" lang="ja-JP" altLang="en-US" sz="2000" b="1" dirty="0" smtClean="0"/>
+              <a:t>コース復帰動作</a:t>
+            </a:r>
+            <a:r>
+              <a:rPr kumimoji="1" lang="ja-JP" altLang="en-US" dirty="0" smtClean="0"/>
+              <a:t>を盛り込むことで、</a:t>
+            </a:r>
+            <a:endParaRPr kumimoji="1" lang="en-US" altLang="ja-JP" dirty="0" smtClean="0"/>
+          </a:p>
+          <a:p>
+            <a:pPr algn="l"/>
+            <a:r>
+              <a:rPr kumimoji="1" lang="ja-JP" altLang="en-US" dirty="0" smtClean="0"/>
+              <a:t>私たちは何</a:t>
             </a:r>
             <a:r>
               <a:rPr kumimoji="1" lang="ja-JP" altLang="en-US" dirty="0"/>
@@ -4521,48 +4617,12 @@
           </a:p>
         </p:txBody>
       </p:sp>
-      <p:pic>
-        <p:nvPicPr>
-          <p:cNvPr id="5" name="図 4">
-            <a:extLst>
-              <a:ext uri="{FF2B5EF4-FFF2-40B4-BE49-F238E27FC236}">
-                <a16:creationId xmlns:a16="http://schemas.microsoft.com/office/drawing/2014/main" xmlns="" id="{07046BC0-6FE4-4C92-99FB-987A763D33C0}"/>
-              </a:ext>
-            </a:extLst>
-          </p:cNvPr>
-          <p:cNvPicPr>
-            <a:picLocks noChangeAspect="1"/>
-          </p:cNvPicPr>
-          <p:nvPr/>
-        </p:nvPicPr>
-        <p:blipFill>
-          <a:blip r:embed="rId4">
-            <a:extLst>
-              <a:ext uri="{28A0092B-C50C-407E-A947-70E740481C1C}">
-                <a14:useLocalDpi xmlns:a14="http://schemas.microsoft.com/office/drawing/2010/main" val="0"/>
-              </a:ext>
-            </a:extLst>
-          </a:blip>
-          <a:stretch>
-            <a:fillRect/>
-          </a:stretch>
-        </p:blipFill>
-        <p:spPr>
-          <a:xfrm>
-            <a:off x="719109" y="3871975"/>
-            <a:ext cx="7932915" cy="4814940"/>
-          </a:xfrm>
-          <a:prstGeom prst="rect">
-            <a:avLst/>
-          </a:prstGeom>
-        </p:spPr>
-      </p:pic>
       <p:cxnSp>
         <p:nvCxnSpPr>
           <p:cNvPr id="9" name="直線コネクタ 8">
             <a:extLst>
               <a:ext uri="{FF2B5EF4-FFF2-40B4-BE49-F238E27FC236}">
-                <a16:creationId xmlns:a16="http://schemas.microsoft.com/office/drawing/2014/main" xmlns="" id="{59E591C2-C00D-48E3-ABC6-CFCF840C0BB8}"/>
+                <a16:creationId xmlns="" xmlns:a16="http://schemas.microsoft.com/office/drawing/2014/main" id="{59E591C2-C00D-48E3-ABC6-CFCF840C0BB8}"/>
               </a:ext>
             </a:extLst>
           </p:cNvPr>
@@ -4573,7 +4633,7 @@
         </p:nvCxnSpPr>
         <p:spPr bwMode="auto">
           <a:xfrm>
-            <a:off x="4679355" y="3761730"/>
+            <a:off x="4679355" y="4120313"/>
             <a:ext cx="33233" cy="6075998"/>
           </a:xfrm>
           <a:prstGeom prst="line">
@@ -4619,7 +4679,7 @@
           <p:cNvPr id="10" name="直線コネクタ 9">
             <a:extLst>
               <a:ext uri="{FF2B5EF4-FFF2-40B4-BE49-F238E27FC236}">
-                <a16:creationId xmlns:a16="http://schemas.microsoft.com/office/drawing/2014/main" xmlns="" id="{11FED210-3E54-4989-B8F1-66BC67898A48}"/>
+                <a16:creationId xmlns="" xmlns:a16="http://schemas.microsoft.com/office/drawing/2014/main" id="{11FED210-3E54-4989-B8F1-66BC67898A48}"/>
               </a:ext>
             </a:extLst>
           </p:cNvPr>
@@ -4630,7 +4690,7 @@
         </p:nvCxnSpPr>
         <p:spPr bwMode="auto">
           <a:xfrm>
-            <a:off x="6623571" y="3777039"/>
+            <a:off x="6623571" y="4135622"/>
             <a:ext cx="0" cy="5961355"/>
           </a:xfrm>
           <a:prstGeom prst="line">
@@ -4676,7 +4736,7 @@
           <p:cNvPr id="11" name="直線コネクタ 10">
             <a:extLst>
               <a:ext uri="{FF2B5EF4-FFF2-40B4-BE49-F238E27FC236}">
-                <a16:creationId xmlns:a16="http://schemas.microsoft.com/office/drawing/2014/main" xmlns="" id="{58746A49-3050-4518-A47D-F346298CE0A0}"/>
+                <a16:creationId xmlns="" xmlns:a16="http://schemas.microsoft.com/office/drawing/2014/main" id="{58746A49-3050-4518-A47D-F346298CE0A0}"/>
               </a:ext>
             </a:extLst>
           </p:cNvPr>
@@ -4687,7 +4747,7 @@
         </p:nvCxnSpPr>
         <p:spPr bwMode="auto">
           <a:xfrm>
-            <a:off x="3095179" y="3785102"/>
+            <a:off x="3095179" y="4143685"/>
             <a:ext cx="0" cy="5961355"/>
           </a:xfrm>
           <a:prstGeom prst="line">
@@ -4733,7 +4793,7 @@
           <p:cNvPr id="12" name="正方形/長方形 11">
             <a:extLst>
               <a:ext uri="{FF2B5EF4-FFF2-40B4-BE49-F238E27FC236}">
-                <a16:creationId xmlns:a16="http://schemas.microsoft.com/office/drawing/2014/main" xmlns="" id="{9DECE021-E8EA-4E83-B550-D55B4C9FFF48}"/>
+                <a16:creationId xmlns="" xmlns:a16="http://schemas.microsoft.com/office/drawing/2014/main" id="{9DECE021-E8EA-4E83-B550-D55B4C9FFF48}"/>
               </a:ext>
             </a:extLst>
           </p:cNvPr>
@@ -4742,7 +4802,7 @@
         </p:nvSpPr>
         <p:spPr bwMode="auto">
           <a:xfrm>
-            <a:off x="3383211" y="8874298"/>
+            <a:off x="3383211" y="9232881"/>
             <a:ext cx="1152128" cy="976678"/>
           </a:xfrm>
           <a:prstGeom prst="rect">
@@ -4796,7 +4856,7 @@
           <p:cNvPr id="13" name="正方形/長方形 12">
             <a:extLst>
               <a:ext uri="{FF2B5EF4-FFF2-40B4-BE49-F238E27FC236}">
-                <a16:creationId xmlns:a16="http://schemas.microsoft.com/office/drawing/2014/main" xmlns="" id="{9383FF73-90D3-42DD-BC3B-7F3FD6B34BEA}"/>
+                <a16:creationId xmlns="" xmlns:a16="http://schemas.microsoft.com/office/drawing/2014/main" id="{9383FF73-90D3-42DD-BC3B-7F3FD6B34BEA}"/>
               </a:ext>
             </a:extLst>
           </p:cNvPr>
@@ -4805,7 +4865,7 @@
         </p:nvSpPr>
         <p:spPr bwMode="auto">
           <a:xfrm>
-            <a:off x="5009181" y="8851228"/>
+            <a:off x="5009181" y="9209811"/>
             <a:ext cx="1470374" cy="999748"/>
           </a:xfrm>
           <a:prstGeom prst="rect">
@@ -4882,7 +4942,7 @@
           <p:cNvPr id="14" name="正方形/長方形 13">
             <a:extLst>
               <a:ext uri="{FF2B5EF4-FFF2-40B4-BE49-F238E27FC236}">
-                <a16:creationId xmlns:a16="http://schemas.microsoft.com/office/drawing/2014/main" xmlns="" id="{CD9080B7-7DDA-4F8F-8486-CA62F83DBF35}"/>
+                <a16:creationId xmlns="" xmlns:a16="http://schemas.microsoft.com/office/drawing/2014/main" id="{CD9080B7-7DDA-4F8F-8486-CA62F83DBF35}"/>
               </a:ext>
             </a:extLst>
           </p:cNvPr>
@@ -4891,7 +4951,7 @@
         </p:nvSpPr>
         <p:spPr bwMode="auto">
           <a:xfrm>
-            <a:off x="6839595" y="8882662"/>
+            <a:off x="6839595" y="9241245"/>
             <a:ext cx="1584176" cy="927740"/>
           </a:xfrm>
           <a:prstGeom prst="rect">
@@ -4968,7 +5028,7 @@
           <p:cNvPr id="20" name="タイトル 1">
             <a:extLst>
               <a:ext uri="{FF2B5EF4-FFF2-40B4-BE49-F238E27FC236}">
-                <a16:creationId xmlns:a16="http://schemas.microsoft.com/office/drawing/2014/main" xmlns="" id="{7C6D1384-7384-4F34-976A-6423FC7BDED1}"/>
+                <a16:creationId xmlns="" xmlns:a16="http://schemas.microsoft.com/office/drawing/2014/main" id="{7C6D1384-7384-4F34-976A-6423FC7BDED1}"/>
               </a:ext>
             </a:extLst>
           </p:cNvPr>
@@ -5018,7 +5078,6 @@
               <a:rPr lang="ja-JP" altLang="en-US" dirty="0"/>
               <a:t>要求分析</a:t>
             </a:r>
-            <a:endParaRPr lang="ja-JP" altLang="en-US" dirty="0"/>
           </a:p>
         </p:txBody>
       </p:sp>
@@ -5031,7 +5090,7 @@
         <p:spPr>
           <a:xfrm>
             <a:off x="645617" y="1071379"/>
-            <a:ext cx="8066186" cy="769441"/>
+            <a:ext cx="8066186" cy="1138773"/>
           </a:xfrm>
           <a:prstGeom prst="rect">
             <a:avLst/>
@@ -5047,9 +5106,25 @@
             <a:pPr algn="l"/>
             <a:r>
               <a:rPr kumimoji="1" lang="ja-JP" altLang="en-US" sz="4400" dirty="0" smtClean="0"/>
-              <a:t>チーム目標：コースを完走する</a:t>
-            </a:r>
-            <a:endParaRPr kumimoji="1" lang="ja-JP" altLang="en-US" sz="4400" dirty="0"/>
+              <a:t>選択課題：</a:t>
+            </a:r>
+            <a:r>
+              <a:rPr kumimoji="1" lang="ja-JP" altLang="en-US" sz="4400" dirty="0" smtClean="0"/>
+              <a:t>コースを完走</a:t>
+            </a:r>
+            <a:r>
+              <a:rPr kumimoji="1" lang="ja-JP" altLang="en-US" sz="4400" dirty="0" smtClean="0"/>
+              <a:t>する</a:t>
+            </a:r>
+            <a:endParaRPr kumimoji="1" lang="en-US" altLang="ja-JP" sz="4400" dirty="0" smtClean="0"/>
+          </a:p>
+          <a:p>
+            <a:pPr algn="l"/>
+            <a:r>
+              <a:rPr kumimoji="1" lang="ja-JP" altLang="en-US" sz="2400" u="sng" dirty="0" smtClean="0"/>
+              <a:t>チーム目標：制限時間内にコースを完走する</a:t>
+            </a:r>
+            <a:endParaRPr kumimoji="1" lang="ja-JP" altLang="en-US" sz="2400" u="sng" dirty="0"/>
           </a:p>
         </p:txBody>
       </p:sp>
@@ -5058,7 +5133,7 @@
           <p:cNvPr id="25" name="テキスト ボックス 24">
             <a:extLst>
               <a:ext uri="{FF2B5EF4-FFF2-40B4-BE49-F238E27FC236}">
-                <a16:creationId xmlns:a16="http://schemas.microsoft.com/office/drawing/2014/main" xmlns="" id="{825F097D-4588-4F8F-AA42-B0D77B0F9CE3}"/>
+                <a16:creationId xmlns="" xmlns:a16="http://schemas.microsoft.com/office/drawing/2014/main" id="{825F097D-4588-4F8F-AA42-B0D77B0F9CE3}"/>
               </a:ext>
             </a:extLst>
           </p:cNvPr>
@@ -5067,7 +5142,7 @@
         </p:nvSpPr>
         <p:spPr>
           <a:xfrm>
-            <a:off x="9837764" y="3473698"/>
+            <a:off x="9837764" y="3783230"/>
             <a:ext cx="1970383" cy="338540"/>
           </a:xfrm>
           <a:prstGeom prst="rect">
@@ -5098,7 +5173,7 @@
           <p:cNvPr id="30" name="テキスト ボックス 29">
             <a:extLst>
               <a:ext uri="{FF2B5EF4-FFF2-40B4-BE49-F238E27FC236}">
-                <a16:creationId xmlns:a16="http://schemas.microsoft.com/office/drawing/2014/main" xmlns="" id="{825F097D-4588-4F8F-AA42-B0D77B0F9CE3}"/>
+                <a16:creationId xmlns="" xmlns:a16="http://schemas.microsoft.com/office/drawing/2014/main" id="{825F097D-4588-4F8F-AA42-B0D77B0F9CE3}"/>
               </a:ext>
             </a:extLst>
           </p:cNvPr>
@@ -5107,7 +5182,7 @@
         </p:nvSpPr>
         <p:spPr>
           <a:xfrm>
-            <a:off x="646907" y="3113658"/>
+            <a:off x="646907" y="3472241"/>
             <a:ext cx="1545106" cy="461651"/>
           </a:xfrm>
           <a:prstGeom prst="rect">
@@ -5157,6 +5232,639 @@
 </file>
 
 <file path=ppt/slides/slide2.xml><?xml version="1.0" encoding="utf-8"?>
+<p:sld xmlns:a="http://schemas.openxmlformats.org/drawingml/2006/main" xmlns:r="http://schemas.openxmlformats.org/officeDocument/2006/relationships" xmlns:p="http://schemas.openxmlformats.org/presentationml/2006/main">
+  <p:cSld>
+    <p:spTree>
+      <p:nvGrpSpPr>
+        <p:cNvPr id="1" name=""/>
+        <p:cNvGrpSpPr/>
+        <p:nvPr/>
+      </p:nvGrpSpPr>
+      <p:grpSpPr>
+        <a:xfrm>
+          <a:off x="0" y="0"/>
+          <a:ext cx="0" cy="0"/>
+          <a:chOff x="0" y="0"/>
+          <a:chExt cx="0" cy="0"/>
+        </a:xfrm>
+      </p:grpSpPr>
+      <p:pic>
+        <p:nvPicPr>
+          <p:cNvPr id="13" name="Picture 2"/>
+          <p:cNvPicPr>
+            <a:picLocks noChangeAspect="1" noChangeArrowheads="1"/>
+          </p:cNvPicPr>
+          <p:nvPr/>
+        </p:nvPicPr>
+        <p:blipFill>
+          <a:blip r:embed="rId2">
+            <a:extLst>
+              <a:ext uri="{28A0092B-C50C-407E-A947-70E740481C1C}">
+                <a14:useLocalDpi xmlns:a14="http://schemas.microsoft.com/office/drawing/2010/main" val="0"/>
+              </a:ext>
+            </a:extLst>
+          </a:blip>
+          <a:srcRect/>
+          <a:stretch>
+            <a:fillRect/>
+          </a:stretch>
+        </p:blipFill>
+        <p:spPr bwMode="auto">
+          <a:xfrm rot="20170630">
+            <a:off x="148768" y="863613"/>
+            <a:ext cx="1053100" cy="1053098"/>
+          </a:xfrm>
+          <a:prstGeom prst="rect">
+            <a:avLst/>
+          </a:prstGeom>
+          <a:noFill/>
+          <a:ln>
+            <a:noFill/>
+          </a:ln>
+          <a:effectLst/>
+          <a:extLst>
+            <a:ext uri="{909E8E84-426E-40DD-AFC4-6F175D3DCCD1}">
+              <a14:hiddenFill xmlns:a14="http://schemas.microsoft.com/office/drawing/2010/main">
+                <a:solidFill>
+                  <a:schemeClr val="accent1"/>
+                </a:solidFill>
+              </a14:hiddenFill>
+            </a:ext>
+            <a:ext uri="{91240B29-F687-4F45-9708-019B960494DF}">
+              <a14:hiddenLine xmlns:a14="http://schemas.microsoft.com/office/drawing/2010/main" w="9525">
+                <a:solidFill>
+                  <a:schemeClr val="tx1"/>
+                </a:solidFill>
+                <a:miter lim="800000"/>
+                <a:headEnd/>
+                <a:tailEnd/>
+              </a14:hiddenLine>
+            </a:ext>
+            <a:ext uri="{AF507438-7753-43E0-B8FC-AC1667EBCBE1}">
+              <a14:hiddenEffects xmlns:a14="http://schemas.microsoft.com/office/drawing/2010/main">
+                <a:effectLst>
+                  <a:outerShdw dist="35921" dir="2700000" algn="ctr" rotWithShape="0">
+                    <a:schemeClr val="bg2"/>
+                  </a:outerShdw>
+                </a:effectLst>
+              </a14:hiddenEffects>
+            </a:ext>
+          </a:extLst>
+        </p:spPr>
+      </p:pic>
+      <p:sp>
+        <p:nvSpPr>
+          <p:cNvPr id="11" name="四角形: 角を丸くする 10">
+            <a:extLst>
+              <a:ext uri="{FF2B5EF4-FFF2-40B4-BE49-F238E27FC236}">
+                <a16:creationId xmlns="" xmlns:a16="http://schemas.microsoft.com/office/drawing/2014/main" id="{8D728D74-7BE4-4AAF-9546-CBEB3D136285}"/>
+              </a:ext>
+            </a:extLst>
+          </p:cNvPr>
+          <p:cNvSpPr/>
+          <p:nvPr/>
+        </p:nvSpPr>
+        <p:spPr bwMode="auto">
+          <a:xfrm>
+            <a:off x="9503891" y="1903008"/>
+            <a:ext cx="5544617" cy="8712969"/>
+          </a:xfrm>
+          <a:prstGeom prst="roundRect">
+            <a:avLst>
+              <a:gd name="adj" fmla="val 5155"/>
+            </a:avLst>
+          </a:prstGeom>
+          <a:solidFill>
+            <a:srgbClr val="FFCC33"/>
+          </a:solidFill>
+          <a:ln w="9525" cap="flat" cmpd="sng" algn="ctr">
+            <a:solidFill>
+              <a:schemeClr val="tx1"/>
+            </a:solidFill>
+            <a:prstDash val="solid"/>
+            <a:round/>
+            <a:headEnd type="none" w="med" len="med"/>
+            <a:tailEnd type="none" w="med" len="med"/>
+          </a:ln>
+          <a:effectLst/>
+          <a:extLst/>
+        </p:spPr>
+        <p:txBody>
+          <a:bodyPr vert="horz" wrap="none" lIns="91426" tIns="45713" rIns="91426" bIns="45713" numCol="1" rtlCol="0" anchor="ctr" anchorCtr="0" compatLnSpc="1">
+            <a:prstTxWarp prst="textNoShape">
+              <a:avLst/>
+            </a:prstTxWarp>
+          </a:bodyPr>
+          <a:lstStyle/>
+          <a:p>
+            <a:pPr defTabSz="914251"/>
+            <a:endParaRPr lang="ja-JP" altLang="en-US"/>
+          </a:p>
+        </p:txBody>
+      </p:sp>
+      <p:sp>
+        <p:nvSpPr>
+          <p:cNvPr id="12" name="テキスト ボックス 11">
+            <a:extLst>
+              <a:ext uri="{FF2B5EF4-FFF2-40B4-BE49-F238E27FC236}">
+                <a16:creationId xmlns="" xmlns:a16="http://schemas.microsoft.com/office/drawing/2014/main" id="{6DAB8946-024A-424B-9B7B-03ED2B52099B}"/>
+              </a:ext>
+            </a:extLst>
+          </p:cNvPr>
+          <p:cNvSpPr txBox="1"/>
+          <p:nvPr/>
+        </p:nvSpPr>
+        <p:spPr>
+          <a:xfrm>
+            <a:off x="9598457" y="1997199"/>
+            <a:ext cx="1561618" cy="338540"/>
+          </a:xfrm>
+          <a:prstGeom prst="rect">
+            <a:avLst/>
+          </a:prstGeom>
+          <a:noFill/>
+        </p:spPr>
+        <p:txBody>
+          <a:bodyPr wrap="none" lIns="91426" tIns="45713" rIns="91426" bIns="45713" rtlCol="0">
+            <a:spAutoFit/>
+          </a:bodyPr>
+          <a:lstStyle/>
+          <a:p>
+            <a:r>
+              <a:rPr kumimoji="1" lang="ja-JP" altLang="en-US" sz="1600" b="1" dirty="0" smtClean="0"/>
+              <a:t>コース復帰</a:t>
+            </a:r>
+            <a:r>
+              <a:rPr kumimoji="1" lang="ja-JP" altLang="en-US" sz="1600" b="1" dirty="0"/>
+              <a:t>動作</a:t>
+            </a:r>
+          </a:p>
+        </p:txBody>
+      </p:sp>
+      <p:sp>
+        <p:nvSpPr>
+          <p:cNvPr id="3" name="四角形: 角を丸くする 2">
+            <a:extLst>
+              <a:ext uri="{FF2B5EF4-FFF2-40B4-BE49-F238E27FC236}">
+                <a16:creationId xmlns="" xmlns:a16="http://schemas.microsoft.com/office/drawing/2014/main" id="{2B99B1EA-17D2-4495-A343-2A1713BC8495}"/>
+              </a:ext>
+            </a:extLst>
+          </p:cNvPr>
+          <p:cNvSpPr/>
+          <p:nvPr/>
+        </p:nvSpPr>
+        <p:spPr bwMode="auto">
+          <a:xfrm>
+            <a:off x="70843" y="1950060"/>
+            <a:ext cx="6122269" cy="8652433"/>
+          </a:xfrm>
+          <a:prstGeom prst="roundRect">
+            <a:avLst>
+              <a:gd name="adj" fmla="val 5155"/>
+            </a:avLst>
+          </a:prstGeom>
+          <a:solidFill>
+            <a:srgbClr val="9999FF"/>
+          </a:solidFill>
+          <a:ln w="9525" cap="flat" cmpd="sng" algn="ctr">
+            <a:solidFill>
+              <a:schemeClr val="tx1"/>
+            </a:solidFill>
+            <a:prstDash val="solid"/>
+            <a:round/>
+            <a:headEnd type="none" w="med" len="med"/>
+            <a:tailEnd type="none" w="med" len="med"/>
+          </a:ln>
+          <a:effectLst/>
+          <a:extLst/>
+        </p:spPr>
+        <p:txBody>
+          <a:bodyPr vert="horz" wrap="none" lIns="91426" tIns="45713" rIns="91426" bIns="45713" numCol="1" rtlCol="0" anchor="ctr" anchorCtr="0" compatLnSpc="1">
+            <a:prstTxWarp prst="textNoShape">
+              <a:avLst/>
+            </a:prstTxWarp>
+          </a:bodyPr>
+          <a:lstStyle/>
+          <a:p>
+            <a:pPr defTabSz="914251"/>
+            <a:endParaRPr lang="ja-JP" altLang="en-US"/>
+          </a:p>
+        </p:txBody>
+      </p:sp>
+      <p:sp>
+        <p:nvSpPr>
+          <p:cNvPr id="2" name="タイトル 1">
+            <a:extLst>
+              <a:ext uri="{FF2B5EF4-FFF2-40B4-BE49-F238E27FC236}">
+                <a16:creationId xmlns="" xmlns:a16="http://schemas.microsoft.com/office/drawing/2014/main" id="{00985285-FEFA-4CC6-9C7D-D07529FB9C08}"/>
+              </a:ext>
+            </a:extLst>
+          </p:cNvPr>
+          <p:cNvSpPr>
+            <a:spLocks noGrp="1"/>
+          </p:cNvSpPr>
+          <p:nvPr>
+            <p:ph type="title"/>
+          </p:nvPr>
+        </p:nvSpPr>
+        <p:spPr/>
+        <p:txBody>
+          <a:bodyPr>
+            <a:normAutofit/>
+          </a:bodyPr>
+          <a:lstStyle/>
+          <a:p>
+            <a:r>
+              <a:rPr lang="en-US" altLang="ja-JP" dirty="0"/>
+              <a:t>2</a:t>
+            </a:r>
+            <a:r>
+              <a:rPr kumimoji="1" lang="en-US" altLang="ja-JP" dirty="0" smtClean="0"/>
+              <a:t>. </a:t>
+            </a:r>
+            <a:r>
+              <a:rPr kumimoji="1" lang="ja-JP" altLang="en-US" dirty="0"/>
+              <a:t>機能実現</a:t>
+            </a:r>
+          </a:p>
+        </p:txBody>
+      </p:sp>
+      <p:pic>
+        <p:nvPicPr>
+          <p:cNvPr id="5" name="図 4">
+            <a:extLst>
+              <a:ext uri="{FF2B5EF4-FFF2-40B4-BE49-F238E27FC236}">
+                <a16:creationId xmlns="" xmlns:a16="http://schemas.microsoft.com/office/drawing/2014/main" id="{ED4E47EA-F070-470B-B67E-DCC075665A33}"/>
+              </a:ext>
+            </a:extLst>
+          </p:cNvPr>
+          <p:cNvPicPr>
+            <a:picLocks noChangeAspect="1"/>
+          </p:cNvPicPr>
+          <p:nvPr/>
+        </p:nvPicPr>
+        <p:blipFill rotWithShape="1">
+          <a:blip r:embed="rId3">
+            <a:extLst>
+              <a:ext uri="{28A0092B-C50C-407E-A947-70E740481C1C}">
+                <a14:useLocalDpi xmlns:a14="http://schemas.microsoft.com/office/drawing/2010/main" val="0"/>
+              </a:ext>
+            </a:extLst>
+          </a:blip>
+          <a:srcRect l="3748" t="4110" r="2435" b="3175"/>
+          <a:stretch/>
+        </p:blipFill>
+        <p:spPr>
+          <a:xfrm>
+            <a:off x="184218" y="2364547"/>
+            <a:ext cx="5885548" cy="8122961"/>
+          </a:xfrm>
+          <a:prstGeom prst="rect">
+            <a:avLst/>
+          </a:prstGeom>
+        </p:spPr>
+      </p:pic>
+      <p:pic>
+        <p:nvPicPr>
+          <p:cNvPr id="7" name="図 6">
+            <a:extLst>
+              <a:ext uri="{FF2B5EF4-FFF2-40B4-BE49-F238E27FC236}">
+                <a16:creationId xmlns="" xmlns:a16="http://schemas.microsoft.com/office/drawing/2014/main" id="{5DC6CF66-20C4-42F3-B60B-C501E9888B57}"/>
+              </a:ext>
+            </a:extLst>
+          </p:cNvPr>
+          <p:cNvPicPr>
+            <a:picLocks noChangeAspect="1"/>
+          </p:cNvPicPr>
+          <p:nvPr/>
+        </p:nvPicPr>
+        <p:blipFill rotWithShape="1">
+          <a:blip r:embed="rId4">
+            <a:extLst>
+              <a:ext uri="{28A0092B-C50C-407E-A947-70E740481C1C}">
+                <a14:useLocalDpi xmlns:a14="http://schemas.microsoft.com/office/drawing/2010/main" val="0"/>
+              </a:ext>
+            </a:extLst>
+          </a:blip>
+          <a:srcRect l="4909" t="4150" r="2502" b="2074"/>
+          <a:stretch/>
+        </p:blipFill>
+        <p:spPr>
+          <a:xfrm>
+            <a:off x="9575899" y="2357575"/>
+            <a:ext cx="5328592" cy="8136905"/>
+          </a:xfrm>
+          <a:prstGeom prst="rect">
+            <a:avLst/>
+          </a:prstGeom>
+        </p:spPr>
+      </p:pic>
+      <p:pic>
+        <p:nvPicPr>
+          <p:cNvPr id="8" name="図 7">
+            <a:extLst>
+              <a:ext uri="{FF2B5EF4-FFF2-40B4-BE49-F238E27FC236}">
+                <a16:creationId xmlns="" xmlns:a16="http://schemas.microsoft.com/office/drawing/2014/main" id="{437CF701-064E-49D7-AD2F-938C11165724}"/>
+              </a:ext>
+            </a:extLst>
+          </p:cNvPr>
+          <p:cNvPicPr>
+            <a:picLocks noChangeAspect="1"/>
+          </p:cNvPicPr>
+          <p:nvPr/>
+        </p:nvPicPr>
+        <p:blipFill rotWithShape="1">
+          <a:blip r:embed="rId5">
+            <a:extLst>
+              <a:ext uri="{28A0092B-C50C-407E-A947-70E740481C1C}">
+                <a14:useLocalDpi xmlns:a14="http://schemas.microsoft.com/office/drawing/2010/main" val="0"/>
+              </a:ext>
+            </a:extLst>
+          </a:blip>
+          <a:srcRect l="8937" t="9934" r="5345" b="6206"/>
+          <a:stretch/>
+        </p:blipFill>
+        <p:spPr>
+          <a:xfrm>
+            <a:off x="6257127" y="2147027"/>
+            <a:ext cx="3096343" cy="3744415"/>
+          </a:xfrm>
+          <a:prstGeom prst="rect">
+            <a:avLst/>
+          </a:prstGeom>
+        </p:spPr>
+      </p:pic>
+      <p:sp>
+        <p:nvSpPr>
+          <p:cNvPr id="14" name="テキスト ボックス 13">
+            <a:extLst>
+              <a:ext uri="{FF2B5EF4-FFF2-40B4-BE49-F238E27FC236}">
+                <a16:creationId xmlns="" xmlns:a16="http://schemas.microsoft.com/office/drawing/2014/main" id="{6D709A13-6AAF-442E-AD6F-978BDC42B238}"/>
+              </a:ext>
+            </a:extLst>
+          </p:cNvPr>
+          <p:cNvSpPr txBox="1"/>
+          <p:nvPr/>
+        </p:nvSpPr>
+        <p:spPr>
+          <a:xfrm>
+            <a:off x="554628" y="1220885"/>
+            <a:ext cx="13701791" cy="584761"/>
+          </a:xfrm>
+          <a:prstGeom prst="rect">
+            <a:avLst/>
+          </a:prstGeom>
+          <a:noFill/>
+        </p:spPr>
+        <p:txBody>
+          <a:bodyPr wrap="square" lIns="91426" tIns="45713" rIns="91426" bIns="45713" rtlCol="0">
+            <a:spAutoFit/>
+          </a:bodyPr>
+          <a:lstStyle/>
+          <a:p>
+            <a:pPr algn="l"/>
+            <a:r>
+              <a:rPr kumimoji="1" lang="ja-JP" altLang="en-US" sz="1600" dirty="0" smtClean="0"/>
+              <a:t>コース復帰</a:t>
+            </a:r>
+            <a:r>
+              <a:rPr kumimoji="1" lang="ja-JP" altLang="en-US" sz="1600" dirty="0"/>
+              <a:t>制御を実現するためには</a:t>
+            </a:r>
+            <a:r>
+              <a:rPr kumimoji="1" lang="ja-JP" altLang="en-US" sz="1600" dirty="0" smtClean="0"/>
+              <a:t>、コース離脱</a:t>
+            </a:r>
+            <a:r>
+              <a:rPr kumimoji="1" lang="ja-JP" altLang="en-US" sz="1600" dirty="0"/>
+              <a:t>判定</a:t>
+            </a:r>
+            <a:r>
+              <a:rPr kumimoji="1" lang="ja-JP" altLang="en-US" sz="1600" dirty="0" smtClean="0"/>
+              <a:t>とコース復帰</a:t>
+            </a:r>
+            <a:r>
+              <a:rPr kumimoji="1" lang="ja-JP" altLang="en-US" sz="1600" dirty="0"/>
+              <a:t>動作を実現する必要がある。</a:t>
+            </a:r>
+            <a:endParaRPr kumimoji="1" lang="en-US" altLang="ja-JP" sz="1600" dirty="0"/>
+          </a:p>
+          <a:p>
+            <a:pPr algn="l"/>
+            <a:r>
+              <a:rPr kumimoji="1" lang="ja-JP" altLang="en-US" sz="1600" dirty="0" smtClean="0"/>
+              <a:t>コース離脱</a:t>
+            </a:r>
+            <a:r>
+              <a:rPr kumimoji="1" lang="ja-JP" altLang="en-US" sz="1600" dirty="0" smtClean="0"/>
+              <a:t>判定と復帰動作それぞれのアクティビティ図を以下に</a:t>
+            </a:r>
+            <a:r>
+              <a:rPr kumimoji="1" lang="ja-JP" altLang="en-US" sz="1600" dirty="0" smtClean="0"/>
+              <a:t>示す</a:t>
+            </a:r>
+            <a:r>
+              <a:rPr kumimoji="1" lang="ja-JP" altLang="en-US" sz="1600" dirty="0"/>
+              <a:t>。</a:t>
+            </a:r>
+            <a:endParaRPr kumimoji="1" lang="en-US" altLang="ja-JP" sz="1600" dirty="0" smtClean="0"/>
+          </a:p>
+        </p:txBody>
+      </p:sp>
+      <p:sp>
+        <p:nvSpPr>
+          <p:cNvPr id="18" name="二等辺三角形 17"/>
+          <p:cNvSpPr/>
+          <p:nvPr/>
+        </p:nvSpPr>
+        <p:spPr>
+          <a:xfrm rot="20745225">
+            <a:off x="5807156" y="2168488"/>
+            <a:ext cx="1438318" cy="2733286"/>
+          </a:xfrm>
+          <a:prstGeom prst="triangle">
+            <a:avLst/>
+          </a:prstGeom>
+          <a:solidFill>
+            <a:schemeClr val="accent1">
+              <a:lumMod val="75000"/>
+              <a:alpha val="50000"/>
+            </a:schemeClr>
+          </a:solidFill>
+          <a:ln>
+            <a:noFill/>
+          </a:ln>
+        </p:spPr>
+        <p:style>
+          <a:lnRef idx="2">
+            <a:schemeClr val="accent1">
+              <a:shade val="50000"/>
+            </a:schemeClr>
+          </a:lnRef>
+          <a:fillRef idx="1">
+            <a:schemeClr val="accent1"/>
+          </a:fillRef>
+          <a:effectRef idx="0">
+            <a:schemeClr val="accent1"/>
+          </a:effectRef>
+          <a:fontRef idx="minor">
+            <a:schemeClr val="lt1"/>
+          </a:fontRef>
+        </p:style>
+        <p:txBody>
+          <a:bodyPr rtlCol="0" anchor="ctr"/>
+          <a:lstStyle/>
+          <a:p>
+            <a:pPr algn="ctr"/>
+            <a:endParaRPr kumimoji="1" lang="ja-JP" altLang="en-US"/>
+          </a:p>
+        </p:txBody>
+      </p:sp>
+      <p:sp>
+        <p:nvSpPr>
+          <p:cNvPr id="20" name="二等辺三角形 19"/>
+          <p:cNvSpPr/>
+          <p:nvPr/>
+        </p:nvSpPr>
+        <p:spPr>
+          <a:xfrm rot="692669">
+            <a:off x="8454956" y="2175163"/>
+            <a:ext cx="1438318" cy="3450232"/>
+          </a:xfrm>
+          <a:prstGeom prst="triangle">
+            <a:avLst/>
+          </a:prstGeom>
+          <a:solidFill>
+            <a:srgbClr val="FFCC33">
+              <a:alpha val="50000"/>
+            </a:srgbClr>
+          </a:solidFill>
+          <a:ln>
+            <a:noFill/>
+          </a:ln>
+        </p:spPr>
+        <p:style>
+          <a:lnRef idx="2">
+            <a:schemeClr val="accent1">
+              <a:shade val="50000"/>
+            </a:schemeClr>
+          </a:lnRef>
+          <a:fillRef idx="1">
+            <a:schemeClr val="accent1"/>
+          </a:fillRef>
+          <a:effectRef idx="0">
+            <a:schemeClr val="accent1"/>
+          </a:effectRef>
+          <a:fontRef idx="minor">
+            <a:schemeClr val="lt1"/>
+          </a:fontRef>
+        </p:style>
+        <p:txBody>
+          <a:bodyPr rtlCol="0" anchor="ctr"/>
+          <a:lstStyle/>
+          <a:p>
+            <a:pPr algn="ctr"/>
+            <a:endParaRPr kumimoji="1" lang="ja-JP" altLang="en-US" dirty="0"/>
+          </a:p>
+        </p:txBody>
+      </p:sp>
+      <p:sp>
+        <p:nvSpPr>
+          <p:cNvPr id="22" name="テキスト ボックス 21">
+            <a:extLst>
+              <a:ext uri="{FF2B5EF4-FFF2-40B4-BE49-F238E27FC236}">
+                <a16:creationId xmlns="" xmlns:a16="http://schemas.microsoft.com/office/drawing/2014/main" id="{6DAB8946-024A-424B-9B7B-03ED2B52099B}"/>
+              </a:ext>
+            </a:extLst>
+          </p:cNvPr>
+          <p:cNvSpPr txBox="1"/>
+          <p:nvPr/>
+        </p:nvSpPr>
+        <p:spPr>
+          <a:xfrm>
+            <a:off x="6660939" y="5937736"/>
+            <a:ext cx="2235924" cy="338540"/>
+          </a:xfrm>
+          <a:prstGeom prst="rect">
+            <a:avLst/>
+          </a:prstGeom>
+          <a:noFill/>
+        </p:spPr>
+        <p:txBody>
+          <a:bodyPr wrap="square" lIns="91426" tIns="45713" rIns="91426" bIns="45713" rtlCol="0">
+            <a:spAutoFit/>
+          </a:bodyPr>
+          <a:lstStyle/>
+          <a:p>
+            <a:r>
+              <a:rPr kumimoji="1" lang="ja-JP" altLang="en-US" sz="1600" b="1" dirty="0" smtClean="0"/>
+              <a:t>全体アクティビティ図</a:t>
+            </a:r>
+            <a:endParaRPr kumimoji="1" lang="ja-JP" altLang="en-US" sz="1600" b="1" dirty="0"/>
+          </a:p>
+        </p:txBody>
+      </p:sp>
+      <p:sp>
+        <p:nvSpPr>
+          <p:cNvPr id="23" name="テキスト ボックス 22">
+            <a:extLst>
+              <a:ext uri="{FF2B5EF4-FFF2-40B4-BE49-F238E27FC236}">
+                <a16:creationId xmlns="" xmlns:a16="http://schemas.microsoft.com/office/drawing/2014/main" id="{825F097D-4588-4F8F-AA42-B0D77B0F9CE3}"/>
+              </a:ext>
+            </a:extLst>
+          </p:cNvPr>
+          <p:cNvSpPr txBox="1"/>
+          <p:nvPr/>
+        </p:nvSpPr>
+        <p:spPr>
+          <a:xfrm>
+            <a:off x="237417" y="1987798"/>
+            <a:ext cx="1561618" cy="338540"/>
+          </a:xfrm>
+          <a:prstGeom prst="rect">
+            <a:avLst/>
+          </a:prstGeom>
+          <a:noFill/>
+        </p:spPr>
+        <p:txBody>
+          <a:bodyPr wrap="none" lIns="91426" tIns="45713" rIns="91426" bIns="45713" rtlCol="0">
+            <a:spAutoFit/>
+          </a:bodyPr>
+          <a:lstStyle/>
+          <a:p>
+            <a:r>
+              <a:rPr kumimoji="1" lang="ja-JP" altLang="en-US" sz="1600" b="1" dirty="0" smtClean="0"/>
+              <a:t>コース離脱</a:t>
+            </a:r>
+            <a:r>
+              <a:rPr kumimoji="1" lang="ja-JP" altLang="en-US" sz="1600" b="1" dirty="0" smtClean="0"/>
+              <a:t>判定</a:t>
+            </a:r>
+            <a:endParaRPr kumimoji="1" lang="ja-JP" altLang="en-US" sz="1600" b="1" dirty="0"/>
+          </a:p>
+        </p:txBody>
+      </p:sp>
+    </p:spTree>
+    <p:extLst>
+      <p:ext uri="{BB962C8B-B14F-4D97-AF65-F5344CB8AC3E}">
+        <p14:creationId xmlns:p14="http://schemas.microsoft.com/office/powerpoint/2010/main" val="3204753826"/>
+      </p:ext>
+    </p:extLst>
+  </p:cSld>
+  <p:clrMapOvr>
+    <a:masterClrMapping/>
+  </p:clrMapOvr>
+  <p:timing>
+    <p:tnLst>
+      <p:par>
+        <p:cTn id="1" dur="indefinite" restart="never" nodeType="tmRoot"/>
+      </p:par>
+    </p:tnLst>
+  </p:timing>
+</p:sld>
+</file>
+
+<file path=ppt/slides/slide3.xml><?xml version="1.0" encoding="utf-8"?>
 <p:sld xmlns:a="http://schemas.openxmlformats.org/drawingml/2006/main" xmlns:r="http://schemas.openxmlformats.org/officeDocument/2006/relationships" xmlns:p="http://schemas.openxmlformats.org/presentationml/2006/main">
   <p:cSld>
     <p:spTree>
@@ -5242,7 +5950,7 @@
           <p:cNvPr id="108" name="正方形/長方形 107">
             <a:extLst>
               <a:ext uri="{FF2B5EF4-FFF2-40B4-BE49-F238E27FC236}">
-                <a16:creationId xmlns:a16="http://schemas.microsoft.com/office/drawing/2014/main" xmlns="" id="{F0AD242C-2707-42C1-B855-282DE7356811}"/>
+                <a16:creationId xmlns="" xmlns:a16="http://schemas.microsoft.com/office/drawing/2014/main" id="{F0AD242C-2707-42C1-B855-282DE7356811}"/>
               </a:ext>
             </a:extLst>
           </p:cNvPr>
@@ -5290,7 +5998,7 @@
           <p:cNvPr id="109" name="図 108">
             <a:extLst>
               <a:ext uri="{FF2B5EF4-FFF2-40B4-BE49-F238E27FC236}">
-                <a16:creationId xmlns:a16="http://schemas.microsoft.com/office/drawing/2014/main" xmlns="" id="{F7515783-8844-40D8-BA89-8BF2C6CE5E06}"/>
+                <a16:creationId xmlns="" xmlns:a16="http://schemas.microsoft.com/office/drawing/2014/main" id="{F7515783-8844-40D8-BA89-8BF2C6CE5E06}"/>
               </a:ext>
             </a:extLst>
           </p:cNvPr>
@@ -5337,7 +6045,7 @@
           <p:cNvPr id="128" name="直線矢印コネクタ 127">
             <a:extLst>
               <a:ext uri="{FF2B5EF4-FFF2-40B4-BE49-F238E27FC236}">
-                <a16:creationId xmlns:a16="http://schemas.microsoft.com/office/drawing/2014/main" xmlns="" id="{6755A929-D77C-462A-BF40-EE03A82AF4AD}"/>
+                <a16:creationId xmlns="" xmlns:a16="http://schemas.microsoft.com/office/drawing/2014/main" id="{6755A929-D77C-462A-BF40-EE03A82AF4AD}"/>
               </a:ext>
             </a:extLst>
           </p:cNvPr>
@@ -5385,7 +6093,7 @@
           <p:cNvPr id="75" name="正方形/長方形 74">
             <a:extLst>
               <a:ext uri="{FF2B5EF4-FFF2-40B4-BE49-F238E27FC236}">
-                <a16:creationId xmlns:a16="http://schemas.microsoft.com/office/drawing/2014/main" xmlns="" id="{65B6E9C6-BDDF-4589-AF2F-415BE7314BD5}"/>
+                <a16:creationId xmlns="" xmlns:a16="http://schemas.microsoft.com/office/drawing/2014/main" id="{65B6E9C6-BDDF-4589-AF2F-415BE7314BD5}"/>
               </a:ext>
             </a:extLst>
           </p:cNvPr>
@@ -5433,7 +6141,7 @@
           <p:cNvPr id="2" name="タイトル 1">
             <a:extLst>
               <a:ext uri="{FF2B5EF4-FFF2-40B4-BE49-F238E27FC236}">
-                <a16:creationId xmlns:a16="http://schemas.microsoft.com/office/drawing/2014/main" xmlns="" id="{7C6D1384-7384-4F34-976A-6423FC7BDED1}"/>
+                <a16:creationId xmlns="" xmlns:a16="http://schemas.microsoft.com/office/drawing/2014/main" id="{7C6D1384-7384-4F34-976A-6423FC7BDED1}"/>
               </a:ext>
             </a:extLst>
           </p:cNvPr>
@@ -5452,8 +6160,8 @@
           <a:lstStyle/>
           <a:p>
             <a:r>
-              <a:rPr kumimoji="1" lang="en-US" altLang="ja-JP" dirty="0"/>
-              <a:t>2. </a:t>
+              <a:rPr kumimoji="1" lang="en-US" altLang="ja-JP" dirty="0" smtClean="0"/>
+              <a:t>3. </a:t>
             </a:r>
             <a:r>
               <a:rPr kumimoji="1" lang="ja-JP" altLang="en-US" dirty="0"/>
@@ -5467,7 +6175,7 @@
           <p:cNvPr id="5" name="コンテンツ プレースホルダー 4">
             <a:extLst>
               <a:ext uri="{FF2B5EF4-FFF2-40B4-BE49-F238E27FC236}">
-                <a16:creationId xmlns:a16="http://schemas.microsoft.com/office/drawing/2014/main" xmlns="" id="{78BEDC78-BE93-419F-B994-EF7EB31EC404}"/>
+                <a16:creationId xmlns="" xmlns:a16="http://schemas.microsoft.com/office/drawing/2014/main" id="{78BEDC78-BE93-419F-B994-EF7EB31EC404}"/>
               </a:ext>
             </a:extLst>
           </p:cNvPr>
@@ -5502,7 +6210,7 @@
           <p:cNvPr id="6" name="表 5">
             <a:extLst>
               <a:ext uri="{FF2B5EF4-FFF2-40B4-BE49-F238E27FC236}">
-                <a16:creationId xmlns:a16="http://schemas.microsoft.com/office/drawing/2014/main" xmlns="" id="{D1B92A2D-C124-403D-A056-967A8A9A5257}"/>
+                <a16:creationId xmlns="" xmlns:a16="http://schemas.microsoft.com/office/drawing/2014/main" id="{D1B92A2D-C124-403D-A056-967A8A9A5257}"/>
               </a:ext>
             </a:extLst>
           </p:cNvPr>
@@ -5512,7 +6220,7 @@
           <p:nvPr>
             <p:extLst>
               <p:ext uri="{D42A27DB-BD31-4B8C-83A1-F6EECF244321}">
-                <p14:modId xmlns:p14="http://schemas.microsoft.com/office/powerpoint/2010/main" val="3888311780"/>
+                <p14:modId xmlns:p14="http://schemas.microsoft.com/office/powerpoint/2010/main" val="3978014991"/>
               </p:ext>
             </p:extLst>
           </p:nvPr>
@@ -5531,7 +6239,7 @@
                 <a:gridCol w="1656184">
                   <a:extLst>
                     <a:ext uri="{9D8B030D-6E8A-4147-A177-3AD203B41FA5}">
-                      <a16:colId xmlns:a16="http://schemas.microsoft.com/office/drawing/2014/main" xmlns="" val="4164257565"/>
+                      <a16:colId xmlns="" xmlns:a16="http://schemas.microsoft.com/office/drawing/2014/main" val="4164257565"/>
                     </a:ext>
                   </a:extLst>
                 </a:gridCol>
@@ -5543,12 +6251,20 @@
                     <a:lstStyle/>
                     <a:p>
                       <a:r>
+                        <a:rPr kumimoji="1" lang="ja-JP" altLang="en-US" sz="1700" b="0" dirty="0" smtClean="0">
+                          <a:solidFill>
+                            <a:schemeClr val="tx1"/>
+                          </a:solidFill>
+                        </a:rPr>
+                        <a:t>コース離脱</a:t>
+                      </a:r>
+                      <a:r>
                         <a:rPr kumimoji="1" lang="ja-JP" altLang="en-US" sz="1700" b="0" dirty="0">
                           <a:solidFill>
                             <a:schemeClr val="tx1"/>
                           </a:solidFill>
                         </a:rPr>
-                        <a:t>離脱判定</a:t>
+                        <a:t>判定</a:t>
                       </a:r>
                     </a:p>
                   </a:txBody>
@@ -5560,7 +6276,7 @@
                 </a:tc>
                 <a:extLst>
                   <a:ext uri="{0D108BD9-81ED-4DB2-BD59-A6C34878D82A}">
-                    <a16:rowId xmlns:a16="http://schemas.microsoft.com/office/drawing/2014/main" xmlns="" val="4063214700"/>
+                    <a16:rowId xmlns="" xmlns:a16="http://schemas.microsoft.com/office/drawing/2014/main" val="4063214700"/>
                   </a:ext>
                 </a:extLst>
               </a:tr>
@@ -5573,7 +6289,7 @@
           <p:cNvPr id="7" name="表 6">
             <a:extLst>
               <a:ext uri="{FF2B5EF4-FFF2-40B4-BE49-F238E27FC236}">
-                <a16:creationId xmlns:a16="http://schemas.microsoft.com/office/drawing/2014/main" xmlns="" id="{B250BF7B-4415-474D-B1C7-83DADEA60E3F}"/>
+                <a16:creationId xmlns="" xmlns:a16="http://schemas.microsoft.com/office/drawing/2014/main" id="{B250BF7B-4415-474D-B1C7-83DADEA60E3F}"/>
               </a:ext>
             </a:extLst>
           </p:cNvPr>
@@ -5583,7 +6299,7 @@
           <p:nvPr>
             <p:extLst>
               <p:ext uri="{D42A27DB-BD31-4B8C-83A1-F6EECF244321}">
-                <p14:modId xmlns:p14="http://schemas.microsoft.com/office/powerpoint/2010/main" val="864789193"/>
+                <p14:modId xmlns:p14="http://schemas.microsoft.com/office/powerpoint/2010/main" val="1366718400"/>
               </p:ext>
             </p:extLst>
           </p:nvPr>
@@ -5602,7 +6318,7 @@
                 <a:gridCol w="1656184">
                   <a:extLst>
                     <a:ext uri="{9D8B030D-6E8A-4147-A177-3AD203B41FA5}">
-                      <a16:colId xmlns:a16="http://schemas.microsoft.com/office/drawing/2014/main" xmlns="" val="4164257565"/>
+                      <a16:colId xmlns="" xmlns:a16="http://schemas.microsoft.com/office/drawing/2014/main" val="4164257565"/>
                     </a:ext>
                   </a:extLst>
                 </a:gridCol>
@@ -5614,12 +6330,20 @@
                     <a:lstStyle/>
                     <a:p>
                       <a:r>
+                        <a:rPr kumimoji="1" lang="ja-JP" altLang="en-US" sz="1700" b="0" dirty="0" smtClean="0">
+                          <a:solidFill>
+                            <a:schemeClr val="tx1"/>
+                          </a:solidFill>
+                        </a:rPr>
+                        <a:t>コース復帰</a:t>
+                      </a:r>
+                      <a:r>
                         <a:rPr kumimoji="1" lang="ja-JP" altLang="en-US" sz="1700" b="0" dirty="0">
                           <a:solidFill>
                             <a:schemeClr val="tx1"/>
                           </a:solidFill>
                         </a:rPr>
-                        <a:t>復帰動作</a:t>
+                        <a:t>動作</a:t>
                       </a:r>
                     </a:p>
                   </a:txBody>
@@ -5631,7 +6355,7 @@
                 </a:tc>
                 <a:extLst>
                   <a:ext uri="{0D108BD9-81ED-4DB2-BD59-A6C34878D82A}">
-                    <a16:rowId xmlns:a16="http://schemas.microsoft.com/office/drawing/2014/main" xmlns="" val="4063214700"/>
+                    <a16:rowId xmlns="" xmlns:a16="http://schemas.microsoft.com/office/drawing/2014/main" val="4063214700"/>
                   </a:ext>
                 </a:extLst>
               </a:tr>
@@ -5644,7 +6368,7 @@
           <p:cNvPr id="9" name="直線コネクタ 8">
             <a:extLst>
               <a:ext uri="{FF2B5EF4-FFF2-40B4-BE49-F238E27FC236}">
-                <a16:creationId xmlns:a16="http://schemas.microsoft.com/office/drawing/2014/main" xmlns="" id="{A85739F6-AEAB-452C-8804-9B81168D6606}"/>
+                <a16:creationId xmlns="" xmlns:a16="http://schemas.microsoft.com/office/drawing/2014/main" id="{A85739F6-AEAB-452C-8804-9B81168D6606}"/>
               </a:ext>
             </a:extLst>
           </p:cNvPr>
@@ -5690,7 +6414,7 @@
           <p:cNvPr id="18" name="直線矢印コネクタ 17">
             <a:extLst>
               <a:ext uri="{FF2B5EF4-FFF2-40B4-BE49-F238E27FC236}">
-                <a16:creationId xmlns:a16="http://schemas.microsoft.com/office/drawing/2014/main" xmlns="" id="{595F5C70-BAC1-4570-B773-CD8F4FCDEFDD}"/>
+                <a16:creationId xmlns="" xmlns:a16="http://schemas.microsoft.com/office/drawing/2014/main" id="{595F5C70-BAC1-4570-B773-CD8F4FCDEFDD}"/>
               </a:ext>
             </a:extLst>
           </p:cNvPr>
@@ -5738,7 +6462,7 @@
           <p:cNvPr id="19" name="直線矢印コネクタ 18">
             <a:extLst>
               <a:ext uri="{FF2B5EF4-FFF2-40B4-BE49-F238E27FC236}">
-                <a16:creationId xmlns:a16="http://schemas.microsoft.com/office/drawing/2014/main" xmlns="" id="{43CD856B-0543-403D-8218-7959380BA3BA}"/>
+                <a16:creationId xmlns="" xmlns:a16="http://schemas.microsoft.com/office/drawing/2014/main" id="{43CD856B-0543-403D-8218-7959380BA3BA}"/>
               </a:ext>
             </a:extLst>
           </p:cNvPr>
@@ -5788,7 +6512,7 @@
               <p:cNvPr id="21" name="テキスト ボックス 20">
                 <a:extLst>
                   <a:ext uri="{FF2B5EF4-FFF2-40B4-BE49-F238E27FC236}">
-                    <a16:creationId xmlns:a16="http://schemas.microsoft.com/office/drawing/2014/main" xmlns="" id="{672FD8CC-1ADF-4938-A534-25F88064CC15}"/>
+                    <a16:creationId xmlns="" xmlns:a16="http://schemas.microsoft.com/office/drawing/2014/main" id="{672FD8CC-1ADF-4938-A534-25F88064CC15}"/>
                   </a:ext>
                 </a:extLst>
               </p:cNvPr>
@@ -5891,7 +6615,7 @@
               <p:cNvPr id="23" name="テキスト ボックス 22">
                 <a:extLst>
                   <a:ext uri="{FF2B5EF4-FFF2-40B4-BE49-F238E27FC236}">
-                    <a16:creationId xmlns:a16="http://schemas.microsoft.com/office/drawing/2014/main" xmlns="" id="{08FDC959-34BC-4EFC-8F7F-D6765E7A1C12}"/>
+                    <a16:creationId xmlns="" xmlns:a16="http://schemas.microsoft.com/office/drawing/2014/main" id="{08FDC959-34BC-4EFC-8F7F-D6765E7A1C12}"/>
                   </a:ext>
                 </a:extLst>
               </p:cNvPr>
@@ -5992,7 +6716,7 @@
           <p:cNvPr id="24" name="テキスト ボックス 23">
             <a:extLst>
               <a:ext uri="{FF2B5EF4-FFF2-40B4-BE49-F238E27FC236}">
-                <a16:creationId xmlns:a16="http://schemas.microsoft.com/office/drawing/2014/main" xmlns="" id="{D2FF70DC-C013-4354-8E3D-E77AF095B349}"/>
+                <a16:creationId xmlns="" xmlns:a16="http://schemas.microsoft.com/office/drawing/2014/main" id="{D2FF70DC-C013-4354-8E3D-E77AF095B349}"/>
               </a:ext>
             </a:extLst>
           </p:cNvPr>
@@ -6036,7 +6760,7 @@
           <p:cNvPr id="37" name="図 36">
             <a:extLst>
               <a:ext uri="{FF2B5EF4-FFF2-40B4-BE49-F238E27FC236}">
-                <a16:creationId xmlns:a16="http://schemas.microsoft.com/office/drawing/2014/main" xmlns="" id="{5A33F9BF-5E42-444C-9904-291F4E17F28B}"/>
+                <a16:creationId xmlns="" xmlns:a16="http://schemas.microsoft.com/office/drawing/2014/main" id="{5A33F9BF-5E42-444C-9904-291F4E17F28B}"/>
               </a:ext>
             </a:extLst>
           </p:cNvPr>
@@ -6073,7 +6797,7 @@
           <p:cNvPr id="38" name="楕円 37">
             <a:extLst>
               <a:ext uri="{FF2B5EF4-FFF2-40B4-BE49-F238E27FC236}">
-                <a16:creationId xmlns:a16="http://schemas.microsoft.com/office/drawing/2014/main" xmlns="" id="{540D72E2-25B4-4B92-A3BF-4A28F2553598}"/>
+                <a16:creationId xmlns="" xmlns:a16="http://schemas.microsoft.com/office/drawing/2014/main" id="{540D72E2-25B4-4B92-A3BF-4A28F2553598}"/>
               </a:ext>
             </a:extLst>
           </p:cNvPr>
@@ -6116,14 +6840,14 @@
           </a:p>
         </p:txBody>
       </p:sp>
-      <mc:AlternateContent xmlns:mc="http://schemas.openxmlformats.org/markup-compatibility/2006">
-        <mc:Choice xmlns:a14="http://schemas.microsoft.com/office/drawing/2010/main" Requires="a14">
+      <mc:AlternateContent xmlns:mc="http://schemas.openxmlformats.org/markup-compatibility/2006" xmlns:a14="http://schemas.microsoft.com/office/drawing/2010/main">
+        <mc:Choice Requires="a14">
           <p:sp>
             <p:nvSpPr>
               <p:cNvPr id="45" name="吹き出し: 角を丸めた四角形 44">
                 <a:extLst>
                   <a:ext uri="{FF2B5EF4-FFF2-40B4-BE49-F238E27FC236}">
-                    <a16:creationId xmlns:a16="http://schemas.microsoft.com/office/drawing/2014/main" xmlns="" id="{6241B250-1564-43E8-9A23-CEA8E5FE13FC}"/>
+                    <a16:creationId xmlns="" xmlns:a16="http://schemas.microsoft.com/office/drawing/2014/main" id="{6241B250-1564-43E8-9A23-CEA8E5FE13FC}"/>
                   </a:ext>
                 </a:extLst>
               </p:cNvPr>
@@ -6423,7 +7147,7 @@
             </p:txBody>
           </p:sp>
         </mc:Choice>
-        <mc:Fallback>
+        <mc:Fallback xmlns="">
           <p:sp>
             <p:nvSpPr>
               <p:cNvPr id="45" name="吹き出し: 角を丸めた四角形 44">
@@ -6483,14 +7207,14 @@
           </p:sp>
         </mc:Fallback>
       </mc:AlternateContent>
-      <mc:AlternateContent xmlns:mc="http://schemas.openxmlformats.org/markup-compatibility/2006">
-        <mc:Choice xmlns:a14="http://schemas.microsoft.com/office/drawing/2010/main" Requires="a14">
+      <mc:AlternateContent xmlns:mc="http://schemas.openxmlformats.org/markup-compatibility/2006" xmlns:a14="http://schemas.microsoft.com/office/drawing/2010/main">
+        <mc:Choice Requires="a14">
           <p:sp>
             <p:nvSpPr>
               <p:cNvPr id="46" name="吹き出し: 角を丸めた四角形 45">
                 <a:extLst>
                   <a:ext uri="{FF2B5EF4-FFF2-40B4-BE49-F238E27FC236}">
-                    <a16:creationId xmlns:a16="http://schemas.microsoft.com/office/drawing/2014/main" xmlns="" id="{FA247CF4-2D24-4664-9719-D4EFE930AB44}"/>
+                    <a16:creationId xmlns="" xmlns:a16="http://schemas.microsoft.com/office/drawing/2014/main" id="{FA247CF4-2D24-4664-9719-D4EFE930AB44}"/>
                   </a:ext>
                 </a:extLst>
               </p:cNvPr>
@@ -6732,7 +7456,7 @@
             </p:txBody>
           </p:sp>
         </mc:Choice>
-        <mc:Fallback>
+        <mc:Fallback xmlns="">
           <p:sp>
             <p:nvSpPr>
               <p:cNvPr id="46" name="吹き出し: 角を丸めた四角形 45">
@@ -6797,7 +7521,7 @@
           <p:cNvPr id="40" name="楕円 39">
             <a:extLst>
               <a:ext uri="{FF2B5EF4-FFF2-40B4-BE49-F238E27FC236}">
-                <a16:creationId xmlns:a16="http://schemas.microsoft.com/office/drawing/2014/main" xmlns="" id="{C806DBFA-7D8B-4410-B0C1-D271BEA4F191}"/>
+                <a16:creationId xmlns="" xmlns:a16="http://schemas.microsoft.com/office/drawing/2014/main" id="{C806DBFA-7D8B-4410-B0C1-D271BEA4F191}"/>
               </a:ext>
             </a:extLst>
           </p:cNvPr>
@@ -6845,7 +7569,7 @@
           <p:cNvPr id="47" name="楕円 46">
             <a:extLst>
               <a:ext uri="{FF2B5EF4-FFF2-40B4-BE49-F238E27FC236}">
-                <a16:creationId xmlns:a16="http://schemas.microsoft.com/office/drawing/2014/main" xmlns="" id="{96120853-B804-4056-B254-4B048B360BA2}"/>
+                <a16:creationId xmlns="" xmlns:a16="http://schemas.microsoft.com/office/drawing/2014/main" id="{96120853-B804-4056-B254-4B048B360BA2}"/>
               </a:ext>
             </a:extLst>
           </p:cNvPr>
@@ -6888,14 +7612,14 @@
           </a:p>
         </p:txBody>
       </p:sp>
-      <mc:AlternateContent xmlns:mc="http://schemas.openxmlformats.org/markup-compatibility/2006">
-        <mc:Choice xmlns:a14="http://schemas.microsoft.com/office/drawing/2010/main" Requires="a14">
+      <mc:AlternateContent xmlns:mc="http://schemas.openxmlformats.org/markup-compatibility/2006" xmlns:a14="http://schemas.microsoft.com/office/drawing/2010/main">
+        <mc:Choice Requires="a14">
           <p:sp>
             <p:nvSpPr>
               <p:cNvPr id="48" name="吹き出し: 角を丸めた四角形 47">
                 <a:extLst>
                   <a:ext uri="{FF2B5EF4-FFF2-40B4-BE49-F238E27FC236}">
-                    <a16:creationId xmlns:a16="http://schemas.microsoft.com/office/drawing/2014/main" xmlns="" id="{74E63788-7728-4819-B62E-16849ABB6186}"/>
+                    <a16:creationId xmlns="" xmlns:a16="http://schemas.microsoft.com/office/drawing/2014/main" id="{74E63788-7728-4819-B62E-16849ABB6186}"/>
                   </a:ext>
                 </a:extLst>
               </p:cNvPr>
@@ -6970,7 +7694,7 @@
             </p:txBody>
           </p:sp>
         </mc:Choice>
-        <mc:Fallback>
+        <mc:Fallback xmlns="">
           <p:sp>
             <p:nvSpPr>
               <p:cNvPr id="48" name="吹き出し: 角を丸めた四角形 47">
@@ -7035,7 +7759,7 @@
           <p:cNvPr id="53" name="四角形: 角を丸くする 52">
             <a:extLst>
               <a:ext uri="{FF2B5EF4-FFF2-40B4-BE49-F238E27FC236}">
-                <a16:creationId xmlns:a16="http://schemas.microsoft.com/office/drawing/2014/main" xmlns="" id="{6A0F3F5C-E2E9-42B3-82D0-3E1D3A8965FE}"/>
+                <a16:creationId xmlns="" xmlns:a16="http://schemas.microsoft.com/office/drawing/2014/main" id="{6A0F3F5C-E2E9-42B3-82D0-3E1D3A8965FE}"/>
               </a:ext>
             </a:extLst>
           </p:cNvPr>
@@ -7083,14 +7807,14 @@
           </a:p>
         </p:txBody>
       </p:sp>
-      <mc:AlternateContent xmlns:mc="http://schemas.openxmlformats.org/markup-compatibility/2006">
-        <mc:Choice xmlns:a14="http://schemas.microsoft.com/office/drawing/2010/main" Requires="a14">
+      <mc:AlternateContent xmlns:mc="http://schemas.openxmlformats.org/markup-compatibility/2006" xmlns:a14="http://schemas.microsoft.com/office/drawing/2010/main">
+        <mc:Choice Requires="a14">
           <p:graphicFrame>
             <p:nvGraphicFramePr>
               <p:cNvPr id="54" name="表 53">
                 <a:extLst>
                   <a:ext uri="{FF2B5EF4-FFF2-40B4-BE49-F238E27FC236}">
-                    <a16:creationId xmlns:a16="http://schemas.microsoft.com/office/drawing/2014/main" xmlns="" id="{EE1C7977-A65D-4A8C-9176-237050954D1C}"/>
+                    <a16:creationId xmlns="" xmlns:a16="http://schemas.microsoft.com/office/drawing/2014/main" id="{EE1C7977-A65D-4A8C-9176-237050954D1C}"/>
                   </a:ext>
                 </a:extLst>
               </p:cNvPr>
@@ -7119,28 +7843,28 @@
                     <a:gridCol w="447810">
                       <a:extLst>
                         <a:ext uri="{9D8B030D-6E8A-4147-A177-3AD203B41FA5}">
-                          <a16:colId xmlns:a16="http://schemas.microsoft.com/office/drawing/2014/main" xmlns="" val="3001262604"/>
+                          <a16:colId xmlns="" xmlns:a16="http://schemas.microsoft.com/office/drawing/2014/main" val="3001262604"/>
                         </a:ext>
                       </a:extLst>
                     </a:gridCol>
                     <a:gridCol w="422923">
                       <a:extLst>
                         <a:ext uri="{9D8B030D-6E8A-4147-A177-3AD203B41FA5}">
-                          <a16:colId xmlns:a16="http://schemas.microsoft.com/office/drawing/2014/main" xmlns="" val="700291227"/>
+                          <a16:colId xmlns="" xmlns:a16="http://schemas.microsoft.com/office/drawing/2014/main" val="700291227"/>
                         </a:ext>
                       </a:extLst>
                     </a:gridCol>
                     <a:gridCol w="422923">
                       <a:extLst>
                         <a:ext uri="{9D8B030D-6E8A-4147-A177-3AD203B41FA5}">
-                          <a16:colId xmlns:a16="http://schemas.microsoft.com/office/drawing/2014/main" xmlns="" val="398189225"/>
+                          <a16:colId xmlns="" xmlns:a16="http://schemas.microsoft.com/office/drawing/2014/main" val="398189225"/>
                         </a:ext>
                       </a:extLst>
                     </a:gridCol>
                     <a:gridCol w="422923">
                       <a:extLst>
                         <a:ext uri="{9D8B030D-6E8A-4147-A177-3AD203B41FA5}">
-                          <a16:colId xmlns:a16="http://schemas.microsoft.com/office/drawing/2014/main" xmlns="" val="771215092"/>
+                          <a16:colId xmlns="" xmlns:a16="http://schemas.microsoft.com/office/drawing/2014/main" val="771215092"/>
                         </a:ext>
                       </a:extLst>
                     </a:gridCol>
@@ -7257,7 +7981,7 @@
                     </a:tc>
                     <a:extLst>
                       <a:ext uri="{0D108BD9-81ED-4DB2-BD59-A6C34878D82A}">
-                        <a16:rowId xmlns:a16="http://schemas.microsoft.com/office/drawing/2014/main" xmlns="" val="3560462272"/>
+                        <a16:rowId xmlns="" xmlns:a16="http://schemas.microsoft.com/office/drawing/2014/main" val="3560462272"/>
                       </a:ext>
                     </a:extLst>
                   </a:tr>
@@ -7324,7 +8048,7 @@
                     </a:tc>
                     <a:extLst>
                       <a:ext uri="{0D108BD9-81ED-4DB2-BD59-A6C34878D82A}">
-                        <a16:rowId xmlns:a16="http://schemas.microsoft.com/office/drawing/2014/main" xmlns="" val="1376057248"/>
+                        <a16:rowId xmlns="" xmlns:a16="http://schemas.microsoft.com/office/drawing/2014/main" val="1376057248"/>
                       </a:ext>
                     </a:extLst>
                   </a:tr>
@@ -7431,7 +8155,7 @@
                     </a:tc>
                     <a:extLst>
                       <a:ext uri="{0D108BD9-81ED-4DB2-BD59-A6C34878D82A}">
-                        <a16:rowId xmlns:a16="http://schemas.microsoft.com/office/drawing/2014/main" xmlns="" val="3880445411"/>
+                        <a16:rowId xmlns="" xmlns:a16="http://schemas.microsoft.com/office/drawing/2014/main" val="3880445411"/>
                       </a:ext>
                     </a:extLst>
                   </a:tr>
@@ -7630,7 +8354,7 @@
                     </a:tc>
                     <a:extLst>
                       <a:ext uri="{0D108BD9-81ED-4DB2-BD59-A6C34878D82A}">
-                        <a16:rowId xmlns:a16="http://schemas.microsoft.com/office/drawing/2014/main" xmlns="" val="1954537068"/>
+                        <a16:rowId xmlns="" xmlns:a16="http://schemas.microsoft.com/office/drawing/2014/main" val="1954537068"/>
                       </a:ext>
                     </a:extLst>
                   </a:tr>
@@ -7857,7 +8581,7 @@
                     </a:tc>
                     <a:extLst>
                       <a:ext uri="{0D108BD9-81ED-4DB2-BD59-A6C34878D82A}">
-                        <a16:rowId xmlns:a16="http://schemas.microsoft.com/office/drawing/2014/main" xmlns="" val="3756818193"/>
+                        <a16:rowId xmlns="" xmlns:a16="http://schemas.microsoft.com/office/drawing/2014/main" val="3756818193"/>
                       </a:ext>
                     </a:extLst>
                   </a:tr>
@@ -7908,7 +8632,7 @@
                     </a:tc>
                     <a:extLst>
                       <a:ext uri="{0D108BD9-81ED-4DB2-BD59-A6C34878D82A}">
-                        <a16:rowId xmlns:a16="http://schemas.microsoft.com/office/drawing/2014/main" xmlns="" val="4206772201"/>
+                        <a16:rowId xmlns="" xmlns:a16="http://schemas.microsoft.com/office/drawing/2014/main" val="4206772201"/>
                       </a:ext>
                     </a:extLst>
                   </a:tr>
@@ -7959,7 +8683,7 @@
                     </a:tc>
                     <a:extLst>
                       <a:ext uri="{0D108BD9-81ED-4DB2-BD59-A6C34878D82A}">
-                        <a16:rowId xmlns:a16="http://schemas.microsoft.com/office/drawing/2014/main" xmlns="" val="3132775594"/>
+                        <a16:rowId xmlns="" xmlns:a16="http://schemas.microsoft.com/office/drawing/2014/main" val="3132775594"/>
                       </a:ext>
                     </a:extLst>
                   </a:tr>
@@ -7968,7 +8692,7 @@
             </a:graphic>
           </p:graphicFrame>
         </mc:Choice>
-        <mc:Fallback>
+        <mc:Fallback xmlns="">
           <p:graphicFrame>
             <p:nvGraphicFramePr>
               <p:cNvPr id="54" name="表 53">
@@ -8699,7 +9423,7 @@
           <p:cNvPr id="56" name="テキスト ボックス 55">
             <a:extLst>
               <a:ext uri="{FF2B5EF4-FFF2-40B4-BE49-F238E27FC236}">
-                <a16:creationId xmlns:a16="http://schemas.microsoft.com/office/drawing/2014/main" xmlns="" id="{58604741-0EFD-43F0-8321-A7DEB19C2119}"/>
+                <a16:creationId xmlns="" xmlns:a16="http://schemas.microsoft.com/office/drawing/2014/main" id="{58604741-0EFD-43F0-8321-A7DEB19C2119}"/>
               </a:ext>
             </a:extLst>
           </p:cNvPr>
@@ -8735,7 +9459,7 @@
           <p:cNvPr id="57" name="テキスト ボックス 56">
             <a:extLst>
               <a:ext uri="{FF2B5EF4-FFF2-40B4-BE49-F238E27FC236}">
-                <a16:creationId xmlns:a16="http://schemas.microsoft.com/office/drawing/2014/main" xmlns="" id="{5D36B73C-9E76-4424-A3A2-40900A4EC794}"/>
+                <a16:creationId xmlns="" xmlns:a16="http://schemas.microsoft.com/office/drawing/2014/main" id="{5D36B73C-9E76-4424-A3A2-40900A4EC794}"/>
               </a:ext>
             </a:extLst>
           </p:cNvPr>
@@ -8771,7 +9495,7 @@
           <p:cNvPr id="58" name="テキスト ボックス 57">
             <a:extLst>
               <a:ext uri="{FF2B5EF4-FFF2-40B4-BE49-F238E27FC236}">
-                <a16:creationId xmlns:a16="http://schemas.microsoft.com/office/drawing/2014/main" xmlns="" id="{18B3D723-E3D3-4C45-AAFD-90021E8C3DA4}"/>
+                <a16:creationId xmlns="" xmlns:a16="http://schemas.microsoft.com/office/drawing/2014/main" id="{18B3D723-E3D3-4C45-AAFD-90021E8C3DA4}"/>
               </a:ext>
             </a:extLst>
           </p:cNvPr>
@@ -8807,7 +9531,7 @@
           <p:cNvPr id="59" name="テキスト ボックス 58">
             <a:extLst>
               <a:ext uri="{FF2B5EF4-FFF2-40B4-BE49-F238E27FC236}">
-                <a16:creationId xmlns:a16="http://schemas.microsoft.com/office/drawing/2014/main" xmlns="" id="{A2C9AEFD-821E-4672-984C-64C05D5349C9}"/>
+                <a16:creationId xmlns="" xmlns:a16="http://schemas.microsoft.com/office/drawing/2014/main" id="{A2C9AEFD-821E-4672-984C-64C05D5349C9}"/>
               </a:ext>
             </a:extLst>
           </p:cNvPr>
@@ -8843,7 +9567,7 @@
           <p:cNvPr id="60" name="テキスト ボックス 59">
             <a:extLst>
               <a:ext uri="{FF2B5EF4-FFF2-40B4-BE49-F238E27FC236}">
-                <a16:creationId xmlns:a16="http://schemas.microsoft.com/office/drawing/2014/main" xmlns="" id="{6365DE5E-F371-4465-BFA9-AFA324718333}"/>
+                <a16:creationId xmlns="" xmlns:a16="http://schemas.microsoft.com/office/drawing/2014/main" id="{6365DE5E-F371-4465-BFA9-AFA324718333}"/>
               </a:ext>
             </a:extLst>
           </p:cNvPr>
@@ -8879,7 +9603,7 @@
           <p:cNvPr id="61" name="テキスト ボックス 60">
             <a:extLst>
               <a:ext uri="{FF2B5EF4-FFF2-40B4-BE49-F238E27FC236}">
-                <a16:creationId xmlns:a16="http://schemas.microsoft.com/office/drawing/2014/main" xmlns="" id="{1C2CBFB5-CD80-406E-9190-328A620DA83C}"/>
+                <a16:creationId xmlns="" xmlns:a16="http://schemas.microsoft.com/office/drawing/2014/main" id="{1C2CBFB5-CD80-406E-9190-328A620DA83C}"/>
               </a:ext>
             </a:extLst>
           </p:cNvPr>
@@ -8915,7 +9639,7 @@
           <p:cNvPr id="62" name="テキスト ボックス 61">
             <a:extLst>
               <a:ext uri="{FF2B5EF4-FFF2-40B4-BE49-F238E27FC236}">
-                <a16:creationId xmlns:a16="http://schemas.microsoft.com/office/drawing/2014/main" xmlns="" id="{8631BC66-4CC9-4508-92C6-F3BB4BA68936}"/>
+                <a16:creationId xmlns="" xmlns:a16="http://schemas.microsoft.com/office/drawing/2014/main" id="{8631BC66-4CC9-4508-92C6-F3BB4BA68936}"/>
               </a:ext>
             </a:extLst>
           </p:cNvPr>
@@ -8951,7 +9675,7 @@
           <p:cNvPr id="63" name="テキスト ボックス 62">
             <a:extLst>
               <a:ext uri="{FF2B5EF4-FFF2-40B4-BE49-F238E27FC236}">
-                <a16:creationId xmlns:a16="http://schemas.microsoft.com/office/drawing/2014/main" xmlns="" id="{57728D6B-C7B4-496D-9AC8-36243523720E}"/>
+                <a16:creationId xmlns="" xmlns:a16="http://schemas.microsoft.com/office/drawing/2014/main" id="{57728D6B-C7B4-496D-9AC8-36243523720E}"/>
               </a:ext>
             </a:extLst>
           </p:cNvPr>
@@ -8987,7 +9711,7 @@
           <p:cNvPr id="76" name="テキスト ボックス 75">
             <a:extLst>
               <a:ext uri="{FF2B5EF4-FFF2-40B4-BE49-F238E27FC236}">
-                <a16:creationId xmlns:a16="http://schemas.microsoft.com/office/drawing/2014/main" xmlns="" id="{6D709A13-6AAF-442E-AD6F-978BDC42B238}"/>
+                <a16:creationId xmlns="" xmlns:a16="http://schemas.microsoft.com/office/drawing/2014/main" id="{6D709A13-6AAF-442E-AD6F-978BDC42B238}"/>
               </a:ext>
             </a:extLst>
           </p:cNvPr>
@@ -8997,7 +9721,7 @@
         <p:spPr>
           <a:xfrm>
             <a:off x="554628" y="1220885"/>
-            <a:ext cx="9286135" cy="584761"/>
+            <a:ext cx="9286135" cy="338540"/>
           </a:xfrm>
           <a:prstGeom prst="rect">
             <a:avLst/>
@@ -9013,23 +9737,19 @@
             <a:pPr algn="l"/>
             <a:r>
               <a:rPr kumimoji="1" lang="ja-JP" altLang="en-US" sz="1600" dirty="0" smtClean="0"/>
-              <a:t>復帰制御を実現するためには、離脱</a:t>
-            </a:r>
-            <a:r>
-              <a:rPr kumimoji="1" lang="ja-JP" altLang="en-US" sz="1600" dirty="0"/>
-              <a:t>判定と復帰</a:t>
+              <a:t>次に、コース離脱</a:t>
             </a:r>
             <a:r>
               <a:rPr kumimoji="1" lang="ja-JP" altLang="en-US" sz="1600" dirty="0" smtClean="0"/>
-              <a:t>動作を実現する必要がある。</a:t>
-            </a:r>
-            <a:endParaRPr kumimoji="1" lang="en-US" altLang="ja-JP" sz="1600" dirty="0" smtClean="0"/>
-          </a:p>
-          <a:p>
-            <a:pPr algn="l"/>
+              <a:t>判定</a:t>
+            </a:r>
             <a:r>
               <a:rPr kumimoji="1" lang="ja-JP" altLang="en-US" sz="1600" dirty="0" smtClean="0"/>
-              <a:t>ここではまず、離脱判定と復帰動作それぞれ</a:t>
+              <a:t>とコース復帰</a:t>
+            </a:r>
+            <a:r>
+              <a:rPr kumimoji="1" lang="ja-JP" altLang="en-US" sz="1600" dirty="0" smtClean="0"/>
+              <a:t>動作それぞれ</a:t>
             </a:r>
             <a:r>
               <a:rPr kumimoji="1" lang="ja-JP" altLang="en-US" sz="1600" dirty="0"/>
@@ -9056,7 +9776,7 @@
           <p:cNvPr id="77" name="テキスト ボックス 76">
             <a:extLst>
               <a:ext uri="{FF2B5EF4-FFF2-40B4-BE49-F238E27FC236}">
-                <a16:creationId xmlns:a16="http://schemas.microsoft.com/office/drawing/2014/main" xmlns="" id="{E46AA441-1BC0-4FEE-95A1-68A90D268E58}"/>
+                <a16:creationId xmlns="" xmlns:a16="http://schemas.microsoft.com/office/drawing/2014/main" id="{E46AA441-1BC0-4FEE-95A1-68A90D268E58}"/>
               </a:ext>
             </a:extLst>
           </p:cNvPr>
@@ -9096,14 +9816,14 @@
           </a:p>
         </p:txBody>
       </p:sp>
-      <mc:AlternateContent xmlns:mc="http://schemas.openxmlformats.org/markup-compatibility/2006">
-        <mc:Choice xmlns:a14="http://schemas.microsoft.com/office/drawing/2010/main" Requires="a14">
+      <mc:AlternateContent xmlns:mc="http://schemas.openxmlformats.org/markup-compatibility/2006" xmlns:a14="http://schemas.microsoft.com/office/drawing/2010/main">
+        <mc:Choice Requires="a14">
           <p:graphicFrame>
             <p:nvGraphicFramePr>
               <p:cNvPr id="78" name="表 77">
                 <a:extLst>
                   <a:ext uri="{FF2B5EF4-FFF2-40B4-BE49-F238E27FC236}">
-                    <a16:creationId xmlns:a16="http://schemas.microsoft.com/office/drawing/2014/main" xmlns="" id="{D8870D03-17BD-4F1C-9875-C993B96049F6}"/>
+                    <a16:creationId xmlns="" xmlns:a16="http://schemas.microsoft.com/office/drawing/2014/main" id="{D8870D03-17BD-4F1C-9875-C993B96049F6}"/>
                   </a:ext>
                 </a:extLst>
               </p:cNvPr>
@@ -9132,7 +9852,7 @@
                     <a:gridCol w="3237472">
                       <a:extLst>
                         <a:ext uri="{9D8B030D-6E8A-4147-A177-3AD203B41FA5}">
-                          <a16:colId xmlns:a16="http://schemas.microsoft.com/office/drawing/2014/main" xmlns="" val="4257854261"/>
+                          <a16:colId xmlns="" xmlns:a16="http://schemas.microsoft.com/office/drawing/2014/main" val="4257854261"/>
                         </a:ext>
                       </a:extLst>
                     </a:gridCol>
@@ -9153,7 +9873,7 @@
                     </a:tc>
                     <a:extLst>
                       <a:ext uri="{0D108BD9-81ED-4DB2-BD59-A6C34878D82A}">
-                        <a16:rowId xmlns:a16="http://schemas.microsoft.com/office/drawing/2014/main" xmlns="" val="2658307080"/>
+                        <a16:rowId xmlns="" xmlns:a16="http://schemas.microsoft.com/office/drawing/2014/main" val="2658307080"/>
                       </a:ext>
                     </a:extLst>
                   </a:tr>
@@ -9687,7 +10407,7 @@
                     </a:tc>
                     <a:extLst>
                       <a:ext uri="{0D108BD9-81ED-4DB2-BD59-A6C34878D82A}">
-                        <a16:rowId xmlns:a16="http://schemas.microsoft.com/office/drawing/2014/main" xmlns="" val="4079606163"/>
+                        <a16:rowId xmlns="" xmlns:a16="http://schemas.microsoft.com/office/drawing/2014/main" val="4079606163"/>
                       </a:ext>
                     </a:extLst>
                   </a:tr>
@@ -9696,7 +10416,7 @@
             </a:graphic>
           </p:graphicFrame>
         </mc:Choice>
-        <mc:Fallback>
+        <mc:Fallback xmlns="">
           <p:graphicFrame>
             <p:nvGraphicFramePr>
               <p:cNvPr id="78" name="表 77">
@@ -9791,7 +10511,7 @@
           <p:cNvPr id="35" name="テキスト ボックス 34">
             <a:extLst>
               <a:ext uri="{FF2B5EF4-FFF2-40B4-BE49-F238E27FC236}">
-                <a16:creationId xmlns:a16="http://schemas.microsoft.com/office/drawing/2014/main" xmlns="" id="{F50E2D2A-6BE4-4D10-8534-72BD6B251F11}"/>
+                <a16:creationId xmlns="" xmlns:a16="http://schemas.microsoft.com/office/drawing/2014/main" id="{F50E2D2A-6BE4-4D10-8534-72BD6B251F11}"/>
               </a:ext>
             </a:extLst>
           </p:cNvPr>
@@ -9873,7 +10593,7 @@
           <p:cNvPr id="36" name="テキスト ボックス 35">
             <a:extLst>
               <a:ext uri="{FF2B5EF4-FFF2-40B4-BE49-F238E27FC236}">
-                <a16:creationId xmlns:a16="http://schemas.microsoft.com/office/drawing/2014/main" xmlns="" id="{80A10177-E7F9-4926-BE64-4C9FF4A4E8D9}"/>
+                <a16:creationId xmlns="" xmlns:a16="http://schemas.microsoft.com/office/drawing/2014/main" id="{80A10177-E7F9-4926-BE64-4C9FF4A4E8D9}"/>
               </a:ext>
             </a:extLst>
           </p:cNvPr>
@@ -9912,7 +10632,7 @@
           <p:cNvPr id="4" name="図 3">
             <a:extLst>
               <a:ext uri="{FF2B5EF4-FFF2-40B4-BE49-F238E27FC236}">
-                <a16:creationId xmlns:a16="http://schemas.microsoft.com/office/drawing/2014/main" xmlns="" id="{94C77BC2-AE40-4EF0-81CC-7C421573D762}"/>
+                <a16:creationId xmlns="" xmlns:a16="http://schemas.microsoft.com/office/drawing/2014/main" id="{94C77BC2-AE40-4EF0-81CC-7C421573D762}"/>
               </a:ext>
             </a:extLst>
           </p:cNvPr>
@@ -9959,7 +10679,7 @@
           <p:cNvPr id="12" name="直線矢印コネクタ 11">
             <a:extLst>
               <a:ext uri="{FF2B5EF4-FFF2-40B4-BE49-F238E27FC236}">
-                <a16:creationId xmlns:a16="http://schemas.microsoft.com/office/drawing/2014/main" xmlns="" id="{B224E947-D0C6-4ABF-B406-1095292D243E}"/>
+                <a16:creationId xmlns="" xmlns:a16="http://schemas.microsoft.com/office/drawing/2014/main" id="{B224E947-D0C6-4ABF-B406-1095292D243E}"/>
               </a:ext>
             </a:extLst>
           </p:cNvPr>
@@ -10007,7 +10727,7 @@
           <p:cNvPr id="28" name="テキスト ボックス 27">
             <a:extLst>
               <a:ext uri="{FF2B5EF4-FFF2-40B4-BE49-F238E27FC236}">
-                <a16:creationId xmlns:a16="http://schemas.microsoft.com/office/drawing/2014/main" xmlns="" id="{994C079B-21F4-44C9-999E-02E7DCCDD12E}"/>
+                <a16:creationId xmlns="" xmlns:a16="http://schemas.microsoft.com/office/drawing/2014/main" id="{994C079B-21F4-44C9-999E-02E7DCCDD12E}"/>
               </a:ext>
             </a:extLst>
           </p:cNvPr>
@@ -10039,7 +10759,7 @@
           <p:cNvPr id="29" name="テキスト ボックス 28">
             <a:extLst>
               <a:ext uri="{FF2B5EF4-FFF2-40B4-BE49-F238E27FC236}">
-                <a16:creationId xmlns:a16="http://schemas.microsoft.com/office/drawing/2014/main" xmlns="" id="{F2364D31-DAEA-48BD-980F-592EFBE076E2}"/>
+                <a16:creationId xmlns="" xmlns:a16="http://schemas.microsoft.com/office/drawing/2014/main" id="{F2364D31-DAEA-48BD-980F-592EFBE076E2}"/>
               </a:ext>
             </a:extLst>
           </p:cNvPr>
@@ -10071,7 +10791,7 @@
           <p:cNvPr id="66" name="直線矢印コネクタ 65">
             <a:extLst>
               <a:ext uri="{FF2B5EF4-FFF2-40B4-BE49-F238E27FC236}">
-                <a16:creationId xmlns:a16="http://schemas.microsoft.com/office/drawing/2014/main" xmlns="" id="{75B95454-F7F2-431B-92D2-1DF48CD3EC9F}"/>
+                <a16:creationId xmlns="" xmlns:a16="http://schemas.microsoft.com/office/drawing/2014/main" id="{75B95454-F7F2-431B-92D2-1DF48CD3EC9F}"/>
               </a:ext>
             </a:extLst>
           </p:cNvPr>
@@ -10119,7 +10839,7 @@
           <p:cNvPr id="17" name="直線コネクタ 16">
             <a:extLst>
               <a:ext uri="{FF2B5EF4-FFF2-40B4-BE49-F238E27FC236}">
-                <a16:creationId xmlns:a16="http://schemas.microsoft.com/office/drawing/2014/main" xmlns="" id="{3E9840AF-FE4A-49CE-9515-87A9726F5C74}"/>
+                <a16:creationId xmlns="" xmlns:a16="http://schemas.microsoft.com/office/drawing/2014/main" id="{3E9840AF-FE4A-49CE-9515-87A9726F5C74}"/>
               </a:ext>
             </a:extLst>
           </p:cNvPr>
@@ -10172,7 +10892,7 @@
           <p:cNvPr id="49" name="直線コネクタ 48">
             <a:extLst>
               <a:ext uri="{FF2B5EF4-FFF2-40B4-BE49-F238E27FC236}">
-                <a16:creationId xmlns:a16="http://schemas.microsoft.com/office/drawing/2014/main" xmlns="" id="{FFAEDAF9-EC1D-427D-B3F1-44813A66AE1B}"/>
+                <a16:creationId xmlns="" xmlns:a16="http://schemas.microsoft.com/office/drawing/2014/main" id="{FFAEDAF9-EC1D-427D-B3F1-44813A66AE1B}"/>
               </a:ext>
             </a:extLst>
           </p:cNvPr>
@@ -10225,7 +10945,7 @@
           <p:cNvPr id="30" name="アーチ 29">
             <a:extLst>
               <a:ext uri="{FF2B5EF4-FFF2-40B4-BE49-F238E27FC236}">
-                <a16:creationId xmlns:a16="http://schemas.microsoft.com/office/drawing/2014/main" xmlns="" id="{3594749B-9E3C-4D06-97BD-F06E15C8144F}"/>
+                <a16:creationId xmlns="" xmlns:a16="http://schemas.microsoft.com/office/drawing/2014/main" id="{3594749B-9E3C-4D06-97BD-F06E15C8144F}"/>
               </a:ext>
             </a:extLst>
           </p:cNvPr>
@@ -10293,7 +11013,7 @@
           <p:cNvPr id="69" name="アーチ 68">
             <a:extLst>
               <a:ext uri="{FF2B5EF4-FFF2-40B4-BE49-F238E27FC236}">
-                <a16:creationId xmlns:a16="http://schemas.microsoft.com/office/drawing/2014/main" xmlns="" id="{6838912E-9057-4A2A-BDE3-6B477D36E3F6}"/>
+                <a16:creationId xmlns="" xmlns:a16="http://schemas.microsoft.com/office/drawing/2014/main" id="{6838912E-9057-4A2A-BDE3-6B477D36E3F6}"/>
               </a:ext>
             </a:extLst>
           </p:cNvPr>
@@ -10349,7 +11069,7 @@
               <p:cNvPr id="34" name="正方形/長方形 33">
                 <a:extLst>
                   <a:ext uri="{FF2B5EF4-FFF2-40B4-BE49-F238E27FC236}">
-                    <a16:creationId xmlns:a16="http://schemas.microsoft.com/office/drawing/2014/main" xmlns="" id="{479E6BF4-DC65-472B-98A3-9C6B4BD99DE5}"/>
+                    <a16:creationId xmlns="" xmlns:a16="http://schemas.microsoft.com/office/drawing/2014/main" id="{479E6BF4-DC65-472B-98A3-9C6B4BD99DE5}"/>
                   </a:ext>
                 </a:extLst>
               </p:cNvPr>
@@ -10502,7 +11222,7 @@
           <p:cNvPr id="70" name="二等辺三角形 69">
             <a:extLst>
               <a:ext uri="{FF2B5EF4-FFF2-40B4-BE49-F238E27FC236}">
-                <a16:creationId xmlns:a16="http://schemas.microsoft.com/office/drawing/2014/main" xmlns="" id="{6A380BDF-CE2C-4017-9FBB-FC23849E4B11}"/>
+                <a16:creationId xmlns="" xmlns:a16="http://schemas.microsoft.com/office/drawing/2014/main" id="{6A380BDF-CE2C-4017-9FBB-FC23849E4B11}"/>
               </a:ext>
             </a:extLst>
           </p:cNvPr>
@@ -10568,7 +11288,7 @@
               <p:cNvPr id="71" name="正方形/長方形 70">
                 <a:extLst>
                   <a:ext uri="{FF2B5EF4-FFF2-40B4-BE49-F238E27FC236}">
-                    <a16:creationId xmlns:a16="http://schemas.microsoft.com/office/drawing/2014/main" xmlns="" id="{E484752A-DD4F-47CA-ACAB-3F7052F3E627}"/>
+                    <a16:creationId xmlns="" xmlns:a16="http://schemas.microsoft.com/office/drawing/2014/main" id="{E484752A-DD4F-47CA-ACAB-3F7052F3E627}"/>
                   </a:ext>
                 </a:extLst>
               </p:cNvPr>
@@ -10682,7 +11402,7 @@
           <p:cNvPr id="31" name="二等辺三角形 30">
             <a:extLst>
               <a:ext uri="{FF2B5EF4-FFF2-40B4-BE49-F238E27FC236}">
-                <a16:creationId xmlns:a16="http://schemas.microsoft.com/office/drawing/2014/main" xmlns="" id="{BBDB4905-A361-49EC-B203-3B5AAE073CD6}"/>
+                <a16:creationId xmlns="" xmlns:a16="http://schemas.microsoft.com/office/drawing/2014/main" id="{BBDB4905-A361-49EC-B203-3B5AAE073CD6}"/>
               </a:ext>
             </a:extLst>
           </p:cNvPr>
@@ -10741,14 +11461,14 @@
           </a:p>
         </p:txBody>
       </p:sp>
-      <mc:AlternateContent xmlns:mc="http://schemas.openxmlformats.org/markup-compatibility/2006">
-        <mc:Choice xmlns:a14="http://schemas.microsoft.com/office/drawing/2010/main" Requires="a14">
+      <mc:AlternateContent xmlns:mc="http://schemas.openxmlformats.org/markup-compatibility/2006" xmlns:a14="http://schemas.microsoft.com/office/drawing/2010/main">
+        <mc:Choice Requires="a14">
           <p:sp>
             <p:nvSpPr>
               <p:cNvPr id="82" name="テキスト ボックス 81">
                 <a:extLst>
                   <a:ext uri="{FF2B5EF4-FFF2-40B4-BE49-F238E27FC236}">
-                    <a16:creationId xmlns:a16="http://schemas.microsoft.com/office/drawing/2014/main" xmlns="" id="{2C0B3106-A5DC-4832-AEBD-DB7258998DBB}"/>
+                    <a16:creationId xmlns="" xmlns:a16="http://schemas.microsoft.com/office/drawing/2014/main" id="{2C0B3106-A5DC-4832-AEBD-DB7258998DBB}"/>
                   </a:ext>
                 </a:extLst>
               </p:cNvPr>
@@ -11064,7 +11784,7 @@
             </p:txBody>
           </p:sp>
         </mc:Choice>
-        <mc:Fallback>
+        <mc:Fallback xmlns="">
           <p:sp>
             <p:nvSpPr>
               <p:cNvPr id="82" name="テキスト ボックス 81">
@@ -11114,7 +11834,7 @@
           <p:cNvPr id="87" name="正方形/長方形 86">
             <a:extLst>
               <a:ext uri="{FF2B5EF4-FFF2-40B4-BE49-F238E27FC236}">
-                <a16:creationId xmlns:a16="http://schemas.microsoft.com/office/drawing/2014/main" xmlns="" id="{C33676BC-3895-41DC-BAD3-3ECF1D481CDF}"/>
+                <a16:creationId xmlns="" xmlns:a16="http://schemas.microsoft.com/office/drawing/2014/main" id="{C33676BC-3895-41DC-BAD3-3ECF1D481CDF}"/>
               </a:ext>
             </a:extLst>
           </p:cNvPr>
@@ -11184,7 +11904,7 @@
               <p:cNvPr id="86" name="正方形/長方形 85">
                 <a:extLst>
                   <a:ext uri="{FF2B5EF4-FFF2-40B4-BE49-F238E27FC236}">
-                    <a16:creationId xmlns:a16="http://schemas.microsoft.com/office/drawing/2014/main" xmlns="" id="{733C53D8-5124-4714-92A7-2EBCB46300C1}"/>
+                    <a16:creationId xmlns="" xmlns:a16="http://schemas.microsoft.com/office/drawing/2014/main" id="{733C53D8-5124-4714-92A7-2EBCB46300C1}"/>
                   </a:ext>
                 </a:extLst>
               </p:cNvPr>
@@ -11339,7 +12059,7 @@
           <p:cNvPr id="88" name="正方形/長方形 87">
             <a:extLst>
               <a:ext uri="{FF2B5EF4-FFF2-40B4-BE49-F238E27FC236}">
-                <a16:creationId xmlns:a16="http://schemas.microsoft.com/office/drawing/2014/main" xmlns="" id="{50025D24-20F1-4647-A2C2-908456F119D1}"/>
+                <a16:creationId xmlns="" xmlns:a16="http://schemas.microsoft.com/office/drawing/2014/main" id="{50025D24-20F1-4647-A2C2-908456F119D1}"/>
               </a:ext>
             </a:extLst>
           </p:cNvPr>
@@ -11409,7 +12129,7 @@
               <p:cNvPr id="89" name="正方形/長方形 88">
                 <a:extLst>
                   <a:ext uri="{FF2B5EF4-FFF2-40B4-BE49-F238E27FC236}">
-                    <a16:creationId xmlns:a16="http://schemas.microsoft.com/office/drawing/2014/main" xmlns="" id="{635CAB8E-8C8D-422C-B180-D929FE84B0D5}"/>
+                    <a16:creationId xmlns="" xmlns:a16="http://schemas.microsoft.com/office/drawing/2014/main" id="{635CAB8E-8C8D-422C-B180-D929FE84B0D5}"/>
                   </a:ext>
                 </a:extLst>
               </p:cNvPr>
@@ -11564,7 +12284,7 @@
           <p:cNvPr id="91" name="正方形/長方形 90">
             <a:extLst>
               <a:ext uri="{FF2B5EF4-FFF2-40B4-BE49-F238E27FC236}">
-                <a16:creationId xmlns:a16="http://schemas.microsoft.com/office/drawing/2014/main" xmlns="" id="{2D83F131-10C0-47EA-9C04-5D8A673C05C0}"/>
+                <a16:creationId xmlns="" xmlns:a16="http://schemas.microsoft.com/office/drawing/2014/main" id="{2D83F131-10C0-47EA-9C04-5D8A673C05C0}"/>
               </a:ext>
             </a:extLst>
           </p:cNvPr>
@@ -11612,7 +12332,7 @@
           <p:cNvPr id="92" name="図 91">
             <a:extLst>
               <a:ext uri="{FF2B5EF4-FFF2-40B4-BE49-F238E27FC236}">
-                <a16:creationId xmlns:a16="http://schemas.microsoft.com/office/drawing/2014/main" xmlns="" id="{E0E8D75D-BB35-4248-A4CF-8B3673166989}"/>
+                <a16:creationId xmlns="" xmlns:a16="http://schemas.microsoft.com/office/drawing/2014/main" id="{E0E8D75D-BB35-4248-A4CF-8B3673166989}"/>
               </a:ext>
             </a:extLst>
           </p:cNvPr>
@@ -11659,7 +12379,7 @@
           <p:cNvPr id="94" name="直線矢印コネクタ 93">
             <a:extLst>
               <a:ext uri="{FF2B5EF4-FFF2-40B4-BE49-F238E27FC236}">
-                <a16:creationId xmlns:a16="http://schemas.microsoft.com/office/drawing/2014/main" xmlns="" id="{E531ECA8-559E-4710-9392-A59BF23BF600}"/>
+                <a16:creationId xmlns="" xmlns:a16="http://schemas.microsoft.com/office/drawing/2014/main" id="{E531ECA8-559E-4710-9392-A59BF23BF600}"/>
               </a:ext>
             </a:extLst>
           </p:cNvPr>
@@ -11707,7 +12427,7 @@
           <p:cNvPr id="103" name="テキスト ボックス 102">
             <a:extLst>
               <a:ext uri="{FF2B5EF4-FFF2-40B4-BE49-F238E27FC236}">
-                <a16:creationId xmlns:a16="http://schemas.microsoft.com/office/drawing/2014/main" xmlns="" id="{7FD33B6C-2C7A-46EF-88D1-D790D6665B54}"/>
+                <a16:creationId xmlns="" xmlns:a16="http://schemas.microsoft.com/office/drawing/2014/main" id="{7FD33B6C-2C7A-46EF-88D1-D790D6665B54}"/>
               </a:ext>
             </a:extLst>
           </p:cNvPr>
@@ -11770,7 +12490,7 @@
           <p:cNvPr id="104" name="正方形/長方形 103">
             <a:extLst>
               <a:ext uri="{FF2B5EF4-FFF2-40B4-BE49-F238E27FC236}">
-                <a16:creationId xmlns:a16="http://schemas.microsoft.com/office/drawing/2014/main" xmlns="" id="{152DC122-6CC8-4781-A703-E4BEBEF3F0B6}"/>
+                <a16:creationId xmlns="" xmlns:a16="http://schemas.microsoft.com/office/drawing/2014/main" id="{152DC122-6CC8-4781-A703-E4BEBEF3F0B6}"/>
               </a:ext>
             </a:extLst>
           </p:cNvPr>
@@ -11833,14 +12553,14 @@
           </a:p>
         </p:txBody>
       </p:sp>
-      <mc:AlternateContent xmlns:mc="http://schemas.openxmlformats.org/markup-compatibility/2006">
-        <mc:Choice xmlns:a14="http://schemas.microsoft.com/office/drawing/2010/main" Requires="a14">
+      <mc:AlternateContent xmlns:mc="http://schemas.openxmlformats.org/markup-compatibility/2006" xmlns:a14="http://schemas.microsoft.com/office/drawing/2010/main">
+        <mc:Choice Requires="a14">
           <p:sp>
             <p:nvSpPr>
               <p:cNvPr id="105" name="正方形/長方形 104">
                 <a:extLst>
                   <a:ext uri="{FF2B5EF4-FFF2-40B4-BE49-F238E27FC236}">
-                    <a16:creationId xmlns:a16="http://schemas.microsoft.com/office/drawing/2014/main" xmlns="" id="{94DA5EA6-AB92-4E16-B5C6-A77707F3C6BC}"/>
+                    <a16:creationId xmlns="" xmlns:a16="http://schemas.microsoft.com/office/drawing/2014/main" id="{94DA5EA6-AB92-4E16-B5C6-A77707F3C6BC}"/>
                   </a:ext>
                 </a:extLst>
               </p:cNvPr>
@@ -11945,7 +12665,7 @@
             </p:txBody>
           </p:sp>
         </mc:Choice>
-        <mc:Fallback>
+        <mc:Fallback xmlns="">
           <p:sp>
             <p:nvSpPr>
               <p:cNvPr id="105" name="正方形/長方形 104">
@@ -11995,7 +12715,7 @@
           <p:cNvPr id="110" name="直線矢印コネクタ 109">
             <a:extLst>
               <a:ext uri="{FF2B5EF4-FFF2-40B4-BE49-F238E27FC236}">
-                <a16:creationId xmlns:a16="http://schemas.microsoft.com/office/drawing/2014/main" xmlns="" id="{3FF1180F-F897-4B6C-8283-0CDAB3551F86}"/>
+                <a16:creationId xmlns="" xmlns:a16="http://schemas.microsoft.com/office/drawing/2014/main" id="{3FF1180F-F897-4B6C-8283-0CDAB3551F86}"/>
               </a:ext>
             </a:extLst>
           </p:cNvPr>
@@ -12043,7 +12763,7 @@
           <p:cNvPr id="111" name="直線矢印コネクタ 110">
             <a:extLst>
               <a:ext uri="{FF2B5EF4-FFF2-40B4-BE49-F238E27FC236}">
-                <a16:creationId xmlns:a16="http://schemas.microsoft.com/office/drawing/2014/main" xmlns="" id="{0C85D743-74D1-4E23-8E7B-40BB45BBFB24}"/>
+                <a16:creationId xmlns="" xmlns:a16="http://schemas.microsoft.com/office/drawing/2014/main" id="{0C85D743-74D1-4E23-8E7B-40BB45BBFB24}"/>
               </a:ext>
             </a:extLst>
           </p:cNvPr>
@@ -12091,7 +12811,7 @@
           <p:cNvPr id="112" name="直線コネクタ 111">
             <a:extLst>
               <a:ext uri="{FF2B5EF4-FFF2-40B4-BE49-F238E27FC236}">
-                <a16:creationId xmlns:a16="http://schemas.microsoft.com/office/drawing/2014/main" xmlns="" id="{80320F48-0580-4151-94D8-C66CBC812DBA}"/>
+                <a16:creationId xmlns="" xmlns:a16="http://schemas.microsoft.com/office/drawing/2014/main" id="{80320F48-0580-4151-94D8-C66CBC812DBA}"/>
               </a:ext>
             </a:extLst>
           </p:cNvPr>
@@ -12144,7 +12864,7 @@
           <p:cNvPr id="113" name="直線コネクタ 112">
             <a:extLst>
               <a:ext uri="{FF2B5EF4-FFF2-40B4-BE49-F238E27FC236}">
-                <a16:creationId xmlns:a16="http://schemas.microsoft.com/office/drawing/2014/main" xmlns="" id="{619E0E60-74FC-448A-B18B-0A2D26650342}"/>
+                <a16:creationId xmlns="" xmlns:a16="http://schemas.microsoft.com/office/drawing/2014/main" id="{619E0E60-74FC-448A-B18B-0A2D26650342}"/>
               </a:ext>
             </a:extLst>
           </p:cNvPr>
@@ -12197,7 +12917,7 @@
           <p:cNvPr id="114" name="アーチ 113">
             <a:extLst>
               <a:ext uri="{FF2B5EF4-FFF2-40B4-BE49-F238E27FC236}">
-                <a16:creationId xmlns:a16="http://schemas.microsoft.com/office/drawing/2014/main" xmlns="" id="{905B48A5-BA46-4EA5-A688-542BC9CDF32B}"/>
+                <a16:creationId xmlns="" xmlns:a16="http://schemas.microsoft.com/office/drawing/2014/main" id="{905B48A5-BA46-4EA5-A688-542BC9CDF32B}"/>
               </a:ext>
             </a:extLst>
           </p:cNvPr>
@@ -12265,7 +12985,7 @@
           <p:cNvPr id="121" name="正方形/長方形 120">
             <a:extLst>
               <a:ext uri="{FF2B5EF4-FFF2-40B4-BE49-F238E27FC236}">
-                <a16:creationId xmlns:a16="http://schemas.microsoft.com/office/drawing/2014/main" xmlns="" id="{083DDE67-DF3B-4FA5-BD64-D66CC8D47DE1}"/>
+                <a16:creationId xmlns="" xmlns:a16="http://schemas.microsoft.com/office/drawing/2014/main" id="{083DDE67-DF3B-4FA5-BD64-D66CC8D47DE1}"/>
               </a:ext>
             </a:extLst>
           </p:cNvPr>
@@ -12333,7 +13053,7 @@
           <p:cNvPr id="115" name="アーチ 114">
             <a:extLst>
               <a:ext uri="{FF2B5EF4-FFF2-40B4-BE49-F238E27FC236}">
-                <a16:creationId xmlns:a16="http://schemas.microsoft.com/office/drawing/2014/main" xmlns="" id="{629B5DA3-8DA6-4E27-BEB2-4ED04114D8D9}"/>
+                <a16:creationId xmlns="" xmlns:a16="http://schemas.microsoft.com/office/drawing/2014/main" id="{629B5DA3-8DA6-4E27-BEB2-4ED04114D8D9}"/>
               </a:ext>
             </a:extLst>
           </p:cNvPr>
@@ -12392,14 +13112,14 @@
           </a:p>
         </p:txBody>
       </p:sp>
-      <mc:AlternateContent xmlns:mc="http://schemas.openxmlformats.org/markup-compatibility/2006">
-        <mc:Choice xmlns:a14="http://schemas.microsoft.com/office/drawing/2010/main" Requires="a14">
+      <mc:AlternateContent xmlns:mc="http://schemas.openxmlformats.org/markup-compatibility/2006" xmlns:a14="http://schemas.microsoft.com/office/drawing/2010/main">
+        <mc:Choice Requires="a14">
           <p:sp>
             <p:nvSpPr>
               <p:cNvPr id="116" name="正方形/長方形 115">
                 <a:extLst>
                   <a:ext uri="{FF2B5EF4-FFF2-40B4-BE49-F238E27FC236}">
-                    <a16:creationId xmlns:a16="http://schemas.microsoft.com/office/drawing/2014/main" xmlns="" id="{43DE9EC5-7FDF-4BB7-8D42-7AA2F47CD76D}"/>
+                    <a16:creationId xmlns="" xmlns:a16="http://schemas.microsoft.com/office/drawing/2014/main" id="{43DE9EC5-7FDF-4BB7-8D42-7AA2F47CD76D}"/>
                   </a:ext>
                 </a:extLst>
               </p:cNvPr>
@@ -12502,7 +13222,7 @@
             </p:txBody>
           </p:sp>
         </mc:Choice>
-        <mc:Fallback>
+        <mc:Fallback xmlns="">
           <p:sp>
             <p:nvSpPr>
               <p:cNvPr id="116" name="正方形/長方形 115">
@@ -12552,7 +13272,7 @@
           <p:cNvPr id="117" name="二等辺三角形 116">
             <a:extLst>
               <a:ext uri="{FF2B5EF4-FFF2-40B4-BE49-F238E27FC236}">
-                <a16:creationId xmlns:a16="http://schemas.microsoft.com/office/drawing/2014/main" xmlns="" id="{C67A7D6C-BAA2-4F68-8DBB-FA9599327E5F}"/>
+                <a16:creationId xmlns="" xmlns:a16="http://schemas.microsoft.com/office/drawing/2014/main" id="{C67A7D6C-BAA2-4F68-8DBB-FA9599327E5F}"/>
               </a:ext>
             </a:extLst>
           </p:cNvPr>
@@ -12611,14 +13331,14 @@
           </a:p>
         </p:txBody>
       </p:sp>
-      <mc:AlternateContent xmlns:mc="http://schemas.openxmlformats.org/markup-compatibility/2006">
-        <mc:Choice xmlns:a14="http://schemas.microsoft.com/office/drawing/2010/main" Requires="a14">
+      <mc:AlternateContent xmlns:mc="http://schemas.openxmlformats.org/markup-compatibility/2006" xmlns:a14="http://schemas.microsoft.com/office/drawing/2010/main">
+        <mc:Choice Requires="a14">
           <p:sp>
             <p:nvSpPr>
               <p:cNvPr id="118" name="正方形/長方形 117">
                 <a:extLst>
                   <a:ext uri="{FF2B5EF4-FFF2-40B4-BE49-F238E27FC236}">
-                    <a16:creationId xmlns:a16="http://schemas.microsoft.com/office/drawing/2014/main" xmlns="" id="{C4C68988-093E-4D2A-87D4-35374120BDA5}"/>
+                    <a16:creationId xmlns="" xmlns:a16="http://schemas.microsoft.com/office/drawing/2014/main" id="{C4C68988-093E-4D2A-87D4-35374120BDA5}"/>
                   </a:ext>
                 </a:extLst>
               </p:cNvPr>
@@ -12682,7 +13402,7 @@
             </p:txBody>
           </p:sp>
         </mc:Choice>
-        <mc:Fallback>
+        <mc:Fallback xmlns="">
           <p:sp>
             <p:nvSpPr>
               <p:cNvPr id="118" name="正方形/長方形 117">
@@ -12732,7 +13452,7 @@
           <p:cNvPr id="119" name="二等辺三角形 118">
             <a:extLst>
               <a:ext uri="{FF2B5EF4-FFF2-40B4-BE49-F238E27FC236}">
-                <a16:creationId xmlns:a16="http://schemas.microsoft.com/office/drawing/2014/main" xmlns="" id="{6AA07F3D-A85C-479A-8496-8D045ADAF755}"/>
+                <a16:creationId xmlns="" xmlns:a16="http://schemas.microsoft.com/office/drawing/2014/main" id="{6AA07F3D-A85C-479A-8496-8D045ADAF755}"/>
               </a:ext>
             </a:extLst>
           </p:cNvPr>
@@ -12791,14 +13511,14 @@
           </a:p>
         </p:txBody>
       </p:sp>
-      <mc:AlternateContent xmlns:mc="http://schemas.openxmlformats.org/markup-compatibility/2006">
-        <mc:Choice xmlns:a14="http://schemas.microsoft.com/office/drawing/2010/main" Requires="a14">
+      <mc:AlternateContent xmlns:mc="http://schemas.openxmlformats.org/markup-compatibility/2006" xmlns:a14="http://schemas.microsoft.com/office/drawing/2010/main">
+        <mc:Choice Requires="a14">
           <p:sp>
             <p:nvSpPr>
               <p:cNvPr id="120" name="テキスト ボックス 119">
                 <a:extLst>
                   <a:ext uri="{FF2B5EF4-FFF2-40B4-BE49-F238E27FC236}">
-                    <a16:creationId xmlns:a16="http://schemas.microsoft.com/office/drawing/2014/main" xmlns="" id="{A0976309-AD7A-46A7-9682-55A33B77C423}"/>
+                    <a16:creationId xmlns="" xmlns:a16="http://schemas.microsoft.com/office/drawing/2014/main" id="{A0976309-AD7A-46A7-9682-55A33B77C423}"/>
                   </a:ext>
                 </a:extLst>
               </p:cNvPr>
@@ -12935,7 +13655,7 @@
             </p:txBody>
           </p:sp>
         </mc:Choice>
-        <mc:Fallback>
+        <mc:Fallback xmlns="">
           <p:sp>
             <p:nvSpPr>
               <p:cNvPr id="120" name="テキスト ボックス 119">
@@ -12983,14 +13703,14 @@
           </p:sp>
         </mc:Fallback>
       </mc:AlternateContent>
-      <mc:AlternateContent xmlns:mc="http://schemas.openxmlformats.org/markup-compatibility/2006">
-        <mc:Choice xmlns:a14="http://schemas.microsoft.com/office/drawing/2010/main" Requires="a14">
+      <mc:AlternateContent xmlns:mc="http://schemas.openxmlformats.org/markup-compatibility/2006" xmlns:a14="http://schemas.microsoft.com/office/drawing/2010/main">
+        <mc:Choice Requires="a14">
           <p:sp>
             <p:nvSpPr>
               <p:cNvPr id="122" name="正方形/長方形 121">
                 <a:extLst>
                   <a:ext uri="{FF2B5EF4-FFF2-40B4-BE49-F238E27FC236}">
-                    <a16:creationId xmlns:a16="http://schemas.microsoft.com/office/drawing/2014/main" xmlns="" id="{628DE7CA-28AA-4274-82D9-2F86F236B396}"/>
+                    <a16:creationId xmlns="" xmlns:a16="http://schemas.microsoft.com/office/drawing/2014/main" id="{628DE7CA-28AA-4274-82D9-2F86F236B396}"/>
                   </a:ext>
                 </a:extLst>
               </p:cNvPr>
@@ -13095,7 +13815,7 @@
             </p:txBody>
           </p:sp>
         </mc:Choice>
-        <mc:Fallback>
+        <mc:Fallback xmlns="">
           <p:sp>
             <p:nvSpPr>
               <p:cNvPr id="122" name="正方形/長方形 121">
@@ -13140,14 +13860,14 @@
           </p:sp>
         </mc:Fallback>
       </mc:AlternateContent>
-      <mc:AlternateContent xmlns:mc="http://schemas.openxmlformats.org/markup-compatibility/2006">
-        <mc:Choice xmlns:a14="http://schemas.microsoft.com/office/drawing/2010/main" Requires="a14">
+      <mc:AlternateContent xmlns:mc="http://schemas.openxmlformats.org/markup-compatibility/2006" xmlns:a14="http://schemas.microsoft.com/office/drawing/2010/main">
+        <mc:Choice Requires="a14">
           <p:graphicFrame>
             <p:nvGraphicFramePr>
               <p:cNvPr id="10" name="表 9">
                 <a:extLst>
                   <a:ext uri="{FF2B5EF4-FFF2-40B4-BE49-F238E27FC236}">
-                    <a16:creationId xmlns:a16="http://schemas.microsoft.com/office/drawing/2014/main" xmlns="" id="{6063F000-0F8F-4FAC-9381-B5A5CC415F33}"/>
+                    <a16:creationId xmlns="" xmlns:a16="http://schemas.microsoft.com/office/drawing/2014/main" id="{6063F000-0F8F-4FAC-9381-B5A5CC415F33}"/>
                   </a:ext>
                 </a:extLst>
               </p:cNvPr>
@@ -13176,28 +13896,28 @@
                     <a:gridCol w="710050">
                       <a:extLst>
                         <a:ext uri="{9D8B030D-6E8A-4147-A177-3AD203B41FA5}">
-                          <a16:colId xmlns:a16="http://schemas.microsoft.com/office/drawing/2014/main" xmlns="" val="1136744987"/>
+                          <a16:colId xmlns="" xmlns:a16="http://schemas.microsoft.com/office/drawing/2014/main" val="1136744987"/>
                         </a:ext>
                       </a:extLst>
                     </a:gridCol>
                     <a:gridCol w="1239984">
                       <a:extLst>
                         <a:ext uri="{9D8B030D-6E8A-4147-A177-3AD203B41FA5}">
-                          <a16:colId xmlns:a16="http://schemas.microsoft.com/office/drawing/2014/main" xmlns="" val="4235200062"/>
+                          <a16:colId xmlns="" xmlns:a16="http://schemas.microsoft.com/office/drawing/2014/main" val="4235200062"/>
                         </a:ext>
                       </a:extLst>
                     </a:gridCol>
                     <a:gridCol w="656462">
                       <a:extLst>
                         <a:ext uri="{9D8B030D-6E8A-4147-A177-3AD203B41FA5}">
-                          <a16:colId xmlns:a16="http://schemas.microsoft.com/office/drawing/2014/main" xmlns="" val="988555977"/>
+                          <a16:colId xmlns="" xmlns:a16="http://schemas.microsoft.com/office/drawing/2014/main" val="988555977"/>
                         </a:ext>
                       </a:extLst>
                     </a:gridCol>
                     <a:gridCol w="4522294">
                       <a:extLst>
                         <a:ext uri="{9D8B030D-6E8A-4147-A177-3AD203B41FA5}">
-                          <a16:colId xmlns:a16="http://schemas.microsoft.com/office/drawing/2014/main" xmlns="" val="1845107624"/>
+                          <a16:colId xmlns="" xmlns:a16="http://schemas.microsoft.com/office/drawing/2014/main" val="1845107624"/>
                         </a:ext>
                       </a:extLst>
                     </a:gridCol>
@@ -13257,7 +13977,7 @@
                     </a:tc>
                     <a:extLst>
                       <a:ext uri="{0D108BD9-81ED-4DB2-BD59-A6C34878D82A}">
-                        <a16:rowId xmlns:a16="http://schemas.microsoft.com/office/drawing/2014/main" xmlns="" val="1812608564"/>
+                        <a16:rowId xmlns="" xmlns:a16="http://schemas.microsoft.com/office/drawing/2014/main" val="1812608564"/>
                       </a:ext>
                     </a:extLst>
                   </a:tr>
@@ -13275,7 +13995,9 @@
                               </m:oMathParaPr>
                               <m:oMath xmlns:m="http://schemas.openxmlformats.org/officeDocument/2006/math">
                                 <m:r>
-                                  <a:rPr kumimoji="1" lang="en-US" altLang="ja-JP" sz="1600" dirty="0" smtClean="0"/>
+                                  <a:rPr kumimoji="1" lang="en-US" altLang="ja-JP" sz="1600" dirty="0" smtClean="0">
+                                    <a:latin typeface="Cambria Math"/>
+                                  </a:rPr>
                                   <m:t>𝐿</m:t>
                                 </m:r>
                               </m:oMath>
@@ -13328,7 +14050,7 @@
                     </a:tc>
                     <a:extLst>
                       <a:ext uri="{0D108BD9-81ED-4DB2-BD59-A6C34878D82A}">
-                        <a16:rowId xmlns:a16="http://schemas.microsoft.com/office/drawing/2014/main" xmlns="" val="2853552124"/>
+                        <a16:rowId xmlns="" xmlns:a16="http://schemas.microsoft.com/office/drawing/2014/main" val="2853552124"/>
                       </a:ext>
                     </a:extLst>
                   </a:tr>
@@ -13346,7 +14068,9 @@
                               </m:oMathParaPr>
                               <m:oMath xmlns:m="http://schemas.openxmlformats.org/officeDocument/2006/math">
                                 <m:r>
-                                  <a:rPr kumimoji="1" lang="en-US" altLang="ja-JP" sz="1600" dirty="0" smtClean="0"/>
+                                  <a:rPr kumimoji="1" lang="en-US" altLang="ja-JP" sz="1600" dirty="0" smtClean="0">
+                                    <a:latin typeface="Cambria Math"/>
+                                  </a:rPr>
                                   <m:t>𝜃</m:t>
                                 </m:r>
                               </m:oMath>
@@ -13399,7 +14123,7 @@
                     </a:tc>
                     <a:extLst>
                       <a:ext uri="{0D108BD9-81ED-4DB2-BD59-A6C34878D82A}">
-                        <a16:rowId xmlns:a16="http://schemas.microsoft.com/office/drawing/2014/main" xmlns="" val="2785974895"/>
+                        <a16:rowId xmlns="" xmlns:a16="http://schemas.microsoft.com/office/drawing/2014/main" val="2785974895"/>
                       </a:ext>
                     </a:extLst>
                   </a:tr>
@@ -13417,23 +14141,33 @@
                               </m:oMathParaPr>
                               <m:oMath xmlns:m="http://schemas.openxmlformats.org/officeDocument/2006/math">
                                 <m:r>
-                                  <a:rPr kumimoji="1" lang="en-US" altLang="ja-JP" sz="1600" dirty="0" smtClean="0"/>
+                                  <a:rPr kumimoji="1" lang="en-US" altLang="ja-JP" sz="1600" dirty="0" smtClean="0">
+                                    <a:latin typeface="Cambria Math"/>
+                                  </a:rPr>
                                   <m:t>(</m:t>
                                 </m:r>
                                 <m:r>
-                                  <a:rPr kumimoji="1" lang="en-US" altLang="ja-JP" sz="1600" dirty="0" err="1" smtClean="0"/>
+                                  <a:rPr kumimoji="1" lang="en-US" altLang="ja-JP" sz="1600" dirty="0" err="1" smtClean="0">
+                                    <a:latin typeface="Cambria Math"/>
+                                  </a:rPr>
                                   <m:t>𝑥</m:t>
                                 </m:r>
                                 <m:r>
-                                  <a:rPr kumimoji="1" lang="en-US" altLang="ja-JP" sz="1600" dirty="0" err="1" smtClean="0"/>
+                                  <a:rPr kumimoji="1" lang="en-US" altLang="ja-JP" sz="1600" dirty="0" err="1" smtClean="0">
+                                    <a:latin typeface="Cambria Math"/>
+                                  </a:rPr>
                                   <m:t>,</m:t>
                                 </m:r>
                                 <m:r>
-                                  <a:rPr kumimoji="1" lang="en-US" altLang="ja-JP" sz="1600" dirty="0" err="1" smtClean="0"/>
+                                  <a:rPr kumimoji="1" lang="en-US" altLang="ja-JP" sz="1600" dirty="0" err="1" smtClean="0">
+                                    <a:latin typeface="Cambria Math"/>
+                                  </a:rPr>
                                   <m:t>𝑦</m:t>
                                 </m:r>
                                 <m:r>
-                                  <a:rPr kumimoji="1" lang="en-US" altLang="ja-JP" sz="1600" dirty="0" smtClean="0"/>
+                                  <a:rPr kumimoji="1" lang="en-US" altLang="ja-JP" sz="1600" dirty="0" smtClean="0">
+                                    <a:latin typeface="Cambria Math"/>
+                                  </a:rPr>
                                   <m:t>)</m:t>
                                 </m:r>
                               </m:oMath>
@@ -13486,7 +14220,7 @@
                     </a:tc>
                     <a:extLst>
                       <a:ext uri="{0D108BD9-81ED-4DB2-BD59-A6C34878D82A}">
-                        <a16:rowId xmlns:a16="http://schemas.microsoft.com/office/drawing/2014/main" xmlns="" val="2068161966"/>
+                        <a16:rowId xmlns="" xmlns:a16="http://schemas.microsoft.com/office/drawing/2014/main" val="2068161966"/>
                       </a:ext>
                     </a:extLst>
                   </a:tr>
@@ -13504,7 +14238,9 @@
                               </m:oMathParaPr>
                               <m:oMath xmlns:m="http://schemas.openxmlformats.org/officeDocument/2006/math">
                                 <m:r>
-                                  <a:rPr kumimoji="1" lang="en-US" altLang="ja-JP" sz="1600" dirty="0" smtClean="0"/>
+                                  <a:rPr kumimoji="1" lang="en-US" altLang="ja-JP" sz="1600" dirty="0" smtClean="0">
+                                    <a:latin typeface="Cambria Math"/>
+                                  </a:rPr>
                                   <m:t>𝑡</m:t>
                                 </m:r>
                               </m:oMath>
@@ -13556,7 +14292,7 @@
                     </a:tc>
                     <a:extLst>
                       <a:ext uri="{0D108BD9-81ED-4DB2-BD59-A6C34878D82A}">
-                        <a16:rowId xmlns:a16="http://schemas.microsoft.com/office/drawing/2014/main" xmlns="" val="3386441986"/>
+                        <a16:rowId xmlns="" xmlns:a16="http://schemas.microsoft.com/office/drawing/2014/main" val="3386441986"/>
                       </a:ext>
                     </a:extLst>
                   </a:tr>
@@ -13565,7 +14301,7 @@
             </a:graphic>
           </p:graphicFrame>
         </mc:Choice>
-        <mc:Fallback>
+        <mc:Fallback xmlns="">
           <p:graphicFrame>
             <p:nvGraphicFramePr>
               <p:cNvPr id="10" name="表 9">
@@ -13966,691 +14702,6 @@
 </p:sld>
 </file>
 
-<file path=ppt/slides/slide3.xml><?xml version="1.0" encoding="utf-8"?>
-<p:sld xmlns:a="http://schemas.openxmlformats.org/drawingml/2006/main" xmlns:r="http://schemas.openxmlformats.org/officeDocument/2006/relationships" xmlns:p="http://schemas.openxmlformats.org/presentationml/2006/main">
-  <p:cSld>
-    <p:spTree>
-      <p:nvGrpSpPr>
-        <p:cNvPr id="1" name=""/>
-        <p:cNvGrpSpPr/>
-        <p:nvPr/>
-      </p:nvGrpSpPr>
-      <p:grpSpPr>
-        <a:xfrm>
-          <a:off x="0" y="0"/>
-          <a:ext cx="0" cy="0"/>
-          <a:chOff x="0" y="0"/>
-          <a:chExt cx="0" cy="0"/>
-        </a:xfrm>
-      </p:grpSpPr>
-      <p:pic>
-        <p:nvPicPr>
-          <p:cNvPr id="13" name="Picture 2"/>
-          <p:cNvPicPr>
-            <a:picLocks noChangeAspect="1" noChangeArrowheads="1"/>
-          </p:cNvPicPr>
-          <p:nvPr/>
-        </p:nvPicPr>
-        <p:blipFill>
-          <a:blip r:embed="rId2">
-            <a:extLst>
-              <a:ext uri="{28A0092B-C50C-407E-A947-70E740481C1C}">
-                <a14:useLocalDpi xmlns:a14="http://schemas.microsoft.com/office/drawing/2010/main" val="0"/>
-              </a:ext>
-            </a:extLst>
-          </a:blip>
-          <a:srcRect/>
-          <a:stretch>
-            <a:fillRect/>
-          </a:stretch>
-        </p:blipFill>
-        <p:spPr bwMode="auto">
-          <a:xfrm rot="20170630">
-            <a:off x="148768" y="863613"/>
-            <a:ext cx="1053100" cy="1053098"/>
-          </a:xfrm>
-          <a:prstGeom prst="rect">
-            <a:avLst/>
-          </a:prstGeom>
-          <a:noFill/>
-          <a:ln>
-            <a:noFill/>
-          </a:ln>
-          <a:effectLst/>
-          <a:extLst>
-            <a:ext uri="{909E8E84-426E-40DD-AFC4-6F175D3DCCD1}">
-              <a14:hiddenFill xmlns:a14="http://schemas.microsoft.com/office/drawing/2010/main">
-                <a:solidFill>
-                  <a:schemeClr val="accent1"/>
-                </a:solidFill>
-              </a14:hiddenFill>
-            </a:ext>
-            <a:ext uri="{91240B29-F687-4F45-9708-019B960494DF}">
-              <a14:hiddenLine xmlns:a14="http://schemas.microsoft.com/office/drawing/2010/main" w="9525">
-                <a:solidFill>
-                  <a:schemeClr val="tx1"/>
-                </a:solidFill>
-                <a:miter lim="800000"/>
-                <a:headEnd/>
-                <a:tailEnd/>
-              </a14:hiddenLine>
-            </a:ext>
-            <a:ext uri="{AF507438-7753-43E0-B8FC-AC1667EBCBE1}">
-              <a14:hiddenEffects xmlns:a14="http://schemas.microsoft.com/office/drawing/2010/main">
-                <a:effectLst>
-                  <a:outerShdw dist="35921" dir="2700000" algn="ctr" rotWithShape="0">
-                    <a:schemeClr val="bg2"/>
-                  </a:outerShdw>
-                </a:effectLst>
-              </a14:hiddenEffects>
-            </a:ext>
-          </a:extLst>
-        </p:spPr>
-      </p:pic>
-      <p:sp>
-        <p:nvSpPr>
-          <p:cNvPr id="11" name="四角形: 角を丸くする 10">
-            <a:extLst>
-              <a:ext uri="{FF2B5EF4-FFF2-40B4-BE49-F238E27FC236}">
-                <a16:creationId xmlns:a16="http://schemas.microsoft.com/office/drawing/2014/main" xmlns="" id="{8D728D74-7BE4-4AAF-9546-CBEB3D136285}"/>
-              </a:ext>
-            </a:extLst>
-          </p:cNvPr>
-          <p:cNvSpPr/>
-          <p:nvPr/>
-        </p:nvSpPr>
-        <p:spPr bwMode="auto">
-          <a:xfrm>
-            <a:off x="9503891" y="1903008"/>
-            <a:ext cx="5544617" cy="8712969"/>
-          </a:xfrm>
-          <a:prstGeom prst="roundRect">
-            <a:avLst>
-              <a:gd name="adj" fmla="val 5155"/>
-            </a:avLst>
-          </a:prstGeom>
-          <a:solidFill>
-            <a:srgbClr val="FFCC33"/>
-          </a:solidFill>
-          <a:ln w="9525" cap="flat" cmpd="sng" algn="ctr">
-            <a:solidFill>
-              <a:schemeClr val="tx1"/>
-            </a:solidFill>
-            <a:prstDash val="solid"/>
-            <a:round/>
-            <a:headEnd type="none" w="med" len="med"/>
-            <a:tailEnd type="none" w="med" len="med"/>
-          </a:ln>
-          <a:effectLst/>
-          <a:extLst/>
-        </p:spPr>
-        <p:txBody>
-          <a:bodyPr vert="horz" wrap="none" lIns="91426" tIns="45713" rIns="91426" bIns="45713" numCol="1" rtlCol="0" anchor="ctr" anchorCtr="0" compatLnSpc="1">
-            <a:prstTxWarp prst="textNoShape">
-              <a:avLst/>
-            </a:prstTxWarp>
-          </a:bodyPr>
-          <a:lstStyle/>
-          <a:p>
-            <a:pPr defTabSz="914251"/>
-            <a:endParaRPr lang="ja-JP" altLang="en-US"/>
-          </a:p>
-        </p:txBody>
-      </p:sp>
-      <p:sp>
-        <p:nvSpPr>
-          <p:cNvPr id="12" name="テキスト ボックス 11">
-            <a:extLst>
-              <a:ext uri="{FF2B5EF4-FFF2-40B4-BE49-F238E27FC236}">
-                <a16:creationId xmlns:a16="http://schemas.microsoft.com/office/drawing/2014/main" xmlns="" id="{6DAB8946-024A-424B-9B7B-03ED2B52099B}"/>
-              </a:ext>
-            </a:extLst>
-          </p:cNvPr>
-          <p:cNvSpPr txBox="1"/>
-          <p:nvPr/>
-        </p:nvSpPr>
-        <p:spPr>
-          <a:xfrm>
-            <a:off x="9647907" y="1997199"/>
-            <a:ext cx="1011787" cy="338540"/>
-          </a:xfrm>
-          <a:prstGeom prst="rect">
-            <a:avLst/>
-          </a:prstGeom>
-          <a:noFill/>
-        </p:spPr>
-        <p:txBody>
-          <a:bodyPr wrap="none" lIns="91426" tIns="45713" rIns="91426" bIns="45713" rtlCol="0">
-            <a:spAutoFit/>
-          </a:bodyPr>
-          <a:lstStyle/>
-          <a:p>
-            <a:r>
-              <a:rPr kumimoji="1" lang="ja-JP" altLang="en-US" sz="1600" b="1" dirty="0" smtClean="0"/>
-              <a:t>復帰</a:t>
-            </a:r>
-            <a:r>
-              <a:rPr kumimoji="1" lang="ja-JP" altLang="en-US" sz="1600" b="1" dirty="0"/>
-              <a:t>動作</a:t>
-            </a:r>
-          </a:p>
-        </p:txBody>
-      </p:sp>
-      <p:sp>
-        <p:nvSpPr>
-          <p:cNvPr id="3" name="四角形: 角を丸くする 2">
-            <a:extLst>
-              <a:ext uri="{FF2B5EF4-FFF2-40B4-BE49-F238E27FC236}">
-                <a16:creationId xmlns:a16="http://schemas.microsoft.com/office/drawing/2014/main" xmlns="" id="{2B99B1EA-17D2-4495-A343-2A1713BC8495}"/>
-              </a:ext>
-            </a:extLst>
-          </p:cNvPr>
-          <p:cNvSpPr/>
-          <p:nvPr/>
-        </p:nvSpPr>
-        <p:spPr bwMode="auto">
-          <a:xfrm>
-            <a:off x="70843" y="1950060"/>
-            <a:ext cx="6122269" cy="8652433"/>
-          </a:xfrm>
-          <a:prstGeom prst="roundRect">
-            <a:avLst>
-              <a:gd name="adj" fmla="val 5155"/>
-            </a:avLst>
-          </a:prstGeom>
-          <a:solidFill>
-            <a:srgbClr val="9999FF"/>
-          </a:solidFill>
-          <a:ln w="9525" cap="flat" cmpd="sng" algn="ctr">
-            <a:solidFill>
-              <a:schemeClr val="tx1"/>
-            </a:solidFill>
-            <a:prstDash val="solid"/>
-            <a:round/>
-            <a:headEnd type="none" w="med" len="med"/>
-            <a:tailEnd type="none" w="med" len="med"/>
-          </a:ln>
-          <a:effectLst/>
-          <a:extLst/>
-        </p:spPr>
-        <p:txBody>
-          <a:bodyPr vert="horz" wrap="none" lIns="91426" tIns="45713" rIns="91426" bIns="45713" numCol="1" rtlCol="0" anchor="ctr" anchorCtr="0" compatLnSpc="1">
-            <a:prstTxWarp prst="textNoShape">
-              <a:avLst/>
-            </a:prstTxWarp>
-          </a:bodyPr>
-          <a:lstStyle/>
-          <a:p>
-            <a:pPr defTabSz="914251"/>
-            <a:endParaRPr lang="ja-JP" altLang="en-US"/>
-          </a:p>
-        </p:txBody>
-      </p:sp>
-      <p:sp>
-        <p:nvSpPr>
-          <p:cNvPr id="2" name="タイトル 1">
-            <a:extLst>
-              <a:ext uri="{FF2B5EF4-FFF2-40B4-BE49-F238E27FC236}">
-                <a16:creationId xmlns:a16="http://schemas.microsoft.com/office/drawing/2014/main" xmlns="" id="{00985285-FEFA-4CC6-9C7D-D07529FB9C08}"/>
-              </a:ext>
-            </a:extLst>
-          </p:cNvPr>
-          <p:cNvSpPr>
-            <a:spLocks noGrp="1"/>
-          </p:cNvSpPr>
-          <p:nvPr>
-            <p:ph type="title"/>
-          </p:nvPr>
-        </p:nvSpPr>
-        <p:spPr/>
-        <p:txBody>
-          <a:bodyPr>
-            <a:normAutofit/>
-          </a:bodyPr>
-          <a:lstStyle/>
-          <a:p>
-            <a:r>
-              <a:rPr kumimoji="1" lang="en-US" altLang="ja-JP" dirty="0"/>
-              <a:t>3. </a:t>
-            </a:r>
-            <a:r>
-              <a:rPr kumimoji="1" lang="ja-JP" altLang="en-US" dirty="0"/>
-              <a:t>機能実現</a:t>
-            </a:r>
-          </a:p>
-        </p:txBody>
-      </p:sp>
-      <p:pic>
-        <p:nvPicPr>
-          <p:cNvPr id="5" name="図 4">
-            <a:extLst>
-              <a:ext uri="{FF2B5EF4-FFF2-40B4-BE49-F238E27FC236}">
-                <a16:creationId xmlns:a16="http://schemas.microsoft.com/office/drawing/2014/main" xmlns="" id="{ED4E47EA-F070-470B-B67E-DCC075665A33}"/>
-              </a:ext>
-            </a:extLst>
-          </p:cNvPr>
-          <p:cNvPicPr>
-            <a:picLocks noChangeAspect="1"/>
-          </p:cNvPicPr>
-          <p:nvPr/>
-        </p:nvPicPr>
-        <p:blipFill rotWithShape="1">
-          <a:blip r:embed="rId3">
-            <a:extLst>
-              <a:ext uri="{28A0092B-C50C-407E-A947-70E740481C1C}">
-                <a14:useLocalDpi xmlns:a14="http://schemas.microsoft.com/office/drawing/2010/main" val="0"/>
-              </a:ext>
-            </a:extLst>
-          </a:blip>
-          <a:srcRect l="3748" t="4110" r="2435" b="3175"/>
-          <a:stretch/>
-        </p:blipFill>
-        <p:spPr>
-          <a:xfrm>
-            <a:off x="184218" y="2364547"/>
-            <a:ext cx="5885548" cy="8122961"/>
-          </a:xfrm>
-          <a:prstGeom prst="rect">
-            <a:avLst/>
-          </a:prstGeom>
-        </p:spPr>
-      </p:pic>
-      <p:pic>
-        <p:nvPicPr>
-          <p:cNvPr id="7" name="図 6">
-            <a:extLst>
-              <a:ext uri="{FF2B5EF4-FFF2-40B4-BE49-F238E27FC236}">
-                <a16:creationId xmlns:a16="http://schemas.microsoft.com/office/drawing/2014/main" xmlns="" id="{5DC6CF66-20C4-42F3-B60B-C501E9888B57}"/>
-              </a:ext>
-            </a:extLst>
-          </p:cNvPr>
-          <p:cNvPicPr>
-            <a:picLocks noChangeAspect="1"/>
-          </p:cNvPicPr>
-          <p:nvPr/>
-        </p:nvPicPr>
-        <p:blipFill rotWithShape="1">
-          <a:blip r:embed="rId4">
-            <a:extLst>
-              <a:ext uri="{28A0092B-C50C-407E-A947-70E740481C1C}">
-                <a14:useLocalDpi xmlns:a14="http://schemas.microsoft.com/office/drawing/2010/main" val="0"/>
-              </a:ext>
-            </a:extLst>
-          </a:blip>
-          <a:srcRect l="4909" t="4150" r="2502" b="2074"/>
-          <a:stretch/>
-        </p:blipFill>
-        <p:spPr>
-          <a:xfrm>
-            <a:off x="9575899" y="2357575"/>
-            <a:ext cx="5328592" cy="8136905"/>
-          </a:xfrm>
-          <a:prstGeom prst="rect">
-            <a:avLst/>
-          </a:prstGeom>
-        </p:spPr>
-      </p:pic>
-      <p:pic>
-        <p:nvPicPr>
-          <p:cNvPr id="8" name="図 7">
-            <a:extLst>
-              <a:ext uri="{FF2B5EF4-FFF2-40B4-BE49-F238E27FC236}">
-                <a16:creationId xmlns:a16="http://schemas.microsoft.com/office/drawing/2014/main" xmlns="" id="{437CF701-064E-49D7-AD2F-938C11165724}"/>
-              </a:ext>
-            </a:extLst>
-          </p:cNvPr>
-          <p:cNvPicPr>
-            <a:picLocks noChangeAspect="1"/>
-          </p:cNvPicPr>
-          <p:nvPr/>
-        </p:nvPicPr>
-        <p:blipFill rotWithShape="1">
-          <a:blip r:embed="rId5">
-            <a:extLst>
-              <a:ext uri="{28A0092B-C50C-407E-A947-70E740481C1C}">
-                <a14:useLocalDpi xmlns:a14="http://schemas.microsoft.com/office/drawing/2010/main" val="0"/>
-              </a:ext>
-            </a:extLst>
-          </a:blip>
-          <a:srcRect l="8937" t="9934" r="5345" b="6206"/>
-          <a:stretch/>
-        </p:blipFill>
-        <p:spPr>
-          <a:xfrm>
-            <a:off x="6257127" y="2147027"/>
-            <a:ext cx="3096343" cy="3744415"/>
-          </a:xfrm>
-          <a:prstGeom prst="rect">
-            <a:avLst/>
-          </a:prstGeom>
-        </p:spPr>
-      </p:pic>
-      <p:sp>
-        <p:nvSpPr>
-          <p:cNvPr id="14" name="テキスト ボックス 13">
-            <a:extLst>
-              <a:ext uri="{FF2B5EF4-FFF2-40B4-BE49-F238E27FC236}">
-                <a16:creationId xmlns:a16="http://schemas.microsoft.com/office/drawing/2014/main" xmlns="" id="{6D709A13-6AAF-442E-AD6F-978BDC42B238}"/>
-              </a:ext>
-            </a:extLst>
-          </p:cNvPr>
-          <p:cNvSpPr txBox="1"/>
-          <p:nvPr/>
-        </p:nvSpPr>
-        <p:spPr>
-          <a:xfrm>
-            <a:off x="554628" y="1220885"/>
-            <a:ext cx="13701791" cy="584761"/>
-          </a:xfrm>
-          <a:prstGeom prst="rect">
-            <a:avLst/>
-          </a:prstGeom>
-          <a:noFill/>
-        </p:spPr>
-        <p:txBody>
-          <a:bodyPr wrap="square" lIns="91426" tIns="45713" rIns="91426" bIns="45713" rtlCol="0">
-            <a:spAutoFit/>
-          </a:bodyPr>
-          <a:lstStyle/>
-          <a:p>
-            <a:pPr algn="l"/>
-            <a:r>
-              <a:rPr kumimoji="1" lang="ja-JP" altLang="en-US" sz="1600" dirty="0" smtClean="0"/>
-              <a:t>次に、離脱判定と復帰動作それぞれのアクティビティ図を以下に示す。</a:t>
-            </a:r>
-            <a:endParaRPr kumimoji="1" lang="en-US" altLang="ja-JP" sz="1600" dirty="0" smtClean="0"/>
-          </a:p>
-          <a:p>
-            <a:pPr algn="l"/>
-            <a:r>
-              <a:rPr kumimoji="1" lang="ja-JP" altLang="en-US" sz="1600" dirty="0" smtClean="0"/>
-              <a:t>ただし、走行体は常に自己位置推定を行っているものとし、その自己位置の情報を走行データと呼ぶ。</a:t>
-            </a:r>
-            <a:endParaRPr kumimoji="1" lang="en-US" altLang="ja-JP" sz="1600" dirty="0"/>
-          </a:p>
-        </p:txBody>
-      </p:sp>
-      <p:sp>
-        <p:nvSpPr>
-          <p:cNvPr id="19" name="円/楕円 18"/>
-          <p:cNvSpPr/>
-          <p:nvPr/>
-        </p:nvSpPr>
-        <p:spPr>
-          <a:xfrm>
-            <a:off x="7487667" y="4553818"/>
-            <a:ext cx="582469" cy="410901"/>
-          </a:xfrm>
-          <a:prstGeom prst="ellipse">
-            <a:avLst/>
-          </a:prstGeom>
-          <a:noFill/>
-          <a:ln>
-            <a:solidFill>
-              <a:srgbClr val="FF0000"/>
-            </a:solidFill>
-          </a:ln>
-        </p:spPr>
-        <p:style>
-          <a:lnRef idx="2">
-            <a:schemeClr val="accent1">
-              <a:shade val="50000"/>
-            </a:schemeClr>
-          </a:lnRef>
-          <a:fillRef idx="1">
-            <a:schemeClr val="accent1"/>
-          </a:fillRef>
-          <a:effectRef idx="0">
-            <a:schemeClr val="accent1"/>
-          </a:effectRef>
-          <a:fontRef idx="minor">
-            <a:schemeClr val="lt1"/>
-          </a:fontRef>
-        </p:style>
-        <p:txBody>
-          <a:bodyPr rtlCol="0" anchor="ctr"/>
-          <a:lstStyle/>
-          <a:p>
-            <a:pPr algn="ctr"/>
-            <a:endParaRPr kumimoji="1" lang="ja-JP" altLang="en-US"/>
-          </a:p>
-        </p:txBody>
-      </p:sp>
-      <p:sp>
-        <p:nvSpPr>
-          <p:cNvPr id="18" name="二等辺三角形 17"/>
-          <p:cNvSpPr/>
-          <p:nvPr/>
-        </p:nvSpPr>
-        <p:spPr>
-          <a:xfrm rot="20745225">
-            <a:off x="5807156" y="2168488"/>
-            <a:ext cx="1438318" cy="2733286"/>
-          </a:xfrm>
-          <a:prstGeom prst="triangle">
-            <a:avLst/>
-          </a:prstGeom>
-          <a:solidFill>
-            <a:schemeClr val="accent1">
-              <a:lumMod val="75000"/>
-              <a:alpha val="50000"/>
-            </a:schemeClr>
-          </a:solidFill>
-          <a:ln>
-            <a:noFill/>
-          </a:ln>
-        </p:spPr>
-        <p:style>
-          <a:lnRef idx="2">
-            <a:schemeClr val="accent1">
-              <a:shade val="50000"/>
-            </a:schemeClr>
-          </a:lnRef>
-          <a:fillRef idx="1">
-            <a:schemeClr val="accent1"/>
-          </a:fillRef>
-          <a:effectRef idx="0">
-            <a:schemeClr val="accent1"/>
-          </a:effectRef>
-          <a:fontRef idx="minor">
-            <a:schemeClr val="lt1"/>
-          </a:fontRef>
-        </p:style>
-        <p:txBody>
-          <a:bodyPr rtlCol="0" anchor="ctr"/>
-          <a:lstStyle/>
-          <a:p>
-            <a:pPr algn="ctr"/>
-            <a:endParaRPr kumimoji="1" lang="ja-JP" altLang="en-US"/>
-          </a:p>
-        </p:txBody>
-      </p:sp>
-      <p:sp>
-        <p:nvSpPr>
-          <p:cNvPr id="21" name="円/楕円 20"/>
-          <p:cNvSpPr/>
-          <p:nvPr/>
-        </p:nvSpPr>
-        <p:spPr>
-          <a:xfrm>
-            <a:off x="7057598" y="5295045"/>
-            <a:ext cx="1438181" cy="410901"/>
-          </a:xfrm>
-          <a:prstGeom prst="ellipse">
-            <a:avLst/>
-          </a:prstGeom>
-          <a:noFill/>
-          <a:ln>
-            <a:solidFill>
-              <a:srgbClr val="FF0000"/>
-            </a:solidFill>
-          </a:ln>
-        </p:spPr>
-        <p:style>
-          <a:lnRef idx="2">
-            <a:schemeClr val="accent1">
-              <a:shade val="50000"/>
-            </a:schemeClr>
-          </a:lnRef>
-          <a:fillRef idx="1">
-            <a:schemeClr val="accent1"/>
-          </a:fillRef>
-          <a:effectRef idx="0">
-            <a:schemeClr val="accent1"/>
-          </a:effectRef>
-          <a:fontRef idx="minor">
-            <a:schemeClr val="lt1"/>
-          </a:fontRef>
-        </p:style>
-        <p:txBody>
-          <a:bodyPr rtlCol="0" anchor="ctr"/>
-          <a:lstStyle/>
-          <a:p>
-            <a:pPr algn="ctr"/>
-            <a:endParaRPr kumimoji="1" lang="ja-JP" altLang="en-US"/>
-          </a:p>
-        </p:txBody>
-      </p:sp>
-      <p:sp>
-        <p:nvSpPr>
-          <p:cNvPr id="20" name="二等辺三角形 19"/>
-          <p:cNvSpPr/>
-          <p:nvPr/>
-        </p:nvSpPr>
-        <p:spPr>
-          <a:xfrm rot="692669">
-            <a:off x="8454956" y="2175163"/>
-            <a:ext cx="1438318" cy="3450232"/>
-          </a:xfrm>
-          <a:prstGeom prst="triangle">
-            <a:avLst/>
-          </a:prstGeom>
-          <a:solidFill>
-            <a:srgbClr val="FFCC33">
-              <a:alpha val="50000"/>
-            </a:srgbClr>
-          </a:solidFill>
-          <a:ln>
-            <a:noFill/>
-          </a:ln>
-        </p:spPr>
-        <p:style>
-          <a:lnRef idx="2">
-            <a:schemeClr val="accent1">
-              <a:shade val="50000"/>
-            </a:schemeClr>
-          </a:lnRef>
-          <a:fillRef idx="1">
-            <a:schemeClr val="accent1"/>
-          </a:fillRef>
-          <a:effectRef idx="0">
-            <a:schemeClr val="accent1"/>
-          </a:effectRef>
-          <a:fontRef idx="minor">
-            <a:schemeClr val="lt1"/>
-          </a:fontRef>
-        </p:style>
-        <p:txBody>
-          <a:bodyPr rtlCol="0" anchor="ctr"/>
-          <a:lstStyle/>
-          <a:p>
-            <a:pPr algn="ctr"/>
-            <a:endParaRPr kumimoji="1" lang="ja-JP" altLang="en-US" dirty="0"/>
-          </a:p>
-        </p:txBody>
-      </p:sp>
-      <p:sp>
-        <p:nvSpPr>
-          <p:cNvPr id="22" name="テキスト ボックス 21">
-            <a:extLst>
-              <a:ext uri="{FF2B5EF4-FFF2-40B4-BE49-F238E27FC236}">
-                <a16:creationId xmlns:a16="http://schemas.microsoft.com/office/drawing/2014/main" xmlns="" id="{6DAB8946-024A-424B-9B7B-03ED2B52099B}"/>
-              </a:ext>
-            </a:extLst>
-          </p:cNvPr>
-          <p:cNvSpPr txBox="1"/>
-          <p:nvPr/>
-        </p:nvSpPr>
-        <p:spPr>
-          <a:xfrm>
-            <a:off x="6660939" y="5937736"/>
-            <a:ext cx="2235924" cy="338540"/>
-          </a:xfrm>
-          <a:prstGeom prst="rect">
-            <a:avLst/>
-          </a:prstGeom>
-          <a:noFill/>
-        </p:spPr>
-        <p:txBody>
-          <a:bodyPr wrap="square" lIns="91426" tIns="45713" rIns="91426" bIns="45713" rtlCol="0">
-            <a:spAutoFit/>
-          </a:bodyPr>
-          <a:lstStyle/>
-          <a:p>
-            <a:r>
-              <a:rPr kumimoji="1" lang="ja-JP" altLang="en-US" sz="1600" b="1" dirty="0" smtClean="0"/>
-              <a:t>全体アクティビティ図</a:t>
-            </a:r>
-            <a:endParaRPr kumimoji="1" lang="ja-JP" altLang="en-US" sz="1600" b="1" dirty="0"/>
-          </a:p>
-        </p:txBody>
-      </p:sp>
-      <p:sp>
-        <p:nvSpPr>
-          <p:cNvPr id="23" name="テキスト ボックス 22">
-            <a:extLst>
-              <a:ext uri="{FF2B5EF4-FFF2-40B4-BE49-F238E27FC236}">
-                <a16:creationId xmlns:a16="http://schemas.microsoft.com/office/drawing/2014/main" xmlns="" id="{825F097D-4588-4F8F-AA42-B0D77B0F9CE3}"/>
-              </a:ext>
-            </a:extLst>
-          </p:cNvPr>
-          <p:cNvSpPr txBox="1"/>
-          <p:nvPr/>
-        </p:nvSpPr>
-        <p:spPr>
-          <a:xfrm>
-            <a:off x="214859" y="1987798"/>
-            <a:ext cx="1011787" cy="338540"/>
-          </a:xfrm>
-          <a:prstGeom prst="rect">
-            <a:avLst/>
-          </a:prstGeom>
-          <a:noFill/>
-        </p:spPr>
-        <p:txBody>
-          <a:bodyPr wrap="none" lIns="91426" tIns="45713" rIns="91426" bIns="45713" rtlCol="0">
-            <a:spAutoFit/>
-          </a:bodyPr>
-          <a:lstStyle/>
-          <a:p>
-            <a:r>
-              <a:rPr kumimoji="1" lang="ja-JP" altLang="en-US" sz="1600" b="1" dirty="0" smtClean="0"/>
-              <a:t>離脱判定</a:t>
-            </a:r>
-            <a:endParaRPr kumimoji="1" lang="ja-JP" altLang="en-US" sz="1600" b="1" dirty="0"/>
-          </a:p>
-        </p:txBody>
-      </p:sp>
-    </p:spTree>
-    <p:extLst>
-      <p:ext uri="{BB962C8B-B14F-4D97-AF65-F5344CB8AC3E}">
-        <p14:creationId xmlns:p14="http://schemas.microsoft.com/office/powerpoint/2010/main" val="3204753826"/>
-      </p:ext>
-    </p:extLst>
-  </p:cSld>
-  <p:clrMapOvr>
-    <a:masterClrMapping/>
-  </p:clrMapOvr>
-  <p:timing>
-    <p:tnLst>
-      <p:par>
-        <p:cTn id="1" dur="indefinite" restart="never" nodeType="tmRoot"/>
-      </p:par>
-    </p:tnLst>
-  </p:timing>
-</p:sld>
-</file>
-
 <file path=ppt/slides/slide4.xml><?xml version="1.0" encoding="utf-8"?>
 <p:sld xmlns:a="http://schemas.openxmlformats.org/drawingml/2006/main" xmlns:r="http://schemas.openxmlformats.org/officeDocument/2006/relationships" xmlns:p="http://schemas.openxmlformats.org/presentationml/2006/main">
   <p:cSld>
@@ -14673,7 +14724,7 @@
           <p:cNvPr id="7" name="図 6">
             <a:extLst>
               <a:ext uri="{FF2B5EF4-FFF2-40B4-BE49-F238E27FC236}">
-                <a16:creationId xmlns:a16="http://schemas.microsoft.com/office/drawing/2014/main" xmlns="" id="{FB46CE88-AA72-4A99-BF9C-029F707F35CA}"/>
+                <a16:creationId xmlns="" xmlns:a16="http://schemas.microsoft.com/office/drawing/2014/main" id="{FB46CE88-AA72-4A99-BF9C-029F707F35CA}"/>
               </a:ext>
             </a:extLst>
           </p:cNvPr>
@@ -14709,7 +14760,7 @@
           <p:cNvPr id="12" name="四角形: 角を丸くする 2">
             <a:extLst>
               <a:ext uri="{FF2B5EF4-FFF2-40B4-BE49-F238E27FC236}">
-                <a16:creationId xmlns:a16="http://schemas.microsoft.com/office/drawing/2014/main" xmlns="" id="{2B99B1EA-17D2-4495-A343-2A1713BC8495}"/>
+                <a16:creationId xmlns="" xmlns:a16="http://schemas.microsoft.com/office/drawing/2014/main" id="{2B99B1EA-17D2-4495-A343-2A1713BC8495}"/>
               </a:ext>
             </a:extLst>
           </p:cNvPr>
@@ -14829,7 +14880,7 @@
           <p:cNvPr id="9" name="テキスト ボックス 8">
             <a:extLst>
               <a:ext uri="{FF2B5EF4-FFF2-40B4-BE49-F238E27FC236}">
-                <a16:creationId xmlns:a16="http://schemas.microsoft.com/office/drawing/2014/main" xmlns="" id="{6D709A13-6AAF-442E-AD6F-978BDC42B238}"/>
+                <a16:creationId xmlns="" xmlns:a16="http://schemas.microsoft.com/office/drawing/2014/main" id="{6D709A13-6AAF-442E-AD6F-978BDC42B238}"/>
               </a:ext>
             </a:extLst>
           </p:cNvPr>
@@ -14874,7 +14925,7 @@
           <p:cNvPr id="2" name="タイトル 1">
             <a:extLst>
               <a:ext uri="{FF2B5EF4-FFF2-40B4-BE49-F238E27FC236}">
-                <a16:creationId xmlns:a16="http://schemas.microsoft.com/office/drawing/2014/main" xmlns="" id="{A939A150-84DE-4DF8-B22B-32EEDD9A9CEF}"/>
+                <a16:creationId xmlns="" xmlns:a16="http://schemas.microsoft.com/office/drawing/2014/main" id="{A939A150-84DE-4DF8-B22B-32EEDD9A9CEF}"/>
               </a:ext>
             </a:extLst>
           </p:cNvPr>
@@ -14908,7 +14959,7 @@
           <p:cNvPr id="3" name="表 2">
             <a:extLst>
               <a:ext uri="{FF2B5EF4-FFF2-40B4-BE49-F238E27FC236}">
-                <a16:creationId xmlns:a16="http://schemas.microsoft.com/office/drawing/2014/main" xmlns="" id="{5EEA8C49-16B3-4EC0-810F-FA6BA141E050}"/>
+                <a16:creationId xmlns="" xmlns:a16="http://schemas.microsoft.com/office/drawing/2014/main" id="{5EEA8C49-16B3-4EC0-810F-FA6BA141E050}"/>
               </a:ext>
             </a:extLst>
           </p:cNvPr>
@@ -14937,14 +14988,14 @@
                 <a:gridCol w="1476776">
                   <a:extLst>
                     <a:ext uri="{9D8B030D-6E8A-4147-A177-3AD203B41FA5}">
-                      <a16:colId xmlns:a16="http://schemas.microsoft.com/office/drawing/2014/main" xmlns="" val="557032482"/>
+                      <a16:colId xmlns="" xmlns:a16="http://schemas.microsoft.com/office/drawing/2014/main" val="557032482"/>
                     </a:ext>
                   </a:extLst>
                 </a:gridCol>
                 <a:gridCol w="2483666">
                   <a:extLst>
                     <a:ext uri="{9D8B030D-6E8A-4147-A177-3AD203B41FA5}">
-                      <a16:colId xmlns:a16="http://schemas.microsoft.com/office/drawing/2014/main" xmlns="" val="3264350795"/>
+                      <a16:colId xmlns="" xmlns:a16="http://schemas.microsoft.com/office/drawing/2014/main" val="3264350795"/>
                     </a:ext>
                   </a:extLst>
                 </a:gridCol>
@@ -14987,7 +15038,7 @@
                 </a:tc>
                 <a:extLst>
                   <a:ext uri="{0D108BD9-81ED-4DB2-BD59-A6C34878D82A}">
-                    <a16:rowId xmlns:a16="http://schemas.microsoft.com/office/drawing/2014/main" xmlns="" val="3940226771"/>
+                    <a16:rowId xmlns="" xmlns:a16="http://schemas.microsoft.com/office/drawing/2014/main" val="3940226771"/>
                   </a:ext>
                 </a:extLst>
               </a:tr>
@@ -15029,7 +15080,7 @@
                 </a:tc>
                 <a:extLst>
                   <a:ext uri="{0D108BD9-81ED-4DB2-BD59-A6C34878D82A}">
-                    <a16:rowId xmlns:a16="http://schemas.microsoft.com/office/drawing/2014/main" xmlns="" val="1518717711"/>
+                    <a16:rowId xmlns="" xmlns:a16="http://schemas.microsoft.com/office/drawing/2014/main" val="1518717711"/>
                   </a:ext>
                 </a:extLst>
               </a:tr>
@@ -15074,7 +15125,7 @@
                 </a:tc>
                 <a:extLst>
                   <a:ext uri="{0D108BD9-81ED-4DB2-BD59-A6C34878D82A}">
-                    <a16:rowId xmlns:a16="http://schemas.microsoft.com/office/drawing/2014/main" xmlns="" val="425586996"/>
+                    <a16:rowId xmlns="" xmlns:a16="http://schemas.microsoft.com/office/drawing/2014/main" val="425586996"/>
                   </a:ext>
                 </a:extLst>
               </a:tr>
@@ -15119,7 +15170,7 @@
                 </a:tc>
                 <a:extLst>
                   <a:ext uri="{0D108BD9-81ED-4DB2-BD59-A6C34878D82A}">
-                    <a16:rowId xmlns:a16="http://schemas.microsoft.com/office/drawing/2014/main" xmlns="" val="315821210"/>
+                    <a16:rowId xmlns="" xmlns:a16="http://schemas.microsoft.com/office/drawing/2014/main" val="315821210"/>
                   </a:ext>
                 </a:extLst>
               </a:tr>
@@ -15132,7 +15183,7 @@
           <p:cNvPr id="10" name="テキスト ボックス 9">
             <a:extLst>
               <a:ext uri="{FF2B5EF4-FFF2-40B4-BE49-F238E27FC236}">
-                <a16:creationId xmlns:a16="http://schemas.microsoft.com/office/drawing/2014/main" xmlns="" id="{825F097D-4588-4F8F-AA42-B0D77B0F9CE3}"/>
+                <a16:creationId xmlns="" xmlns:a16="http://schemas.microsoft.com/office/drawing/2014/main" id="{825F097D-4588-4F8F-AA42-B0D77B0F9CE3}"/>
               </a:ext>
             </a:extLst>
           </p:cNvPr>
@@ -15176,7 +15227,7 @@
           <p:cNvPr id="11" name="テキスト ボックス 10">
             <a:extLst>
               <a:ext uri="{FF2B5EF4-FFF2-40B4-BE49-F238E27FC236}">
-                <a16:creationId xmlns:a16="http://schemas.microsoft.com/office/drawing/2014/main" xmlns="" id="{825F097D-4588-4F8F-AA42-B0D77B0F9CE3}"/>
+                <a16:creationId xmlns="" xmlns:a16="http://schemas.microsoft.com/office/drawing/2014/main" id="{825F097D-4588-4F8F-AA42-B0D77B0F9CE3}"/>
               </a:ext>
             </a:extLst>
           </p:cNvPr>
@@ -15321,7 +15372,7 @@
           <p:cNvPr id="18" name="テキスト ボックス 17">
             <a:extLst>
               <a:ext uri="{FF2B5EF4-FFF2-40B4-BE49-F238E27FC236}">
-                <a16:creationId xmlns:a16="http://schemas.microsoft.com/office/drawing/2014/main" xmlns="" id="{6D709A13-6AAF-442E-AD6F-978BDC42B238}"/>
+                <a16:creationId xmlns="" xmlns:a16="http://schemas.microsoft.com/office/drawing/2014/main" id="{6D709A13-6AAF-442E-AD6F-978BDC42B238}"/>
               </a:ext>
             </a:extLst>
           </p:cNvPr>
@@ -15366,7 +15417,7 @@
           <p:cNvPr id="2" name="タイトル 1">
             <a:extLst>
               <a:ext uri="{FF2B5EF4-FFF2-40B4-BE49-F238E27FC236}">
-                <a16:creationId xmlns:a16="http://schemas.microsoft.com/office/drawing/2014/main" xmlns="" id="{6F2F6225-A22A-40FF-9D68-4EE3CAB7BDAB}"/>
+                <a16:creationId xmlns="" xmlns:a16="http://schemas.microsoft.com/office/drawing/2014/main" id="{6F2F6225-A22A-40FF-9D68-4EE3CAB7BDAB}"/>
               </a:ext>
             </a:extLst>
           </p:cNvPr>
@@ -15414,7 +15465,7 @@
             <p:cNvPr id="21" name="四角形: 角を丸くする 2">
               <a:extLst>
                 <a:ext uri="{FF2B5EF4-FFF2-40B4-BE49-F238E27FC236}">
-                  <a16:creationId xmlns:a16="http://schemas.microsoft.com/office/drawing/2014/main" xmlns="" id="{2B99B1EA-17D2-4495-A343-2A1713BC8495}"/>
+                  <a16:creationId xmlns="" xmlns:a16="http://schemas.microsoft.com/office/drawing/2014/main" id="{2B99B1EA-17D2-4495-A343-2A1713BC8495}"/>
                 </a:ext>
               </a:extLst>
             </p:cNvPr>
@@ -15470,7 +15521,7 @@
             <p:cNvPr id="22" name="テキスト ボックス 21">
               <a:extLst>
                 <a:ext uri="{FF2B5EF4-FFF2-40B4-BE49-F238E27FC236}">
-                  <a16:creationId xmlns:a16="http://schemas.microsoft.com/office/drawing/2014/main" xmlns="" id="{825F097D-4588-4F8F-AA42-B0D77B0F9CE3}"/>
+                  <a16:creationId xmlns="" xmlns:a16="http://schemas.microsoft.com/office/drawing/2014/main" id="{825F097D-4588-4F8F-AA42-B0D77B0F9CE3}"/>
                 </a:ext>
               </a:extLst>
             </p:cNvPr>
@@ -15514,7 +15565,7 @@
             <p:cNvPr id="11" name="図 10">
               <a:extLst>
                 <a:ext uri="{FF2B5EF4-FFF2-40B4-BE49-F238E27FC236}">
-                  <a16:creationId xmlns:a16="http://schemas.microsoft.com/office/drawing/2014/main" xmlns="" id="{10C07D40-A1CC-4C14-9DF3-B4B141D467DB}"/>
+                  <a16:creationId xmlns="" xmlns:a16="http://schemas.microsoft.com/office/drawing/2014/main" id="{10C07D40-A1CC-4C14-9DF3-B4B141D467DB}"/>
                 </a:ext>
               </a:extLst>
             </p:cNvPr>
@@ -15564,7 +15615,7 @@
             <p:cNvPr id="27" name="四角形: 角を丸くする 2">
               <a:extLst>
                 <a:ext uri="{FF2B5EF4-FFF2-40B4-BE49-F238E27FC236}">
-                  <a16:creationId xmlns:a16="http://schemas.microsoft.com/office/drawing/2014/main" xmlns="" id="{2B99B1EA-17D2-4495-A343-2A1713BC8495}"/>
+                  <a16:creationId xmlns="" xmlns:a16="http://schemas.microsoft.com/office/drawing/2014/main" id="{2B99B1EA-17D2-4495-A343-2A1713BC8495}"/>
                 </a:ext>
               </a:extLst>
             </p:cNvPr>
@@ -15620,7 +15671,7 @@
             <p:cNvPr id="28" name="テキスト ボックス 27">
               <a:extLst>
                 <a:ext uri="{FF2B5EF4-FFF2-40B4-BE49-F238E27FC236}">
-                  <a16:creationId xmlns:a16="http://schemas.microsoft.com/office/drawing/2014/main" xmlns="" id="{825F097D-4588-4F8F-AA42-B0D77B0F9CE3}"/>
+                  <a16:creationId xmlns="" xmlns:a16="http://schemas.microsoft.com/office/drawing/2014/main" id="{825F097D-4588-4F8F-AA42-B0D77B0F9CE3}"/>
                 </a:ext>
               </a:extLst>
             </p:cNvPr>
@@ -15653,7 +15704,15 @@
               <a:pPr algn="l"/>
               <a:r>
                 <a:rPr kumimoji="1" lang="ja-JP" altLang="en-US" b="1" dirty="0" smtClean="0"/>
-                <a:t>コース復帰制御の処理フロー</a:t>
+                <a:t>コース</a:t>
+              </a:r>
+              <a:r>
+                <a:rPr kumimoji="1" lang="ja-JP" altLang="en-US" b="1" dirty="0" smtClean="0"/>
+                <a:t>復帰動作の</a:t>
+              </a:r>
+              <a:r>
+                <a:rPr kumimoji="1" lang="ja-JP" altLang="en-US" b="1" dirty="0" smtClean="0"/>
+                <a:t>処理フロー</a:t>
               </a:r>
               <a:endParaRPr kumimoji="1" lang="ja-JP" altLang="en-US" b="1" dirty="0"/>
             </a:p>
@@ -15664,7 +15723,7 @@
             <p:cNvPr id="7" name="図 6">
               <a:extLst>
                 <a:ext uri="{FF2B5EF4-FFF2-40B4-BE49-F238E27FC236}">
-                  <a16:creationId xmlns:a16="http://schemas.microsoft.com/office/drawing/2014/main" xmlns="" id="{F9E3F102-178A-4842-A6EE-2F08A5BF4F31}"/>
+                  <a16:creationId xmlns="" xmlns:a16="http://schemas.microsoft.com/office/drawing/2014/main" id="{F9E3F102-178A-4842-A6EE-2F08A5BF4F31}"/>
                 </a:ext>
               </a:extLst>
             </p:cNvPr>
@@ -15714,7 +15773,7 @@
             <p:cNvPr id="23" name="四角形: 角を丸くする 2">
               <a:extLst>
                 <a:ext uri="{FF2B5EF4-FFF2-40B4-BE49-F238E27FC236}">
-                  <a16:creationId xmlns:a16="http://schemas.microsoft.com/office/drawing/2014/main" xmlns="" id="{2B99B1EA-17D2-4495-A343-2A1713BC8495}"/>
+                  <a16:creationId xmlns="" xmlns:a16="http://schemas.microsoft.com/office/drawing/2014/main" id="{2B99B1EA-17D2-4495-A343-2A1713BC8495}"/>
                 </a:ext>
               </a:extLst>
             </p:cNvPr>
@@ -15770,7 +15829,7 @@
             <p:cNvPr id="24" name="テキスト ボックス 23">
               <a:extLst>
                 <a:ext uri="{FF2B5EF4-FFF2-40B4-BE49-F238E27FC236}">
-                  <a16:creationId xmlns:a16="http://schemas.microsoft.com/office/drawing/2014/main" xmlns="" id="{825F097D-4588-4F8F-AA42-B0D77B0F9CE3}"/>
+                  <a16:creationId xmlns="" xmlns:a16="http://schemas.microsoft.com/office/drawing/2014/main" id="{825F097D-4588-4F8F-AA42-B0D77B0F9CE3}"/>
                 </a:ext>
               </a:extLst>
             </p:cNvPr>
@@ -15814,7 +15873,7 @@
             <p:cNvPr id="13" name="図 12">
               <a:extLst>
                 <a:ext uri="{FF2B5EF4-FFF2-40B4-BE49-F238E27FC236}">
-                  <a16:creationId xmlns:a16="http://schemas.microsoft.com/office/drawing/2014/main" xmlns="" id="{99099AFB-0C60-4166-87EA-EDA58C852B6A}"/>
+                  <a16:creationId xmlns="" xmlns:a16="http://schemas.microsoft.com/office/drawing/2014/main" id="{99099AFB-0C60-4166-87EA-EDA58C852B6A}"/>
                 </a:ext>
               </a:extLst>
             </p:cNvPr>
@@ -15864,7 +15923,7 @@
             <p:cNvPr id="25" name="四角形: 角を丸くする 2">
               <a:extLst>
                 <a:ext uri="{FF2B5EF4-FFF2-40B4-BE49-F238E27FC236}">
-                  <a16:creationId xmlns:a16="http://schemas.microsoft.com/office/drawing/2014/main" xmlns="" id="{2B99B1EA-17D2-4495-A343-2A1713BC8495}"/>
+                  <a16:creationId xmlns="" xmlns:a16="http://schemas.microsoft.com/office/drawing/2014/main" id="{2B99B1EA-17D2-4495-A343-2A1713BC8495}"/>
                 </a:ext>
               </a:extLst>
             </p:cNvPr>
@@ -15920,7 +15979,7 @@
             <p:cNvPr id="26" name="テキスト ボックス 25">
               <a:extLst>
                 <a:ext uri="{FF2B5EF4-FFF2-40B4-BE49-F238E27FC236}">
-                  <a16:creationId xmlns:a16="http://schemas.microsoft.com/office/drawing/2014/main" xmlns="" id="{825F097D-4588-4F8F-AA42-B0D77B0F9CE3}"/>
+                  <a16:creationId xmlns="" xmlns:a16="http://schemas.microsoft.com/office/drawing/2014/main" id="{825F097D-4588-4F8F-AA42-B0D77B0F9CE3}"/>
                 </a:ext>
               </a:extLst>
             </p:cNvPr>
@@ -15965,7 +16024,7 @@
           <p:cNvPr id="5" name="コンテンツ プレースホルダー 4">
             <a:extLst>
               <a:ext uri="{FF2B5EF4-FFF2-40B4-BE49-F238E27FC236}">
-                <a16:creationId xmlns:a16="http://schemas.microsoft.com/office/drawing/2014/main" xmlns="" id="{E2911A9E-FD97-4377-84DF-A93886EB4F96}"/>
+                <a16:creationId xmlns="" xmlns:a16="http://schemas.microsoft.com/office/drawing/2014/main" id="{E2911A9E-FD97-4377-84DF-A93886EB4F96}"/>
               </a:ext>
             </a:extLst>
           </p:cNvPr>
@@ -16035,7 +16094,7 @@
           <p:cNvPr id="2" name="タイトル 1">
             <a:extLst>
               <a:ext uri="{FF2B5EF4-FFF2-40B4-BE49-F238E27FC236}">
-                <a16:creationId xmlns:a16="http://schemas.microsoft.com/office/drawing/2014/main" xmlns="" id="{8721C73D-A154-46BF-978B-1F344E837A7E}"/>
+                <a16:creationId xmlns="" xmlns:a16="http://schemas.microsoft.com/office/drawing/2014/main" id="{8721C73D-A154-46BF-978B-1F344E837A7E}"/>
               </a:ext>
             </a:extLst>
           </p:cNvPr>
@@ -16080,7 +16139,7 @@
           <p:cNvPr id="3" name="コンテンツ プレースホルダー 2">
             <a:extLst>
               <a:ext uri="{FF2B5EF4-FFF2-40B4-BE49-F238E27FC236}">
-                <a16:creationId xmlns:a16="http://schemas.microsoft.com/office/drawing/2014/main" xmlns="" id="{73A75F05-FFAF-4C91-838A-1DF92D96D4DE}"/>
+                <a16:creationId xmlns="" xmlns:a16="http://schemas.microsoft.com/office/drawing/2014/main" id="{73A75F05-FFAF-4C91-838A-1DF92D96D4DE}"/>
               </a:ext>
             </a:extLst>
           </p:cNvPr>
@@ -16105,7 +16164,7 @@
           <p:cNvPr id="4" name="グループ化 3">
             <a:extLst>
               <a:ext uri="{FF2B5EF4-FFF2-40B4-BE49-F238E27FC236}">
-                <a16:creationId xmlns:a16="http://schemas.microsoft.com/office/drawing/2014/main" xmlns="" id="{78788DF2-5B1F-425C-9A6F-B447652722A1}"/>
+                <a16:creationId xmlns="" xmlns:a16="http://schemas.microsoft.com/office/drawing/2014/main" id="{78788DF2-5B1F-425C-9A6F-B447652722A1}"/>
               </a:ext>
             </a:extLst>
           </p:cNvPr>
@@ -16125,7 +16184,7 @@
             <p:cNvPr id="5" name="四角形: 角を丸くする 4">
               <a:extLst>
                 <a:ext uri="{FF2B5EF4-FFF2-40B4-BE49-F238E27FC236}">
-                  <a16:creationId xmlns:a16="http://schemas.microsoft.com/office/drawing/2014/main" xmlns="" id="{CC848E82-CF35-4A16-BDE5-C39E1D7BE593}"/>
+                  <a16:creationId xmlns="" xmlns:a16="http://schemas.microsoft.com/office/drawing/2014/main" id="{CC848E82-CF35-4A16-BDE5-C39E1D7BE593}"/>
                 </a:ext>
               </a:extLst>
             </p:cNvPr>
@@ -16173,7 +16232,7 @@
             <p:cNvPr id="6" name="図 5">
               <a:extLst>
                 <a:ext uri="{FF2B5EF4-FFF2-40B4-BE49-F238E27FC236}">
-                  <a16:creationId xmlns:a16="http://schemas.microsoft.com/office/drawing/2014/main" xmlns="" id="{7047CDFE-2226-46EE-A2CA-E406E4F38EBC}"/>
+                  <a16:creationId xmlns="" xmlns:a16="http://schemas.microsoft.com/office/drawing/2014/main" id="{7047CDFE-2226-46EE-A2CA-E406E4F38EBC}"/>
                 </a:ext>
               </a:extLst>
             </p:cNvPr>
@@ -16208,7 +16267,7 @@
             <p:cNvPr id="7" name="テキスト ボックス 6">
               <a:extLst>
                 <a:ext uri="{FF2B5EF4-FFF2-40B4-BE49-F238E27FC236}">
-                  <a16:creationId xmlns:a16="http://schemas.microsoft.com/office/drawing/2014/main" xmlns="" id="{1CD56992-7D85-415C-86A8-9600396B2F49}"/>
+                  <a16:creationId xmlns="" xmlns:a16="http://schemas.microsoft.com/office/drawing/2014/main" id="{1CD56992-7D85-415C-86A8-9600396B2F49}"/>
                 </a:ext>
               </a:extLst>
             </p:cNvPr>
@@ -16248,7 +16307,7 @@
           <p:cNvPr id="8" name="図 7">
             <a:extLst>
               <a:ext uri="{FF2B5EF4-FFF2-40B4-BE49-F238E27FC236}">
-                <a16:creationId xmlns:a16="http://schemas.microsoft.com/office/drawing/2014/main" xmlns="" id="{0CBDE429-237D-4566-8AE9-87E185ED744E}"/>
+                <a16:creationId xmlns="" xmlns:a16="http://schemas.microsoft.com/office/drawing/2014/main" id="{0CBDE429-237D-4566-8AE9-87E185ED744E}"/>
               </a:ext>
             </a:extLst>
           </p:cNvPr>
@@ -16289,11 +16348,11 @@
   <p:clrMapOvr>
     <a:masterClrMapping/>
   </p:clrMapOvr>
-  <mc:AlternateContent xmlns:mc="http://schemas.openxmlformats.org/markup-compatibility/2006">
-    <mc:Choice xmlns:p14="http://schemas.microsoft.com/office/powerpoint/2010/main" Requires="p14">
+  <mc:AlternateContent xmlns:mc="http://schemas.openxmlformats.org/markup-compatibility/2006" xmlns:p14="http://schemas.microsoft.com/office/powerpoint/2010/main">
+    <mc:Choice Requires="p14">
       <p:transition spd="slow" p14:dur="2000"/>
     </mc:Choice>
-    <mc:Fallback>
+    <mc:Fallback xmlns="">
       <p:transition spd="slow"/>
     </mc:Fallback>
   </mc:AlternateContent>

--- a/モデル提出用/モデル_馬場案.pptx
+++ b/モデル提出用/モデル_馬場案.pptx
@@ -5,10 +5,10 @@
     <p:sldMasterId id="2147483685" r:id="rId2"/>
   </p:sldMasterIdLst>
   <p:notesMasterIdLst>
-    <p:notesMasterId r:id="rId9"/>
+    <p:notesMasterId r:id="rId8"/>
   </p:notesMasterIdLst>
   <p:handoutMasterIdLst>
-    <p:handoutMasterId r:id="rId10"/>
+    <p:handoutMasterId r:id="rId9"/>
   </p:handoutMasterIdLst>
   <p:sldIdLst>
     <p:sldId id="257" r:id="rId3"/>
@@ -16,7 +16,6 @@
     <p:sldId id="259" r:id="rId5"/>
     <p:sldId id="261" r:id="rId6"/>
     <p:sldId id="262" r:id="rId7"/>
-    <p:sldId id="263" r:id="rId8"/>
   </p:sldIdLst>
   <p:sldSz cx="15119350" cy="10691813"/>
   <p:notesSz cx="7104063" cy="10234613"/>
@@ -147,7 +146,7 @@
   </p:defaultTextStyle>
   <p:extLst>
     <p:ext uri="{EFAFB233-063F-42B5-8137-9DF3F51BA10A}">
-      <p15:sldGuideLst xmlns="" xmlns:p15="http://schemas.microsoft.com/office/powerpoint/2012/main">
+      <p15:sldGuideLst xmlns:p15="http://schemas.microsoft.com/office/powerpoint/2012/main">
         <p15:guide id="1" orient="horz" pos="3368" userDrawn="1">
           <p15:clr>
             <a:srgbClr val="A4A3A4"/>
@@ -161,13 +160,23 @@
       </p15:sldGuideLst>
     </p:ext>
     <p:ext uri="{2D200454-40CA-4A62-9FC3-DE9A4176ACB9}">
-      <p15:notesGuideLst xmlns="" xmlns:p15="http://schemas.microsoft.com/office/powerpoint/2012/main">
+      <p15:notesGuideLst xmlns:p15="http://schemas.microsoft.com/office/powerpoint/2012/main">
         <p15:guide id="1" orient="horz" pos="3282" userDrawn="1">
           <p15:clr>
             <a:srgbClr val="A4A3A4"/>
           </p15:clr>
         </p15:guide>
         <p15:guide id="2" pos="2295" userDrawn="1">
+          <p15:clr>
+            <a:srgbClr val="A4A3A4"/>
+          </p15:clr>
+        </p15:guide>
+        <p15:guide id="3" orient="horz" pos="3224">
+          <p15:clr>
+            <a:srgbClr val="A4A3A4"/>
+          </p15:clr>
+        </p15:guide>
+        <p15:guide id="4" pos="2238">
           <p15:clr>
             <a:srgbClr val="A4A3A4"/>
           </p15:clr>
@@ -577,7 +586,7 @@
           <a:p>
             <a:fld id="{3DF0FF95-4C4E-4E36-9A68-8AA61AF53122}" type="datetimeFigureOut">
               <a:rPr lang="ja-JP" altLang="en-US" smtClean="0"/>
-              <a:t>2017/8/3</a:t>
+              <a:t>2017/8/6</a:t>
             </a:fld>
             <a:endParaRPr lang="ja-JP" altLang="en-US"/>
           </a:p>
@@ -914,10 +923,9 @@
           <a:lstStyle/>
           <a:p>
             <a:r>
-              <a:rPr kumimoji="1" lang="ja-JP" altLang="en-US" smtClean="0"/>
+              <a:rPr kumimoji="1" lang="ja-JP" altLang="en-US"/>
               <a:t>マスター タイトルの書式設定</a:t>
             </a:r>
-            <a:endParaRPr kumimoji="1" lang="ja-JP" altLang="en-US"/>
           </a:p>
         </p:txBody>
       </p:sp>
@@ -1033,10 +1041,9 @@
           </a:lstStyle>
           <a:p>
             <a:r>
-              <a:rPr kumimoji="1" lang="ja-JP" altLang="en-US" smtClean="0"/>
+              <a:rPr kumimoji="1" lang="ja-JP" altLang="en-US"/>
               <a:t>マスター サブタイトルの書式設定</a:t>
             </a:r>
-            <a:endParaRPr kumimoji="1" lang="ja-JP" altLang="en-US"/>
           </a:p>
         </p:txBody>
       </p:sp>
@@ -1112,13 +1119,6 @@
   <p:clrMapOvr>
     <a:masterClrMapping/>
   </p:clrMapOvr>
-  <p:timing>
-    <p:tnLst>
-      <p:par>
-        <p:cTn id="1" dur="indefinite" restart="never" nodeType="tmRoot"/>
-      </p:par>
-    </p:tnLst>
-  </p:timing>
 </p:sldLayout>
 </file>
 
@@ -1155,10 +1155,9 @@
           <a:lstStyle/>
           <a:p>
             <a:r>
-              <a:rPr kumimoji="1" lang="ja-JP" altLang="en-US" smtClean="0"/>
+              <a:rPr kumimoji="1" lang="ja-JP" altLang="en-US"/>
               <a:t>マスター タイトルの書式設定</a:t>
             </a:r>
-            <a:endParaRPr kumimoji="1" lang="ja-JP" altLang="en-US"/>
           </a:p>
         </p:txBody>
       </p:sp>
@@ -1179,70 +1178,69 @@
           <a:p>
             <a:pPr lvl="0"/>
             <a:r>
-              <a:rPr kumimoji="1" lang="ja-JP" altLang="en-US" smtClean="0"/>
+              <a:rPr kumimoji="1" lang="ja-JP" altLang="en-US"/>
               <a:t>マスター テキストの書式設定</a:t>
             </a:r>
           </a:p>
           <a:p>
             <a:pPr lvl="1"/>
             <a:r>
-              <a:rPr kumimoji="1" lang="ja-JP" altLang="en-US" smtClean="0"/>
+              <a:rPr kumimoji="1" lang="ja-JP" altLang="en-US"/>
               <a:t>第 </a:t>
             </a:r>
             <a:r>
-              <a:rPr kumimoji="1" lang="en-US" altLang="ja-JP" smtClean="0"/>
+              <a:rPr kumimoji="1" lang="en-US" altLang="ja-JP"/>
               <a:t>2 </a:t>
             </a:r>
             <a:r>
-              <a:rPr kumimoji="1" lang="ja-JP" altLang="en-US" smtClean="0"/>
+              <a:rPr kumimoji="1" lang="ja-JP" altLang="en-US"/>
               <a:t>レベル</a:t>
             </a:r>
           </a:p>
           <a:p>
             <a:pPr lvl="2"/>
             <a:r>
-              <a:rPr kumimoji="1" lang="ja-JP" altLang="en-US" smtClean="0"/>
+              <a:rPr kumimoji="1" lang="ja-JP" altLang="en-US"/>
               <a:t>第 </a:t>
             </a:r>
             <a:r>
-              <a:rPr kumimoji="1" lang="en-US" altLang="ja-JP" smtClean="0"/>
+              <a:rPr kumimoji="1" lang="en-US" altLang="ja-JP"/>
               <a:t>3 </a:t>
             </a:r>
             <a:r>
-              <a:rPr kumimoji="1" lang="ja-JP" altLang="en-US" smtClean="0"/>
+              <a:rPr kumimoji="1" lang="ja-JP" altLang="en-US"/>
               <a:t>レベル</a:t>
             </a:r>
           </a:p>
           <a:p>
             <a:pPr lvl="3"/>
             <a:r>
-              <a:rPr kumimoji="1" lang="ja-JP" altLang="en-US" smtClean="0"/>
+              <a:rPr kumimoji="1" lang="ja-JP" altLang="en-US"/>
               <a:t>第 </a:t>
             </a:r>
             <a:r>
-              <a:rPr kumimoji="1" lang="en-US" altLang="ja-JP" smtClean="0"/>
+              <a:rPr kumimoji="1" lang="en-US" altLang="ja-JP"/>
               <a:t>4 </a:t>
             </a:r>
             <a:r>
-              <a:rPr kumimoji="1" lang="ja-JP" altLang="en-US" smtClean="0"/>
+              <a:rPr kumimoji="1" lang="ja-JP" altLang="en-US"/>
               <a:t>レベル</a:t>
             </a:r>
           </a:p>
           <a:p>
             <a:pPr lvl="4"/>
             <a:r>
-              <a:rPr kumimoji="1" lang="ja-JP" altLang="en-US" smtClean="0"/>
+              <a:rPr kumimoji="1" lang="ja-JP" altLang="en-US"/>
               <a:t>第 </a:t>
             </a:r>
             <a:r>
-              <a:rPr kumimoji="1" lang="en-US" altLang="ja-JP" smtClean="0"/>
+              <a:rPr kumimoji="1" lang="en-US" altLang="ja-JP"/>
               <a:t>5 </a:t>
             </a:r>
             <a:r>
-              <a:rPr kumimoji="1" lang="ja-JP" altLang="en-US" smtClean="0"/>
+              <a:rPr kumimoji="1" lang="ja-JP" altLang="en-US"/>
               <a:t>レベル</a:t>
             </a:r>
-            <a:endParaRPr kumimoji="1" lang="ja-JP" altLang="en-US"/>
           </a:p>
         </p:txBody>
       </p:sp>
@@ -1359,10 +1357,9 @@
           <a:lstStyle/>
           <a:p>
             <a:r>
-              <a:rPr kumimoji="1" lang="ja-JP" altLang="en-US" smtClean="0"/>
+              <a:rPr kumimoji="1" lang="ja-JP" altLang="en-US"/>
               <a:t>マスター タイトルの書式設定</a:t>
             </a:r>
-            <a:endParaRPr kumimoji="1" lang="ja-JP" altLang="en-US"/>
           </a:p>
         </p:txBody>
       </p:sp>
@@ -1388,70 +1385,69 @@
           <a:p>
             <a:pPr lvl="0"/>
             <a:r>
-              <a:rPr kumimoji="1" lang="ja-JP" altLang="en-US" smtClean="0"/>
+              <a:rPr kumimoji="1" lang="ja-JP" altLang="en-US"/>
               <a:t>マスター テキストの書式設定</a:t>
             </a:r>
           </a:p>
           <a:p>
             <a:pPr lvl="1"/>
             <a:r>
-              <a:rPr kumimoji="1" lang="ja-JP" altLang="en-US" smtClean="0"/>
+              <a:rPr kumimoji="1" lang="ja-JP" altLang="en-US"/>
               <a:t>第 </a:t>
             </a:r>
             <a:r>
-              <a:rPr kumimoji="1" lang="en-US" altLang="ja-JP" smtClean="0"/>
+              <a:rPr kumimoji="1" lang="en-US" altLang="ja-JP"/>
               <a:t>2 </a:t>
             </a:r>
             <a:r>
-              <a:rPr kumimoji="1" lang="ja-JP" altLang="en-US" smtClean="0"/>
+              <a:rPr kumimoji="1" lang="ja-JP" altLang="en-US"/>
               <a:t>レベル</a:t>
             </a:r>
           </a:p>
           <a:p>
             <a:pPr lvl="2"/>
             <a:r>
-              <a:rPr kumimoji="1" lang="ja-JP" altLang="en-US" smtClean="0"/>
+              <a:rPr kumimoji="1" lang="ja-JP" altLang="en-US"/>
               <a:t>第 </a:t>
             </a:r>
             <a:r>
-              <a:rPr kumimoji="1" lang="en-US" altLang="ja-JP" smtClean="0"/>
+              <a:rPr kumimoji="1" lang="en-US" altLang="ja-JP"/>
               <a:t>3 </a:t>
             </a:r>
             <a:r>
-              <a:rPr kumimoji="1" lang="ja-JP" altLang="en-US" smtClean="0"/>
+              <a:rPr kumimoji="1" lang="ja-JP" altLang="en-US"/>
               <a:t>レベル</a:t>
             </a:r>
           </a:p>
           <a:p>
             <a:pPr lvl="3"/>
             <a:r>
-              <a:rPr kumimoji="1" lang="ja-JP" altLang="en-US" smtClean="0"/>
+              <a:rPr kumimoji="1" lang="ja-JP" altLang="en-US"/>
               <a:t>第 </a:t>
             </a:r>
             <a:r>
-              <a:rPr kumimoji="1" lang="en-US" altLang="ja-JP" smtClean="0"/>
+              <a:rPr kumimoji="1" lang="en-US" altLang="ja-JP"/>
               <a:t>4 </a:t>
             </a:r>
             <a:r>
-              <a:rPr kumimoji="1" lang="ja-JP" altLang="en-US" smtClean="0"/>
+              <a:rPr kumimoji="1" lang="ja-JP" altLang="en-US"/>
               <a:t>レベル</a:t>
             </a:r>
           </a:p>
           <a:p>
             <a:pPr lvl="4"/>
             <a:r>
-              <a:rPr kumimoji="1" lang="ja-JP" altLang="en-US" smtClean="0"/>
+              <a:rPr kumimoji="1" lang="ja-JP" altLang="en-US"/>
               <a:t>第 </a:t>
             </a:r>
             <a:r>
-              <a:rPr kumimoji="1" lang="en-US" altLang="ja-JP" smtClean="0"/>
+              <a:rPr kumimoji="1" lang="en-US" altLang="ja-JP"/>
               <a:t>5 </a:t>
             </a:r>
             <a:r>
-              <a:rPr kumimoji="1" lang="ja-JP" altLang="en-US" smtClean="0"/>
+              <a:rPr kumimoji="1" lang="ja-JP" altLang="en-US"/>
               <a:t>レベル</a:t>
             </a:r>
-            <a:endParaRPr kumimoji="1" lang="ja-JP" altLang="en-US"/>
           </a:p>
         </p:txBody>
       </p:sp>
@@ -1527,13 +1523,6 @@
   <p:clrMapOvr>
     <a:masterClrMapping/>
   </p:clrMapOvr>
-  <p:timing>
-    <p:tnLst>
-      <p:par>
-        <p:cTn id="1" dur="indefinite" restart="never" nodeType="tmRoot"/>
-      </p:par>
-    </p:tnLst>
-  </p:timing>
 </p:sldLayout>
 </file>
 
@@ -1586,10 +1575,9 @@
           </a:lstStyle>
           <a:p>
             <a:r>
-              <a:rPr kumimoji="1" lang="ja-JP" altLang="en-US" dirty="0" smtClean="0"/>
+              <a:rPr kumimoji="1" lang="ja-JP" altLang="en-US" dirty="0"/>
               <a:t>マスター タイトルの書式設定</a:t>
             </a:r>
-            <a:endParaRPr kumimoji="1" lang="ja-JP" altLang="en-US" dirty="0"/>
           </a:p>
         </p:txBody>
       </p:sp>
@@ -1610,70 +1598,69 @@
           <a:p>
             <a:pPr lvl="0"/>
             <a:r>
-              <a:rPr kumimoji="1" lang="ja-JP" altLang="en-US" smtClean="0"/>
+              <a:rPr kumimoji="1" lang="ja-JP" altLang="en-US"/>
               <a:t>マスター テキストの書式設定</a:t>
             </a:r>
           </a:p>
           <a:p>
             <a:pPr lvl="1"/>
             <a:r>
-              <a:rPr kumimoji="1" lang="ja-JP" altLang="en-US" smtClean="0"/>
+              <a:rPr kumimoji="1" lang="ja-JP" altLang="en-US"/>
               <a:t>第 </a:t>
             </a:r>
             <a:r>
-              <a:rPr kumimoji="1" lang="en-US" altLang="ja-JP" smtClean="0"/>
+              <a:rPr kumimoji="1" lang="en-US" altLang="ja-JP"/>
               <a:t>2 </a:t>
             </a:r>
             <a:r>
-              <a:rPr kumimoji="1" lang="ja-JP" altLang="en-US" smtClean="0"/>
+              <a:rPr kumimoji="1" lang="ja-JP" altLang="en-US"/>
               <a:t>レベル</a:t>
             </a:r>
           </a:p>
           <a:p>
             <a:pPr lvl="2"/>
             <a:r>
-              <a:rPr kumimoji="1" lang="ja-JP" altLang="en-US" smtClean="0"/>
+              <a:rPr kumimoji="1" lang="ja-JP" altLang="en-US"/>
               <a:t>第 </a:t>
             </a:r>
             <a:r>
-              <a:rPr kumimoji="1" lang="en-US" altLang="ja-JP" smtClean="0"/>
+              <a:rPr kumimoji="1" lang="en-US" altLang="ja-JP"/>
               <a:t>3 </a:t>
             </a:r>
             <a:r>
-              <a:rPr kumimoji="1" lang="ja-JP" altLang="en-US" smtClean="0"/>
+              <a:rPr kumimoji="1" lang="ja-JP" altLang="en-US"/>
               <a:t>レベル</a:t>
             </a:r>
           </a:p>
           <a:p>
             <a:pPr lvl="3"/>
             <a:r>
-              <a:rPr kumimoji="1" lang="ja-JP" altLang="en-US" smtClean="0"/>
+              <a:rPr kumimoji="1" lang="ja-JP" altLang="en-US"/>
               <a:t>第 </a:t>
             </a:r>
             <a:r>
-              <a:rPr kumimoji="1" lang="en-US" altLang="ja-JP" smtClean="0"/>
+              <a:rPr kumimoji="1" lang="en-US" altLang="ja-JP"/>
               <a:t>4 </a:t>
             </a:r>
             <a:r>
-              <a:rPr kumimoji="1" lang="ja-JP" altLang="en-US" smtClean="0"/>
+              <a:rPr kumimoji="1" lang="ja-JP" altLang="en-US"/>
               <a:t>レベル</a:t>
             </a:r>
           </a:p>
           <a:p>
             <a:pPr lvl="4"/>
             <a:r>
-              <a:rPr kumimoji="1" lang="ja-JP" altLang="en-US" smtClean="0"/>
+              <a:rPr kumimoji="1" lang="ja-JP" altLang="en-US"/>
               <a:t>第 </a:t>
             </a:r>
             <a:r>
-              <a:rPr kumimoji="1" lang="en-US" altLang="ja-JP" smtClean="0"/>
+              <a:rPr kumimoji="1" lang="en-US" altLang="ja-JP"/>
               <a:t>5 </a:t>
             </a:r>
             <a:r>
-              <a:rPr kumimoji="1" lang="ja-JP" altLang="en-US" smtClean="0"/>
+              <a:rPr kumimoji="1" lang="ja-JP" altLang="en-US"/>
               <a:t>レベル</a:t>
             </a:r>
-            <a:endParaRPr kumimoji="1" lang="ja-JP" altLang="en-US"/>
           </a:p>
         </p:txBody>
       </p:sp>
@@ -1749,13 +1736,6 @@
   <p:clrMapOvr>
     <a:masterClrMapping/>
   </p:clrMapOvr>
-  <p:timing>
-    <p:tnLst>
-      <p:par>
-        <p:cTn id="1" dur="indefinite" restart="never" nodeType="tmRoot"/>
-      </p:par>
-    </p:tnLst>
-  </p:timing>
 </p:sldLayout>
 </file>
 
@@ -1801,10 +1781,9 @@
           </a:lstStyle>
           <a:p>
             <a:r>
-              <a:rPr kumimoji="1" lang="ja-JP" altLang="en-US" smtClean="0"/>
+              <a:rPr kumimoji="1" lang="ja-JP" altLang="en-US"/>
               <a:t>マスター タイトルの書式設定</a:t>
             </a:r>
-            <a:endParaRPr kumimoji="1" lang="ja-JP" altLang="en-US"/>
           </a:p>
         </p:txBody>
       </p:sp>
@@ -1921,7 +1900,7 @@
           <a:p>
             <a:pPr lvl="0"/>
             <a:r>
-              <a:rPr kumimoji="1" lang="ja-JP" altLang="en-US" smtClean="0"/>
+              <a:rPr kumimoji="1" lang="ja-JP" altLang="en-US"/>
               <a:t>マスター テキストの書式設定</a:t>
             </a:r>
           </a:p>
@@ -1999,13 +1978,6 @@
   <p:clrMapOvr>
     <a:masterClrMapping/>
   </p:clrMapOvr>
-  <p:timing>
-    <p:tnLst>
-      <p:par>
-        <p:cTn id="1" dur="indefinite" restart="never" nodeType="tmRoot"/>
-      </p:par>
-    </p:tnLst>
-  </p:timing>
 </p:sldLayout>
 </file>
 
@@ -2042,10 +2014,9 @@
           <a:lstStyle/>
           <a:p>
             <a:r>
-              <a:rPr kumimoji="1" lang="ja-JP" altLang="en-US" smtClean="0"/>
+              <a:rPr kumimoji="1" lang="ja-JP" altLang="en-US"/>
               <a:t>マスター タイトルの書式設定</a:t>
             </a:r>
-            <a:endParaRPr kumimoji="1" lang="ja-JP" altLang="en-US"/>
           </a:p>
         </p:txBody>
       </p:sp>
@@ -2099,70 +2070,69 @@
           <a:p>
             <a:pPr lvl="0"/>
             <a:r>
-              <a:rPr kumimoji="1" lang="ja-JP" altLang="en-US" smtClean="0"/>
+              <a:rPr kumimoji="1" lang="ja-JP" altLang="en-US"/>
               <a:t>マスター テキストの書式設定</a:t>
             </a:r>
           </a:p>
           <a:p>
             <a:pPr lvl="1"/>
             <a:r>
-              <a:rPr kumimoji="1" lang="ja-JP" altLang="en-US" smtClean="0"/>
+              <a:rPr kumimoji="1" lang="ja-JP" altLang="en-US"/>
               <a:t>第 </a:t>
             </a:r>
             <a:r>
-              <a:rPr kumimoji="1" lang="en-US" altLang="ja-JP" smtClean="0"/>
+              <a:rPr kumimoji="1" lang="en-US" altLang="ja-JP"/>
               <a:t>2 </a:t>
             </a:r>
             <a:r>
-              <a:rPr kumimoji="1" lang="ja-JP" altLang="en-US" smtClean="0"/>
+              <a:rPr kumimoji="1" lang="ja-JP" altLang="en-US"/>
               <a:t>レベル</a:t>
             </a:r>
           </a:p>
           <a:p>
             <a:pPr lvl="2"/>
             <a:r>
-              <a:rPr kumimoji="1" lang="ja-JP" altLang="en-US" smtClean="0"/>
+              <a:rPr kumimoji="1" lang="ja-JP" altLang="en-US"/>
               <a:t>第 </a:t>
             </a:r>
             <a:r>
-              <a:rPr kumimoji="1" lang="en-US" altLang="ja-JP" smtClean="0"/>
+              <a:rPr kumimoji="1" lang="en-US" altLang="ja-JP"/>
               <a:t>3 </a:t>
             </a:r>
             <a:r>
-              <a:rPr kumimoji="1" lang="ja-JP" altLang="en-US" smtClean="0"/>
+              <a:rPr kumimoji="1" lang="ja-JP" altLang="en-US"/>
               <a:t>レベル</a:t>
             </a:r>
           </a:p>
           <a:p>
             <a:pPr lvl="3"/>
             <a:r>
-              <a:rPr kumimoji="1" lang="ja-JP" altLang="en-US" smtClean="0"/>
+              <a:rPr kumimoji="1" lang="ja-JP" altLang="en-US"/>
               <a:t>第 </a:t>
             </a:r>
             <a:r>
-              <a:rPr kumimoji="1" lang="en-US" altLang="ja-JP" smtClean="0"/>
+              <a:rPr kumimoji="1" lang="en-US" altLang="ja-JP"/>
               <a:t>4 </a:t>
             </a:r>
             <a:r>
-              <a:rPr kumimoji="1" lang="ja-JP" altLang="en-US" smtClean="0"/>
+              <a:rPr kumimoji="1" lang="ja-JP" altLang="en-US"/>
               <a:t>レベル</a:t>
             </a:r>
           </a:p>
           <a:p>
             <a:pPr lvl="4"/>
             <a:r>
-              <a:rPr kumimoji="1" lang="ja-JP" altLang="en-US" smtClean="0"/>
+              <a:rPr kumimoji="1" lang="ja-JP" altLang="en-US"/>
               <a:t>第 </a:t>
             </a:r>
             <a:r>
-              <a:rPr kumimoji="1" lang="en-US" altLang="ja-JP" smtClean="0"/>
+              <a:rPr kumimoji="1" lang="en-US" altLang="ja-JP"/>
               <a:t>5 </a:t>
             </a:r>
             <a:r>
-              <a:rPr kumimoji="1" lang="ja-JP" altLang="en-US" smtClean="0"/>
+              <a:rPr kumimoji="1" lang="ja-JP" altLang="en-US"/>
               <a:t>レベル</a:t>
             </a:r>
-            <a:endParaRPr kumimoji="1" lang="ja-JP" altLang="en-US"/>
           </a:p>
         </p:txBody>
       </p:sp>
@@ -2216,70 +2186,69 @@
           <a:p>
             <a:pPr lvl="0"/>
             <a:r>
-              <a:rPr kumimoji="1" lang="ja-JP" altLang="en-US" smtClean="0"/>
+              <a:rPr kumimoji="1" lang="ja-JP" altLang="en-US"/>
               <a:t>マスター テキストの書式設定</a:t>
             </a:r>
           </a:p>
           <a:p>
             <a:pPr lvl="1"/>
             <a:r>
-              <a:rPr kumimoji="1" lang="ja-JP" altLang="en-US" smtClean="0"/>
+              <a:rPr kumimoji="1" lang="ja-JP" altLang="en-US"/>
               <a:t>第 </a:t>
             </a:r>
             <a:r>
-              <a:rPr kumimoji="1" lang="en-US" altLang="ja-JP" smtClean="0"/>
+              <a:rPr kumimoji="1" lang="en-US" altLang="ja-JP"/>
               <a:t>2 </a:t>
             </a:r>
             <a:r>
-              <a:rPr kumimoji="1" lang="ja-JP" altLang="en-US" smtClean="0"/>
+              <a:rPr kumimoji="1" lang="ja-JP" altLang="en-US"/>
               <a:t>レベル</a:t>
             </a:r>
           </a:p>
           <a:p>
             <a:pPr lvl="2"/>
             <a:r>
-              <a:rPr kumimoji="1" lang="ja-JP" altLang="en-US" smtClean="0"/>
+              <a:rPr kumimoji="1" lang="ja-JP" altLang="en-US"/>
               <a:t>第 </a:t>
             </a:r>
             <a:r>
-              <a:rPr kumimoji="1" lang="en-US" altLang="ja-JP" smtClean="0"/>
+              <a:rPr kumimoji="1" lang="en-US" altLang="ja-JP"/>
               <a:t>3 </a:t>
             </a:r>
             <a:r>
-              <a:rPr kumimoji="1" lang="ja-JP" altLang="en-US" smtClean="0"/>
+              <a:rPr kumimoji="1" lang="ja-JP" altLang="en-US"/>
               <a:t>レベル</a:t>
             </a:r>
           </a:p>
           <a:p>
             <a:pPr lvl="3"/>
             <a:r>
-              <a:rPr kumimoji="1" lang="ja-JP" altLang="en-US" smtClean="0"/>
+              <a:rPr kumimoji="1" lang="ja-JP" altLang="en-US"/>
               <a:t>第 </a:t>
             </a:r>
             <a:r>
-              <a:rPr kumimoji="1" lang="en-US" altLang="ja-JP" smtClean="0"/>
+              <a:rPr kumimoji="1" lang="en-US" altLang="ja-JP"/>
               <a:t>4 </a:t>
             </a:r>
             <a:r>
-              <a:rPr kumimoji="1" lang="ja-JP" altLang="en-US" smtClean="0"/>
+              <a:rPr kumimoji="1" lang="ja-JP" altLang="en-US"/>
               <a:t>レベル</a:t>
             </a:r>
           </a:p>
           <a:p>
             <a:pPr lvl="4"/>
             <a:r>
-              <a:rPr kumimoji="1" lang="ja-JP" altLang="en-US" smtClean="0"/>
+              <a:rPr kumimoji="1" lang="ja-JP" altLang="en-US"/>
               <a:t>第 </a:t>
             </a:r>
             <a:r>
-              <a:rPr kumimoji="1" lang="en-US" altLang="ja-JP" smtClean="0"/>
+              <a:rPr kumimoji="1" lang="en-US" altLang="ja-JP"/>
               <a:t>5 </a:t>
             </a:r>
             <a:r>
-              <a:rPr kumimoji="1" lang="ja-JP" altLang="en-US" smtClean="0"/>
+              <a:rPr kumimoji="1" lang="ja-JP" altLang="en-US"/>
               <a:t>レベル</a:t>
             </a:r>
-            <a:endParaRPr kumimoji="1" lang="ja-JP" altLang="en-US"/>
           </a:p>
         </p:txBody>
       </p:sp>
@@ -2400,10 +2369,9 @@
           </a:lstStyle>
           <a:p>
             <a:r>
-              <a:rPr kumimoji="1" lang="ja-JP" altLang="en-US" smtClean="0"/>
+              <a:rPr kumimoji="1" lang="ja-JP" altLang="en-US"/>
               <a:t>マスター タイトルの書式設定</a:t>
             </a:r>
-            <a:endParaRPr kumimoji="1" lang="ja-JP" altLang="en-US"/>
           </a:p>
         </p:txBody>
       </p:sp>
@@ -2466,7 +2434,7 @@
           <a:p>
             <a:pPr lvl="0"/>
             <a:r>
-              <a:rPr kumimoji="1" lang="ja-JP" altLang="en-US" smtClean="0"/>
+              <a:rPr kumimoji="1" lang="ja-JP" altLang="en-US"/>
               <a:t>マスター テキストの書式設定</a:t>
             </a:r>
           </a:p>
@@ -2522,70 +2490,69 @@
           <a:p>
             <a:pPr lvl="0"/>
             <a:r>
-              <a:rPr kumimoji="1" lang="ja-JP" altLang="en-US" smtClean="0"/>
+              <a:rPr kumimoji="1" lang="ja-JP" altLang="en-US"/>
               <a:t>マスター テキストの書式設定</a:t>
             </a:r>
           </a:p>
           <a:p>
             <a:pPr lvl="1"/>
             <a:r>
-              <a:rPr kumimoji="1" lang="ja-JP" altLang="en-US" smtClean="0"/>
+              <a:rPr kumimoji="1" lang="ja-JP" altLang="en-US"/>
               <a:t>第 </a:t>
             </a:r>
             <a:r>
-              <a:rPr kumimoji="1" lang="en-US" altLang="ja-JP" smtClean="0"/>
+              <a:rPr kumimoji="1" lang="en-US" altLang="ja-JP"/>
               <a:t>2 </a:t>
             </a:r>
             <a:r>
-              <a:rPr kumimoji="1" lang="ja-JP" altLang="en-US" smtClean="0"/>
+              <a:rPr kumimoji="1" lang="ja-JP" altLang="en-US"/>
               <a:t>レベル</a:t>
             </a:r>
           </a:p>
           <a:p>
             <a:pPr lvl="2"/>
             <a:r>
-              <a:rPr kumimoji="1" lang="ja-JP" altLang="en-US" smtClean="0"/>
+              <a:rPr kumimoji="1" lang="ja-JP" altLang="en-US"/>
               <a:t>第 </a:t>
             </a:r>
             <a:r>
-              <a:rPr kumimoji="1" lang="en-US" altLang="ja-JP" smtClean="0"/>
+              <a:rPr kumimoji="1" lang="en-US" altLang="ja-JP"/>
               <a:t>3 </a:t>
             </a:r>
             <a:r>
-              <a:rPr kumimoji="1" lang="ja-JP" altLang="en-US" smtClean="0"/>
+              <a:rPr kumimoji="1" lang="ja-JP" altLang="en-US"/>
               <a:t>レベル</a:t>
             </a:r>
           </a:p>
           <a:p>
             <a:pPr lvl="3"/>
             <a:r>
-              <a:rPr kumimoji="1" lang="ja-JP" altLang="en-US" smtClean="0"/>
+              <a:rPr kumimoji="1" lang="ja-JP" altLang="en-US"/>
               <a:t>第 </a:t>
             </a:r>
             <a:r>
-              <a:rPr kumimoji="1" lang="en-US" altLang="ja-JP" smtClean="0"/>
+              <a:rPr kumimoji="1" lang="en-US" altLang="ja-JP"/>
               <a:t>4 </a:t>
             </a:r>
             <a:r>
-              <a:rPr kumimoji="1" lang="ja-JP" altLang="en-US" smtClean="0"/>
+              <a:rPr kumimoji="1" lang="ja-JP" altLang="en-US"/>
               <a:t>レベル</a:t>
             </a:r>
           </a:p>
           <a:p>
             <a:pPr lvl="4"/>
             <a:r>
-              <a:rPr kumimoji="1" lang="ja-JP" altLang="en-US" smtClean="0"/>
+              <a:rPr kumimoji="1" lang="ja-JP" altLang="en-US"/>
               <a:t>第 </a:t>
             </a:r>
             <a:r>
-              <a:rPr kumimoji="1" lang="en-US" altLang="ja-JP" smtClean="0"/>
+              <a:rPr kumimoji="1" lang="en-US" altLang="ja-JP"/>
               <a:t>5 </a:t>
             </a:r>
             <a:r>
-              <a:rPr kumimoji="1" lang="ja-JP" altLang="en-US" smtClean="0"/>
+              <a:rPr kumimoji="1" lang="ja-JP" altLang="en-US"/>
               <a:t>レベル</a:t>
             </a:r>
-            <a:endParaRPr kumimoji="1" lang="ja-JP" altLang="en-US"/>
           </a:p>
         </p:txBody>
       </p:sp>
@@ -2648,7 +2615,7 @@
           <a:p>
             <a:pPr lvl="0"/>
             <a:r>
-              <a:rPr kumimoji="1" lang="ja-JP" altLang="en-US" smtClean="0"/>
+              <a:rPr kumimoji="1" lang="ja-JP" altLang="en-US"/>
               <a:t>マスター テキストの書式設定</a:t>
             </a:r>
           </a:p>
@@ -2704,70 +2671,69 @@
           <a:p>
             <a:pPr lvl="0"/>
             <a:r>
-              <a:rPr kumimoji="1" lang="ja-JP" altLang="en-US" smtClean="0"/>
+              <a:rPr kumimoji="1" lang="ja-JP" altLang="en-US"/>
               <a:t>マスター テキストの書式設定</a:t>
             </a:r>
           </a:p>
           <a:p>
             <a:pPr lvl="1"/>
             <a:r>
-              <a:rPr kumimoji="1" lang="ja-JP" altLang="en-US" smtClean="0"/>
+              <a:rPr kumimoji="1" lang="ja-JP" altLang="en-US"/>
               <a:t>第 </a:t>
             </a:r>
             <a:r>
-              <a:rPr kumimoji="1" lang="en-US" altLang="ja-JP" smtClean="0"/>
+              <a:rPr kumimoji="1" lang="en-US" altLang="ja-JP"/>
               <a:t>2 </a:t>
             </a:r>
             <a:r>
-              <a:rPr kumimoji="1" lang="ja-JP" altLang="en-US" smtClean="0"/>
+              <a:rPr kumimoji="1" lang="ja-JP" altLang="en-US"/>
               <a:t>レベル</a:t>
             </a:r>
           </a:p>
           <a:p>
             <a:pPr lvl="2"/>
             <a:r>
-              <a:rPr kumimoji="1" lang="ja-JP" altLang="en-US" smtClean="0"/>
+              <a:rPr kumimoji="1" lang="ja-JP" altLang="en-US"/>
               <a:t>第 </a:t>
             </a:r>
             <a:r>
-              <a:rPr kumimoji="1" lang="en-US" altLang="ja-JP" smtClean="0"/>
+              <a:rPr kumimoji="1" lang="en-US" altLang="ja-JP"/>
               <a:t>3 </a:t>
             </a:r>
             <a:r>
-              <a:rPr kumimoji="1" lang="ja-JP" altLang="en-US" smtClean="0"/>
+              <a:rPr kumimoji="1" lang="ja-JP" altLang="en-US"/>
               <a:t>レベル</a:t>
             </a:r>
           </a:p>
           <a:p>
             <a:pPr lvl="3"/>
             <a:r>
-              <a:rPr kumimoji="1" lang="ja-JP" altLang="en-US" smtClean="0"/>
+              <a:rPr kumimoji="1" lang="ja-JP" altLang="en-US"/>
               <a:t>第 </a:t>
             </a:r>
             <a:r>
-              <a:rPr kumimoji="1" lang="en-US" altLang="ja-JP" smtClean="0"/>
+              <a:rPr kumimoji="1" lang="en-US" altLang="ja-JP"/>
               <a:t>4 </a:t>
             </a:r>
             <a:r>
-              <a:rPr kumimoji="1" lang="ja-JP" altLang="en-US" smtClean="0"/>
+              <a:rPr kumimoji="1" lang="ja-JP" altLang="en-US"/>
               <a:t>レベル</a:t>
             </a:r>
           </a:p>
           <a:p>
             <a:pPr lvl="4"/>
             <a:r>
-              <a:rPr kumimoji="1" lang="ja-JP" altLang="en-US" smtClean="0"/>
+              <a:rPr kumimoji="1" lang="ja-JP" altLang="en-US"/>
               <a:t>第 </a:t>
             </a:r>
             <a:r>
-              <a:rPr kumimoji="1" lang="en-US" altLang="ja-JP" smtClean="0"/>
+              <a:rPr kumimoji="1" lang="en-US" altLang="ja-JP"/>
               <a:t>5 </a:t>
             </a:r>
             <a:r>
-              <a:rPr kumimoji="1" lang="ja-JP" altLang="en-US" smtClean="0"/>
+              <a:rPr kumimoji="1" lang="ja-JP" altLang="en-US"/>
               <a:t>レベル</a:t>
             </a:r>
-            <a:endParaRPr kumimoji="1" lang="ja-JP" altLang="en-US"/>
           </a:p>
         </p:txBody>
       </p:sp>
@@ -2879,10 +2845,9 @@
           <a:lstStyle/>
           <a:p>
             <a:r>
-              <a:rPr kumimoji="1" lang="ja-JP" altLang="en-US" smtClean="0"/>
+              <a:rPr kumimoji="1" lang="ja-JP" altLang="en-US"/>
               <a:t>マスター タイトルの書式設定</a:t>
             </a:r>
-            <a:endParaRPr kumimoji="1" lang="ja-JP" altLang="en-US"/>
           </a:p>
         </p:txBody>
       </p:sp>
@@ -3095,10 +3060,9 @@
           </a:lstStyle>
           <a:p>
             <a:r>
-              <a:rPr kumimoji="1" lang="ja-JP" altLang="en-US" smtClean="0"/>
+              <a:rPr kumimoji="1" lang="ja-JP" altLang="en-US"/>
               <a:t>マスター タイトルの書式設定</a:t>
             </a:r>
-            <a:endParaRPr kumimoji="1" lang="ja-JP" altLang="en-US"/>
           </a:p>
         </p:txBody>
       </p:sp>
@@ -3152,70 +3116,69 @@
           <a:p>
             <a:pPr lvl="0"/>
             <a:r>
-              <a:rPr kumimoji="1" lang="ja-JP" altLang="en-US" smtClean="0"/>
+              <a:rPr kumimoji="1" lang="ja-JP" altLang="en-US"/>
               <a:t>マスター テキストの書式設定</a:t>
             </a:r>
           </a:p>
           <a:p>
             <a:pPr lvl="1"/>
             <a:r>
-              <a:rPr kumimoji="1" lang="ja-JP" altLang="en-US" smtClean="0"/>
+              <a:rPr kumimoji="1" lang="ja-JP" altLang="en-US"/>
               <a:t>第 </a:t>
             </a:r>
             <a:r>
-              <a:rPr kumimoji="1" lang="en-US" altLang="ja-JP" smtClean="0"/>
+              <a:rPr kumimoji="1" lang="en-US" altLang="ja-JP"/>
               <a:t>2 </a:t>
             </a:r>
             <a:r>
-              <a:rPr kumimoji="1" lang="ja-JP" altLang="en-US" smtClean="0"/>
+              <a:rPr kumimoji="1" lang="ja-JP" altLang="en-US"/>
               <a:t>レベル</a:t>
             </a:r>
           </a:p>
           <a:p>
             <a:pPr lvl="2"/>
             <a:r>
-              <a:rPr kumimoji="1" lang="ja-JP" altLang="en-US" smtClean="0"/>
+              <a:rPr kumimoji="1" lang="ja-JP" altLang="en-US"/>
               <a:t>第 </a:t>
             </a:r>
             <a:r>
-              <a:rPr kumimoji="1" lang="en-US" altLang="ja-JP" smtClean="0"/>
+              <a:rPr kumimoji="1" lang="en-US" altLang="ja-JP"/>
               <a:t>3 </a:t>
             </a:r>
             <a:r>
-              <a:rPr kumimoji="1" lang="ja-JP" altLang="en-US" smtClean="0"/>
+              <a:rPr kumimoji="1" lang="ja-JP" altLang="en-US"/>
               <a:t>レベル</a:t>
             </a:r>
           </a:p>
           <a:p>
             <a:pPr lvl="3"/>
             <a:r>
-              <a:rPr kumimoji="1" lang="ja-JP" altLang="en-US" smtClean="0"/>
+              <a:rPr kumimoji="1" lang="ja-JP" altLang="en-US"/>
               <a:t>第 </a:t>
             </a:r>
             <a:r>
-              <a:rPr kumimoji="1" lang="en-US" altLang="ja-JP" smtClean="0"/>
+              <a:rPr kumimoji="1" lang="en-US" altLang="ja-JP"/>
               <a:t>4 </a:t>
             </a:r>
             <a:r>
-              <a:rPr kumimoji="1" lang="ja-JP" altLang="en-US" smtClean="0"/>
+              <a:rPr kumimoji="1" lang="ja-JP" altLang="en-US"/>
               <a:t>レベル</a:t>
             </a:r>
           </a:p>
           <a:p>
             <a:pPr lvl="4"/>
             <a:r>
-              <a:rPr kumimoji="1" lang="ja-JP" altLang="en-US" smtClean="0"/>
+              <a:rPr kumimoji="1" lang="ja-JP" altLang="en-US"/>
               <a:t>第 </a:t>
             </a:r>
             <a:r>
-              <a:rPr kumimoji="1" lang="en-US" altLang="ja-JP" smtClean="0"/>
+              <a:rPr kumimoji="1" lang="en-US" altLang="ja-JP"/>
               <a:t>5 </a:t>
             </a:r>
             <a:r>
-              <a:rPr kumimoji="1" lang="ja-JP" altLang="en-US" smtClean="0"/>
+              <a:rPr kumimoji="1" lang="ja-JP" altLang="en-US"/>
               <a:t>レベル</a:t>
             </a:r>
-            <a:endParaRPr kumimoji="1" lang="ja-JP" altLang="en-US"/>
           </a:p>
         </p:txBody>
       </p:sp>
@@ -3278,7 +3241,7 @@
           <a:p>
             <a:pPr lvl="0"/>
             <a:r>
-              <a:rPr kumimoji="1" lang="ja-JP" altLang="en-US" smtClean="0"/>
+              <a:rPr kumimoji="1" lang="ja-JP" altLang="en-US"/>
               <a:t>マスター テキストの書式設定</a:t>
             </a:r>
           </a:p>
@@ -3401,10 +3364,9 @@
           </a:lstStyle>
           <a:p>
             <a:r>
-              <a:rPr kumimoji="1" lang="ja-JP" altLang="en-US" smtClean="0"/>
+              <a:rPr kumimoji="1" lang="ja-JP" altLang="en-US"/>
               <a:t>マスター タイトルの書式設定</a:t>
             </a:r>
-            <a:endParaRPr kumimoji="1" lang="ja-JP" altLang="en-US"/>
           </a:p>
         </p:txBody>
       </p:sp>
@@ -3528,7 +3490,7 @@
           <a:p>
             <a:pPr lvl="0"/>
             <a:r>
-              <a:rPr kumimoji="1" lang="ja-JP" altLang="en-US" smtClean="0"/>
+              <a:rPr kumimoji="1" lang="ja-JP" altLang="en-US"/>
               <a:t>マスター テキストの書式設定</a:t>
             </a:r>
           </a:p>
@@ -3660,10 +3622,9 @@
           <a:lstStyle/>
           <a:p>
             <a:r>
-              <a:rPr kumimoji="1" lang="ja-JP" altLang="en-US" dirty="0" smtClean="0"/>
+              <a:rPr kumimoji="1" lang="ja-JP" altLang="en-US" dirty="0"/>
               <a:t>マスター タイトルの書式設定</a:t>
             </a:r>
-            <a:endParaRPr kumimoji="1" lang="ja-JP" altLang="en-US" dirty="0"/>
           </a:p>
         </p:txBody>
       </p:sp>
@@ -3694,70 +3655,69 @@
           <a:p>
             <a:pPr lvl="0"/>
             <a:r>
-              <a:rPr kumimoji="1" lang="ja-JP" altLang="en-US" smtClean="0"/>
+              <a:rPr kumimoji="1" lang="ja-JP" altLang="en-US"/>
               <a:t>マスター テキストの書式設定</a:t>
             </a:r>
           </a:p>
           <a:p>
             <a:pPr lvl="1"/>
             <a:r>
-              <a:rPr kumimoji="1" lang="ja-JP" altLang="en-US" smtClean="0"/>
+              <a:rPr kumimoji="1" lang="ja-JP" altLang="en-US"/>
               <a:t>第 </a:t>
             </a:r>
             <a:r>
-              <a:rPr kumimoji="1" lang="en-US" altLang="ja-JP" smtClean="0"/>
+              <a:rPr kumimoji="1" lang="en-US" altLang="ja-JP"/>
               <a:t>2 </a:t>
             </a:r>
             <a:r>
-              <a:rPr kumimoji="1" lang="ja-JP" altLang="en-US" smtClean="0"/>
+              <a:rPr kumimoji="1" lang="ja-JP" altLang="en-US"/>
               <a:t>レベル</a:t>
             </a:r>
           </a:p>
           <a:p>
             <a:pPr lvl="2"/>
             <a:r>
-              <a:rPr kumimoji="1" lang="ja-JP" altLang="en-US" smtClean="0"/>
+              <a:rPr kumimoji="1" lang="ja-JP" altLang="en-US"/>
               <a:t>第 </a:t>
             </a:r>
             <a:r>
-              <a:rPr kumimoji="1" lang="en-US" altLang="ja-JP" smtClean="0"/>
+              <a:rPr kumimoji="1" lang="en-US" altLang="ja-JP"/>
               <a:t>3 </a:t>
             </a:r>
             <a:r>
-              <a:rPr kumimoji="1" lang="ja-JP" altLang="en-US" smtClean="0"/>
+              <a:rPr kumimoji="1" lang="ja-JP" altLang="en-US"/>
               <a:t>レベル</a:t>
             </a:r>
           </a:p>
           <a:p>
             <a:pPr lvl="3"/>
             <a:r>
-              <a:rPr kumimoji="1" lang="ja-JP" altLang="en-US" smtClean="0"/>
+              <a:rPr kumimoji="1" lang="ja-JP" altLang="en-US"/>
               <a:t>第 </a:t>
             </a:r>
             <a:r>
-              <a:rPr kumimoji="1" lang="en-US" altLang="ja-JP" smtClean="0"/>
+              <a:rPr kumimoji="1" lang="en-US" altLang="ja-JP"/>
               <a:t>4 </a:t>
             </a:r>
             <a:r>
-              <a:rPr kumimoji="1" lang="ja-JP" altLang="en-US" smtClean="0"/>
+              <a:rPr kumimoji="1" lang="ja-JP" altLang="en-US"/>
               <a:t>レベル</a:t>
             </a:r>
           </a:p>
           <a:p>
             <a:pPr lvl="4"/>
             <a:r>
-              <a:rPr kumimoji="1" lang="ja-JP" altLang="en-US" smtClean="0"/>
+              <a:rPr kumimoji="1" lang="ja-JP" altLang="en-US"/>
               <a:t>第 </a:t>
             </a:r>
             <a:r>
-              <a:rPr kumimoji="1" lang="en-US" altLang="ja-JP" smtClean="0"/>
+              <a:rPr kumimoji="1" lang="en-US" altLang="ja-JP"/>
               <a:t>5 </a:t>
             </a:r>
             <a:r>
-              <a:rPr kumimoji="1" lang="ja-JP" altLang="en-US" smtClean="0"/>
+              <a:rPr kumimoji="1" lang="ja-JP" altLang="en-US"/>
               <a:t>レベル</a:t>
             </a:r>
-            <a:endParaRPr kumimoji="1" lang="ja-JP" altLang="en-US"/>
           </a:p>
         </p:txBody>
       </p:sp>
@@ -3898,13 +3858,6 @@
     <p:sldLayoutId id="2147483695" r:id="rId10"/>
     <p:sldLayoutId id="2147483696" r:id="rId11"/>
   </p:sldLayoutIdLst>
-  <p:timing>
-    <p:tnLst>
-      <p:par>
-        <p:cTn id="1" dur="indefinite" restart="never" nodeType="tmRoot"/>
-      </p:par>
-    </p:tnLst>
-  </p:timing>
   <p:txStyles>
     <p:titleStyle>
       <a:lvl1pPr algn="ctr" defTabSz="1474354" rtl="0" eaLnBrk="1" latinLnBrk="0" hangingPunct="1">
@@ -4175,1082 +4128,9 @@
           <a:chExt cx="0" cy="0"/>
         </a:xfrm>
       </p:grpSpPr>
-      <p:sp>
-        <p:nvSpPr>
-          <p:cNvPr id="29" name="四角形: 角を丸くする 2">
-            <a:extLst>
-              <a:ext uri="{FF2B5EF4-FFF2-40B4-BE49-F238E27FC236}">
-                <a16:creationId xmlns="" xmlns:a16="http://schemas.microsoft.com/office/drawing/2014/main" id="{2B99B1EA-17D2-4495-A343-2A1713BC8495}"/>
-              </a:ext>
-            </a:extLst>
-          </p:cNvPr>
-          <p:cNvSpPr/>
-          <p:nvPr/>
-        </p:nvSpPr>
-        <p:spPr bwMode="auto">
-          <a:xfrm>
-            <a:off x="280849" y="3689722"/>
-            <a:ext cx="8928992" cy="6696744"/>
-          </a:xfrm>
-          <a:prstGeom prst="roundRect">
-            <a:avLst>
-              <a:gd name="adj" fmla="val 5155"/>
-            </a:avLst>
-          </a:prstGeom>
-          <a:solidFill>
-            <a:schemeClr val="bg1"/>
-          </a:solidFill>
-          <a:ln w="28575" cap="flat" cmpd="sng" algn="ctr">
-            <a:solidFill>
-              <a:srgbClr val="FF0000"/>
-            </a:solidFill>
-            <a:prstDash val="solid"/>
-            <a:round/>
-            <a:headEnd type="none" w="med" len="med"/>
-            <a:tailEnd type="none" w="med" len="med"/>
-          </a:ln>
-          <a:effectLst/>
-          <a:extLst/>
-        </p:spPr>
-        <p:txBody>
-          <a:bodyPr vert="horz" wrap="none" lIns="91426" tIns="45713" rIns="91426" bIns="45713" numCol="1" rtlCol="0" anchor="ctr" anchorCtr="0" compatLnSpc="1">
-            <a:prstTxWarp prst="textNoShape">
-              <a:avLst/>
-            </a:prstTxWarp>
-          </a:bodyPr>
-          <a:lstStyle/>
-          <a:p>
-            <a:pPr defTabSz="914251"/>
-            <a:endParaRPr lang="ja-JP" altLang="en-US">
-              <a:ln>
-                <a:solidFill>
-                  <a:srgbClr val="FF5353"/>
-                </a:solidFill>
-              </a:ln>
-            </a:endParaRPr>
-          </a:p>
-        </p:txBody>
-      </p:sp>
-      <p:pic>
-        <p:nvPicPr>
-          <p:cNvPr id="1031" name="Picture 7"/>
-          <p:cNvPicPr>
-            <a:picLocks noChangeAspect="1" noChangeArrowheads="1"/>
-          </p:cNvPicPr>
-          <p:nvPr/>
-        </p:nvPicPr>
-        <p:blipFill>
-          <a:blip r:embed="rId2">
-            <a:extLst>
-              <a:ext uri="{28A0092B-C50C-407E-A947-70E740481C1C}">
-                <a14:useLocalDpi xmlns:a14="http://schemas.microsoft.com/office/drawing/2010/main" val="0"/>
-              </a:ext>
-            </a:extLst>
-          </a:blip>
-          <a:srcRect/>
-          <a:stretch>
-            <a:fillRect/>
-          </a:stretch>
-        </p:blipFill>
-        <p:spPr bwMode="auto">
-          <a:xfrm>
-            <a:off x="449198" y="4151609"/>
-            <a:ext cx="8262605" cy="5089636"/>
-          </a:xfrm>
-          <a:prstGeom prst="rect">
-            <a:avLst/>
-          </a:prstGeom>
-          <a:noFill/>
-          <a:ln>
-            <a:noFill/>
-          </a:ln>
-          <a:effectLst/>
-          <a:extLst>
-            <a:ext uri="{909E8E84-426E-40DD-AFC4-6F175D3DCCD1}">
-              <a14:hiddenFill xmlns:a14="http://schemas.microsoft.com/office/drawing/2010/main">
-                <a:solidFill>
-                  <a:schemeClr val="accent1"/>
-                </a:solidFill>
-              </a14:hiddenFill>
-            </a:ext>
-            <a:ext uri="{91240B29-F687-4F45-9708-019B960494DF}">
-              <a14:hiddenLine xmlns:a14="http://schemas.microsoft.com/office/drawing/2010/main" w="9525">
-                <a:solidFill>
-                  <a:schemeClr val="tx1"/>
-                </a:solidFill>
-                <a:miter lim="800000"/>
-                <a:headEnd/>
-                <a:tailEnd/>
-              </a14:hiddenLine>
-            </a:ext>
-            <a:ext uri="{AF507438-7753-43E0-B8FC-AC1667EBCBE1}">
-              <a14:hiddenEffects xmlns:a14="http://schemas.microsoft.com/office/drawing/2010/main">
-                <a:effectLst>
-                  <a:outerShdw dist="35921" dir="2700000" algn="ctr" rotWithShape="0">
-                    <a:schemeClr val="bg2"/>
-                  </a:outerShdw>
-                </a:effectLst>
-              </a14:hiddenEffects>
-            </a:ext>
-          </a:extLst>
-        </p:spPr>
-      </p:pic>
       <p:pic>
         <p:nvPicPr>
           <p:cNvPr id="1026" name="Picture 2"/>
-          <p:cNvPicPr>
-            <a:picLocks noChangeAspect="1" noChangeArrowheads="1"/>
-          </p:cNvPicPr>
-          <p:nvPr/>
-        </p:nvPicPr>
-        <p:blipFill>
-          <a:blip r:embed="rId3">
-            <a:extLst>
-              <a:ext uri="{28A0092B-C50C-407E-A947-70E740481C1C}">
-                <a14:useLocalDpi xmlns:a14="http://schemas.microsoft.com/office/drawing/2010/main" val="0"/>
-              </a:ext>
-            </a:extLst>
-          </a:blip>
-          <a:srcRect/>
-          <a:stretch>
-            <a:fillRect/>
-          </a:stretch>
-        </p:blipFill>
-        <p:spPr bwMode="auto">
-          <a:xfrm rot="20170630">
-            <a:off x="148768" y="863613"/>
-            <a:ext cx="1053100" cy="1053098"/>
-          </a:xfrm>
-          <a:prstGeom prst="rect">
-            <a:avLst/>
-          </a:prstGeom>
-          <a:noFill/>
-          <a:ln>
-            <a:noFill/>
-          </a:ln>
-          <a:effectLst/>
-          <a:extLst>
-            <a:ext uri="{909E8E84-426E-40DD-AFC4-6F175D3DCCD1}">
-              <a14:hiddenFill xmlns:a14="http://schemas.microsoft.com/office/drawing/2010/main">
-                <a:solidFill>
-                  <a:schemeClr val="accent1"/>
-                </a:solidFill>
-              </a14:hiddenFill>
-            </a:ext>
-            <a:ext uri="{91240B29-F687-4F45-9708-019B960494DF}">
-              <a14:hiddenLine xmlns:a14="http://schemas.microsoft.com/office/drawing/2010/main" w="9525">
-                <a:solidFill>
-                  <a:schemeClr val="tx1"/>
-                </a:solidFill>
-                <a:miter lim="800000"/>
-                <a:headEnd/>
-                <a:tailEnd/>
-              </a14:hiddenLine>
-            </a:ext>
-            <a:ext uri="{AF507438-7753-43E0-B8FC-AC1667EBCBE1}">
-              <a14:hiddenEffects xmlns:a14="http://schemas.microsoft.com/office/drawing/2010/main">
-                <a:effectLst>
-                  <a:outerShdw dist="35921" dir="2700000" algn="ctr" rotWithShape="0">
-                    <a:schemeClr val="bg2"/>
-                  </a:outerShdw>
-                </a:effectLst>
-              </a14:hiddenEffects>
-            </a:ext>
-          </a:extLst>
-        </p:spPr>
-      </p:pic>
-      <p:grpSp>
-        <p:nvGrpSpPr>
-          <p:cNvPr id="8" name="グループ化 7"/>
-          <p:cNvGrpSpPr/>
-          <p:nvPr/>
-        </p:nvGrpSpPr>
-        <p:grpSpPr>
-          <a:xfrm>
-            <a:off x="9503891" y="3645924"/>
-            <a:ext cx="5112568" cy="6524518"/>
-            <a:chOff x="7415659" y="2925844"/>
-            <a:chExt cx="4032448" cy="5471740"/>
-          </a:xfrm>
-          <a:solidFill>
-            <a:schemeClr val="accent6">
-              <a:lumMod val="60000"/>
-              <a:lumOff val="40000"/>
-            </a:schemeClr>
-          </a:solidFill>
-        </p:grpSpPr>
-        <p:sp>
-          <p:nvSpPr>
-            <p:cNvPr id="32" name="四角形: 角を丸くする 31">
-              <a:extLst>
-                <a:ext uri="{FF2B5EF4-FFF2-40B4-BE49-F238E27FC236}">
-                  <a16:creationId xmlns="" xmlns:a16="http://schemas.microsoft.com/office/drawing/2014/main" id="{2CB54470-E1EE-4955-BF14-A25A1992B9AE}"/>
-                </a:ext>
-              </a:extLst>
-            </p:cNvPr>
-            <p:cNvSpPr/>
-            <p:nvPr/>
-          </p:nvSpPr>
-          <p:spPr bwMode="auto">
-            <a:xfrm>
-              <a:off x="7415659" y="2925844"/>
-              <a:ext cx="4032448" cy="5471740"/>
-            </a:xfrm>
-            <a:prstGeom prst="roundRect">
-              <a:avLst/>
-            </a:prstGeom>
-            <a:grpFill/>
-            <a:ln w="9525" cap="flat" cmpd="sng" algn="ctr">
-              <a:solidFill>
-                <a:schemeClr val="tx1"/>
-              </a:solidFill>
-              <a:prstDash val="solid"/>
-              <a:round/>
-              <a:headEnd type="none" w="med" len="med"/>
-              <a:tailEnd type="none" w="med" len="med"/>
-            </a:ln>
-            <a:effectLst/>
-            <a:extLst>
-              <a:ext uri="{AF507438-7753-43E0-B8FC-AC1667EBCBE1}">
-                <a14:hiddenEffects xmlns:a14="http://schemas.microsoft.com/office/drawing/2010/main">
-                  <a:effectLst>
-                    <a:outerShdw dist="35921" dir="2700000" algn="ctr" rotWithShape="0">
-                      <a:schemeClr val="bg2"/>
-                    </a:outerShdw>
-                  </a:effectLst>
-                </a14:hiddenEffects>
-              </a:ext>
-            </a:extLst>
-          </p:spPr>
-          <p:txBody>
-            <a:bodyPr vert="horz" wrap="none" lIns="91426" tIns="45713" rIns="91426" bIns="45713" numCol="1" rtlCol="0" anchor="ctr" anchorCtr="0" compatLnSpc="1">
-              <a:prstTxWarp prst="textNoShape">
-                <a:avLst/>
-              </a:prstTxWarp>
-            </a:bodyPr>
-            <a:lstStyle/>
-            <a:p>
-              <a:pPr defTabSz="914251"/>
-              <a:endParaRPr lang="ja-JP" altLang="en-US"/>
-            </a:p>
-          </p:txBody>
-        </p:sp>
-        <p:pic>
-          <p:nvPicPr>
-            <p:cNvPr id="26" name="図 25">
-              <a:extLst>
-                <a:ext uri="{FF2B5EF4-FFF2-40B4-BE49-F238E27FC236}">
-                  <a16:creationId xmlns="" xmlns:a16="http://schemas.microsoft.com/office/drawing/2014/main" id="{574E1E1E-B7FA-40EC-A6D2-799349572C52}"/>
-                </a:ext>
-              </a:extLst>
-            </p:cNvPr>
-            <p:cNvPicPr>
-              <a:picLocks noChangeAspect="1"/>
-            </p:cNvPicPr>
-            <p:nvPr/>
-          </p:nvPicPr>
-          <p:blipFill rotWithShape="1">
-            <a:blip r:embed="rId4">
-              <a:extLst>
-                <a:ext uri="{28A0092B-C50C-407E-A947-70E740481C1C}">
-                  <a14:useLocalDpi xmlns:a14="http://schemas.microsoft.com/office/drawing/2010/main" val="0"/>
-                </a:ext>
-              </a:extLst>
-            </a:blip>
-            <a:srcRect l="4615" t="8139" r="4615" b="3020"/>
-            <a:stretch/>
-          </p:blipFill>
-          <p:spPr>
-            <a:xfrm>
-              <a:off x="7574407" y="3445313"/>
-              <a:ext cx="3678060" cy="4449812"/>
-            </a:xfrm>
-            <a:prstGeom prst="rect">
-              <a:avLst/>
-            </a:prstGeom>
-            <a:grpFill/>
-          </p:spPr>
-        </p:pic>
-      </p:grpSp>
-      <p:sp>
-        <p:nvSpPr>
-          <p:cNvPr id="16" name="テキスト ボックス 15">
-            <a:extLst>
-              <a:ext uri="{FF2B5EF4-FFF2-40B4-BE49-F238E27FC236}">
-                <a16:creationId xmlns="" xmlns:a16="http://schemas.microsoft.com/office/drawing/2014/main" id="{FBE064E7-1A85-4AD9-98DB-4B7D8573EBC8}"/>
-              </a:ext>
-            </a:extLst>
-          </p:cNvPr>
-          <p:cNvSpPr txBox="1"/>
-          <p:nvPr/>
-        </p:nvSpPr>
-        <p:spPr>
-          <a:xfrm>
-            <a:off x="719109" y="2177554"/>
-            <a:ext cx="14257390" cy="1477313"/>
-          </a:xfrm>
-          <a:prstGeom prst="rect">
-            <a:avLst/>
-          </a:prstGeom>
-          <a:noFill/>
-        </p:spPr>
-        <p:txBody>
-          <a:bodyPr wrap="square" lIns="91426" tIns="45713" rIns="91426" bIns="45713" rtlCol="0">
-            <a:spAutoFit/>
-          </a:bodyPr>
-          <a:lstStyle/>
-          <a:p>
-            <a:pPr algn="l"/>
-            <a:r>
-              <a:rPr kumimoji="1" lang="ja-JP" altLang="en-US" dirty="0" smtClean="0"/>
-              <a:t>私たちチーム「ハナ</a:t>
-            </a:r>
-            <a:r>
-              <a:rPr kumimoji="1" lang="ja-JP" altLang="en-US" dirty="0"/>
-              <a:t>☆花</a:t>
-            </a:r>
-            <a:r>
-              <a:rPr kumimoji="1" lang="ja-JP" altLang="en-US" dirty="0" smtClean="0"/>
-              <a:t>ライダー」は</a:t>
-            </a:r>
-            <a:r>
-              <a:rPr kumimoji="1" lang="ja-JP" altLang="en-US" dirty="0"/>
-              <a:t>昨年度の先輩方の結果</a:t>
-            </a:r>
-            <a:r>
-              <a:rPr kumimoji="1" lang="en-US" altLang="ja-JP" dirty="0" smtClean="0"/>
-              <a:t>(R</a:t>
-            </a:r>
-            <a:r>
-              <a:rPr kumimoji="1" lang="ja-JP" altLang="en-US" dirty="0" smtClean="0"/>
-              <a:t>コースのみ完走</a:t>
-            </a:r>
-            <a:r>
-              <a:rPr kumimoji="1" lang="en-US" altLang="ja-JP" dirty="0" smtClean="0"/>
-              <a:t>)</a:t>
-            </a:r>
-            <a:r>
-              <a:rPr kumimoji="1" lang="ja-JP" altLang="en-US" dirty="0"/>
-              <a:t>を振り返り</a:t>
-            </a:r>
-            <a:r>
-              <a:rPr kumimoji="1" lang="ja-JP" altLang="en-US" dirty="0" smtClean="0"/>
-              <a:t>、</a:t>
-            </a:r>
-            <a:endParaRPr kumimoji="1" lang="en-US" altLang="ja-JP" dirty="0"/>
-          </a:p>
-          <a:p>
-            <a:pPr algn="l"/>
-            <a:r>
-              <a:rPr kumimoji="1" lang="ja-JP" altLang="en-US" dirty="0" smtClean="0"/>
-              <a:t>「必ず</a:t>
-            </a:r>
-            <a:r>
-              <a:rPr kumimoji="1" lang="ja-JP" altLang="en-US" dirty="0" smtClean="0"/>
-              <a:t>ゴールに到達</a:t>
-            </a:r>
-            <a:r>
-              <a:rPr kumimoji="1" lang="ja-JP" altLang="en-US" dirty="0"/>
-              <a:t>する」という意志の元、要求分析を</a:t>
-            </a:r>
-            <a:r>
-              <a:rPr kumimoji="1" lang="ja-JP" altLang="en-US" dirty="0" smtClean="0"/>
-              <a:t>行いました</a:t>
-            </a:r>
-            <a:r>
-              <a:rPr kumimoji="1" lang="ja-JP" altLang="en-US" dirty="0" smtClean="0"/>
-              <a:t>。</a:t>
-            </a:r>
-            <a:endParaRPr kumimoji="1" lang="en-US" altLang="ja-JP" dirty="0" smtClean="0"/>
-          </a:p>
-          <a:p>
-            <a:pPr algn="l"/>
-            <a:r>
-              <a:rPr kumimoji="1" lang="ja-JP" altLang="en-US" dirty="0" smtClean="0"/>
-              <a:t>コース環境の影響による</a:t>
-            </a:r>
-            <a:r>
-              <a:rPr kumimoji="1" lang="ja-JP" altLang="en-US" dirty="0" smtClean="0"/>
-              <a:t>コース逸脱を</a:t>
-            </a:r>
-            <a:r>
-              <a:rPr kumimoji="1" lang="ja-JP" altLang="en-US" dirty="0" smtClean="0"/>
-              <a:t>判定（</a:t>
-            </a:r>
-            <a:r>
-              <a:rPr kumimoji="1" lang="ja-JP" altLang="en-US" sz="2000" b="1" dirty="0" smtClean="0"/>
-              <a:t>コース離脱判定</a:t>
-            </a:r>
-            <a:r>
-              <a:rPr kumimoji="1" lang="ja-JP" altLang="en-US" dirty="0" smtClean="0"/>
-              <a:t>）し、その後に</a:t>
-            </a:r>
-            <a:r>
-              <a:rPr kumimoji="1" lang="ja-JP" altLang="en-US" sz="2000" b="1" dirty="0" smtClean="0"/>
-              <a:t>コース復帰動作</a:t>
-            </a:r>
-            <a:r>
-              <a:rPr kumimoji="1" lang="ja-JP" altLang="en-US" dirty="0" smtClean="0"/>
-              <a:t>を盛り込むことで、</a:t>
-            </a:r>
-            <a:endParaRPr kumimoji="1" lang="en-US" altLang="ja-JP" dirty="0" smtClean="0"/>
-          </a:p>
-          <a:p>
-            <a:pPr algn="l"/>
-            <a:r>
-              <a:rPr kumimoji="1" lang="ja-JP" altLang="en-US" dirty="0" smtClean="0"/>
-              <a:t>私たちは何</a:t>
-            </a:r>
-            <a:r>
-              <a:rPr kumimoji="1" lang="ja-JP" altLang="en-US" dirty="0"/>
-              <a:t>としてもベーシックコースを</a:t>
-            </a:r>
-            <a:r>
-              <a:rPr kumimoji="1" lang="ja-JP" altLang="en-US" dirty="0" smtClean="0"/>
-              <a:t>走り抜けます。</a:t>
-            </a:r>
-            <a:endParaRPr kumimoji="1" lang="en-US" altLang="ja-JP" sz="1600" dirty="0"/>
-          </a:p>
-          <a:p>
-            <a:pPr algn="l"/>
-            <a:endParaRPr kumimoji="1" lang="en-US" altLang="ja-JP" sz="1600" dirty="0"/>
-          </a:p>
-        </p:txBody>
-      </p:sp>
-      <p:cxnSp>
-        <p:nvCxnSpPr>
-          <p:cNvPr id="9" name="直線コネクタ 8">
-            <a:extLst>
-              <a:ext uri="{FF2B5EF4-FFF2-40B4-BE49-F238E27FC236}">
-                <a16:creationId xmlns="" xmlns:a16="http://schemas.microsoft.com/office/drawing/2014/main" id="{59E591C2-C00D-48E3-ABC6-CFCF840C0BB8}"/>
-              </a:ext>
-            </a:extLst>
-          </p:cNvPr>
-          <p:cNvCxnSpPr>
-            <a:cxnSpLocks/>
-          </p:cNvCxnSpPr>
-          <p:nvPr/>
-        </p:nvCxnSpPr>
-        <p:spPr bwMode="auto">
-          <a:xfrm>
-            <a:off x="4679355" y="4120313"/>
-            <a:ext cx="33233" cy="6075998"/>
-          </a:xfrm>
-          <a:prstGeom prst="line">
-            <a:avLst/>
-          </a:prstGeom>
-          <a:ln w="12700">
-            <a:solidFill>
-              <a:srgbClr val="00B0F0"/>
-            </a:solidFill>
-            <a:prstDash val="dash"/>
-            <a:headEnd type="none" w="med" len="med"/>
-            <a:tailEnd type="none" w="med" len="med"/>
-          </a:ln>
-          <a:extLst>
-            <a:ext uri="{AF507438-7753-43E0-B8FC-AC1667EBCBE1}">
-              <a14:hiddenEffects xmlns:a14="http://schemas.microsoft.com/office/drawing/2010/main">
-                <a:effectLst>
-                  <a:outerShdw dist="35921" dir="2700000" algn="ctr" rotWithShape="0">
-                    <a:schemeClr val="bg2"/>
-                  </a:outerShdw>
-                </a:effectLst>
-              </a14:hiddenEffects>
-            </a:ext>
-          </a:extLst>
-        </p:spPr>
-        <p:style>
-          <a:lnRef idx="1">
-            <a:schemeClr val="accent6"/>
-          </a:lnRef>
-          <a:fillRef idx="0">
-            <a:schemeClr val="accent6"/>
-          </a:fillRef>
-          <a:effectRef idx="0">
-            <a:schemeClr val="accent6"/>
-          </a:effectRef>
-          <a:fontRef idx="minor">
-            <a:schemeClr val="tx1"/>
-          </a:fontRef>
-        </p:style>
-      </p:cxnSp>
-      <p:cxnSp>
-        <p:nvCxnSpPr>
-          <p:cNvPr id="10" name="直線コネクタ 9">
-            <a:extLst>
-              <a:ext uri="{FF2B5EF4-FFF2-40B4-BE49-F238E27FC236}">
-                <a16:creationId xmlns="" xmlns:a16="http://schemas.microsoft.com/office/drawing/2014/main" id="{11FED210-3E54-4989-B8F1-66BC67898A48}"/>
-              </a:ext>
-            </a:extLst>
-          </p:cNvPr>
-          <p:cNvCxnSpPr>
-            <a:cxnSpLocks/>
-          </p:cNvCxnSpPr>
-          <p:nvPr/>
-        </p:nvCxnSpPr>
-        <p:spPr bwMode="auto">
-          <a:xfrm>
-            <a:off x="6623571" y="4135622"/>
-            <a:ext cx="0" cy="5961355"/>
-          </a:xfrm>
-          <a:prstGeom prst="line">
-            <a:avLst/>
-          </a:prstGeom>
-          <a:ln w="12700">
-            <a:solidFill>
-              <a:srgbClr val="00B0F0"/>
-            </a:solidFill>
-            <a:prstDash val="dash"/>
-            <a:headEnd type="none" w="med" len="med"/>
-            <a:tailEnd type="none" w="med" len="med"/>
-          </a:ln>
-          <a:extLst>
-            <a:ext uri="{AF507438-7753-43E0-B8FC-AC1667EBCBE1}">
-              <a14:hiddenEffects xmlns:a14="http://schemas.microsoft.com/office/drawing/2010/main">
-                <a:effectLst>
-                  <a:outerShdw dist="35921" dir="2700000" algn="ctr" rotWithShape="0">
-                    <a:schemeClr val="bg2"/>
-                  </a:outerShdw>
-                </a:effectLst>
-              </a14:hiddenEffects>
-            </a:ext>
-          </a:extLst>
-        </p:spPr>
-        <p:style>
-          <a:lnRef idx="1">
-            <a:schemeClr val="accent6"/>
-          </a:lnRef>
-          <a:fillRef idx="0">
-            <a:schemeClr val="accent6"/>
-          </a:fillRef>
-          <a:effectRef idx="0">
-            <a:schemeClr val="accent6"/>
-          </a:effectRef>
-          <a:fontRef idx="minor">
-            <a:schemeClr val="tx1"/>
-          </a:fontRef>
-        </p:style>
-      </p:cxnSp>
-      <p:cxnSp>
-        <p:nvCxnSpPr>
-          <p:cNvPr id="11" name="直線コネクタ 10">
-            <a:extLst>
-              <a:ext uri="{FF2B5EF4-FFF2-40B4-BE49-F238E27FC236}">
-                <a16:creationId xmlns="" xmlns:a16="http://schemas.microsoft.com/office/drawing/2014/main" id="{58746A49-3050-4518-A47D-F346298CE0A0}"/>
-              </a:ext>
-            </a:extLst>
-          </p:cNvPr>
-          <p:cNvCxnSpPr>
-            <a:cxnSpLocks/>
-          </p:cNvCxnSpPr>
-          <p:nvPr/>
-        </p:nvCxnSpPr>
-        <p:spPr bwMode="auto">
-          <a:xfrm>
-            <a:off x="3095179" y="4143685"/>
-            <a:ext cx="0" cy="5961355"/>
-          </a:xfrm>
-          <a:prstGeom prst="line">
-            <a:avLst/>
-          </a:prstGeom>
-          <a:ln w="12700">
-            <a:solidFill>
-              <a:srgbClr val="00B0F0"/>
-            </a:solidFill>
-            <a:prstDash val="dash"/>
-            <a:headEnd type="none" w="med" len="med"/>
-            <a:tailEnd type="none" w="med" len="med"/>
-          </a:ln>
-          <a:extLst>
-            <a:ext uri="{AF507438-7753-43E0-B8FC-AC1667EBCBE1}">
-              <a14:hiddenEffects xmlns:a14="http://schemas.microsoft.com/office/drawing/2010/main">
-                <a:effectLst>
-                  <a:outerShdw dist="35921" dir="2700000" algn="ctr" rotWithShape="0">
-                    <a:schemeClr val="bg2"/>
-                  </a:outerShdw>
-                </a:effectLst>
-              </a14:hiddenEffects>
-            </a:ext>
-          </a:extLst>
-        </p:spPr>
-        <p:style>
-          <a:lnRef idx="1">
-            <a:schemeClr val="accent6"/>
-          </a:lnRef>
-          <a:fillRef idx="0">
-            <a:schemeClr val="accent6"/>
-          </a:fillRef>
-          <a:effectRef idx="0">
-            <a:schemeClr val="accent6"/>
-          </a:effectRef>
-          <a:fontRef idx="minor">
-            <a:schemeClr val="tx1"/>
-          </a:fontRef>
-        </p:style>
-      </p:cxnSp>
-      <p:sp>
-        <p:nvSpPr>
-          <p:cNvPr id="12" name="正方形/長方形 11">
-            <a:extLst>
-              <a:ext uri="{FF2B5EF4-FFF2-40B4-BE49-F238E27FC236}">
-                <a16:creationId xmlns="" xmlns:a16="http://schemas.microsoft.com/office/drawing/2014/main" id="{9DECE021-E8EA-4E83-B550-D55B4C9FFF48}"/>
-              </a:ext>
-            </a:extLst>
-          </p:cNvPr>
-          <p:cNvSpPr/>
-          <p:nvPr/>
-        </p:nvSpPr>
-        <p:spPr bwMode="auto">
-          <a:xfrm>
-            <a:off x="3383211" y="9232881"/>
-            <a:ext cx="1152128" cy="976678"/>
-          </a:xfrm>
-          <a:prstGeom prst="rect">
-            <a:avLst/>
-          </a:prstGeom>
-          <a:solidFill>
-            <a:srgbClr val="FF99FF"/>
-          </a:solidFill>
-          <a:ln>
-            <a:headEnd type="none" w="med" len="med"/>
-            <a:tailEnd type="none" w="med" len="med"/>
-          </a:ln>
-          <a:extLst/>
-        </p:spPr>
-        <p:style>
-          <a:lnRef idx="3">
-            <a:schemeClr val="lt1"/>
-          </a:lnRef>
-          <a:fillRef idx="1">
-            <a:schemeClr val="accent1"/>
-          </a:fillRef>
-          <a:effectRef idx="1">
-            <a:schemeClr val="accent1"/>
-          </a:effectRef>
-          <a:fontRef idx="minor">
-            <a:schemeClr val="lt1"/>
-          </a:fontRef>
-        </p:style>
-        <p:txBody>
-          <a:bodyPr vert="horz" wrap="none" lIns="91440" tIns="45720" rIns="91440" bIns="45720" numCol="1" rtlCol="0" anchor="ctr" anchorCtr="0" compatLnSpc="1">
-            <a:prstTxWarp prst="textNoShape">
-              <a:avLst/>
-            </a:prstTxWarp>
-          </a:bodyPr>
-          <a:lstStyle/>
-          <a:p>
-            <a:r>
-              <a:rPr lang="ja-JP" altLang="en-US" sz="1500" dirty="0">
-                <a:solidFill>
-                  <a:schemeClr val="tx1"/>
-                </a:solidFill>
-                <a:latin typeface="Arial" charset="0"/>
-              </a:rPr>
-              <a:t>時間</a:t>
-            </a:r>
-          </a:p>
-        </p:txBody>
-      </p:sp>
-      <p:sp>
-        <p:nvSpPr>
-          <p:cNvPr id="13" name="正方形/長方形 12">
-            <a:extLst>
-              <a:ext uri="{FF2B5EF4-FFF2-40B4-BE49-F238E27FC236}">
-                <a16:creationId xmlns="" xmlns:a16="http://schemas.microsoft.com/office/drawing/2014/main" id="{9383FF73-90D3-42DD-BC3B-7F3FD6B34BEA}"/>
-              </a:ext>
-            </a:extLst>
-          </p:cNvPr>
-          <p:cNvSpPr/>
-          <p:nvPr/>
-        </p:nvSpPr>
-        <p:spPr bwMode="auto">
-          <a:xfrm>
-            <a:off x="5009181" y="9209811"/>
-            <a:ext cx="1470374" cy="999748"/>
-          </a:xfrm>
-          <a:prstGeom prst="rect">
-            <a:avLst/>
-          </a:prstGeom>
-          <a:solidFill>
-            <a:srgbClr val="FF99FF"/>
-          </a:solidFill>
-          <a:ln>
-            <a:headEnd type="none" w="med" len="med"/>
-            <a:tailEnd type="none" w="med" len="med"/>
-          </a:ln>
-          <a:extLst/>
-        </p:spPr>
-        <p:style>
-          <a:lnRef idx="3">
-            <a:schemeClr val="lt1"/>
-          </a:lnRef>
-          <a:fillRef idx="1">
-            <a:schemeClr val="accent1"/>
-          </a:fillRef>
-          <a:effectRef idx="1">
-            <a:schemeClr val="accent1"/>
-          </a:effectRef>
-          <a:fontRef idx="minor">
-            <a:schemeClr val="lt1"/>
-          </a:fontRef>
-        </p:style>
-        <p:txBody>
-          <a:bodyPr vert="horz" wrap="none" lIns="91440" tIns="45720" rIns="91440" bIns="45720" numCol="1" rtlCol="0" anchor="ctr" anchorCtr="0" compatLnSpc="1">
-            <a:prstTxWarp prst="textNoShape">
-              <a:avLst/>
-            </a:prstTxWarp>
-          </a:bodyPr>
-          <a:lstStyle/>
-          <a:p>
-            <a:r>
-              <a:rPr lang="ja-JP" altLang="en-US" sz="1500" dirty="0">
-                <a:solidFill>
-                  <a:schemeClr val="tx1"/>
-                </a:solidFill>
-                <a:latin typeface="Arial" charset="0"/>
-              </a:rPr>
-              <a:t>実現したい</a:t>
-            </a:r>
-            <a:endParaRPr lang="en-US" altLang="ja-JP" sz="1500" dirty="0">
-              <a:solidFill>
-                <a:schemeClr val="tx1"/>
-              </a:solidFill>
-              <a:latin typeface="Arial" charset="0"/>
-            </a:endParaRPr>
-          </a:p>
-          <a:p>
-            <a:r>
-              <a:rPr lang="ja-JP" altLang="en-US" sz="1500" dirty="0">
-                <a:solidFill>
-                  <a:schemeClr val="tx1"/>
-                </a:solidFill>
-                <a:latin typeface="Arial" charset="0"/>
-              </a:rPr>
-              <a:t>こと</a:t>
-            </a:r>
-            <a:endParaRPr lang="en-US" altLang="ja-JP" sz="1500" dirty="0">
-              <a:solidFill>
-                <a:schemeClr val="tx1"/>
-              </a:solidFill>
-              <a:latin typeface="Arial" charset="0"/>
-            </a:endParaRPr>
-          </a:p>
-        </p:txBody>
-      </p:sp>
-      <p:sp>
-        <p:nvSpPr>
-          <p:cNvPr id="14" name="正方形/長方形 13">
-            <a:extLst>
-              <a:ext uri="{FF2B5EF4-FFF2-40B4-BE49-F238E27FC236}">
-                <a16:creationId xmlns="" xmlns:a16="http://schemas.microsoft.com/office/drawing/2014/main" id="{CD9080B7-7DDA-4F8F-8486-CA62F83DBF35}"/>
-              </a:ext>
-            </a:extLst>
-          </p:cNvPr>
-          <p:cNvSpPr/>
-          <p:nvPr/>
-        </p:nvSpPr>
-        <p:spPr bwMode="auto">
-          <a:xfrm>
-            <a:off x="6839595" y="9241245"/>
-            <a:ext cx="1584176" cy="927740"/>
-          </a:xfrm>
-          <a:prstGeom prst="rect">
-            <a:avLst/>
-          </a:prstGeom>
-          <a:solidFill>
-            <a:srgbClr val="FF99FF"/>
-          </a:solidFill>
-          <a:ln>
-            <a:headEnd type="none" w="med" len="med"/>
-            <a:tailEnd type="none" w="med" len="med"/>
-          </a:ln>
-          <a:extLst/>
-        </p:spPr>
-        <p:style>
-          <a:lnRef idx="3">
-            <a:schemeClr val="lt1"/>
-          </a:lnRef>
-          <a:fillRef idx="1">
-            <a:schemeClr val="accent1"/>
-          </a:fillRef>
-          <a:effectRef idx="1">
-            <a:schemeClr val="accent1"/>
-          </a:effectRef>
-          <a:fontRef idx="minor">
-            <a:schemeClr val="lt1"/>
-          </a:fontRef>
-        </p:style>
-        <p:txBody>
-          <a:bodyPr vert="horz" wrap="none" lIns="91440" tIns="45720" rIns="91440" bIns="45720" numCol="1" rtlCol="0" anchor="ctr" anchorCtr="0" compatLnSpc="1">
-            <a:prstTxWarp prst="textNoShape">
-              <a:avLst/>
-            </a:prstTxWarp>
-          </a:bodyPr>
-          <a:lstStyle/>
-          <a:p>
-            <a:r>
-              <a:rPr lang="ja-JP" altLang="en-US" sz="1500" dirty="0">
-                <a:solidFill>
-                  <a:schemeClr val="tx1"/>
-                </a:solidFill>
-                <a:latin typeface="Arial" charset="0"/>
-              </a:rPr>
-              <a:t>必要な機能</a:t>
-            </a:r>
-            <a:endParaRPr lang="en-US" altLang="ja-JP" sz="1500" dirty="0">
-              <a:solidFill>
-                <a:schemeClr val="tx1"/>
-              </a:solidFill>
-              <a:latin typeface="Arial" charset="0"/>
-            </a:endParaRPr>
-          </a:p>
-          <a:p>
-            <a:r>
-              <a:rPr lang="ja-JP" altLang="en-US" sz="1500" dirty="0">
-                <a:solidFill>
-                  <a:schemeClr val="tx1"/>
-                </a:solidFill>
-                <a:latin typeface="Arial" charset="0"/>
-              </a:rPr>
-              <a:t>と制御</a:t>
-            </a:r>
-            <a:endParaRPr lang="en-US" altLang="ja-JP" sz="1500" dirty="0">
-              <a:solidFill>
-                <a:schemeClr val="tx1"/>
-              </a:solidFill>
-              <a:latin typeface="Arial" charset="0"/>
-            </a:endParaRPr>
-          </a:p>
-        </p:txBody>
-      </p:sp>
-      <p:sp>
-        <p:nvSpPr>
-          <p:cNvPr id="20" name="タイトル 1">
-            <a:extLst>
-              <a:ext uri="{FF2B5EF4-FFF2-40B4-BE49-F238E27FC236}">
-                <a16:creationId xmlns="" xmlns:a16="http://schemas.microsoft.com/office/drawing/2014/main" id="{7C6D1384-7384-4F34-976A-6423FC7BDED1}"/>
-              </a:ext>
-            </a:extLst>
-          </p:cNvPr>
-          <p:cNvSpPr txBox="1">
-            <a:spLocks/>
-          </p:cNvSpPr>
-          <p:nvPr/>
-        </p:nvSpPr>
-        <p:spPr>
-          <a:xfrm>
-            <a:off x="-1165" y="0"/>
-            <a:ext cx="5615459" cy="1025426"/>
-          </a:xfrm>
-          <a:prstGeom prst="rect">
-            <a:avLst/>
-          </a:prstGeom>
-          <a:solidFill>
-            <a:srgbClr val="FF5353"/>
-          </a:solidFill>
-        </p:spPr>
-        <p:txBody>
-          <a:bodyPr vert="horz" lIns="147435" tIns="73718" rIns="147435" bIns="73718" rtlCol="0" anchor="ctr">
-            <a:normAutofit/>
-          </a:bodyPr>
-          <a:lstStyle>
-            <a:lvl1pPr algn="l" defTabSz="1474354" rtl="0" eaLnBrk="1" latinLnBrk="0" hangingPunct="1">
-              <a:spcBef>
-                <a:spcPct val="0"/>
-              </a:spcBef>
-              <a:buNone/>
-              <a:defRPr kumimoji="1" sz="4800" kern="1200">
-                <a:solidFill>
-                  <a:schemeClr val="bg1"/>
-                </a:solidFill>
-                <a:latin typeface="+mj-lt"/>
-                <a:ea typeface="+mj-ea"/>
-                <a:cs typeface="+mj-cs"/>
-              </a:defRPr>
-            </a:lvl1pPr>
-          </a:lstStyle>
-          <a:p>
-            <a:r>
-              <a:rPr lang="en-US" altLang="ja-JP" dirty="0"/>
-              <a:t>1. </a:t>
-            </a:r>
-            <a:r>
-              <a:rPr lang="ja-JP" altLang="en-US" dirty="0"/>
-              <a:t>要求分析</a:t>
-            </a:r>
-          </a:p>
-        </p:txBody>
-      </p:sp>
-      <p:sp>
-        <p:nvSpPr>
-          <p:cNvPr id="4" name="テキスト ボックス 3"/>
-          <p:cNvSpPr txBox="1"/>
-          <p:nvPr/>
-        </p:nvSpPr>
-        <p:spPr>
-          <a:xfrm>
-            <a:off x="645617" y="1071379"/>
-            <a:ext cx="8066186" cy="1138773"/>
-          </a:xfrm>
-          <a:prstGeom prst="rect">
-            <a:avLst/>
-          </a:prstGeom>
-          <a:noFill/>
-        </p:spPr>
-        <p:txBody>
-          <a:bodyPr wrap="square" rtlCol="0">
-            <a:spAutoFit/>
-          </a:bodyPr>
-          <a:lstStyle/>
-          <a:p>
-            <a:pPr algn="l"/>
-            <a:r>
-              <a:rPr kumimoji="1" lang="ja-JP" altLang="en-US" sz="4400" dirty="0" smtClean="0"/>
-              <a:t>選択課題：</a:t>
-            </a:r>
-            <a:r>
-              <a:rPr kumimoji="1" lang="ja-JP" altLang="en-US" sz="4400" dirty="0" smtClean="0"/>
-              <a:t>コースを完走</a:t>
-            </a:r>
-            <a:r>
-              <a:rPr kumimoji="1" lang="ja-JP" altLang="en-US" sz="4400" dirty="0" smtClean="0"/>
-              <a:t>する</a:t>
-            </a:r>
-            <a:endParaRPr kumimoji="1" lang="en-US" altLang="ja-JP" sz="4400" dirty="0" smtClean="0"/>
-          </a:p>
-          <a:p>
-            <a:pPr algn="l"/>
-            <a:r>
-              <a:rPr kumimoji="1" lang="ja-JP" altLang="en-US" sz="2400" u="sng" dirty="0" smtClean="0"/>
-              <a:t>チーム目標：制限時間内にコースを完走する</a:t>
-            </a:r>
-            <a:endParaRPr kumimoji="1" lang="ja-JP" altLang="en-US" sz="2400" u="sng" dirty="0"/>
-          </a:p>
-        </p:txBody>
-      </p:sp>
-      <p:sp>
-        <p:nvSpPr>
-          <p:cNvPr id="25" name="テキスト ボックス 24">
-            <a:extLst>
-              <a:ext uri="{FF2B5EF4-FFF2-40B4-BE49-F238E27FC236}">
-                <a16:creationId xmlns="" xmlns:a16="http://schemas.microsoft.com/office/drawing/2014/main" id="{825F097D-4588-4F8F-AA42-B0D77B0F9CE3}"/>
-              </a:ext>
-            </a:extLst>
-          </p:cNvPr>
-          <p:cNvSpPr txBox="1"/>
-          <p:nvPr/>
-        </p:nvSpPr>
-        <p:spPr>
-          <a:xfrm>
-            <a:off x="9837764" y="3783230"/>
-            <a:ext cx="1970383" cy="338540"/>
-          </a:xfrm>
-          <a:prstGeom prst="rect">
-            <a:avLst/>
-          </a:prstGeom>
-          <a:noFill/>
-        </p:spPr>
-        <p:txBody>
-          <a:bodyPr wrap="none" lIns="91426" tIns="45713" rIns="91426" bIns="45713" rtlCol="0">
-            <a:spAutoFit/>
-          </a:bodyPr>
-          <a:lstStyle/>
-          <a:p>
-            <a:r>
-              <a:rPr kumimoji="1" lang="ja-JP" altLang="en-US" sz="1600" b="1" dirty="0"/>
-              <a:t>全体</a:t>
-            </a:r>
-            <a:r>
-              <a:rPr kumimoji="1" lang="ja-JP" altLang="en-US" sz="1600" b="1" dirty="0" smtClean="0"/>
-              <a:t>アクティビティ図</a:t>
-            </a:r>
-            <a:endParaRPr kumimoji="1" lang="ja-JP" altLang="en-US" sz="1600" b="1" dirty="0"/>
-          </a:p>
-        </p:txBody>
-      </p:sp>
-      <p:sp>
-        <p:nvSpPr>
-          <p:cNvPr id="30" name="テキスト ボックス 29">
-            <a:extLst>
-              <a:ext uri="{FF2B5EF4-FFF2-40B4-BE49-F238E27FC236}">
-                <a16:creationId xmlns="" xmlns:a16="http://schemas.microsoft.com/office/drawing/2014/main" id="{825F097D-4588-4F8F-AA42-B0D77B0F9CE3}"/>
-              </a:ext>
-            </a:extLst>
-          </p:cNvPr>
-          <p:cNvSpPr txBox="1"/>
-          <p:nvPr/>
-        </p:nvSpPr>
-        <p:spPr>
-          <a:xfrm>
-            <a:off x="646907" y="3472241"/>
-            <a:ext cx="1545106" cy="461651"/>
-          </a:xfrm>
-          <a:prstGeom prst="rect">
-            <a:avLst/>
-          </a:prstGeom>
-          <a:solidFill>
-            <a:srgbClr val="FFE7FF"/>
-          </a:solidFill>
-          <a:ln w="28575">
-            <a:solidFill>
-              <a:srgbClr val="FF0000"/>
-            </a:solidFill>
-          </a:ln>
-        </p:spPr>
-        <p:txBody>
-          <a:bodyPr wrap="square" lIns="91426" tIns="45713" rIns="91426" bIns="45713" rtlCol="0">
-            <a:spAutoFit/>
-          </a:bodyPr>
-          <a:lstStyle/>
-          <a:p>
-            <a:r>
-              <a:rPr kumimoji="1" lang="ja-JP" altLang="en-US" sz="2400" b="1" dirty="0" smtClean="0"/>
-              <a:t>要求分析</a:t>
-            </a:r>
-            <a:endParaRPr kumimoji="1" lang="ja-JP" altLang="en-US" sz="2400" b="1" dirty="0"/>
-          </a:p>
-        </p:txBody>
-      </p:sp>
-    </p:spTree>
-    <p:extLst>
-      <p:ext uri="{BB962C8B-B14F-4D97-AF65-F5344CB8AC3E}">
-        <p14:creationId xmlns:p14="http://schemas.microsoft.com/office/powerpoint/2010/main" val="500795198"/>
-      </p:ext>
-    </p:extLst>
-  </p:cSld>
-  <p:clrMapOvr>
-    <a:masterClrMapping/>
-  </p:clrMapOvr>
-  <p:timing>
-    <p:tnLst>
-      <p:par>
-        <p:cTn id="1" dur="indefinite" restart="never" nodeType="tmRoot"/>
-      </p:par>
-    </p:tnLst>
-  </p:timing>
-</p:sld>
-</file>
-
-<file path=ppt/slides/slide2.xml><?xml version="1.0" encoding="utf-8"?>
-<p:sld xmlns:a="http://schemas.openxmlformats.org/drawingml/2006/main" xmlns:r="http://schemas.openxmlformats.org/officeDocument/2006/relationships" xmlns:p="http://schemas.openxmlformats.org/presentationml/2006/main">
-  <p:cSld>
-    <p:spTree>
-      <p:nvGrpSpPr>
-        <p:cNvPr id="1" name=""/>
-        <p:cNvGrpSpPr/>
-        <p:nvPr/>
-      </p:nvGrpSpPr>
-      <p:grpSpPr>
-        <a:xfrm>
-          <a:off x="0" y="0"/>
-          <a:ext cx="0" cy="0"/>
-          <a:chOff x="0" y="0"/>
-          <a:chExt cx="0" cy="0"/>
-        </a:xfrm>
-      </p:grpSpPr>
-      <p:pic>
-        <p:nvPicPr>
-          <p:cNvPr id="13" name="Picture 2"/>
           <p:cNvPicPr>
             <a:picLocks noChangeAspect="1" noChangeArrowheads="1"/>
           </p:cNvPicPr>
@@ -5314,10 +4194,1559 @@
       </p:pic>
       <p:sp>
         <p:nvSpPr>
+          <p:cNvPr id="16" name="テキスト ボックス 15">
+            <a:extLst>
+              <a:ext uri="{FF2B5EF4-FFF2-40B4-BE49-F238E27FC236}">
+                <a16:creationId xmlns:a16="http://schemas.microsoft.com/office/drawing/2014/main" id="{FBE064E7-1A85-4AD9-98DB-4B7D8573EBC8}"/>
+              </a:ext>
+            </a:extLst>
+          </p:cNvPr>
+          <p:cNvSpPr txBox="1"/>
+          <p:nvPr/>
+        </p:nvSpPr>
+        <p:spPr>
+          <a:xfrm>
+            <a:off x="719109" y="2177554"/>
+            <a:ext cx="14257390" cy="1785090"/>
+          </a:xfrm>
+          <a:prstGeom prst="rect">
+            <a:avLst/>
+          </a:prstGeom>
+          <a:noFill/>
+        </p:spPr>
+        <p:txBody>
+          <a:bodyPr wrap="square" lIns="91426" tIns="45713" rIns="91426" bIns="45713" rtlCol="0">
+            <a:spAutoFit/>
+          </a:bodyPr>
+          <a:lstStyle/>
+          <a:p>
+            <a:pPr algn="l"/>
+            <a:r>
+              <a:rPr kumimoji="1" lang="ja-JP" altLang="en-US" dirty="0"/>
+              <a:t>私たちチーム「ハナ☆花ライダー」は昨年度の先輩方の結果</a:t>
+            </a:r>
+            <a:r>
+              <a:rPr kumimoji="1" lang="en-US" altLang="ja-JP" dirty="0"/>
+              <a:t>(R</a:t>
+            </a:r>
+            <a:r>
+              <a:rPr kumimoji="1" lang="ja-JP" altLang="en-US" dirty="0"/>
+              <a:t>コースのみ完走</a:t>
+            </a:r>
+            <a:r>
+              <a:rPr kumimoji="1" lang="en-US" altLang="ja-JP" dirty="0"/>
+              <a:t>)</a:t>
+            </a:r>
+            <a:r>
+              <a:rPr kumimoji="1" lang="ja-JP" altLang="en-US" dirty="0"/>
+              <a:t>を振り返り、</a:t>
+            </a:r>
+            <a:endParaRPr kumimoji="1" lang="en-US" altLang="ja-JP" dirty="0"/>
+          </a:p>
+          <a:p>
+            <a:pPr algn="l"/>
+            <a:r>
+              <a:rPr kumimoji="1" lang="ja-JP" altLang="en-US" dirty="0"/>
+              <a:t>「必ずゴールに到達する」という意志の元、要求分析を行いました。</a:t>
+            </a:r>
+            <a:endParaRPr kumimoji="1" lang="en-US" altLang="ja-JP" dirty="0"/>
+          </a:p>
+          <a:p>
+            <a:pPr algn="l"/>
+            <a:r>
+              <a:rPr kumimoji="1" lang="ja-JP" altLang="en-US" dirty="0"/>
+              <a:t>コース環境の影響によるコース逸脱を判定（</a:t>
+            </a:r>
+            <a:r>
+              <a:rPr kumimoji="1" lang="ja-JP" altLang="en-US" sz="2000" b="1" dirty="0"/>
+              <a:t>コース離脱判定</a:t>
+            </a:r>
+            <a:r>
+              <a:rPr kumimoji="1" lang="ja-JP" altLang="en-US" dirty="0"/>
+              <a:t>）し、</a:t>
+            </a:r>
+            <a:endParaRPr kumimoji="1" lang="en-US" altLang="ja-JP" dirty="0"/>
+          </a:p>
+          <a:p>
+            <a:pPr algn="l"/>
+            <a:r>
+              <a:rPr kumimoji="1" lang="ja-JP" altLang="en-US" dirty="0"/>
+              <a:t>その後に</a:t>
+            </a:r>
+            <a:r>
+              <a:rPr kumimoji="1" lang="ja-JP" altLang="en-US" sz="2000" b="1" dirty="0"/>
+              <a:t>コース復帰動作</a:t>
+            </a:r>
+            <a:r>
+              <a:rPr kumimoji="1" lang="ja-JP" altLang="en-US" dirty="0"/>
+              <a:t>を盛り込むことで、</a:t>
+            </a:r>
+            <a:endParaRPr kumimoji="1" lang="en-US" altLang="ja-JP" dirty="0"/>
+          </a:p>
+          <a:p>
+            <a:pPr algn="l"/>
+            <a:r>
+              <a:rPr kumimoji="1" lang="ja-JP" altLang="en-US" dirty="0"/>
+              <a:t>私たちは何としてもベーシックコースを走り抜けます。</a:t>
+            </a:r>
+            <a:endParaRPr kumimoji="1" lang="en-US" altLang="ja-JP" sz="1600" dirty="0"/>
+          </a:p>
+          <a:p>
+            <a:pPr algn="l"/>
+            <a:endParaRPr kumimoji="1" lang="en-US" altLang="ja-JP" sz="1600" dirty="0"/>
+          </a:p>
+        </p:txBody>
+      </p:sp>
+      <p:sp>
+        <p:nvSpPr>
+          <p:cNvPr id="20" name="タイトル 1">
+            <a:extLst>
+              <a:ext uri="{FF2B5EF4-FFF2-40B4-BE49-F238E27FC236}">
+                <a16:creationId xmlns:a16="http://schemas.microsoft.com/office/drawing/2014/main" id="{7C6D1384-7384-4F34-976A-6423FC7BDED1}"/>
+              </a:ext>
+            </a:extLst>
+          </p:cNvPr>
+          <p:cNvSpPr txBox="1">
+            <a:spLocks/>
+          </p:cNvSpPr>
+          <p:nvPr/>
+        </p:nvSpPr>
+        <p:spPr>
+          <a:xfrm>
+            <a:off x="-1165" y="0"/>
+            <a:ext cx="5615459" cy="1025426"/>
+          </a:xfrm>
+          <a:prstGeom prst="rect">
+            <a:avLst/>
+          </a:prstGeom>
+          <a:solidFill>
+            <a:srgbClr val="FF5353"/>
+          </a:solidFill>
+        </p:spPr>
+        <p:txBody>
+          <a:bodyPr vert="horz" lIns="147435" tIns="73718" rIns="147435" bIns="73718" rtlCol="0" anchor="ctr">
+            <a:normAutofit/>
+          </a:bodyPr>
+          <a:lstStyle>
+            <a:lvl1pPr algn="l" defTabSz="1474354" rtl="0" eaLnBrk="1" latinLnBrk="0" hangingPunct="1">
+              <a:spcBef>
+                <a:spcPct val="0"/>
+              </a:spcBef>
+              <a:buNone/>
+              <a:defRPr kumimoji="1" sz="4800" kern="1200">
+                <a:solidFill>
+                  <a:schemeClr val="bg1"/>
+                </a:solidFill>
+                <a:latin typeface="+mj-lt"/>
+                <a:ea typeface="+mj-ea"/>
+                <a:cs typeface="+mj-cs"/>
+              </a:defRPr>
+            </a:lvl1pPr>
+          </a:lstStyle>
+          <a:p>
+            <a:r>
+              <a:rPr lang="en-US" altLang="ja-JP" dirty="0"/>
+              <a:t>1. </a:t>
+            </a:r>
+            <a:r>
+              <a:rPr lang="ja-JP" altLang="en-US" dirty="0"/>
+              <a:t>要求分析</a:t>
+            </a:r>
+          </a:p>
+        </p:txBody>
+      </p:sp>
+      <p:sp>
+        <p:nvSpPr>
+          <p:cNvPr id="4" name="テキスト ボックス 3"/>
+          <p:cNvSpPr txBox="1"/>
+          <p:nvPr/>
+        </p:nvSpPr>
+        <p:spPr>
+          <a:xfrm>
+            <a:off x="645617" y="1071379"/>
+            <a:ext cx="8066186" cy="1138773"/>
+          </a:xfrm>
+          <a:prstGeom prst="rect">
+            <a:avLst/>
+          </a:prstGeom>
+          <a:noFill/>
+        </p:spPr>
+        <p:txBody>
+          <a:bodyPr wrap="square" rtlCol="0">
+            <a:spAutoFit/>
+          </a:bodyPr>
+          <a:lstStyle/>
+          <a:p>
+            <a:pPr algn="l"/>
+            <a:r>
+              <a:rPr kumimoji="1" lang="ja-JP" altLang="en-US" sz="4400" dirty="0"/>
+              <a:t>選択課題：コースを完走する</a:t>
+            </a:r>
+            <a:endParaRPr kumimoji="1" lang="en-US" altLang="ja-JP" sz="4400" dirty="0"/>
+          </a:p>
+          <a:p>
+            <a:pPr algn="l"/>
+            <a:r>
+              <a:rPr kumimoji="1" lang="ja-JP" altLang="en-US" sz="2400" u="sng" dirty="0"/>
+              <a:t>チーム目標：制限時間内にコースを完走する</a:t>
+            </a:r>
+          </a:p>
+        </p:txBody>
+      </p:sp>
+      <p:grpSp>
+        <p:nvGrpSpPr>
+          <p:cNvPr id="35" name="グループ化 34">
+            <a:extLst>
+              <a:ext uri="{FF2B5EF4-FFF2-40B4-BE49-F238E27FC236}">
+                <a16:creationId xmlns:a16="http://schemas.microsoft.com/office/drawing/2014/main" id="{198A60A0-027B-4507-9206-3708E7EBC866}"/>
+              </a:ext>
+            </a:extLst>
+          </p:cNvPr>
+          <p:cNvGrpSpPr/>
+          <p:nvPr/>
+        </p:nvGrpSpPr>
+        <p:grpSpPr>
+          <a:xfrm>
+            <a:off x="409792" y="3962643"/>
+            <a:ext cx="8950083" cy="5827307"/>
+            <a:chOff x="235008" y="3472241"/>
+            <a:chExt cx="6748603" cy="4393946"/>
+          </a:xfrm>
+        </p:grpSpPr>
+        <p:sp>
+          <p:nvSpPr>
+            <p:cNvPr id="29" name="四角形: 角を丸くする 2">
+              <a:extLst>
+                <a:ext uri="{FF2B5EF4-FFF2-40B4-BE49-F238E27FC236}">
+                  <a16:creationId xmlns:a16="http://schemas.microsoft.com/office/drawing/2014/main" id="{2B99B1EA-17D2-4495-A343-2A1713BC8495}"/>
+                </a:ext>
+              </a:extLst>
+            </p:cNvPr>
+            <p:cNvSpPr/>
+            <p:nvPr/>
+          </p:nvSpPr>
+          <p:spPr bwMode="auto">
+            <a:xfrm>
+              <a:off x="235008" y="3689723"/>
+              <a:ext cx="6748603" cy="4176464"/>
+            </a:xfrm>
+            <a:prstGeom prst="roundRect">
+              <a:avLst>
+                <a:gd name="adj" fmla="val 5155"/>
+              </a:avLst>
+            </a:prstGeom>
+            <a:solidFill>
+              <a:schemeClr val="bg1"/>
+            </a:solidFill>
+            <a:ln w="28575" cap="flat" cmpd="sng" algn="ctr">
+              <a:solidFill>
+                <a:srgbClr val="FF0000"/>
+              </a:solidFill>
+              <a:prstDash val="solid"/>
+              <a:round/>
+              <a:headEnd type="none" w="med" len="med"/>
+              <a:tailEnd type="none" w="med" len="med"/>
+            </a:ln>
+            <a:effectLst/>
+            <a:extLst/>
+          </p:spPr>
+          <p:txBody>
+            <a:bodyPr vert="horz" wrap="none" lIns="91426" tIns="45713" rIns="91426" bIns="45713" numCol="1" rtlCol="0" anchor="ctr" anchorCtr="0" compatLnSpc="1">
+              <a:prstTxWarp prst="textNoShape">
+                <a:avLst/>
+              </a:prstTxWarp>
+            </a:bodyPr>
+            <a:lstStyle/>
+            <a:p>
+              <a:pPr defTabSz="914251"/>
+              <a:endParaRPr lang="ja-JP" altLang="en-US">
+                <a:ln>
+                  <a:solidFill>
+                    <a:srgbClr val="FF5353"/>
+                  </a:solidFill>
+                </a:ln>
+              </a:endParaRPr>
+            </a:p>
+          </p:txBody>
+        </p:sp>
+        <p:cxnSp>
+          <p:nvCxnSpPr>
+            <p:cNvPr id="9" name="直線コネクタ 8">
+              <a:extLst>
+                <a:ext uri="{FF2B5EF4-FFF2-40B4-BE49-F238E27FC236}">
+                  <a16:creationId xmlns:a16="http://schemas.microsoft.com/office/drawing/2014/main" id="{59E591C2-C00D-48E3-ABC6-CFCF840C0BB8}"/>
+                </a:ext>
+              </a:extLst>
+            </p:cNvPr>
+            <p:cNvCxnSpPr>
+              <a:cxnSpLocks/>
+            </p:cNvCxnSpPr>
+            <p:nvPr/>
+          </p:nvCxnSpPr>
+          <p:spPr bwMode="auto">
+            <a:xfrm>
+              <a:off x="3769418" y="3905746"/>
+              <a:ext cx="44947" cy="3673999"/>
+            </a:xfrm>
+            <a:prstGeom prst="line">
+              <a:avLst/>
+            </a:prstGeom>
+            <a:ln w="12700">
+              <a:solidFill>
+                <a:srgbClr val="00B0F0"/>
+              </a:solidFill>
+              <a:prstDash val="dash"/>
+              <a:headEnd type="none" w="med" len="med"/>
+              <a:tailEnd type="none" w="med" len="med"/>
+            </a:ln>
+            <a:extLst>
+              <a:ext uri="{AF507438-7753-43E0-B8FC-AC1667EBCBE1}">
+                <a14:hiddenEffects xmlns:a14="http://schemas.microsoft.com/office/drawing/2010/main">
+                  <a:effectLst>
+                    <a:outerShdw dist="35921" dir="2700000" algn="ctr" rotWithShape="0">
+                      <a:schemeClr val="bg2"/>
+                    </a:outerShdw>
+                  </a:effectLst>
+                </a14:hiddenEffects>
+              </a:ext>
+            </a:extLst>
+          </p:spPr>
+          <p:style>
+            <a:lnRef idx="1">
+              <a:schemeClr val="accent6"/>
+            </a:lnRef>
+            <a:fillRef idx="0">
+              <a:schemeClr val="accent6"/>
+            </a:fillRef>
+            <a:effectRef idx="0">
+              <a:schemeClr val="accent6"/>
+            </a:effectRef>
+            <a:fontRef idx="minor">
+              <a:schemeClr val="tx1"/>
+            </a:fontRef>
+          </p:style>
+        </p:cxnSp>
+        <p:cxnSp>
+          <p:nvCxnSpPr>
+            <p:cNvPr id="10" name="直線コネクタ 9">
+              <a:extLst>
+                <a:ext uri="{FF2B5EF4-FFF2-40B4-BE49-F238E27FC236}">
+                  <a16:creationId xmlns:a16="http://schemas.microsoft.com/office/drawing/2014/main" id="{11FED210-3E54-4989-B8F1-66BC67898A48}"/>
+                </a:ext>
+              </a:extLst>
+            </p:cNvPr>
+            <p:cNvCxnSpPr>
+              <a:cxnSpLocks/>
+            </p:cNvCxnSpPr>
+            <p:nvPr/>
+          </p:nvCxnSpPr>
+          <p:spPr bwMode="auto">
+            <a:xfrm>
+              <a:off x="5281586" y="3921055"/>
+              <a:ext cx="1" cy="3673999"/>
+            </a:xfrm>
+            <a:prstGeom prst="line">
+              <a:avLst/>
+            </a:prstGeom>
+            <a:ln w="12700">
+              <a:solidFill>
+                <a:srgbClr val="00B0F0"/>
+              </a:solidFill>
+              <a:prstDash val="dash"/>
+              <a:headEnd type="none" w="med" len="med"/>
+              <a:tailEnd type="none" w="med" len="med"/>
+            </a:ln>
+            <a:extLst>
+              <a:ext uri="{AF507438-7753-43E0-B8FC-AC1667EBCBE1}">
+                <a14:hiddenEffects xmlns:a14="http://schemas.microsoft.com/office/drawing/2010/main">
+                  <a:effectLst>
+                    <a:outerShdw dist="35921" dir="2700000" algn="ctr" rotWithShape="0">
+                      <a:schemeClr val="bg2"/>
+                    </a:outerShdw>
+                  </a:effectLst>
+                </a14:hiddenEffects>
+              </a:ext>
+            </a:extLst>
+          </p:spPr>
+          <p:style>
+            <a:lnRef idx="1">
+              <a:schemeClr val="accent6"/>
+            </a:lnRef>
+            <a:fillRef idx="0">
+              <a:schemeClr val="accent6"/>
+            </a:fillRef>
+            <a:effectRef idx="0">
+              <a:schemeClr val="accent6"/>
+            </a:effectRef>
+            <a:fontRef idx="minor">
+              <a:schemeClr val="tx1"/>
+            </a:fontRef>
+          </p:style>
+        </p:cxnSp>
+        <p:cxnSp>
+          <p:nvCxnSpPr>
+            <p:cNvPr id="11" name="直線コネクタ 10">
+              <a:extLst>
+                <a:ext uri="{FF2B5EF4-FFF2-40B4-BE49-F238E27FC236}">
+                  <a16:creationId xmlns:a16="http://schemas.microsoft.com/office/drawing/2014/main" id="{58746A49-3050-4518-A47D-F346298CE0A0}"/>
+                </a:ext>
+              </a:extLst>
+            </p:cNvPr>
+            <p:cNvCxnSpPr>
+              <a:cxnSpLocks/>
+            </p:cNvCxnSpPr>
+            <p:nvPr/>
+          </p:nvCxnSpPr>
+          <p:spPr bwMode="auto">
+            <a:xfrm>
+              <a:off x="2329258" y="3929118"/>
+              <a:ext cx="1" cy="3673999"/>
+            </a:xfrm>
+            <a:prstGeom prst="line">
+              <a:avLst/>
+            </a:prstGeom>
+            <a:ln w="12700">
+              <a:solidFill>
+                <a:srgbClr val="00B0F0"/>
+              </a:solidFill>
+              <a:prstDash val="dash"/>
+              <a:headEnd type="none" w="med" len="med"/>
+              <a:tailEnd type="none" w="med" len="med"/>
+            </a:ln>
+            <a:extLst>
+              <a:ext uri="{AF507438-7753-43E0-B8FC-AC1667EBCBE1}">
+                <a14:hiddenEffects xmlns:a14="http://schemas.microsoft.com/office/drawing/2010/main">
+                  <a:effectLst>
+                    <a:outerShdw dist="35921" dir="2700000" algn="ctr" rotWithShape="0">
+                      <a:schemeClr val="bg2"/>
+                    </a:outerShdw>
+                  </a:effectLst>
+                </a14:hiddenEffects>
+              </a:ext>
+            </a:extLst>
+          </p:spPr>
+          <p:style>
+            <a:lnRef idx="1">
+              <a:schemeClr val="accent6"/>
+            </a:lnRef>
+            <a:fillRef idx="0">
+              <a:schemeClr val="accent6"/>
+            </a:fillRef>
+            <a:effectRef idx="0">
+              <a:schemeClr val="accent6"/>
+            </a:effectRef>
+            <a:fontRef idx="minor">
+              <a:schemeClr val="tx1"/>
+            </a:fontRef>
+          </p:style>
+        </p:cxnSp>
+        <p:sp>
+          <p:nvSpPr>
+            <p:cNvPr id="12" name="正方形/長方形 11">
+              <a:extLst>
+                <a:ext uri="{FF2B5EF4-FFF2-40B4-BE49-F238E27FC236}">
+                  <a16:creationId xmlns:a16="http://schemas.microsoft.com/office/drawing/2014/main" id="{9DECE021-E8EA-4E83-B550-D55B4C9FFF48}"/>
+                </a:ext>
+              </a:extLst>
+            </p:cNvPr>
+            <p:cNvSpPr/>
+            <p:nvPr/>
+          </p:nvSpPr>
+          <p:spPr bwMode="auto">
+            <a:xfrm>
+              <a:off x="2616905" y="6754302"/>
+              <a:ext cx="904470" cy="766734"/>
+            </a:xfrm>
+            <a:prstGeom prst="rect">
+              <a:avLst/>
+            </a:prstGeom>
+            <a:solidFill>
+              <a:srgbClr val="FF99FF"/>
+            </a:solidFill>
+            <a:ln>
+              <a:headEnd type="none" w="med" len="med"/>
+              <a:tailEnd type="none" w="med" len="med"/>
+            </a:ln>
+            <a:extLst/>
+          </p:spPr>
+          <p:style>
+            <a:lnRef idx="3">
+              <a:schemeClr val="lt1"/>
+            </a:lnRef>
+            <a:fillRef idx="1">
+              <a:schemeClr val="accent1"/>
+            </a:fillRef>
+            <a:effectRef idx="1">
+              <a:schemeClr val="accent1"/>
+            </a:effectRef>
+            <a:fontRef idx="minor">
+              <a:schemeClr val="lt1"/>
+            </a:fontRef>
+          </p:style>
+          <p:txBody>
+            <a:bodyPr vert="horz" wrap="none" lIns="91440" tIns="45720" rIns="91440" bIns="45720" numCol="1" rtlCol="0" anchor="ctr" anchorCtr="0" compatLnSpc="1">
+              <a:prstTxWarp prst="textNoShape">
+                <a:avLst/>
+              </a:prstTxWarp>
+            </a:bodyPr>
+            <a:lstStyle/>
+            <a:p>
+              <a:r>
+                <a:rPr lang="ja-JP" altLang="en-US" sz="1500" dirty="0">
+                  <a:solidFill>
+                    <a:schemeClr val="tx1"/>
+                  </a:solidFill>
+                  <a:latin typeface="Arial" charset="0"/>
+                </a:rPr>
+                <a:t>時間</a:t>
+              </a:r>
+            </a:p>
+          </p:txBody>
+        </p:sp>
+        <p:sp>
+          <p:nvSpPr>
+            <p:cNvPr id="13" name="正方形/長方形 12">
+              <a:extLst>
+                <a:ext uri="{FF2B5EF4-FFF2-40B4-BE49-F238E27FC236}">
+                  <a16:creationId xmlns:a16="http://schemas.microsoft.com/office/drawing/2014/main" id="{9383FF73-90D3-42DD-BC3B-7F3FD6B34BEA}"/>
+                </a:ext>
+              </a:extLst>
+            </p:cNvPr>
+            <p:cNvSpPr/>
+            <p:nvPr/>
+          </p:nvSpPr>
+          <p:spPr bwMode="auto">
+            <a:xfrm>
+              <a:off x="4009710" y="6754302"/>
+              <a:ext cx="1154307" cy="784845"/>
+            </a:xfrm>
+            <a:prstGeom prst="rect">
+              <a:avLst/>
+            </a:prstGeom>
+            <a:solidFill>
+              <a:srgbClr val="FF99FF"/>
+            </a:solidFill>
+            <a:ln>
+              <a:headEnd type="none" w="med" len="med"/>
+              <a:tailEnd type="none" w="med" len="med"/>
+            </a:ln>
+            <a:extLst/>
+          </p:spPr>
+          <p:style>
+            <a:lnRef idx="3">
+              <a:schemeClr val="lt1"/>
+            </a:lnRef>
+            <a:fillRef idx="1">
+              <a:schemeClr val="accent1"/>
+            </a:fillRef>
+            <a:effectRef idx="1">
+              <a:schemeClr val="accent1"/>
+            </a:effectRef>
+            <a:fontRef idx="minor">
+              <a:schemeClr val="lt1"/>
+            </a:fontRef>
+          </p:style>
+          <p:txBody>
+            <a:bodyPr vert="horz" wrap="none" lIns="91440" tIns="45720" rIns="91440" bIns="45720" numCol="1" rtlCol="0" anchor="ctr" anchorCtr="0" compatLnSpc="1">
+              <a:prstTxWarp prst="textNoShape">
+                <a:avLst/>
+              </a:prstTxWarp>
+            </a:bodyPr>
+            <a:lstStyle/>
+            <a:p>
+              <a:r>
+                <a:rPr lang="ja-JP" altLang="en-US" sz="1500" dirty="0">
+                  <a:solidFill>
+                    <a:schemeClr val="tx1"/>
+                  </a:solidFill>
+                  <a:latin typeface="Arial" charset="0"/>
+                </a:rPr>
+                <a:t>実現したい</a:t>
+              </a:r>
+              <a:endParaRPr lang="en-US" altLang="ja-JP" sz="1500" dirty="0">
+                <a:solidFill>
+                  <a:schemeClr val="tx1"/>
+                </a:solidFill>
+                <a:latin typeface="Arial" charset="0"/>
+              </a:endParaRPr>
+            </a:p>
+            <a:p>
+              <a:r>
+                <a:rPr lang="ja-JP" altLang="en-US" sz="1500" dirty="0">
+                  <a:solidFill>
+                    <a:schemeClr val="tx1"/>
+                  </a:solidFill>
+                  <a:latin typeface="Arial" charset="0"/>
+                </a:rPr>
+                <a:t>こと</a:t>
+              </a:r>
+              <a:endParaRPr lang="en-US" altLang="ja-JP" sz="1500" dirty="0">
+                <a:solidFill>
+                  <a:schemeClr val="tx1"/>
+                </a:solidFill>
+                <a:latin typeface="Arial" charset="0"/>
+              </a:endParaRPr>
+            </a:p>
+          </p:txBody>
+        </p:sp>
+        <p:sp>
+          <p:nvSpPr>
+            <p:cNvPr id="14" name="正方形/長方形 13">
+              <a:extLst>
+                <a:ext uri="{FF2B5EF4-FFF2-40B4-BE49-F238E27FC236}">
+                  <a16:creationId xmlns:a16="http://schemas.microsoft.com/office/drawing/2014/main" id="{CD9080B7-7DDA-4F8F-8486-CA62F83DBF35}"/>
+                </a:ext>
+              </a:extLst>
+            </p:cNvPr>
+            <p:cNvSpPr/>
+            <p:nvPr/>
+          </p:nvSpPr>
+          <p:spPr bwMode="auto">
+            <a:xfrm>
+              <a:off x="5458067" y="6773511"/>
+              <a:ext cx="1243645" cy="728315"/>
+            </a:xfrm>
+            <a:prstGeom prst="rect">
+              <a:avLst/>
+            </a:prstGeom>
+            <a:solidFill>
+              <a:srgbClr val="FF99FF"/>
+            </a:solidFill>
+            <a:ln>
+              <a:headEnd type="none" w="med" len="med"/>
+              <a:tailEnd type="none" w="med" len="med"/>
+            </a:ln>
+            <a:extLst/>
+          </p:spPr>
+          <p:style>
+            <a:lnRef idx="3">
+              <a:schemeClr val="lt1"/>
+            </a:lnRef>
+            <a:fillRef idx="1">
+              <a:schemeClr val="accent1"/>
+            </a:fillRef>
+            <a:effectRef idx="1">
+              <a:schemeClr val="accent1"/>
+            </a:effectRef>
+            <a:fontRef idx="minor">
+              <a:schemeClr val="lt1"/>
+            </a:fontRef>
+          </p:style>
+          <p:txBody>
+            <a:bodyPr vert="horz" wrap="none" lIns="91440" tIns="45720" rIns="91440" bIns="45720" numCol="1" rtlCol="0" anchor="ctr" anchorCtr="0" compatLnSpc="1">
+              <a:prstTxWarp prst="textNoShape">
+                <a:avLst/>
+              </a:prstTxWarp>
+            </a:bodyPr>
+            <a:lstStyle/>
+            <a:p>
+              <a:r>
+                <a:rPr lang="ja-JP" altLang="en-US" sz="1500" dirty="0">
+                  <a:solidFill>
+                    <a:schemeClr val="tx1"/>
+                  </a:solidFill>
+                  <a:latin typeface="Arial" charset="0"/>
+                </a:rPr>
+                <a:t>必要な機能</a:t>
+              </a:r>
+              <a:endParaRPr lang="en-US" altLang="ja-JP" sz="1500" dirty="0">
+                <a:solidFill>
+                  <a:schemeClr val="tx1"/>
+                </a:solidFill>
+                <a:latin typeface="Arial" charset="0"/>
+              </a:endParaRPr>
+            </a:p>
+            <a:p>
+              <a:r>
+                <a:rPr lang="ja-JP" altLang="en-US" sz="1500" dirty="0">
+                  <a:solidFill>
+                    <a:schemeClr val="tx1"/>
+                  </a:solidFill>
+                  <a:latin typeface="Arial" charset="0"/>
+                </a:rPr>
+                <a:t>と制御</a:t>
+              </a:r>
+              <a:endParaRPr lang="en-US" altLang="ja-JP" sz="1500" dirty="0">
+                <a:solidFill>
+                  <a:schemeClr val="tx1"/>
+                </a:solidFill>
+                <a:latin typeface="Arial" charset="0"/>
+              </a:endParaRPr>
+            </a:p>
+          </p:txBody>
+        </p:sp>
+        <p:sp>
+          <p:nvSpPr>
+            <p:cNvPr id="30" name="テキスト ボックス 29">
+              <a:extLst>
+                <a:ext uri="{FF2B5EF4-FFF2-40B4-BE49-F238E27FC236}">
+                  <a16:creationId xmlns:a16="http://schemas.microsoft.com/office/drawing/2014/main" id="{825F097D-4588-4F8F-AA42-B0D77B0F9CE3}"/>
+                </a:ext>
+              </a:extLst>
+            </p:cNvPr>
+            <p:cNvSpPr txBox="1"/>
+            <p:nvPr/>
+          </p:nvSpPr>
+          <p:spPr>
+            <a:xfrm>
+              <a:off x="646907" y="3472241"/>
+              <a:ext cx="1545106" cy="461651"/>
+            </a:xfrm>
+            <a:prstGeom prst="rect">
+              <a:avLst/>
+            </a:prstGeom>
+            <a:solidFill>
+              <a:srgbClr val="FFE7FF"/>
+            </a:solidFill>
+            <a:ln w="28575">
+              <a:solidFill>
+                <a:srgbClr val="FF0000"/>
+              </a:solidFill>
+            </a:ln>
+          </p:spPr>
+          <p:txBody>
+            <a:bodyPr wrap="square" lIns="91426" tIns="45713" rIns="91426" bIns="45713" rtlCol="0">
+              <a:spAutoFit/>
+            </a:bodyPr>
+            <a:lstStyle/>
+            <a:p>
+              <a:r>
+                <a:rPr kumimoji="1" lang="ja-JP" altLang="en-US" sz="2400" b="1" dirty="0"/>
+                <a:t>要求分析</a:t>
+              </a:r>
+            </a:p>
+          </p:txBody>
+        </p:sp>
+        <p:pic>
+          <p:nvPicPr>
+            <p:cNvPr id="3" name="図 2">
+              <a:extLst>
+                <a:ext uri="{FF2B5EF4-FFF2-40B4-BE49-F238E27FC236}">
+                  <a16:creationId xmlns:a16="http://schemas.microsoft.com/office/drawing/2014/main" id="{C9882674-0275-440D-9453-AEE0AC6A3AF4}"/>
+                </a:ext>
+              </a:extLst>
+            </p:cNvPr>
+            <p:cNvPicPr>
+              <a:picLocks noChangeAspect="1"/>
+            </p:cNvPicPr>
+            <p:nvPr/>
+          </p:nvPicPr>
+          <p:blipFill>
+            <a:blip r:embed="rId3">
+              <a:extLst>
+                <a:ext uri="{28A0092B-C50C-407E-A947-70E740481C1C}">
+                  <a14:useLocalDpi xmlns:a14="http://schemas.microsoft.com/office/drawing/2010/main" val="0"/>
+                </a:ext>
+              </a:extLst>
+            </a:blip>
+            <a:stretch>
+              <a:fillRect/>
+            </a:stretch>
+          </p:blipFill>
+          <p:spPr>
+            <a:xfrm>
+              <a:off x="352212" y="3944677"/>
+              <a:ext cx="6441542" cy="2694475"/>
+            </a:xfrm>
+            <a:prstGeom prst="rect">
+              <a:avLst/>
+            </a:prstGeom>
+          </p:spPr>
+        </p:pic>
+        <p:sp>
+          <p:nvSpPr>
+            <p:cNvPr id="34" name="四角形: 角を丸くする 33">
+              <a:extLst>
+                <a:ext uri="{FF2B5EF4-FFF2-40B4-BE49-F238E27FC236}">
+                  <a16:creationId xmlns:a16="http://schemas.microsoft.com/office/drawing/2014/main" id="{9DD4FF66-C078-4F0A-AA25-4C5C5256DFBD}"/>
+                </a:ext>
+              </a:extLst>
+            </p:cNvPr>
+            <p:cNvSpPr/>
+            <p:nvPr/>
+          </p:nvSpPr>
+          <p:spPr>
+            <a:xfrm>
+              <a:off x="5383211" y="3905746"/>
+              <a:ext cx="1429322" cy="432048"/>
+            </a:xfrm>
+            <a:prstGeom prst="roundRect">
+              <a:avLst/>
+            </a:prstGeom>
+            <a:solidFill>
+              <a:srgbClr val="CCECFF">
+                <a:alpha val="41176"/>
+              </a:srgbClr>
+            </a:solidFill>
+            <a:ln>
+              <a:solidFill>
+                <a:srgbClr val="99CCFF"/>
+              </a:solidFill>
+            </a:ln>
+          </p:spPr>
+          <p:style>
+            <a:lnRef idx="2">
+              <a:schemeClr val="accent1">
+                <a:shade val="50000"/>
+              </a:schemeClr>
+            </a:lnRef>
+            <a:fillRef idx="1">
+              <a:schemeClr val="accent1"/>
+            </a:fillRef>
+            <a:effectRef idx="0">
+              <a:schemeClr val="accent1"/>
+            </a:effectRef>
+            <a:fontRef idx="minor">
+              <a:schemeClr val="lt1"/>
+            </a:fontRef>
+          </p:style>
+          <p:txBody>
+            <a:bodyPr rtlCol="0" anchor="ctr"/>
+            <a:lstStyle/>
+            <a:p>
+              <a:pPr algn="ctr"/>
+              <a:endParaRPr kumimoji="1" lang="ja-JP" altLang="en-US"/>
+            </a:p>
+          </p:txBody>
+        </p:sp>
+        <p:sp>
+          <p:nvSpPr>
+            <p:cNvPr id="37" name="四角形: 角を丸くする 36">
+              <a:extLst>
+                <a:ext uri="{FF2B5EF4-FFF2-40B4-BE49-F238E27FC236}">
+                  <a16:creationId xmlns:a16="http://schemas.microsoft.com/office/drawing/2014/main" id="{2C5C874F-2F41-4894-BDD7-482235C2458B}"/>
+                </a:ext>
+              </a:extLst>
+            </p:cNvPr>
+            <p:cNvSpPr/>
+            <p:nvPr/>
+          </p:nvSpPr>
+          <p:spPr>
+            <a:xfrm>
+              <a:off x="5383211" y="4555570"/>
+              <a:ext cx="1429322" cy="540000"/>
+            </a:xfrm>
+            <a:prstGeom prst="roundRect">
+              <a:avLst/>
+            </a:prstGeom>
+            <a:solidFill>
+              <a:srgbClr val="FFE7FF">
+                <a:alpha val="41176"/>
+              </a:srgbClr>
+            </a:solidFill>
+            <a:ln>
+              <a:solidFill>
+                <a:srgbClr val="FFCCCC"/>
+              </a:solidFill>
+            </a:ln>
+          </p:spPr>
+          <p:style>
+            <a:lnRef idx="2">
+              <a:schemeClr val="accent1">
+                <a:shade val="50000"/>
+              </a:schemeClr>
+            </a:lnRef>
+            <a:fillRef idx="1">
+              <a:schemeClr val="accent1"/>
+            </a:fillRef>
+            <a:effectRef idx="0">
+              <a:schemeClr val="accent1"/>
+            </a:effectRef>
+            <a:fontRef idx="minor">
+              <a:schemeClr val="lt1"/>
+            </a:fontRef>
+          </p:style>
+          <p:txBody>
+            <a:bodyPr rtlCol="0" anchor="ctr"/>
+            <a:lstStyle/>
+            <a:p>
+              <a:pPr algn="ctr"/>
+              <a:endParaRPr kumimoji="1" lang="ja-JP" altLang="en-US"/>
+            </a:p>
+          </p:txBody>
+        </p:sp>
+        <p:sp>
+          <p:nvSpPr>
+            <p:cNvPr id="38" name="四角形: 角を丸くする 37">
+              <a:extLst>
+                <a:ext uri="{FF2B5EF4-FFF2-40B4-BE49-F238E27FC236}">
+                  <a16:creationId xmlns:a16="http://schemas.microsoft.com/office/drawing/2014/main" id="{E9B70D76-41E0-4E19-A3BF-8AD444950A08}"/>
+                </a:ext>
+              </a:extLst>
+            </p:cNvPr>
+            <p:cNvSpPr/>
+            <p:nvPr/>
+          </p:nvSpPr>
+          <p:spPr>
+            <a:xfrm>
+              <a:off x="5383211" y="5260061"/>
+              <a:ext cx="1429322" cy="557303"/>
+            </a:xfrm>
+            <a:prstGeom prst="roundRect">
+              <a:avLst/>
+            </a:prstGeom>
+            <a:solidFill>
+              <a:schemeClr val="accent3">
+                <a:lumMod val="40000"/>
+                <a:lumOff val="60000"/>
+                <a:alpha val="40784"/>
+              </a:schemeClr>
+            </a:solidFill>
+            <a:ln>
+              <a:solidFill>
+                <a:srgbClr val="99FF66"/>
+              </a:solidFill>
+            </a:ln>
+          </p:spPr>
+          <p:style>
+            <a:lnRef idx="2">
+              <a:schemeClr val="accent1">
+                <a:shade val="50000"/>
+              </a:schemeClr>
+            </a:lnRef>
+            <a:fillRef idx="1">
+              <a:schemeClr val="accent1"/>
+            </a:fillRef>
+            <a:effectRef idx="0">
+              <a:schemeClr val="accent1"/>
+            </a:effectRef>
+            <a:fontRef idx="minor">
+              <a:schemeClr val="lt1"/>
+            </a:fontRef>
+          </p:style>
+          <p:txBody>
+            <a:bodyPr rtlCol="0" anchor="ctr"/>
+            <a:lstStyle/>
+            <a:p>
+              <a:pPr algn="ctr"/>
+              <a:endParaRPr kumimoji="1" lang="ja-JP" altLang="en-US" b="1" dirty="0"/>
+            </a:p>
+          </p:txBody>
+        </p:sp>
+        <p:sp>
+          <p:nvSpPr>
+            <p:cNvPr id="39" name="四角形: 角を丸くする 38">
+              <a:extLst>
+                <a:ext uri="{FF2B5EF4-FFF2-40B4-BE49-F238E27FC236}">
+                  <a16:creationId xmlns:a16="http://schemas.microsoft.com/office/drawing/2014/main" id="{B8278682-A999-47EB-864E-5A64DBC1C1D2}"/>
+                </a:ext>
+              </a:extLst>
+            </p:cNvPr>
+            <p:cNvSpPr/>
+            <p:nvPr/>
+          </p:nvSpPr>
+          <p:spPr>
+            <a:xfrm>
+              <a:off x="5383211" y="5855612"/>
+              <a:ext cx="1429322" cy="468000"/>
+            </a:xfrm>
+            <a:prstGeom prst="roundRect">
+              <a:avLst/>
+            </a:prstGeom>
+            <a:solidFill>
+              <a:srgbClr val="E6E0EC">
+                <a:alpha val="41176"/>
+              </a:srgbClr>
+            </a:solidFill>
+            <a:ln>
+              <a:solidFill>
+                <a:srgbClr val="9999FF"/>
+              </a:solidFill>
+            </a:ln>
+          </p:spPr>
+          <p:style>
+            <a:lnRef idx="2">
+              <a:schemeClr val="accent1">
+                <a:shade val="50000"/>
+              </a:schemeClr>
+            </a:lnRef>
+            <a:fillRef idx="1">
+              <a:schemeClr val="accent1"/>
+            </a:fillRef>
+            <a:effectRef idx="0">
+              <a:schemeClr val="accent1"/>
+            </a:effectRef>
+            <a:fontRef idx="minor">
+              <a:schemeClr val="lt1"/>
+            </a:fontRef>
+          </p:style>
+          <p:txBody>
+            <a:bodyPr rtlCol="0" anchor="ctr"/>
+            <a:lstStyle/>
+            <a:p>
+              <a:pPr algn="ctr"/>
+              <a:endParaRPr kumimoji="1" lang="ja-JP" altLang="en-US"/>
+            </a:p>
+          </p:txBody>
+        </p:sp>
+        <p:sp>
+          <p:nvSpPr>
+            <p:cNvPr id="40" name="四角形: 角を丸くする 39">
+              <a:extLst>
+                <a:ext uri="{FF2B5EF4-FFF2-40B4-BE49-F238E27FC236}">
+                  <a16:creationId xmlns:a16="http://schemas.microsoft.com/office/drawing/2014/main" id="{CB46362A-988A-402D-AB74-663823BD4423}"/>
+                </a:ext>
+              </a:extLst>
+            </p:cNvPr>
+            <p:cNvSpPr/>
+            <p:nvPr/>
+          </p:nvSpPr>
+          <p:spPr>
+            <a:xfrm>
+              <a:off x="5401294" y="6358467"/>
+              <a:ext cx="1429322" cy="216673"/>
+            </a:xfrm>
+            <a:prstGeom prst="roundRect">
+              <a:avLst/>
+            </a:prstGeom>
+            <a:solidFill>
+              <a:schemeClr val="accent6">
+                <a:lumMod val="40000"/>
+                <a:lumOff val="60000"/>
+                <a:alpha val="41176"/>
+              </a:schemeClr>
+            </a:solidFill>
+            <a:ln>
+              <a:solidFill>
+                <a:srgbClr val="FFCC33"/>
+              </a:solidFill>
+            </a:ln>
+          </p:spPr>
+          <p:style>
+            <a:lnRef idx="2">
+              <a:schemeClr val="accent1">
+                <a:shade val="50000"/>
+              </a:schemeClr>
+            </a:lnRef>
+            <a:fillRef idx="1">
+              <a:schemeClr val="accent1"/>
+            </a:fillRef>
+            <a:effectRef idx="0">
+              <a:schemeClr val="accent1"/>
+            </a:effectRef>
+            <a:fontRef idx="minor">
+              <a:schemeClr val="lt1"/>
+            </a:fontRef>
+          </p:style>
+          <p:txBody>
+            <a:bodyPr rtlCol="0" anchor="ctr"/>
+            <a:lstStyle/>
+            <a:p>
+              <a:pPr algn="ctr"/>
+              <a:endParaRPr kumimoji="1" lang="ja-JP" altLang="en-US"/>
+            </a:p>
+          </p:txBody>
+        </p:sp>
+      </p:grpSp>
+      <p:grpSp>
+        <p:nvGrpSpPr>
+          <p:cNvPr id="2" name="グループ化 1">
+            <a:extLst>
+              <a:ext uri="{FF2B5EF4-FFF2-40B4-BE49-F238E27FC236}">
+                <a16:creationId xmlns:a16="http://schemas.microsoft.com/office/drawing/2014/main" id="{6A95955B-FB88-4057-9047-590447CC9483}"/>
+              </a:ext>
+            </a:extLst>
+          </p:cNvPr>
+          <p:cNvGrpSpPr/>
+          <p:nvPr/>
+        </p:nvGrpSpPr>
+        <p:grpSpPr>
+          <a:xfrm>
+            <a:off x="9772446" y="4393029"/>
+            <a:ext cx="4844014" cy="6210482"/>
+            <a:chOff x="7964453" y="4072829"/>
+            <a:chExt cx="5015365" cy="6430170"/>
+          </a:xfrm>
+        </p:grpSpPr>
+        <p:sp>
+          <p:nvSpPr>
+            <p:cNvPr id="46" name="四角形: 角を丸くする 45">
+              <a:extLst>
+                <a:ext uri="{FF2B5EF4-FFF2-40B4-BE49-F238E27FC236}">
+                  <a16:creationId xmlns:a16="http://schemas.microsoft.com/office/drawing/2014/main" id="{C54D97E5-BBED-4B62-AEAC-5E6EA86D6D58}"/>
+                </a:ext>
+              </a:extLst>
+            </p:cNvPr>
+            <p:cNvSpPr/>
+            <p:nvPr/>
+          </p:nvSpPr>
+          <p:spPr bwMode="auto">
+            <a:xfrm>
+              <a:off x="7964453" y="4072829"/>
+              <a:ext cx="5015365" cy="6430170"/>
+            </a:xfrm>
+            <a:prstGeom prst="roundRect">
+              <a:avLst>
+                <a:gd name="adj" fmla="val 6556"/>
+              </a:avLst>
+            </a:prstGeom>
+            <a:solidFill>
+              <a:srgbClr val="99FF66"/>
+            </a:solidFill>
+            <a:ln w="9525" cap="flat" cmpd="sng" algn="ctr">
+              <a:solidFill>
+                <a:schemeClr val="tx1"/>
+              </a:solidFill>
+              <a:prstDash val="solid"/>
+              <a:round/>
+              <a:headEnd type="none" w="med" len="med"/>
+              <a:tailEnd type="none" w="med" len="med"/>
+            </a:ln>
+            <a:effectLst/>
+            <a:extLst/>
+          </p:spPr>
+          <p:txBody>
+            <a:bodyPr vert="horz" wrap="none" lIns="91426" tIns="45713" rIns="91426" bIns="45713" numCol="1" rtlCol="0" anchor="ctr" anchorCtr="0" compatLnSpc="1">
+              <a:prstTxWarp prst="textNoShape">
+                <a:avLst/>
+              </a:prstTxWarp>
+            </a:bodyPr>
+            <a:lstStyle/>
+            <a:p>
+              <a:pPr defTabSz="914251"/>
+              <a:endParaRPr lang="ja-JP" altLang="en-US"/>
+            </a:p>
+          </p:txBody>
+        </p:sp>
+        <p:pic>
+          <p:nvPicPr>
+            <p:cNvPr id="33" name="図 32">
+              <a:extLst>
+                <a:ext uri="{FF2B5EF4-FFF2-40B4-BE49-F238E27FC236}">
+                  <a16:creationId xmlns:a16="http://schemas.microsoft.com/office/drawing/2014/main" id="{2834547B-4943-4986-AE02-109490D0F375}"/>
+                </a:ext>
+              </a:extLst>
+            </p:cNvPr>
+            <p:cNvPicPr>
+              <a:picLocks noChangeAspect="1"/>
+            </p:cNvPicPr>
+            <p:nvPr/>
+          </p:nvPicPr>
+          <p:blipFill rotWithShape="1">
+            <a:blip r:embed="rId4">
+              <a:extLst>
+                <a:ext uri="{28A0092B-C50C-407E-A947-70E740481C1C}">
+                  <a14:useLocalDpi xmlns:a14="http://schemas.microsoft.com/office/drawing/2010/main" val="0"/>
+                </a:ext>
+              </a:extLst>
+            </a:blip>
+            <a:srcRect l="3259" t="5819" r="6396" b="3493"/>
+            <a:stretch/>
+          </p:blipFill>
+          <p:spPr>
+            <a:xfrm>
+              <a:off x="8149104" y="4457300"/>
+              <a:ext cx="4629740" cy="5939512"/>
+            </a:xfrm>
+            <a:prstGeom prst="rect">
+              <a:avLst/>
+            </a:prstGeom>
+          </p:spPr>
+        </p:pic>
+        <p:sp>
+          <p:nvSpPr>
+            <p:cNvPr id="47" name="テキスト ボックス 46">
+              <a:extLst>
+                <a:ext uri="{FF2B5EF4-FFF2-40B4-BE49-F238E27FC236}">
+                  <a16:creationId xmlns:a16="http://schemas.microsoft.com/office/drawing/2014/main" id="{723A821E-E17B-4442-9D32-4CB9514B03B0}"/>
+                </a:ext>
+              </a:extLst>
+            </p:cNvPr>
+            <p:cNvSpPr txBox="1"/>
+            <p:nvPr/>
+          </p:nvSpPr>
+          <p:spPr>
+            <a:xfrm>
+              <a:off x="8144150" y="4164920"/>
+              <a:ext cx="1394905" cy="584761"/>
+            </a:xfrm>
+            <a:prstGeom prst="rect">
+              <a:avLst/>
+            </a:prstGeom>
+            <a:noFill/>
+          </p:spPr>
+          <p:txBody>
+            <a:bodyPr wrap="none" lIns="91426" tIns="45713" rIns="91426" bIns="45713" rtlCol="0">
+              <a:spAutoFit/>
+            </a:bodyPr>
+            <a:lstStyle/>
+            <a:p>
+              <a:r>
+                <a:rPr kumimoji="1" lang="ja-JP" altLang="en-US" sz="1600" b="1" dirty="0"/>
+                <a:t>ライントレース</a:t>
+              </a:r>
+              <a:endParaRPr kumimoji="1" lang="en-US" altLang="ja-JP" sz="1600" b="1" dirty="0"/>
+            </a:p>
+            <a:p>
+              <a:endParaRPr kumimoji="1" lang="ja-JP" altLang="en-US" sz="1600" b="1" dirty="0"/>
+            </a:p>
+          </p:txBody>
+        </p:sp>
+      </p:grpSp>
+      <p:grpSp>
+        <p:nvGrpSpPr>
+          <p:cNvPr id="41" name="グループ化 40">
+            <a:extLst>
+              <a:ext uri="{FF2B5EF4-FFF2-40B4-BE49-F238E27FC236}">
+                <a16:creationId xmlns:a16="http://schemas.microsoft.com/office/drawing/2014/main" id="{CC34BED1-91F1-42C3-81A0-93B962D84138}"/>
+              </a:ext>
+            </a:extLst>
+          </p:cNvPr>
+          <p:cNvGrpSpPr/>
+          <p:nvPr/>
+        </p:nvGrpSpPr>
+        <p:grpSpPr>
+          <a:xfrm>
+            <a:off x="10331977" y="100085"/>
+            <a:ext cx="3724952" cy="4248472"/>
+            <a:chOff x="7148367" y="3689723"/>
+            <a:chExt cx="3579660" cy="4032447"/>
+          </a:xfrm>
+        </p:grpSpPr>
+        <p:grpSp>
+          <p:nvGrpSpPr>
+            <p:cNvPr id="22" name="グループ化 21">
+              <a:extLst>
+                <a:ext uri="{FF2B5EF4-FFF2-40B4-BE49-F238E27FC236}">
+                  <a16:creationId xmlns:a16="http://schemas.microsoft.com/office/drawing/2014/main" id="{5EC8724F-0194-4A73-AA64-646C1B4A511E}"/>
+                </a:ext>
+              </a:extLst>
+            </p:cNvPr>
+            <p:cNvGrpSpPr/>
+            <p:nvPr/>
+          </p:nvGrpSpPr>
+          <p:grpSpPr>
+            <a:xfrm>
+              <a:off x="7148367" y="3689723"/>
+              <a:ext cx="3579660" cy="4032447"/>
+              <a:chOff x="9503891" y="3645924"/>
+              <a:chExt cx="5112568" cy="6524518"/>
+            </a:xfrm>
+          </p:grpSpPr>
+          <p:sp>
+            <p:nvSpPr>
+              <p:cNvPr id="32" name="四角形: 角を丸くする 31">
+                <a:extLst>
+                  <a:ext uri="{FF2B5EF4-FFF2-40B4-BE49-F238E27FC236}">
+                    <a16:creationId xmlns:a16="http://schemas.microsoft.com/office/drawing/2014/main" id="{2CB54470-E1EE-4955-BF14-A25A1992B9AE}"/>
+                  </a:ext>
+                </a:extLst>
+              </p:cNvPr>
+              <p:cNvSpPr/>
+              <p:nvPr/>
+            </p:nvSpPr>
+            <p:spPr bwMode="auto">
+              <a:xfrm>
+                <a:off x="9503891" y="3645924"/>
+                <a:ext cx="5112568" cy="6524518"/>
+              </a:xfrm>
+              <a:prstGeom prst="roundRect">
+                <a:avLst>
+                  <a:gd name="adj" fmla="val 6556"/>
+                </a:avLst>
+              </a:prstGeom>
+              <a:solidFill>
+                <a:schemeClr val="accent6">
+                  <a:lumMod val="60000"/>
+                  <a:lumOff val="40000"/>
+                </a:schemeClr>
+              </a:solidFill>
+              <a:ln w="9525" cap="flat" cmpd="sng" algn="ctr">
+                <a:solidFill>
+                  <a:schemeClr val="tx1"/>
+                </a:solidFill>
+                <a:prstDash val="solid"/>
+                <a:round/>
+                <a:headEnd type="none" w="med" len="med"/>
+                <a:tailEnd type="none" w="med" len="med"/>
+              </a:ln>
+              <a:effectLst/>
+              <a:extLst>
+                <a:ext uri="{AF507438-7753-43E0-B8FC-AC1667EBCBE1}">
+                  <a14:hiddenEffects xmlns:a14="http://schemas.microsoft.com/office/drawing/2010/main">
+                    <a:effectLst>
+                      <a:outerShdw dist="35921" dir="2700000" algn="ctr" rotWithShape="0">
+                        <a:schemeClr val="bg2"/>
+                      </a:outerShdw>
+                    </a:effectLst>
+                  </a14:hiddenEffects>
+                </a:ext>
+              </a:extLst>
+            </p:spPr>
+            <p:txBody>
+              <a:bodyPr vert="horz" wrap="none" lIns="91426" tIns="45713" rIns="91426" bIns="45713" numCol="1" rtlCol="0" anchor="ctr" anchorCtr="0" compatLnSpc="1">
+                <a:prstTxWarp prst="textNoShape">
+                  <a:avLst/>
+                </a:prstTxWarp>
+              </a:bodyPr>
+              <a:lstStyle/>
+              <a:p>
+                <a:pPr defTabSz="914251"/>
+                <a:endParaRPr lang="ja-JP" altLang="en-US"/>
+              </a:p>
+            </p:txBody>
+          </p:sp>
+          <p:sp>
+            <p:nvSpPr>
+              <p:cNvPr id="25" name="テキスト ボックス 24">
+                <a:extLst>
+                  <a:ext uri="{FF2B5EF4-FFF2-40B4-BE49-F238E27FC236}">
+                    <a16:creationId xmlns:a16="http://schemas.microsoft.com/office/drawing/2014/main" id="{825F097D-4588-4F8F-AA42-B0D77B0F9CE3}"/>
+                  </a:ext>
+                </a:extLst>
+              </p:cNvPr>
+              <p:cNvSpPr txBox="1"/>
+              <p:nvPr/>
+            </p:nvSpPr>
+            <p:spPr>
+              <a:xfrm>
+                <a:off x="10029612" y="3783230"/>
+                <a:ext cx="1970383" cy="338540"/>
+              </a:xfrm>
+              <a:prstGeom prst="rect">
+                <a:avLst/>
+              </a:prstGeom>
+              <a:noFill/>
+            </p:spPr>
+            <p:txBody>
+              <a:bodyPr wrap="none" lIns="91426" tIns="45713" rIns="91426" bIns="45713" rtlCol="0">
+                <a:spAutoFit/>
+              </a:bodyPr>
+              <a:lstStyle/>
+              <a:p>
+                <a:r>
+                  <a:rPr kumimoji="1" lang="ja-JP" altLang="en-US" sz="1600" b="1" dirty="0"/>
+                  <a:t>全体アクティビティ図</a:t>
+                </a:r>
+              </a:p>
+            </p:txBody>
+          </p:sp>
+        </p:grpSp>
+        <p:pic>
+          <p:nvPicPr>
+            <p:cNvPr id="21" name="図 20">
+              <a:extLst>
+                <a:ext uri="{FF2B5EF4-FFF2-40B4-BE49-F238E27FC236}">
+                  <a16:creationId xmlns:a16="http://schemas.microsoft.com/office/drawing/2014/main" id="{5B84E09A-506B-45CE-A672-132EBE4C1DE4}"/>
+                </a:ext>
+              </a:extLst>
+            </p:cNvPr>
+            <p:cNvPicPr>
+              <a:picLocks noChangeAspect="1"/>
+            </p:cNvPicPr>
+            <p:nvPr/>
+          </p:nvPicPr>
+          <p:blipFill rotWithShape="1">
+            <a:blip r:embed="rId5">
+              <a:extLst>
+                <a:ext uri="{28A0092B-C50C-407E-A947-70E740481C1C}">
+                  <a14:useLocalDpi xmlns:a14="http://schemas.microsoft.com/office/drawing/2010/main" val="0"/>
+                </a:ext>
+              </a:extLst>
+            </a:blip>
+            <a:srcRect l="8421" t="10134" r="3954" b="5673"/>
+            <a:stretch/>
+          </p:blipFill>
+          <p:spPr>
+            <a:xfrm>
+              <a:off x="7271643" y="4134195"/>
+              <a:ext cx="3338535" cy="3419232"/>
+            </a:xfrm>
+            <a:prstGeom prst="rect">
+              <a:avLst/>
+            </a:prstGeom>
+          </p:spPr>
+        </p:pic>
+      </p:grpSp>
+      <p:sp>
+        <p:nvSpPr>
+          <p:cNvPr id="31" name="二等辺三角形 30">
+            <a:extLst>
+              <a:ext uri="{FF2B5EF4-FFF2-40B4-BE49-F238E27FC236}">
+                <a16:creationId xmlns:a16="http://schemas.microsoft.com/office/drawing/2014/main" id="{A4243E94-9E24-4BB2-8706-BAB71964FF68}"/>
+              </a:ext>
+            </a:extLst>
+          </p:cNvPr>
+          <p:cNvSpPr/>
+          <p:nvPr/>
+        </p:nvSpPr>
+        <p:spPr>
+          <a:xfrm rot="14940531">
+            <a:off x="10237481" y="2611690"/>
+            <a:ext cx="2005493" cy="2663171"/>
+          </a:xfrm>
+          <a:prstGeom prst="triangle">
+            <a:avLst/>
+          </a:prstGeom>
+          <a:solidFill>
+            <a:srgbClr val="92D050">
+              <a:alpha val="50000"/>
+            </a:srgbClr>
+          </a:solidFill>
+          <a:ln>
+            <a:noFill/>
+          </a:ln>
+        </p:spPr>
+        <p:style>
+          <a:lnRef idx="2">
+            <a:schemeClr val="accent1">
+              <a:shade val="50000"/>
+            </a:schemeClr>
+          </a:lnRef>
+          <a:fillRef idx="1">
+            <a:schemeClr val="accent1"/>
+          </a:fillRef>
+          <a:effectRef idx="0">
+            <a:schemeClr val="accent1"/>
+          </a:effectRef>
+          <a:fontRef idx="minor">
+            <a:schemeClr val="lt1"/>
+          </a:fontRef>
+        </p:style>
+        <p:txBody>
+          <a:bodyPr rtlCol="0" anchor="ctr"/>
+          <a:lstStyle/>
+          <a:p>
+            <a:pPr algn="ctr"/>
+            <a:endParaRPr kumimoji="1" lang="ja-JP" altLang="en-US"/>
+          </a:p>
+        </p:txBody>
+      </p:sp>
+    </p:spTree>
+    <p:extLst>
+      <p:ext uri="{BB962C8B-B14F-4D97-AF65-F5344CB8AC3E}">
+        <p14:creationId xmlns:p14="http://schemas.microsoft.com/office/powerpoint/2010/main" val="500795198"/>
+      </p:ext>
+    </p:extLst>
+  </p:cSld>
+  <p:clrMapOvr>
+    <a:masterClrMapping/>
+  </p:clrMapOvr>
+</p:sld>
+</file>
+
+<file path=ppt/slides/slide2.xml><?xml version="1.0" encoding="utf-8"?>
+<p:sld xmlns:a="http://schemas.openxmlformats.org/drawingml/2006/main" xmlns:r="http://schemas.openxmlformats.org/officeDocument/2006/relationships" xmlns:p="http://schemas.openxmlformats.org/presentationml/2006/main">
+  <p:cSld>
+    <p:spTree>
+      <p:nvGrpSpPr>
+        <p:cNvPr id="1" name=""/>
+        <p:cNvGrpSpPr/>
+        <p:nvPr/>
+      </p:nvGrpSpPr>
+      <p:grpSpPr>
+        <a:xfrm>
+          <a:off x="0" y="0"/>
+          <a:ext cx="0" cy="0"/>
+          <a:chOff x="0" y="0"/>
+          <a:chExt cx="0" cy="0"/>
+        </a:xfrm>
+      </p:grpSpPr>
+      <p:pic>
+        <p:nvPicPr>
+          <p:cNvPr id="17" name="図 16">
+            <a:extLst>
+              <a:ext uri="{FF2B5EF4-FFF2-40B4-BE49-F238E27FC236}">
+                <a16:creationId xmlns:a16="http://schemas.microsoft.com/office/drawing/2014/main" id="{941037DB-80F2-4BEF-996D-576EFE192768}"/>
+              </a:ext>
+            </a:extLst>
+          </p:cNvPr>
+          <p:cNvPicPr>
+            <a:picLocks noChangeAspect="1"/>
+          </p:cNvPicPr>
+          <p:nvPr/>
+        </p:nvPicPr>
+        <p:blipFill rotWithShape="1">
+          <a:blip r:embed="rId2">
+            <a:extLst>
+              <a:ext uri="{28A0092B-C50C-407E-A947-70E740481C1C}">
+                <a14:useLocalDpi xmlns:a14="http://schemas.microsoft.com/office/drawing/2010/main" val="0"/>
+              </a:ext>
+            </a:extLst>
+          </a:blip>
+          <a:srcRect l="8421" t="10134" r="3954" b="5673"/>
+          <a:stretch/>
+        </p:blipFill>
+        <p:spPr>
+          <a:xfrm>
+            <a:off x="6110562" y="2463092"/>
+            <a:ext cx="3474040" cy="3602406"/>
+          </a:xfrm>
+          <a:prstGeom prst="rect">
+            <a:avLst/>
+          </a:prstGeom>
+        </p:spPr>
+      </p:pic>
+      <p:pic>
+        <p:nvPicPr>
+          <p:cNvPr id="13" name="Picture 2"/>
+          <p:cNvPicPr>
+            <a:picLocks noChangeAspect="1" noChangeArrowheads="1"/>
+          </p:cNvPicPr>
+          <p:nvPr/>
+        </p:nvPicPr>
+        <p:blipFill>
+          <a:blip r:embed="rId3">
+            <a:extLst>
+              <a:ext uri="{28A0092B-C50C-407E-A947-70E740481C1C}">
+                <a14:useLocalDpi xmlns:a14="http://schemas.microsoft.com/office/drawing/2010/main" val="0"/>
+              </a:ext>
+            </a:extLst>
+          </a:blip>
+          <a:srcRect/>
+          <a:stretch>
+            <a:fillRect/>
+          </a:stretch>
+        </p:blipFill>
+        <p:spPr bwMode="auto">
+          <a:xfrm rot="20170630">
+            <a:off x="148768" y="863613"/>
+            <a:ext cx="1053100" cy="1053098"/>
+          </a:xfrm>
+          <a:prstGeom prst="rect">
+            <a:avLst/>
+          </a:prstGeom>
+          <a:noFill/>
+          <a:ln>
+            <a:noFill/>
+          </a:ln>
+          <a:effectLst/>
+          <a:extLst>
+            <a:ext uri="{909E8E84-426E-40DD-AFC4-6F175D3DCCD1}">
+              <a14:hiddenFill xmlns:a14="http://schemas.microsoft.com/office/drawing/2010/main">
+                <a:solidFill>
+                  <a:schemeClr val="accent1"/>
+                </a:solidFill>
+              </a14:hiddenFill>
+            </a:ext>
+            <a:ext uri="{91240B29-F687-4F45-9708-019B960494DF}">
+              <a14:hiddenLine xmlns:a14="http://schemas.microsoft.com/office/drawing/2010/main" w="9525">
+                <a:solidFill>
+                  <a:schemeClr val="tx1"/>
+                </a:solidFill>
+                <a:miter lim="800000"/>
+                <a:headEnd/>
+                <a:tailEnd/>
+              </a14:hiddenLine>
+            </a:ext>
+            <a:ext uri="{AF507438-7753-43E0-B8FC-AC1667EBCBE1}">
+              <a14:hiddenEffects xmlns:a14="http://schemas.microsoft.com/office/drawing/2010/main">
+                <a:effectLst>
+                  <a:outerShdw dist="35921" dir="2700000" algn="ctr" rotWithShape="0">
+                    <a:schemeClr val="bg2"/>
+                  </a:outerShdw>
+                </a:effectLst>
+              </a14:hiddenEffects>
+            </a:ext>
+          </a:extLst>
+        </p:spPr>
+      </p:pic>
+      <p:sp>
+        <p:nvSpPr>
           <p:cNvPr id="11" name="四角形: 角を丸くする 10">
             <a:extLst>
               <a:ext uri="{FF2B5EF4-FFF2-40B4-BE49-F238E27FC236}">
-                <a16:creationId xmlns="" xmlns:a16="http://schemas.microsoft.com/office/drawing/2014/main" id="{8D728D74-7BE4-4AAF-9546-CBEB3D136285}"/>
+                <a16:creationId xmlns:a16="http://schemas.microsoft.com/office/drawing/2014/main" id="{8D728D74-7BE4-4AAF-9546-CBEB3D136285}"/>
               </a:ext>
             </a:extLst>
           </p:cNvPr>
@@ -5367,7 +5796,7 @@
           <p:cNvPr id="12" name="テキスト ボックス 11">
             <a:extLst>
               <a:ext uri="{FF2B5EF4-FFF2-40B4-BE49-F238E27FC236}">
-                <a16:creationId xmlns="" xmlns:a16="http://schemas.microsoft.com/office/drawing/2014/main" id="{6DAB8946-024A-424B-9B7B-03ED2B52099B}"/>
+                <a16:creationId xmlns:a16="http://schemas.microsoft.com/office/drawing/2014/main" id="{6DAB8946-024A-424B-9B7B-03ED2B52099B}"/>
               </a:ext>
             </a:extLst>
           </p:cNvPr>
@@ -5391,12 +5820,8 @@
           <a:lstStyle/>
           <a:p>
             <a:r>
-              <a:rPr kumimoji="1" lang="ja-JP" altLang="en-US" sz="1600" b="1" dirty="0" smtClean="0"/>
-              <a:t>コース復帰</a:t>
-            </a:r>
-            <a:r>
               <a:rPr kumimoji="1" lang="ja-JP" altLang="en-US" sz="1600" b="1" dirty="0"/>
-              <a:t>動作</a:t>
+              <a:t>コース復帰動作</a:t>
             </a:r>
           </a:p>
         </p:txBody>
@@ -5406,7 +5831,7 @@
           <p:cNvPr id="3" name="四角形: 角を丸くする 2">
             <a:extLst>
               <a:ext uri="{FF2B5EF4-FFF2-40B4-BE49-F238E27FC236}">
-                <a16:creationId xmlns="" xmlns:a16="http://schemas.microsoft.com/office/drawing/2014/main" id="{2B99B1EA-17D2-4495-A343-2A1713BC8495}"/>
+                <a16:creationId xmlns:a16="http://schemas.microsoft.com/office/drawing/2014/main" id="{2B99B1EA-17D2-4495-A343-2A1713BC8495}"/>
               </a:ext>
             </a:extLst>
           </p:cNvPr>
@@ -5456,7 +5881,7 @@
           <p:cNvPr id="2" name="タイトル 1">
             <a:extLst>
               <a:ext uri="{FF2B5EF4-FFF2-40B4-BE49-F238E27FC236}">
-                <a16:creationId xmlns="" xmlns:a16="http://schemas.microsoft.com/office/drawing/2014/main" id="{00985285-FEFA-4CC6-9C7D-D07529FB9C08}"/>
+                <a16:creationId xmlns:a16="http://schemas.microsoft.com/office/drawing/2014/main" id="{00985285-FEFA-4CC6-9C7D-D07529FB9C08}"/>
               </a:ext>
             </a:extLst>
           </p:cNvPr>
@@ -5479,7 +5904,7 @@
               <a:t>2</a:t>
             </a:r>
             <a:r>
-              <a:rPr kumimoji="1" lang="en-US" altLang="ja-JP" dirty="0" smtClean="0"/>
+              <a:rPr kumimoji="1" lang="en-US" altLang="ja-JP" dirty="0"/>
               <a:t>. </a:t>
             </a:r>
             <a:r>
@@ -5489,47 +5914,12 @@
           </a:p>
         </p:txBody>
       </p:sp>
-      <p:pic>
-        <p:nvPicPr>
-          <p:cNvPr id="5" name="図 4">
-            <a:extLst>
-              <a:ext uri="{FF2B5EF4-FFF2-40B4-BE49-F238E27FC236}">
-                <a16:creationId xmlns="" xmlns:a16="http://schemas.microsoft.com/office/drawing/2014/main" id="{ED4E47EA-F070-470B-B67E-DCC075665A33}"/>
-              </a:ext>
-            </a:extLst>
-          </p:cNvPr>
-          <p:cNvPicPr>
-            <a:picLocks noChangeAspect="1"/>
-          </p:cNvPicPr>
-          <p:nvPr/>
-        </p:nvPicPr>
-        <p:blipFill rotWithShape="1">
-          <a:blip r:embed="rId3">
-            <a:extLst>
-              <a:ext uri="{28A0092B-C50C-407E-A947-70E740481C1C}">
-                <a14:useLocalDpi xmlns:a14="http://schemas.microsoft.com/office/drawing/2010/main" val="0"/>
-              </a:ext>
-            </a:extLst>
-          </a:blip>
-          <a:srcRect l="3748" t="4110" r="2435" b="3175"/>
-          <a:stretch/>
-        </p:blipFill>
-        <p:spPr>
-          <a:xfrm>
-            <a:off x="184218" y="2364547"/>
-            <a:ext cx="5885548" cy="8122961"/>
-          </a:xfrm>
-          <a:prstGeom prst="rect">
-            <a:avLst/>
-          </a:prstGeom>
-        </p:spPr>
-      </p:pic>
       <p:pic>
         <p:nvPicPr>
           <p:cNvPr id="7" name="図 6">
             <a:extLst>
               <a:ext uri="{FF2B5EF4-FFF2-40B4-BE49-F238E27FC236}">
-                <a16:creationId xmlns="" xmlns:a16="http://schemas.microsoft.com/office/drawing/2014/main" id="{5DC6CF66-20C4-42F3-B60B-C501E9888B57}"/>
+                <a16:creationId xmlns:a16="http://schemas.microsoft.com/office/drawing/2014/main" id="{5DC6CF66-20C4-42F3-B60B-C501E9888B57}"/>
               </a:ext>
             </a:extLst>
           </p:cNvPr>
@@ -5559,47 +5949,12 @@
           </a:prstGeom>
         </p:spPr>
       </p:pic>
-      <p:pic>
-        <p:nvPicPr>
-          <p:cNvPr id="8" name="図 7">
-            <a:extLst>
-              <a:ext uri="{FF2B5EF4-FFF2-40B4-BE49-F238E27FC236}">
-                <a16:creationId xmlns="" xmlns:a16="http://schemas.microsoft.com/office/drawing/2014/main" id="{437CF701-064E-49D7-AD2F-938C11165724}"/>
-              </a:ext>
-            </a:extLst>
-          </p:cNvPr>
-          <p:cNvPicPr>
-            <a:picLocks noChangeAspect="1"/>
-          </p:cNvPicPr>
-          <p:nvPr/>
-        </p:nvPicPr>
-        <p:blipFill rotWithShape="1">
-          <a:blip r:embed="rId5">
-            <a:extLst>
-              <a:ext uri="{28A0092B-C50C-407E-A947-70E740481C1C}">
-                <a14:useLocalDpi xmlns:a14="http://schemas.microsoft.com/office/drawing/2010/main" val="0"/>
-              </a:ext>
-            </a:extLst>
-          </a:blip>
-          <a:srcRect l="8937" t="9934" r="5345" b="6206"/>
-          <a:stretch/>
-        </p:blipFill>
-        <p:spPr>
-          <a:xfrm>
-            <a:off x="6257127" y="2147027"/>
-            <a:ext cx="3096343" cy="3744415"/>
-          </a:xfrm>
-          <a:prstGeom prst="rect">
-            <a:avLst/>
-          </a:prstGeom>
-        </p:spPr>
-      </p:pic>
       <p:sp>
         <p:nvSpPr>
           <p:cNvPr id="14" name="テキスト ボックス 13">
             <a:extLst>
               <a:ext uri="{FF2B5EF4-FFF2-40B4-BE49-F238E27FC236}">
-                <a16:creationId xmlns="" xmlns:a16="http://schemas.microsoft.com/office/drawing/2014/main" id="{6D709A13-6AAF-442E-AD6F-978BDC42B238}"/>
+                <a16:creationId xmlns:a16="http://schemas.microsoft.com/office/drawing/2014/main" id="{6D709A13-6AAF-442E-AD6F-978BDC42B238}"/>
               </a:ext>
             </a:extLst>
           </p:cNvPr>
@@ -5624,50 +5979,18 @@
           <a:p>
             <a:pPr algn="l"/>
             <a:r>
-              <a:rPr kumimoji="1" lang="ja-JP" altLang="en-US" sz="1600" dirty="0" smtClean="0"/>
-              <a:t>コース復帰</a:t>
-            </a:r>
-            <a:r>
               <a:rPr kumimoji="1" lang="ja-JP" altLang="en-US" sz="1600" dirty="0"/>
-              <a:t>制御を実現するためには</a:t>
-            </a:r>
-            <a:r>
-              <a:rPr kumimoji="1" lang="ja-JP" altLang="en-US" sz="1600" dirty="0" smtClean="0"/>
-              <a:t>、コース離脱</a:t>
-            </a:r>
+              <a:t>コース復帰制御を実現するためには、コース離脱判定とコース復帰動作を実現する必要がある。</a:t>
+            </a:r>
+            <a:endParaRPr kumimoji="1" lang="en-US" altLang="ja-JP" sz="1600" dirty="0"/>
+          </a:p>
+          <a:p>
+            <a:pPr algn="l"/>
             <a:r>
               <a:rPr kumimoji="1" lang="ja-JP" altLang="en-US" sz="1600" dirty="0"/>
-              <a:t>判定</a:t>
-            </a:r>
-            <a:r>
-              <a:rPr kumimoji="1" lang="ja-JP" altLang="en-US" sz="1600" dirty="0" smtClean="0"/>
-              <a:t>とコース復帰</a:t>
-            </a:r>
-            <a:r>
-              <a:rPr kumimoji="1" lang="ja-JP" altLang="en-US" sz="1600" dirty="0"/>
-              <a:t>動作を実現する必要がある。</a:t>
+              <a:t>コース離脱判定と復帰動作それぞれのアクティビティ図を以下に示す。</a:t>
             </a:r>
             <a:endParaRPr kumimoji="1" lang="en-US" altLang="ja-JP" sz="1600" dirty="0"/>
-          </a:p>
-          <a:p>
-            <a:pPr algn="l"/>
-            <a:r>
-              <a:rPr kumimoji="1" lang="ja-JP" altLang="en-US" sz="1600" dirty="0" smtClean="0"/>
-              <a:t>コース離脱</a:t>
-            </a:r>
-            <a:r>
-              <a:rPr kumimoji="1" lang="ja-JP" altLang="en-US" sz="1600" dirty="0" smtClean="0"/>
-              <a:t>判定と復帰動作それぞれのアクティビティ図を以下に</a:t>
-            </a:r>
-            <a:r>
-              <a:rPr kumimoji="1" lang="ja-JP" altLang="en-US" sz="1600" dirty="0" smtClean="0"/>
-              <a:t>示す</a:t>
-            </a:r>
-            <a:r>
-              <a:rPr kumimoji="1" lang="ja-JP" altLang="en-US" sz="1600" dirty="0"/>
-              <a:t>。</a:t>
-            </a:r>
-            <a:endParaRPr kumimoji="1" lang="en-US" altLang="ja-JP" sz="1600" dirty="0" smtClean="0"/>
           </a:p>
         </p:txBody>
       </p:sp>
@@ -5678,9 +6001,9 @@
           <p:nvPr/>
         </p:nvSpPr>
         <p:spPr>
-          <a:xfrm rot="20745225">
-            <a:off x="5807156" y="2168488"/>
-            <a:ext cx="1438318" cy="2733286"/>
+          <a:xfrm rot="20676254">
+            <a:off x="5688620" y="2095550"/>
+            <a:ext cx="1797894" cy="3160130"/>
           </a:xfrm>
           <a:prstGeom prst="triangle">
             <a:avLst/>
@@ -5773,7 +6096,7 @@
           <p:cNvPr id="22" name="テキスト ボックス 21">
             <a:extLst>
               <a:ext uri="{FF2B5EF4-FFF2-40B4-BE49-F238E27FC236}">
-                <a16:creationId xmlns="" xmlns:a16="http://schemas.microsoft.com/office/drawing/2014/main" id="{6DAB8946-024A-424B-9B7B-03ED2B52099B}"/>
+                <a16:creationId xmlns:a16="http://schemas.microsoft.com/office/drawing/2014/main" id="{6DAB8946-024A-424B-9B7B-03ED2B52099B}"/>
               </a:ext>
             </a:extLst>
           </p:cNvPr>
@@ -5797,10 +6120,9 @@
           <a:lstStyle/>
           <a:p>
             <a:r>
-              <a:rPr kumimoji="1" lang="ja-JP" altLang="en-US" sz="1600" b="1" dirty="0" smtClean="0"/>
+              <a:rPr kumimoji="1" lang="ja-JP" altLang="en-US" sz="1600" b="1" dirty="0"/>
               <a:t>全体アクティビティ図</a:t>
             </a:r>
-            <a:endParaRPr kumimoji="1" lang="ja-JP" altLang="en-US" sz="1600" b="1" dirty="0"/>
           </a:p>
         </p:txBody>
       </p:sp>
@@ -5809,7 +6131,7 @@
           <p:cNvPr id="23" name="テキスト ボックス 22">
             <a:extLst>
               <a:ext uri="{FF2B5EF4-FFF2-40B4-BE49-F238E27FC236}">
-                <a16:creationId xmlns="" xmlns:a16="http://schemas.microsoft.com/office/drawing/2014/main" id="{825F097D-4588-4F8F-AA42-B0D77B0F9CE3}"/>
+                <a16:creationId xmlns:a16="http://schemas.microsoft.com/office/drawing/2014/main" id="{825F097D-4588-4F8F-AA42-B0D77B0F9CE3}"/>
               </a:ext>
             </a:extLst>
           </p:cNvPr>
@@ -5833,17 +6155,47 @@
           <a:lstStyle/>
           <a:p>
             <a:r>
-              <a:rPr kumimoji="1" lang="ja-JP" altLang="en-US" sz="1600" b="1" dirty="0" smtClean="0"/>
-              <a:t>コース離脱</a:t>
-            </a:r>
-            <a:r>
-              <a:rPr kumimoji="1" lang="ja-JP" altLang="en-US" sz="1600" b="1" dirty="0" smtClean="0"/>
-              <a:t>判定</a:t>
-            </a:r>
-            <a:endParaRPr kumimoji="1" lang="ja-JP" altLang="en-US" sz="1600" b="1" dirty="0"/>
+              <a:rPr kumimoji="1" lang="ja-JP" altLang="en-US" sz="1600" b="1" dirty="0"/>
+              <a:t>コース離脱判定</a:t>
+            </a:r>
           </a:p>
         </p:txBody>
       </p:sp>
+      <p:pic>
+        <p:nvPicPr>
+          <p:cNvPr id="6" name="図 5">
+            <a:extLst>
+              <a:ext uri="{FF2B5EF4-FFF2-40B4-BE49-F238E27FC236}">
+                <a16:creationId xmlns:a16="http://schemas.microsoft.com/office/drawing/2014/main" id="{77402F9D-A7BE-4C8C-8C6A-F070FA4AA8BB}"/>
+              </a:ext>
+            </a:extLst>
+          </p:cNvPr>
+          <p:cNvPicPr>
+            <a:picLocks noChangeAspect="1"/>
+          </p:cNvPicPr>
+          <p:nvPr/>
+        </p:nvPicPr>
+        <p:blipFill rotWithShape="1">
+          <a:blip r:embed="rId5">
+            <a:extLst>
+              <a:ext uri="{28A0092B-C50C-407E-A947-70E740481C1C}">
+                <a14:useLocalDpi xmlns:a14="http://schemas.microsoft.com/office/drawing/2010/main" val="0"/>
+              </a:ext>
+            </a:extLst>
+          </a:blip>
+          <a:srcRect l="4112" t="3942" r="2296" b="2655"/>
+          <a:stretch/>
+        </p:blipFill>
+        <p:spPr>
+          <a:xfrm>
+            <a:off x="237417" y="2295851"/>
+            <a:ext cx="5889847" cy="8208912"/>
+          </a:xfrm>
+          <a:prstGeom prst="rect">
+            <a:avLst/>
+          </a:prstGeom>
+        </p:spPr>
+      </p:pic>
     </p:spTree>
     <p:extLst>
       <p:ext uri="{BB962C8B-B14F-4D97-AF65-F5344CB8AC3E}">
@@ -5854,13 +6206,6 @@
   <p:clrMapOvr>
     <a:masterClrMapping/>
   </p:clrMapOvr>
-  <p:timing>
-    <p:tnLst>
-      <p:par>
-        <p:cTn id="1" dur="indefinite" restart="never" nodeType="tmRoot"/>
-      </p:par>
-    </p:tnLst>
-  </p:timing>
 </p:sld>
 </file>
 
@@ -5950,7 +6295,7 @@
           <p:cNvPr id="108" name="正方形/長方形 107">
             <a:extLst>
               <a:ext uri="{FF2B5EF4-FFF2-40B4-BE49-F238E27FC236}">
-                <a16:creationId xmlns="" xmlns:a16="http://schemas.microsoft.com/office/drawing/2014/main" id="{F0AD242C-2707-42C1-B855-282DE7356811}"/>
+                <a16:creationId xmlns:a16="http://schemas.microsoft.com/office/drawing/2014/main" id="{F0AD242C-2707-42C1-B855-282DE7356811}"/>
               </a:ext>
             </a:extLst>
           </p:cNvPr>
@@ -5998,7 +6343,7 @@
           <p:cNvPr id="109" name="図 108">
             <a:extLst>
               <a:ext uri="{FF2B5EF4-FFF2-40B4-BE49-F238E27FC236}">
-                <a16:creationId xmlns="" xmlns:a16="http://schemas.microsoft.com/office/drawing/2014/main" id="{F7515783-8844-40D8-BA89-8BF2C6CE5E06}"/>
+                <a16:creationId xmlns:a16="http://schemas.microsoft.com/office/drawing/2014/main" id="{F7515783-8844-40D8-BA89-8BF2C6CE5E06}"/>
               </a:ext>
             </a:extLst>
           </p:cNvPr>
@@ -6045,7 +6390,7 @@
           <p:cNvPr id="128" name="直線矢印コネクタ 127">
             <a:extLst>
               <a:ext uri="{FF2B5EF4-FFF2-40B4-BE49-F238E27FC236}">
-                <a16:creationId xmlns="" xmlns:a16="http://schemas.microsoft.com/office/drawing/2014/main" id="{6755A929-D77C-462A-BF40-EE03A82AF4AD}"/>
+                <a16:creationId xmlns:a16="http://schemas.microsoft.com/office/drawing/2014/main" id="{6755A929-D77C-462A-BF40-EE03A82AF4AD}"/>
               </a:ext>
             </a:extLst>
           </p:cNvPr>
@@ -6093,7 +6438,7 @@
           <p:cNvPr id="75" name="正方形/長方形 74">
             <a:extLst>
               <a:ext uri="{FF2B5EF4-FFF2-40B4-BE49-F238E27FC236}">
-                <a16:creationId xmlns="" xmlns:a16="http://schemas.microsoft.com/office/drawing/2014/main" id="{65B6E9C6-BDDF-4589-AF2F-415BE7314BD5}"/>
+                <a16:creationId xmlns:a16="http://schemas.microsoft.com/office/drawing/2014/main" id="{65B6E9C6-BDDF-4589-AF2F-415BE7314BD5}"/>
               </a:ext>
             </a:extLst>
           </p:cNvPr>
@@ -6141,7 +6486,7 @@
           <p:cNvPr id="2" name="タイトル 1">
             <a:extLst>
               <a:ext uri="{FF2B5EF4-FFF2-40B4-BE49-F238E27FC236}">
-                <a16:creationId xmlns="" xmlns:a16="http://schemas.microsoft.com/office/drawing/2014/main" id="{7C6D1384-7384-4F34-976A-6423FC7BDED1}"/>
+                <a16:creationId xmlns:a16="http://schemas.microsoft.com/office/drawing/2014/main" id="{7C6D1384-7384-4F34-976A-6423FC7BDED1}"/>
               </a:ext>
             </a:extLst>
           </p:cNvPr>
@@ -6160,7 +6505,7 @@
           <a:lstStyle/>
           <a:p>
             <a:r>
-              <a:rPr kumimoji="1" lang="en-US" altLang="ja-JP" dirty="0" smtClean="0"/>
+              <a:rPr kumimoji="1" lang="en-US" altLang="ja-JP" dirty="0"/>
               <a:t>3. </a:t>
             </a:r>
             <a:r>
@@ -6175,7 +6520,7 @@
           <p:cNvPr id="5" name="コンテンツ プレースホルダー 4">
             <a:extLst>
               <a:ext uri="{FF2B5EF4-FFF2-40B4-BE49-F238E27FC236}">
-                <a16:creationId xmlns="" xmlns:a16="http://schemas.microsoft.com/office/drawing/2014/main" id="{78BEDC78-BE93-419F-B994-EF7EB31EC404}"/>
+                <a16:creationId xmlns:a16="http://schemas.microsoft.com/office/drawing/2014/main" id="{78BEDC78-BE93-419F-B994-EF7EB31EC404}"/>
               </a:ext>
             </a:extLst>
           </p:cNvPr>
@@ -6210,7 +6555,7 @@
           <p:cNvPr id="6" name="表 5">
             <a:extLst>
               <a:ext uri="{FF2B5EF4-FFF2-40B4-BE49-F238E27FC236}">
-                <a16:creationId xmlns="" xmlns:a16="http://schemas.microsoft.com/office/drawing/2014/main" id="{D1B92A2D-C124-403D-A056-967A8A9A5257}"/>
+                <a16:creationId xmlns:a16="http://schemas.microsoft.com/office/drawing/2014/main" id="{D1B92A2D-C124-403D-A056-967A8A9A5257}"/>
               </a:ext>
             </a:extLst>
           </p:cNvPr>
@@ -6239,7 +6584,7 @@
                 <a:gridCol w="1656184">
                   <a:extLst>
                     <a:ext uri="{9D8B030D-6E8A-4147-A177-3AD203B41FA5}">
-                      <a16:colId xmlns="" xmlns:a16="http://schemas.microsoft.com/office/drawing/2014/main" val="4164257565"/>
+                      <a16:colId xmlns:a16="http://schemas.microsoft.com/office/drawing/2014/main" val="4164257565"/>
                     </a:ext>
                   </a:extLst>
                 </a:gridCol>
@@ -6251,20 +6596,12 @@
                     <a:lstStyle/>
                     <a:p>
                       <a:r>
-                        <a:rPr kumimoji="1" lang="ja-JP" altLang="en-US" sz="1700" b="0" dirty="0" smtClean="0">
-                          <a:solidFill>
-                            <a:schemeClr val="tx1"/>
-                          </a:solidFill>
-                        </a:rPr>
-                        <a:t>コース離脱</a:t>
-                      </a:r>
-                      <a:r>
                         <a:rPr kumimoji="1" lang="ja-JP" altLang="en-US" sz="1700" b="0" dirty="0">
                           <a:solidFill>
                             <a:schemeClr val="tx1"/>
                           </a:solidFill>
                         </a:rPr>
-                        <a:t>判定</a:t>
+                        <a:t>コース離脱判定</a:t>
                       </a:r>
                     </a:p>
                   </a:txBody>
@@ -6276,7 +6613,7 @@
                 </a:tc>
                 <a:extLst>
                   <a:ext uri="{0D108BD9-81ED-4DB2-BD59-A6C34878D82A}">
-                    <a16:rowId xmlns="" xmlns:a16="http://schemas.microsoft.com/office/drawing/2014/main" val="4063214700"/>
+                    <a16:rowId xmlns:a16="http://schemas.microsoft.com/office/drawing/2014/main" val="4063214700"/>
                   </a:ext>
                 </a:extLst>
               </a:tr>
@@ -6289,7 +6626,7 @@
           <p:cNvPr id="7" name="表 6">
             <a:extLst>
               <a:ext uri="{FF2B5EF4-FFF2-40B4-BE49-F238E27FC236}">
-                <a16:creationId xmlns="" xmlns:a16="http://schemas.microsoft.com/office/drawing/2014/main" id="{B250BF7B-4415-474D-B1C7-83DADEA60E3F}"/>
+                <a16:creationId xmlns:a16="http://schemas.microsoft.com/office/drawing/2014/main" id="{B250BF7B-4415-474D-B1C7-83DADEA60E3F}"/>
               </a:ext>
             </a:extLst>
           </p:cNvPr>
@@ -6318,7 +6655,7 @@
                 <a:gridCol w="1656184">
                   <a:extLst>
                     <a:ext uri="{9D8B030D-6E8A-4147-A177-3AD203B41FA5}">
-                      <a16:colId xmlns="" xmlns:a16="http://schemas.microsoft.com/office/drawing/2014/main" val="4164257565"/>
+                      <a16:colId xmlns:a16="http://schemas.microsoft.com/office/drawing/2014/main" val="4164257565"/>
                     </a:ext>
                   </a:extLst>
                 </a:gridCol>
@@ -6330,20 +6667,12 @@
                     <a:lstStyle/>
                     <a:p>
                       <a:r>
-                        <a:rPr kumimoji="1" lang="ja-JP" altLang="en-US" sz="1700" b="0" dirty="0" smtClean="0">
-                          <a:solidFill>
-                            <a:schemeClr val="tx1"/>
-                          </a:solidFill>
-                        </a:rPr>
-                        <a:t>コース復帰</a:t>
-                      </a:r>
-                      <a:r>
                         <a:rPr kumimoji="1" lang="ja-JP" altLang="en-US" sz="1700" b="0" dirty="0">
                           <a:solidFill>
                             <a:schemeClr val="tx1"/>
                           </a:solidFill>
                         </a:rPr>
-                        <a:t>動作</a:t>
+                        <a:t>コース復帰動作</a:t>
                       </a:r>
                     </a:p>
                   </a:txBody>
@@ -6355,7 +6684,7 @@
                 </a:tc>
                 <a:extLst>
                   <a:ext uri="{0D108BD9-81ED-4DB2-BD59-A6C34878D82A}">
-                    <a16:rowId xmlns="" xmlns:a16="http://schemas.microsoft.com/office/drawing/2014/main" val="4063214700"/>
+                    <a16:rowId xmlns:a16="http://schemas.microsoft.com/office/drawing/2014/main" val="4063214700"/>
                   </a:ext>
                 </a:extLst>
               </a:tr>
@@ -6368,7 +6697,7 @@
           <p:cNvPr id="9" name="直線コネクタ 8">
             <a:extLst>
               <a:ext uri="{FF2B5EF4-FFF2-40B4-BE49-F238E27FC236}">
-                <a16:creationId xmlns="" xmlns:a16="http://schemas.microsoft.com/office/drawing/2014/main" id="{A85739F6-AEAB-452C-8804-9B81168D6606}"/>
+                <a16:creationId xmlns:a16="http://schemas.microsoft.com/office/drawing/2014/main" id="{A85739F6-AEAB-452C-8804-9B81168D6606}"/>
               </a:ext>
             </a:extLst>
           </p:cNvPr>
@@ -6414,7 +6743,7 @@
           <p:cNvPr id="18" name="直線矢印コネクタ 17">
             <a:extLst>
               <a:ext uri="{FF2B5EF4-FFF2-40B4-BE49-F238E27FC236}">
-                <a16:creationId xmlns="" xmlns:a16="http://schemas.microsoft.com/office/drawing/2014/main" id="{595F5C70-BAC1-4570-B773-CD8F4FCDEFDD}"/>
+                <a16:creationId xmlns:a16="http://schemas.microsoft.com/office/drawing/2014/main" id="{595F5C70-BAC1-4570-B773-CD8F4FCDEFDD}"/>
               </a:ext>
             </a:extLst>
           </p:cNvPr>
@@ -6462,7 +6791,7 @@
           <p:cNvPr id="19" name="直線矢印コネクタ 18">
             <a:extLst>
               <a:ext uri="{FF2B5EF4-FFF2-40B4-BE49-F238E27FC236}">
-                <a16:creationId xmlns="" xmlns:a16="http://schemas.microsoft.com/office/drawing/2014/main" id="{43CD856B-0543-403D-8218-7959380BA3BA}"/>
+                <a16:creationId xmlns:a16="http://schemas.microsoft.com/office/drawing/2014/main" id="{43CD856B-0543-403D-8218-7959380BA3BA}"/>
               </a:ext>
             </a:extLst>
           </p:cNvPr>
@@ -6473,8 +6802,8 @@
         </p:nvCxnSpPr>
         <p:spPr bwMode="auto">
           <a:xfrm rot="10800000">
-            <a:off x="845141" y="3256939"/>
-            <a:ext cx="6313314" cy="0"/>
+            <a:off x="570455" y="3256939"/>
+            <a:ext cx="6588000" cy="0"/>
           </a:xfrm>
           <a:prstGeom prst="straightConnector1">
             <a:avLst/>
@@ -6512,7 +6841,7 @@
               <p:cNvPr id="21" name="テキスト ボックス 20">
                 <a:extLst>
                   <a:ext uri="{FF2B5EF4-FFF2-40B4-BE49-F238E27FC236}">
-                    <a16:creationId xmlns="" xmlns:a16="http://schemas.microsoft.com/office/drawing/2014/main" id="{672FD8CC-1ADF-4938-A534-25F88064CC15}"/>
+                    <a16:creationId xmlns:a16="http://schemas.microsoft.com/office/drawing/2014/main" id="{672FD8CC-1ADF-4938-A534-25F88064CC15}"/>
                   </a:ext>
                 </a:extLst>
               </p:cNvPr>
@@ -6521,7 +6850,7 @@
             </p:nvSpPr>
             <p:spPr>
               <a:xfrm rot="10800000">
-                <a:off x="500332" y="3099759"/>
+                <a:off x="260579" y="3099759"/>
                 <a:ext cx="436074" cy="369318"/>
               </a:xfrm>
               <a:prstGeom prst="rect">
@@ -6580,8 +6909,8 @@
             </p:nvSpPr>
             <p:spPr>
               <a:xfrm rot="10800000">
-                <a:off x="500333" y="3099751"/>
-                <a:ext cx="436074" cy="369332"/>
+                <a:off x="260579" y="3099759"/>
+                <a:ext cx="436074" cy="369318"/>
               </a:xfrm>
               <a:prstGeom prst="rect">
                 <a:avLst/>
@@ -6615,7 +6944,7 @@
               <p:cNvPr id="23" name="テキスト ボックス 22">
                 <a:extLst>
                   <a:ext uri="{FF2B5EF4-FFF2-40B4-BE49-F238E27FC236}">
-                    <a16:creationId xmlns="" xmlns:a16="http://schemas.microsoft.com/office/drawing/2014/main" id="{08FDC959-34BC-4EFC-8F7F-D6765E7A1C12}"/>
+                    <a16:creationId xmlns:a16="http://schemas.microsoft.com/office/drawing/2014/main" id="{08FDC959-34BC-4EFC-8F7F-D6765E7A1C12}"/>
                   </a:ext>
                 </a:extLst>
               </p:cNvPr>
@@ -6716,7 +7045,7 @@
           <p:cNvPr id="24" name="テキスト ボックス 23">
             <a:extLst>
               <a:ext uri="{FF2B5EF4-FFF2-40B4-BE49-F238E27FC236}">
-                <a16:creationId xmlns="" xmlns:a16="http://schemas.microsoft.com/office/drawing/2014/main" id="{D2FF70DC-C013-4354-8E3D-E77AF095B349}"/>
+                <a16:creationId xmlns:a16="http://schemas.microsoft.com/office/drawing/2014/main" id="{D2FF70DC-C013-4354-8E3D-E77AF095B349}"/>
               </a:ext>
             </a:extLst>
           </p:cNvPr>
@@ -6760,7 +7089,7 @@
           <p:cNvPr id="37" name="図 36">
             <a:extLst>
               <a:ext uri="{FF2B5EF4-FFF2-40B4-BE49-F238E27FC236}">
-                <a16:creationId xmlns="" xmlns:a16="http://schemas.microsoft.com/office/drawing/2014/main" id="{5A33F9BF-5E42-444C-9904-291F4E17F28B}"/>
+                <a16:creationId xmlns:a16="http://schemas.microsoft.com/office/drawing/2014/main" id="{5A33F9BF-5E42-444C-9904-291F4E17F28B}"/>
               </a:ext>
             </a:extLst>
           </p:cNvPr>
@@ -6797,7 +7126,7 @@
           <p:cNvPr id="38" name="楕円 37">
             <a:extLst>
               <a:ext uri="{FF2B5EF4-FFF2-40B4-BE49-F238E27FC236}">
-                <a16:creationId xmlns="" xmlns:a16="http://schemas.microsoft.com/office/drawing/2014/main" id="{540D72E2-25B4-4B92-A3BF-4A28F2553598}"/>
+                <a16:creationId xmlns:a16="http://schemas.microsoft.com/office/drawing/2014/main" id="{540D72E2-25B4-4B92-A3BF-4A28F2553598}"/>
               </a:ext>
             </a:extLst>
           </p:cNvPr>
@@ -6847,7 +7176,7 @@
               <p:cNvPr id="45" name="吹き出し: 角を丸めた四角形 44">
                 <a:extLst>
                   <a:ext uri="{FF2B5EF4-FFF2-40B4-BE49-F238E27FC236}">
-                    <a16:creationId xmlns="" xmlns:a16="http://schemas.microsoft.com/office/drawing/2014/main" id="{6241B250-1564-43E8-9A23-CEA8E5FE13FC}"/>
+                    <a16:creationId xmlns:a16="http://schemas.microsoft.com/office/drawing/2014/main" id="{6241B250-1564-43E8-9A23-CEA8E5FE13FC}"/>
                   </a:ext>
                 </a:extLst>
               </p:cNvPr>
@@ -6922,7 +7251,7 @@
                       <m:sSupPr>
                         <m:ctrlPr>
                           <a:rPr kumimoji="1" lang="en-US" altLang="ja-JP" sz="1600" i="1" dirty="0">
-                            <a:latin typeface="Cambria Math"/>
+                            <a:latin typeface="Cambria Math" panose="02040503050406030204" pitchFamily="18" charset="0"/>
                           </a:rPr>
                         </m:ctrlPr>
                       </m:sSupPr>
@@ -6975,7 +7304,7 @@
                       <m:sSupPr>
                         <m:ctrlPr>
                           <a:rPr kumimoji="1" lang="en-US" altLang="ja-JP" sz="1600" i="1" dirty="0">
-                            <a:latin typeface="Cambria Math"/>
+                            <a:latin typeface="Cambria Math" panose="02040503050406030204" pitchFamily="18" charset="0"/>
                           </a:rPr>
                         </m:ctrlPr>
                       </m:sSupPr>
@@ -7023,7 +7352,7 @@
                       <m:sSupPr>
                         <m:ctrlPr>
                           <a:rPr kumimoji="1" lang="en-US" altLang="ja-JP" sz="1600" i="1" dirty="0">
-                            <a:latin typeface="Cambria Math"/>
+                            <a:latin typeface="Cambria Math" panose="02040503050406030204" pitchFamily="18" charset="0"/>
                           </a:rPr>
                         </m:ctrlPr>
                       </m:sSupPr>
@@ -7054,7 +7383,7 @@
                       <m:sSupPr>
                         <m:ctrlPr>
                           <a:rPr kumimoji="1" lang="en-US" altLang="ja-JP" sz="1600" i="1" dirty="0">
-                            <a:latin typeface="Cambria Math"/>
+                            <a:latin typeface="Cambria Math" panose="02040503050406030204" pitchFamily="18" charset="0"/>
                           </a:rPr>
                         </m:ctrlPr>
                       </m:sSupPr>
@@ -7119,7 +7448,7 @@
                       <m:sSupPr>
                         <m:ctrlPr>
                           <a:rPr kumimoji="1" lang="en-US" altLang="ja-JP" sz="1600" i="1" dirty="0">
-                            <a:latin typeface="Cambria Math"/>
+                            <a:latin typeface="Cambria Math" panose="02040503050406030204" pitchFamily="18" charset="0"/>
                           </a:rPr>
                         </m:ctrlPr>
                       </m:sSupPr>
@@ -7214,7 +7543,7 @@
               <p:cNvPr id="46" name="吹き出し: 角を丸めた四角形 45">
                 <a:extLst>
                   <a:ext uri="{FF2B5EF4-FFF2-40B4-BE49-F238E27FC236}">
-                    <a16:creationId xmlns="" xmlns:a16="http://schemas.microsoft.com/office/drawing/2014/main" id="{FA247CF4-2D24-4664-9719-D4EFE930AB44}"/>
+                    <a16:creationId xmlns:a16="http://schemas.microsoft.com/office/drawing/2014/main" id="{FA247CF4-2D24-4664-9719-D4EFE930AB44}"/>
                   </a:ext>
                 </a:extLst>
               </p:cNvPr>
@@ -7290,7 +7619,7 @@
                       <m:sSubPr>
                         <m:ctrlPr>
                           <a:rPr kumimoji="1" lang="en-US" altLang="ja-JP" sz="1600" i="1" dirty="0">
-                            <a:latin typeface="Cambria Math"/>
+                            <a:latin typeface="Cambria Math" panose="02040503050406030204" pitchFamily="18" charset="0"/>
                           </a:rPr>
                         </m:ctrlPr>
                       </m:sSubPr>
@@ -7343,7 +7672,7 @@
                       <m:sSubPr>
                         <m:ctrlPr>
                           <a:rPr kumimoji="1" lang="en-US" altLang="ja-JP" sz="1600" i="1" dirty="0">
-                            <a:latin typeface="Cambria Math"/>
+                            <a:latin typeface="Cambria Math" panose="02040503050406030204" pitchFamily="18" charset="0"/>
                           </a:rPr>
                         </m:ctrlPr>
                       </m:sSubPr>
@@ -7391,7 +7720,7 @@
                       <m:sSubPr>
                         <m:ctrlPr>
                           <a:rPr kumimoji="1" lang="en-US" altLang="ja-JP" sz="1600" i="1" dirty="0">
-                            <a:latin typeface="Cambria Math"/>
+                            <a:latin typeface="Cambria Math" panose="02040503050406030204" pitchFamily="18" charset="0"/>
                           </a:rPr>
                         </m:ctrlPr>
                       </m:sSubPr>
@@ -7422,7 +7751,7 @@
                       <m:sSubPr>
                         <m:ctrlPr>
                           <a:rPr kumimoji="1" lang="en-US" altLang="ja-JP" sz="1600" i="1" dirty="0">
-                            <a:latin typeface="Cambria Math"/>
+                            <a:latin typeface="Cambria Math" panose="02040503050406030204" pitchFamily="18" charset="0"/>
                           </a:rPr>
                         </m:ctrlPr>
                       </m:sSubPr>
@@ -7521,7 +7850,7 @@
           <p:cNvPr id="40" name="楕円 39">
             <a:extLst>
               <a:ext uri="{FF2B5EF4-FFF2-40B4-BE49-F238E27FC236}">
-                <a16:creationId xmlns="" xmlns:a16="http://schemas.microsoft.com/office/drawing/2014/main" id="{C806DBFA-7D8B-4410-B0C1-D271BEA4F191}"/>
+                <a16:creationId xmlns:a16="http://schemas.microsoft.com/office/drawing/2014/main" id="{C806DBFA-7D8B-4410-B0C1-D271BEA4F191}"/>
               </a:ext>
             </a:extLst>
           </p:cNvPr>
@@ -7569,7 +7898,7 @@
           <p:cNvPr id="47" name="楕円 46">
             <a:extLst>
               <a:ext uri="{FF2B5EF4-FFF2-40B4-BE49-F238E27FC236}">
-                <a16:creationId xmlns="" xmlns:a16="http://schemas.microsoft.com/office/drawing/2014/main" id="{96120853-B804-4056-B254-4B048B360BA2}"/>
+                <a16:creationId xmlns:a16="http://schemas.microsoft.com/office/drawing/2014/main" id="{96120853-B804-4056-B254-4B048B360BA2}"/>
               </a:ext>
             </a:extLst>
           </p:cNvPr>
@@ -7619,7 +7948,7 @@
               <p:cNvPr id="48" name="吹き出し: 角を丸めた四角形 47">
                 <a:extLst>
                   <a:ext uri="{FF2B5EF4-FFF2-40B4-BE49-F238E27FC236}">
-                    <a16:creationId xmlns="" xmlns:a16="http://schemas.microsoft.com/office/drawing/2014/main" id="{74E63788-7728-4819-B62E-16849ABB6186}"/>
+                    <a16:creationId xmlns:a16="http://schemas.microsoft.com/office/drawing/2014/main" id="{74E63788-7728-4819-B62E-16849ABB6186}"/>
                   </a:ext>
                 </a:extLst>
               </p:cNvPr>
@@ -7759,7 +8088,7 @@
           <p:cNvPr id="53" name="四角形: 角を丸くする 52">
             <a:extLst>
               <a:ext uri="{FF2B5EF4-FFF2-40B4-BE49-F238E27FC236}">
-                <a16:creationId xmlns="" xmlns:a16="http://schemas.microsoft.com/office/drawing/2014/main" id="{6A0F3F5C-E2E9-42B3-82D0-3E1D3A8965FE}"/>
+                <a16:creationId xmlns:a16="http://schemas.microsoft.com/office/drawing/2014/main" id="{6A0F3F5C-E2E9-42B3-82D0-3E1D3A8965FE}"/>
               </a:ext>
             </a:extLst>
           </p:cNvPr>
@@ -7814,7 +8143,7 @@
               <p:cNvPr id="54" name="表 53">
                 <a:extLst>
                   <a:ext uri="{FF2B5EF4-FFF2-40B4-BE49-F238E27FC236}">
-                    <a16:creationId xmlns="" xmlns:a16="http://schemas.microsoft.com/office/drawing/2014/main" id="{EE1C7977-A65D-4A8C-9176-237050954D1C}"/>
+                    <a16:creationId xmlns:a16="http://schemas.microsoft.com/office/drawing/2014/main" id="{EE1C7977-A65D-4A8C-9176-237050954D1C}"/>
                   </a:ext>
                 </a:extLst>
               </p:cNvPr>
@@ -7843,28 +8172,28 @@
                     <a:gridCol w="447810">
                       <a:extLst>
                         <a:ext uri="{9D8B030D-6E8A-4147-A177-3AD203B41FA5}">
-                          <a16:colId xmlns="" xmlns:a16="http://schemas.microsoft.com/office/drawing/2014/main" val="3001262604"/>
+                          <a16:colId xmlns:a16="http://schemas.microsoft.com/office/drawing/2014/main" val="3001262604"/>
                         </a:ext>
                       </a:extLst>
                     </a:gridCol>
                     <a:gridCol w="422923">
                       <a:extLst>
                         <a:ext uri="{9D8B030D-6E8A-4147-A177-3AD203B41FA5}">
-                          <a16:colId xmlns="" xmlns:a16="http://schemas.microsoft.com/office/drawing/2014/main" val="700291227"/>
+                          <a16:colId xmlns:a16="http://schemas.microsoft.com/office/drawing/2014/main" val="700291227"/>
                         </a:ext>
                       </a:extLst>
                     </a:gridCol>
                     <a:gridCol w="422923">
                       <a:extLst>
                         <a:ext uri="{9D8B030D-6E8A-4147-A177-3AD203B41FA5}">
-                          <a16:colId xmlns="" xmlns:a16="http://schemas.microsoft.com/office/drawing/2014/main" val="398189225"/>
+                          <a16:colId xmlns:a16="http://schemas.microsoft.com/office/drawing/2014/main" val="398189225"/>
                         </a:ext>
                       </a:extLst>
                     </a:gridCol>
                     <a:gridCol w="422923">
                       <a:extLst>
                         <a:ext uri="{9D8B030D-6E8A-4147-A177-3AD203B41FA5}">
-                          <a16:colId xmlns="" xmlns:a16="http://schemas.microsoft.com/office/drawing/2014/main" val="771215092"/>
+                          <a16:colId xmlns:a16="http://schemas.microsoft.com/office/drawing/2014/main" val="771215092"/>
                         </a:ext>
                       </a:extLst>
                     </a:gridCol>
@@ -7981,7 +8310,7 @@
                     </a:tc>
                     <a:extLst>
                       <a:ext uri="{0D108BD9-81ED-4DB2-BD59-A6C34878D82A}">
-                        <a16:rowId xmlns="" xmlns:a16="http://schemas.microsoft.com/office/drawing/2014/main" val="3560462272"/>
+                        <a16:rowId xmlns:a16="http://schemas.microsoft.com/office/drawing/2014/main" val="3560462272"/>
                       </a:ext>
                     </a:extLst>
                   </a:tr>
@@ -8048,7 +8377,7 @@
                     </a:tc>
                     <a:extLst>
                       <a:ext uri="{0D108BD9-81ED-4DB2-BD59-A6C34878D82A}">
-                        <a16:rowId xmlns="" xmlns:a16="http://schemas.microsoft.com/office/drawing/2014/main" val="1376057248"/>
+                        <a16:rowId xmlns:a16="http://schemas.microsoft.com/office/drawing/2014/main" val="1376057248"/>
                       </a:ext>
                     </a:extLst>
                   </a:tr>
@@ -8155,7 +8484,7 @@
                     </a:tc>
                     <a:extLst>
                       <a:ext uri="{0D108BD9-81ED-4DB2-BD59-A6C34878D82A}">
-                        <a16:rowId xmlns="" xmlns:a16="http://schemas.microsoft.com/office/drawing/2014/main" val="3880445411"/>
+                        <a16:rowId xmlns:a16="http://schemas.microsoft.com/office/drawing/2014/main" val="3880445411"/>
                       </a:ext>
                     </a:extLst>
                   </a:tr>
@@ -8354,7 +8683,7 @@
                     </a:tc>
                     <a:extLst>
                       <a:ext uri="{0D108BD9-81ED-4DB2-BD59-A6C34878D82A}">
-                        <a16:rowId xmlns="" xmlns:a16="http://schemas.microsoft.com/office/drawing/2014/main" val="1954537068"/>
+                        <a16:rowId xmlns:a16="http://schemas.microsoft.com/office/drawing/2014/main" val="1954537068"/>
                       </a:ext>
                     </a:extLst>
                   </a:tr>
@@ -8375,7 +8704,7 @@
                                   <m:sSubPr>
                                     <m:ctrlPr>
                                       <a:rPr kumimoji="1" lang="en-US" altLang="ja-JP" sz="1100" i="1" dirty="0" smtClean="0">
-                                        <a:latin typeface="Cambria Math"/>
+                                        <a:latin typeface="Cambria Math" panose="02040503050406030204" pitchFamily="18" charset="0"/>
                                       </a:rPr>
                                     </m:ctrlPr>
                                   </m:sSubPr>
@@ -8430,7 +8759,7 @@
                                   <m:sSubPr>
                                     <m:ctrlPr>
                                       <a:rPr kumimoji="1" lang="en-US" altLang="ja-JP" sz="1100" i="1" dirty="0" smtClean="0">
-                                        <a:latin typeface="Cambria Math"/>
+                                        <a:latin typeface="Cambria Math" panose="02040503050406030204" pitchFamily="18" charset="0"/>
                                       </a:rPr>
                                     </m:ctrlPr>
                                   </m:sSubPr>
@@ -8485,7 +8814,7 @@
                                   <m:sSubPr>
                                     <m:ctrlPr>
                                       <a:rPr kumimoji="1" lang="en-US" altLang="ja-JP" sz="1100" i="1" dirty="0" smtClean="0">
-                                        <a:latin typeface="Cambria Math"/>
+                                        <a:latin typeface="Cambria Math" panose="02040503050406030204" pitchFamily="18" charset="0"/>
                                       </a:rPr>
                                     </m:ctrlPr>
                                   </m:sSubPr>
@@ -8540,7 +8869,7 @@
                                   <m:sSubPr>
                                     <m:ctrlPr>
                                       <a:rPr kumimoji="1" lang="en-US" altLang="ja-JP" sz="1100" i="1" dirty="0" smtClean="0">
-                                        <a:latin typeface="Cambria Math"/>
+                                        <a:latin typeface="Cambria Math" panose="02040503050406030204" pitchFamily="18" charset="0"/>
                                       </a:rPr>
                                     </m:ctrlPr>
                                   </m:sSubPr>
@@ -8581,7 +8910,7 @@
                     </a:tc>
                     <a:extLst>
                       <a:ext uri="{0D108BD9-81ED-4DB2-BD59-A6C34878D82A}">
-                        <a16:rowId xmlns="" xmlns:a16="http://schemas.microsoft.com/office/drawing/2014/main" val="3756818193"/>
+                        <a16:rowId xmlns:a16="http://schemas.microsoft.com/office/drawing/2014/main" val="3756818193"/>
                       </a:ext>
                     </a:extLst>
                   </a:tr>
@@ -8632,7 +8961,7 @@
                     </a:tc>
                     <a:extLst>
                       <a:ext uri="{0D108BD9-81ED-4DB2-BD59-A6C34878D82A}">
-                        <a16:rowId xmlns="" xmlns:a16="http://schemas.microsoft.com/office/drawing/2014/main" val="4206772201"/>
+                        <a16:rowId xmlns:a16="http://schemas.microsoft.com/office/drawing/2014/main" val="4206772201"/>
                       </a:ext>
                     </a:extLst>
                   </a:tr>
@@ -8683,7 +9012,7 @@
                     </a:tc>
                     <a:extLst>
                       <a:ext uri="{0D108BD9-81ED-4DB2-BD59-A6C34878D82A}">
-                        <a16:rowId xmlns="" xmlns:a16="http://schemas.microsoft.com/office/drawing/2014/main" val="3132775594"/>
+                        <a16:rowId xmlns:a16="http://schemas.microsoft.com/office/drawing/2014/main" val="3132775594"/>
                       </a:ext>
                     </a:extLst>
                   </a:tr>
@@ -9423,7 +9752,7 @@
           <p:cNvPr id="56" name="テキスト ボックス 55">
             <a:extLst>
               <a:ext uri="{FF2B5EF4-FFF2-40B4-BE49-F238E27FC236}">
-                <a16:creationId xmlns="" xmlns:a16="http://schemas.microsoft.com/office/drawing/2014/main" id="{58604741-0EFD-43F0-8321-A7DEB19C2119}"/>
+                <a16:creationId xmlns:a16="http://schemas.microsoft.com/office/drawing/2014/main" id="{58604741-0EFD-43F0-8321-A7DEB19C2119}"/>
               </a:ext>
             </a:extLst>
           </p:cNvPr>
@@ -9459,7 +9788,7 @@
           <p:cNvPr id="57" name="テキスト ボックス 56">
             <a:extLst>
               <a:ext uri="{FF2B5EF4-FFF2-40B4-BE49-F238E27FC236}">
-                <a16:creationId xmlns="" xmlns:a16="http://schemas.microsoft.com/office/drawing/2014/main" id="{5D36B73C-9E76-4424-A3A2-40900A4EC794}"/>
+                <a16:creationId xmlns:a16="http://schemas.microsoft.com/office/drawing/2014/main" id="{5D36B73C-9E76-4424-A3A2-40900A4EC794}"/>
               </a:ext>
             </a:extLst>
           </p:cNvPr>
@@ -9495,7 +9824,7 @@
           <p:cNvPr id="58" name="テキスト ボックス 57">
             <a:extLst>
               <a:ext uri="{FF2B5EF4-FFF2-40B4-BE49-F238E27FC236}">
-                <a16:creationId xmlns="" xmlns:a16="http://schemas.microsoft.com/office/drawing/2014/main" id="{18B3D723-E3D3-4C45-AAFD-90021E8C3DA4}"/>
+                <a16:creationId xmlns:a16="http://schemas.microsoft.com/office/drawing/2014/main" id="{18B3D723-E3D3-4C45-AAFD-90021E8C3DA4}"/>
               </a:ext>
             </a:extLst>
           </p:cNvPr>
@@ -9531,7 +9860,7 @@
           <p:cNvPr id="59" name="テキスト ボックス 58">
             <a:extLst>
               <a:ext uri="{FF2B5EF4-FFF2-40B4-BE49-F238E27FC236}">
-                <a16:creationId xmlns="" xmlns:a16="http://schemas.microsoft.com/office/drawing/2014/main" id="{A2C9AEFD-821E-4672-984C-64C05D5349C9}"/>
+                <a16:creationId xmlns:a16="http://schemas.microsoft.com/office/drawing/2014/main" id="{A2C9AEFD-821E-4672-984C-64C05D5349C9}"/>
               </a:ext>
             </a:extLst>
           </p:cNvPr>
@@ -9567,7 +9896,7 @@
           <p:cNvPr id="60" name="テキスト ボックス 59">
             <a:extLst>
               <a:ext uri="{FF2B5EF4-FFF2-40B4-BE49-F238E27FC236}">
-                <a16:creationId xmlns="" xmlns:a16="http://schemas.microsoft.com/office/drawing/2014/main" id="{6365DE5E-F371-4465-BFA9-AFA324718333}"/>
+                <a16:creationId xmlns:a16="http://schemas.microsoft.com/office/drawing/2014/main" id="{6365DE5E-F371-4465-BFA9-AFA324718333}"/>
               </a:ext>
             </a:extLst>
           </p:cNvPr>
@@ -9603,7 +9932,7 @@
           <p:cNvPr id="61" name="テキスト ボックス 60">
             <a:extLst>
               <a:ext uri="{FF2B5EF4-FFF2-40B4-BE49-F238E27FC236}">
-                <a16:creationId xmlns="" xmlns:a16="http://schemas.microsoft.com/office/drawing/2014/main" id="{1C2CBFB5-CD80-406E-9190-328A620DA83C}"/>
+                <a16:creationId xmlns:a16="http://schemas.microsoft.com/office/drawing/2014/main" id="{1C2CBFB5-CD80-406E-9190-328A620DA83C}"/>
               </a:ext>
             </a:extLst>
           </p:cNvPr>
@@ -9639,7 +9968,7 @@
           <p:cNvPr id="62" name="テキスト ボックス 61">
             <a:extLst>
               <a:ext uri="{FF2B5EF4-FFF2-40B4-BE49-F238E27FC236}">
-                <a16:creationId xmlns="" xmlns:a16="http://schemas.microsoft.com/office/drawing/2014/main" id="{8631BC66-4CC9-4508-92C6-F3BB4BA68936}"/>
+                <a16:creationId xmlns:a16="http://schemas.microsoft.com/office/drawing/2014/main" id="{8631BC66-4CC9-4508-92C6-F3BB4BA68936}"/>
               </a:ext>
             </a:extLst>
           </p:cNvPr>
@@ -9675,7 +10004,7 @@
           <p:cNvPr id="63" name="テキスト ボックス 62">
             <a:extLst>
               <a:ext uri="{FF2B5EF4-FFF2-40B4-BE49-F238E27FC236}">
-                <a16:creationId xmlns="" xmlns:a16="http://schemas.microsoft.com/office/drawing/2014/main" id="{57728D6B-C7B4-496D-9AC8-36243523720E}"/>
+                <a16:creationId xmlns:a16="http://schemas.microsoft.com/office/drawing/2014/main" id="{57728D6B-C7B4-496D-9AC8-36243523720E}"/>
               </a:ext>
             </a:extLst>
           </p:cNvPr>
@@ -9711,7 +10040,7 @@
           <p:cNvPr id="76" name="テキスト ボックス 75">
             <a:extLst>
               <a:ext uri="{FF2B5EF4-FFF2-40B4-BE49-F238E27FC236}">
-                <a16:creationId xmlns="" xmlns:a16="http://schemas.microsoft.com/office/drawing/2014/main" id="{6D709A13-6AAF-442E-AD6F-978BDC42B238}"/>
+                <a16:creationId xmlns:a16="http://schemas.microsoft.com/office/drawing/2014/main" id="{6D709A13-6AAF-442E-AD6F-978BDC42B238}"/>
               </a:ext>
             </a:extLst>
           </p:cNvPr>
@@ -9736,36 +10065,8 @@
           <a:p>
             <a:pPr algn="l"/>
             <a:r>
-              <a:rPr kumimoji="1" lang="ja-JP" altLang="en-US" sz="1600" dirty="0" smtClean="0"/>
-              <a:t>次に、コース離脱</a:t>
-            </a:r>
-            <a:r>
-              <a:rPr kumimoji="1" lang="ja-JP" altLang="en-US" sz="1600" dirty="0" smtClean="0"/>
-              <a:t>判定</a:t>
-            </a:r>
-            <a:r>
-              <a:rPr kumimoji="1" lang="ja-JP" altLang="en-US" sz="1600" dirty="0" smtClean="0"/>
-              <a:t>とコース復帰</a:t>
-            </a:r>
-            <a:r>
-              <a:rPr kumimoji="1" lang="ja-JP" altLang="en-US" sz="1600" dirty="0" smtClean="0"/>
-              <a:t>動作それぞれ</a:t>
-            </a:r>
-            <a:r>
               <a:rPr kumimoji="1" lang="ja-JP" altLang="en-US" sz="1600" dirty="0"/>
-              <a:t>の</a:t>
-            </a:r>
-            <a:r>
-              <a:rPr kumimoji="1" lang="ja-JP" altLang="en-US" sz="1600" dirty="0" smtClean="0"/>
-              <a:t>概要</a:t>
-            </a:r>
-            <a:r>
-              <a:rPr kumimoji="1" lang="ja-JP" altLang="en-US" sz="1600" dirty="0"/>
-              <a:t>に</a:t>
-            </a:r>
-            <a:r>
-              <a:rPr kumimoji="1" lang="ja-JP" altLang="en-US" sz="1600" dirty="0" smtClean="0"/>
-              <a:t>ついて説明する。</a:t>
+              <a:t>次に、コース離脱判定とコース復帰動作それぞれの概要について説明する。</a:t>
             </a:r>
             <a:endParaRPr kumimoji="1" lang="en-US" altLang="ja-JP" sz="1600" dirty="0"/>
           </a:p>
@@ -9776,7 +10077,7 @@
           <p:cNvPr id="77" name="テキスト ボックス 76">
             <a:extLst>
               <a:ext uri="{FF2B5EF4-FFF2-40B4-BE49-F238E27FC236}">
-                <a16:creationId xmlns="" xmlns:a16="http://schemas.microsoft.com/office/drawing/2014/main" id="{E46AA441-1BC0-4FEE-95A1-68A90D268E58}"/>
+                <a16:creationId xmlns:a16="http://schemas.microsoft.com/office/drawing/2014/main" id="{E46AA441-1BC0-4FEE-95A1-68A90D268E58}"/>
               </a:ext>
             </a:extLst>
           </p:cNvPr>
@@ -9801,16 +10102,8 @@
           <a:p>
             <a:pPr algn="l"/>
             <a:r>
-              <a:rPr kumimoji="1" lang="ja-JP" altLang="en-US" sz="1600" dirty="0" smtClean="0"/>
-              <a:t>走行体は常に自己位置推定を行っている。ここではその</a:t>
-            </a:r>
-            <a:r>
               <a:rPr kumimoji="1" lang="ja-JP" altLang="en-US" sz="1600" dirty="0"/>
-              <a:t>自己位置の</a:t>
-            </a:r>
-            <a:r>
-              <a:rPr kumimoji="1" lang="ja-JP" altLang="en-US" sz="1600" dirty="0" smtClean="0"/>
-              <a:t>情報を走行データと呼ぶ。走行データとコース情報を比較することで離脱の判定を実現する。</a:t>
+              <a:t>走行体は常に自己位置推定を行っている。ここではその自己位置の情報を走行データと呼ぶ。走行データとコース情報を比較することで離脱の判定を実現する。</a:t>
             </a:r>
             <a:endParaRPr kumimoji="1" lang="en-US" altLang="ja-JP" sz="1600" dirty="0"/>
           </a:p>
@@ -9823,7 +10116,7 @@
               <p:cNvPr id="78" name="表 77">
                 <a:extLst>
                   <a:ext uri="{FF2B5EF4-FFF2-40B4-BE49-F238E27FC236}">
-                    <a16:creationId xmlns="" xmlns:a16="http://schemas.microsoft.com/office/drawing/2014/main" id="{D8870D03-17BD-4F1C-9875-C993B96049F6}"/>
+                    <a16:creationId xmlns:a16="http://schemas.microsoft.com/office/drawing/2014/main" id="{D8870D03-17BD-4F1C-9875-C993B96049F6}"/>
                   </a:ext>
                 </a:extLst>
               </p:cNvPr>
@@ -9833,14 +10126,14 @@
               <p:nvPr>
                 <p:extLst>
                   <p:ext uri="{D42A27DB-BD31-4B8C-83A1-F6EECF244321}">
-                    <p14:modId xmlns:p14="http://schemas.microsoft.com/office/powerpoint/2010/main" val="1645600474"/>
+                    <p14:modId xmlns:p14="http://schemas.microsoft.com/office/powerpoint/2010/main" val="106316989"/>
                   </p:ext>
                 </p:extLst>
               </p:nvPr>
             </p:nvGraphicFramePr>
             <p:xfrm>
-              <a:off x="214859" y="8974146"/>
-              <a:ext cx="3237472" cy="1715688"/>
+              <a:off x="116855" y="8974146"/>
+              <a:ext cx="3335476" cy="1621365"/>
             </p:xfrm>
             <a:graphic>
               <a:graphicData uri="http://schemas.openxmlformats.org/drawingml/2006/table">
@@ -9849,10 +10142,10 @@
                     <a:tableStyleId>{93296810-A885-4BE3-A3E7-6D5BEEA58F35}</a:tableStyleId>
                   </a:tblPr>
                   <a:tblGrid>
-                    <a:gridCol w="3237472">
+                    <a:gridCol w="3335476">
                       <a:extLst>
                         <a:ext uri="{9D8B030D-6E8A-4147-A177-3AD203B41FA5}">
-                          <a16:colId xmlns="" xmlns:a16="http://schemas.microsoft.com/office/drawing/2014/main" val="4257854261"/>
+                          <a16:colId xmlns:a16="http://schemas.microsoft.com/office/drawing/2014/main" val="4257854261"/>
                         </a:ext>
                       </a:extLst>
                     </a:gridCol>
@@ -9873,7 +10166,7 @@
                     </a:tc>
                     <a:extLst>
                       <a:ext uri="{0D108BD9-81ED-4DB2-BD59-A6C34878D82A}">
-                        <a16:rowId xmlns="" xmlns:a16="http://schemas.microsoft.com/office/drawing/2014/main" val="2658307080"/>
+                        <a16:rowId xmlns:a16="http://schemas.microsoft.com/office/drawing/2014/main" val="2658307080"/>
                       </a:ext>
                     </a:extLst>
                   </a:tr>
@@ -9892,7 +10185,7 @@
                                   <m:endChr m:val="|"/>
                                   <m:ctrlPr>
                                     <a:rPr kumimoji="1" lang="en-US" altLang="ja-JP" sz="1600" i="1" smtClean="0">
-                                      <a:latin typeface="Cambria Math"/>
+                                      <a:latin typeface="Cambria Math" panose="02040503050406030204" pitchFamily="18" charset="0"/>
                                     </a:rPr>
                                   </m:ctrlPr>
                                 </m:dPr>
@@ -9901,7 +10194,7 @@
                                     <m:sSubPr>
                                       <m:ctrlPr>
                                         <a:rPr kumimoji="1" lang="en-US" altLang="ja-JP" sz="1600" i="1" dirty="0" smtClean="0">
-                                          <a:latin typeface="Cambria Math"/>
+                                          <a:latin typeface="Cambria Math" panose="02040503050406030204" pitchFamily="18" charset="0"/>
                                         </a:rPr>
                                       </m:ctrlPr>
                                     </m:sSubPr>
@@ -9932,7 +10225,7 @@
                                     <m:sSupPr>
                                       <m:ctrlPr>
                                         <a:rPr kumimoji="1" lang="en-US" altLang="ja-JP" sz="1600" i="1" dirty="0" smtClean="0">
-                                          <a:latin typeface="Cambria Math"/>
+                                          <a:latin typeface="Cambria Math" panose="02040503050406030204" pitchFamily="18" charset="0"/>
                                         </a:rPr>
                                       </m:ctrlPr>
                                     </m:sSupPr>
@@ -9980,7 +10273,7 @@
                             <a:rPr kumimoji="1" lang="ja-JP" altLang="en-US" sz="1600" i="0" dirty="0">
                               <a:latin typeface="Cambria Math" panose="02040503050406030204" pitchFamily="18" charset="0"/>
                             </a:rPr>
-                            <a:t>の場合</a:t>
+                            <a:t>であるとき</a:t>
                           </a:r>
                           <a:endParaRPr kumimoji="1" lang="en-US" altLang="ja-JP" sz="1600" i="0" dirty="0">
                             <a:latin typeface="Cambria Math" panose="02040503050406030204" pitchFamily="18" charset="0"/>
@@ -9994,7 +10287,7 @@
                                 <m:sSupPr>
                                   <m:ctrlPr>
                                     <a:rPr kumimoji="1" lang="en-US" altLang="ja-JP" sz="1600" i="1" dirty="0" smtClean="0">
-                                      <a:latin typeface="Cambria Math"/>
+                                      <a:latin typeface="Cambria Math" panose="02040503050406030204" pitchFamily="18" charset="0"/>
                                     </a:rPr>
                                   </m:ctrlPr>
                                 </m:sSupPr>
@@ -10035,7 +10328,7 @@
                                   <m:endChr m:val="]"/>
                                   <m:ctrlPr>
                                     <a:rPr kumimoji="1" lang="en-US" altLang="ja-JP" sz="1600" b="0" i="1" dirty="0" smtClean="0">
-                                      <a:latin typeface="Cambria Math"/>
+                                      <a:latin typeface="Cambria Math" panose="02040503050406030204" pitchFamily="18" charset="0"/>
                                       <a:ea typeface="Cambria Math" panose="02040503050406030204" pitchFamily="18" charset="0"/>
                                     </a:rPr>
                                   </m:ctrlPr>
@@ -10072,7 +10365,7 @@
                                   <m:endChr m:val="|"/>
                                   <m:ctrlPr>
                                     <a:rPr kumimoji="1" lang="en-US" altLang="ja-JP" sz="1600" b="0" i="1" dirty="0" smtClean="0">
-                                      <a:latin typeface="Cambria Math"/>
+                                      <a:latin typeface="Cambria Math" panose="02040503050406030204" pitchFamily="18" charset="0"/>
                                       <a:ea typeface="Cambria Math" panose="02040503050406030204" pitchFamily="18" charset="0"/>
                                     </a:rPr>
                                   </m:ctrlPr>
@@ -10082,7 +10375,7 @@
                                     <m:sSubPr>
                                       <m:ctrlPr>
                                         <a:rPr kumimoji="1" lang="en-US" altLang="ja-JP" sz="1600" i="1" dirty="0" smtClean="0">
-                                          <a:latin typeface="Cambria Math"/>
+                                          <a:latin typeface="Cambria Math" panose="02040503050406030204" pitchFamily="18" charset="0"/>
                                         </a:rPr>
                                       </m:ctrlPr>
                                     </m:sSubPr>
@@ -10113,7 +10406,7 @@
                                     <m:sSupPr>
                                       <m:ctrlPr>
                                         <a:rPr kumimoji="1" lang="en-US" altLang="ja-JP" sz="1600" i="1" dirty="0" smtClean="0">
-                                          <a:latin typeface="Cambria Math"/>
+                                          <a:latin typeface="Cambria Math" panose="02040503050406030204" pitchFamily="18" charset="0"/>
                                         </a:rPr>
                                       </m:ctrlPr>
                                     </m:sSupPr>
@@ -10182,7 +10475,7 @@
                                     <m:degHide m:val="on"/>
                                     <m:ctrlPr>
                                       <a:rPr kumimoji="1" lang="en-US" altLang="ja-JP" sz="1600" b="0" i="1" smtClean="0">
-                                        <a:latin typeface="Cambria Math"/>
+                                        <a:latin typeface="Cambria Math" panose="02040503050406030204" pitchFamily="18" charset="0"/>
                                         <a:ea typeface="Cambria Math" panose="02040503050406030204" pitchFamily="18" charset="0"/>
                                       </a:rPr>
                                     </m:ctrlPr>
@@ -10193,7 +10486,7 @@
                                       <m:sSupPr>
                                         <m:ctrlPr>
                                           <a:rPr kumimoji="1" lang="en-US" altLang="ja-JP" sz="1600" b="0" i="1" smtClean="0">
-                                            <a:latin typeface="Cambria Math"/>
+                                            <a:latin typeface="Cambria Math" panose="02040503050406030204" pitchFamily="18" charset="0"/>
                                             <a:ea typeface="Cambria Math" panose="02040503050406030204" pitchFamily="18" charset="0"/>
                                           </a:rPr>
                                         </m:ctrlPr>
@@ -10203,7 +10496,7 @@
                                           <m:dPr>
                                             <m:ctrlPr>
                                               <a:rPr kumimoji="1" lang="en-US" altLang="ja-JP" sz="1600" b="0" i="1" smtClean="0">
-                                                <a:latin typeface="Cambria Math"/>
+                                                <a:latin typeface="Cambria Math" panose="02040503050406030204" pitchFamily="18" charset="0"/>
                                                 <a:ea typeface="Cambria Math" panose="02040503050406030204" pitchFamily="18" charset="0"/>
                                               </a:rPr>
                                             </m:ctrlPr>
@@ -10213,7 +10506,7 @@
                                               <m:sSubPr>
                                                 <m:ctrlPr>
                                                   <a:rPr kumimoji="1" lang="en-US" altLang="ja-JP" sz="1600" i="1" dirty="0" smtClean="0">
-                                                    <a:latin typeface="Cambria Math"/>
+                                                    <a:latin typeface="Cambria Math" panose="02040503050406030204" pitchFamily="18" charset="0"/>
                                                   </a:rPr>
                                                 </m:ctrlPr>
                                               </m:sSubPr>
@@ -10244,7 +10537,7 @@
                                               <m:sSupPr>
                                                 <m:ctrlPr>
                                                   <a:rPr kumimoji="1" lang="en-US" altLang="ja-JP" sz="1600" i="1" dirty="0" smtClean="0">
-                                                    <a:latin typeface="Cambria Math"/>
+                                                    <a:latin typeface="Cambria Math" panose="02040503050406030204" pitchFamily="18" charset="0"/>
                                                   </a:rPr>
                                                 </m:ctrlPr>
                                               </m:sSupPr>
@@ -10289,7 +10582,7 @@
                                       <m:sSupPr>
                                         <m:ctrlPr>
                                           <a:rPr kumimoji="1" lang="en-US" altLang="ja-JP" sz="1600" b="0" i="1" smtClean="0">
-                                            <a:latin typeface="Cambria Math"/>
+                                            <a:latin typeface="Cambria Math" panose="02040503050406030204" pitchFamily="18" charset="0"/>
                                             <a:ea typeface="Cambria Math" panose="02040503050406030204" pitchFamily="18" charset="0"/>
                                           </a:rPr>
                                         </m:ctrlPr>
@@ -10299,7 +10592,7 @@
                                           <m:dPr>
                                             <m:ctrlPr>
                                               <a:rPr kumimoji="1" lang="en-US" altLang="ja-JP" sz="1600" b="0" i="1" smtClean="0">
-                                                <a:latin typeface="Cambria Math"/>
+                                                <a:latin typeface="Cambria Math" panose="02040503050406030204" pitchFamily="18" charset="0"/>
                                                 <a:ea typeface="Cambria Math" panose="02040503050406030204" pitchFamily="18" charset="0"/>
                                               </a:rPr>
                                             </m:ctrlPr>
@@ -10309,7 +10602,7 @@
                                               <m:sSubPr>
                                                 <m:ctrlPr>
                                                   <a:rPr kumimoji="1" lang="en-US" altLang="ja-JP" sz="1600" i="1" dirty="0" smtClean="0">
-                                                    <a:latin typeface="Cambria Math"/>
+                                                    <a:latin typeface="Cambria Math" panose="02040503050406030204" pitchFamily="18" charset="0"/>
                                                   </a:rPr>
                                                 </m:ctrlPr>
                                               </m:sSubPr>
@@ -10340,7 +10633,7 @@
                                               <m:sSupPr>
                                                 <m:ctrlPr>
                                                   <a:rPr kumimoji="1" lang="en-US" altLang="ja-JP" sz="1600" i="1" dirty="0" smtClean="0">
-                                                    <a:latin typeface="Cambria Math"/>
+                                                    <a:latin typeface="Cambria Math" panose="02040503050406030204" pitchFamily="18" charset="0"/>
                                                   </a:rPr>
                                                 </m:ctrlPr>
                                               </m:sSupPr>
@@ -10407,7 +10700,7 @@
                     </a:tc>
                     <a:extLst>
                       <a:ext uri="{0D108BD9-81ED-4DB2-BD59-A6C34878D82A}">
-                        <a16:rowId xmlns="" xmlns:a16="http://schemas.microsoft.com/office/drawing/2014/main" val="4079606163"/>
+                        <a16:rowId xmlns:a16="http://schemas.microsoft.com/office/drawing/2014/main" val="4079606163"/>
                       </a:ext>
                     </a:extLst>
                   </a:tr>
@@ -10422,7 +10715,7 @@
               <p:cNvPr id="78" name="表 77">
                 <a:extLst>
                   <a:ext uri="{FF2B5EF4-FFF2-40B4-BE49-F238E27FC236}">
-                    <a16:creationId xmlns:a16="http://schemas.microsoft.com/office/drawing/2014/main" xmlns:a14="http://schemas.microsoft.com/office/drawing/2010/main" xmlns="" id="{D8870D03-17BD-4F1C-9875-C993B96049F6}"/>
+                    <a16:creationId xmlns:a16="http://schemas.microsoft.com/office/drawing/2014/main" id="{D8870D03-17BD-4F1C-9875-C993B96049F6}"/>
                   </a:ext>
                 </a:extLst>
               </p:cNvPr>
@@ -10432,14 +10725,14 @@
               <p:nvPr>
                 <p:extLst>
                   <p:ext uri="{D42A27DB-BD31-4B8C-83A1-F6EECF244321}">
-                    <p14:modId xmlns:p14="http://schemas.microsoft.com/office/powerpoint/2010/main" val="1645600474"/>
+                    <p14:modId xmlns:p14="http://schemas.microsoft.com/office/powerpoint/2010/main" val="106316989"/>
                   </p:ext>
                 </p:extLst>
               </p:nvPr>
             </p:nvGraphicFramePr>
             <p:xfrm>
-              <a:off x="214859" y="8974146"/>
-              <a:ext cx="3237472" cy="1715688"/>
+              <a:off x="116855" y="8974146"/>
+              <a:ext cx="3335476" cy="1621365"/>
             </p:xfrm>
             <a:graphic>
               <a:graphicData uri="http://schemas.openxmlformats.org/drawingml/2006/table">
@@ -10448,10 +10741,10 @@
                     <a:tableStyleId>{93296810-A885-4BE3-A3E7-6D5BEEA58F35}</a:tableStyleId>
                   </a:tblPr>
                   <a:tblGrid>
-                    <a:gridCol w="3237472">
+                    <a:gridCol w="3335476">
                       <a:extLst>
                         <a:ext uri="{9D8B030D-6E8A-4147-A177-3AD203B41FA5}">
-                          <a16:colId xmlns:a16="http://schemas.microsoft.com/office/drawing/2014/main" xmlns:a14="http://schemas.microsoft.com/office/drawing/2010/main" xmlns="" val="4257854261"/>
+                          <a16:colId xmlns:a16="http://schemas.microsoft.com/office/drawing/2014/main" val="4257854261"/>
                         </a:ext>
                       </a:extLst>
                     </a:gridCol>
@@ -10472,11 +10765,11 @@
                     </a:tc>
                     <a:extLst>
                       <a:ext uri="{0D108BD9-81ED-4DB2-BD59-A6C34878D82A}">
-                        <a16:rowId xmlns:a16="http://schemas.microsoft.com/office/drawing/2014/main" xmlns:a14="http://schemas.microsoft.com/office/drawing/2010/main" xmlns="" val="2658307080"/>
+                        <a16:rowId xmlns:a16="http://schemas.microsoft.com/office/drawing/2014/main" val="2658307080"/>
                       </a:ext>
                     </a:extLst>
                   </a:tr>
-                  <a:tr h="1362075">
+                  <a:tr h="1267752">
                     <a:tc>
                       <a:txBody>
                         <a:bodyPr/>
@@ -10486,17 +10779,17 @@
                         </a:p>
                       </a:txBody>
                       <a:tcPr>
-                        <a:blipFill rotWithShape="1">
+                        <a:blipFill>
                           <a:blip r:embed="rId12"/>
                           <a:stretch>
-                            <a:fillRect t="-28125" r="-188" b="-2679"/>
+                            <a:fillRect l="-182" t="-30144" r="-730" b="-957"/>
                           </a:stretch>
                         </a:blipFill>
                       </a:tcPr>
                     </a:tc>
                     <a:extLst>
                       <a:ext uri="{0D108BD9-81ED-4DB2-BD59-A6C34878D82A}">
-                        <a16:rowId xmlns:a16="http://schemas.microsoft.com/office/drawing/2014/main" xmlns:a14="http://schemas.microsoft.com/office/drawing/2010/main" xmlns="" val="4079606163"/>
+                        <a16:rowId xmlns:a16="http://schemas.microsoft.com/office/drawing/2014/main" val="4079606163"/>
                       </a:ext>
                     </a:extLst>
                   </a:tr>
@@ -10511,7 +10804,7 @@
           <p:cNvPr id="35" name="テキスト ボックス 34">
             <a:extLst>
               <a:ext uri="{FF2B5EF4-FFF2-40B4-BE49-F238E27FC236}">
-                <a16:creationId xmlns="" xmlns:a16="http://schemas.microsoft.com/office/drawing/2014/main" id="{F50E2D2A-6BE4-4D10-8534-72BD6B251F11}"/>
+                <a16:creationId xmlns:a16="http://schemas.microsoft.com/office/drawing/2014/main" id="{F50E2D2A-6BE4-4D10-8534-72BD6B251F11}"/>
               </a:ext>
             </a:extLst>
           </p:cNvPr>
@@ -10593,7 +10886,7 @@
           <p:cNvPr id="36" name="テキスト ボックス 35">
             <a:extLst>
               <a:ext uri="{FF2B5EF4-FFF2-40B4-BE49-F238E27FC236}">
-                <a16:creationId xmlns="" xmlns:a16="http://schemas.microsoft.com/office/drawing/2014/main" id="{80A10177-E7F9-4926-BE64-4C9FF4A4E8D9}"/>
+                <a16:creationId xmlns:a16="http://schemas.microsoft.com/office/drawing/2014/main" id="{80A10177-E7F9-4926-BE64-4C9FF4A4E8D9}"/>
               </a:ext>
             </a:extLst>
           </p:cNvPr>
@@ -10632,7 +10925,7 @@
           <p:cNvPr id="4" name="図 3">
             <a:extLst>
               <a:ext uri="{FF2B5EF4-FFF2-40B4-BE49-F238E27FC236}">
-                <a16:creationId xmlns="" xmlns:a16="http://schemas.microsoft.com/office/drawing/2014/main" id="{94C77BC2-AE40-4EF0-81CC-7C421573D762}"/>
+                <a16:creationId xmlns:a16="http://schemas.microsoft.com/office/drawing/2014/main" id="{94C77BC2-AE40-4EF0-81CC-7C421573D762}"/>
               </a:ext>
             </a:extLst>
           </p:cNvPr>
@@ -10679,7 +10972,7 @@
           <p:cNvPr id="12" name="直線矢印コネクタ 11">
             <a:extLst>
               <a:ext uri="{FF2B5EF4-FFF2-40B4-BE49-F238E27FC236}">
-                <a16:creationId xmlns="" xmlns:a16="http://schemas.microsoft.com/office/drawing/2014/main" id="{B224E947-D0C6-4ABF-B406-1095292D243E}"/>
+                <a16:creationId xmlns:a16="http://schemas.microsoft.com/office/drawing/2014/main" id="{B224E947-D0C6-4ABF-B406-1095292D243E}"/>
               </a:ext>
             </a:extLst>
           </p:cNvPr>
@@ -10727,7 +11020,7 @@
           <p:cNvPr id="28" name="テキスト ボックス 27">
             <a:extLst>
               <a:ext uri="{FF2B5EF4-FFF2-40B4-BE49-F238E27FC236}">
-                <a16:creationId xmlns="" xmlns:a16="http://schemas.microsoft.com/office/drawing/2014/main" id="{994C079B-21F4-44C9-999E-02E7DCCDD12E}"/>
+                <a16:creationId xmlns:a16="http://schemas.microsoft.com/office/drawing/2014/main" id="{994C079B-21F4-44C9-999E-02E7DCCDD12E}"/>
               </a:ext>
             </a:extLst>
           </p:cNvPr>
@@ -10759,7 +11052,7 @@
           <p:cNvPr id="29" name="テキスト ボックス 28">
             <a:extLst>
               <a:ext uri="{FF2B5EF4-FFF2-40B4-BE49-F238E27FC236}">
-                <a16:creationId xmlns="" xmlns:a16="http://schemas.microsoft.com/office/drawing/2014/main" id="{F2364D31-DAEA-48BD-980F-592EFBE076E2}"/>
+                <a16:creationId xmlns:a16="http://schemas.microsoft.com/office/drawing/2014/main" id="{F2364D31-DAEA-48BD-980F-592EFBE076E2}"/>
               </a:ext>
             </a:extLst>
           </p:cNvPr>
@@ -10791,7 +11084,7 @@
           <p:cNvPr id="66" name="直線矢印コネクタ 65">
             <a:extLst>
               <a:ext uri="{FF2B5EF4-FFF2-40B4-BE49-F238E27FC236}">
-                <a16:creationId xmlns="" xmlns:a16="http://schemas.microsoft.com/office/drawing/2014/main" id="{75B95454-F7F2-431B-92D2-1DF48CD3EC9F}"/>
+                <a16:creationId xmlns:a16="http://schemas.microsoft.com/office/drawing/2014/main" id="{75B95454-F7F2-431B-92D2-1DF48CD3EC9F}"/>
               </a:ext>
             </a:extLst>
           </p:cNvPr>
@@ -10839,7 +11132,7 @@
           <p:cNvPr id="17" name="直線コネクタ 16">
             <a:extLst>
               <a:ext uri="{FF2B5EF4-FFF2-40B4-BE49-F238E27FC236}">
-                <a16:creationId xmlns="" xmlns:a16="http://schemas.microsoft.com/office/drawing/2014/main" id="{3E9840AF-FE4A-49CE-9515-87A9726F5C74}"/>
+                <a16:creationId xmlns:a16="http://schemas.microsoft.com/office/drawing/2014/main" id="{3E9840AF-FE4A-49CE-9515-87A9726F5C74}"/>
               </a:ext>
             </a:extLst>
           </p:cNvPr>
@@ -10892,7 +11185,7 @@
           <p:cNvPr id="49" name="直線コネクタ 48">
             <a:extLst>
               <a:ext uri="{FF2B5EF4-FFF2-40B4-BE49-F238E27FC236}">
-                <a16:creationId xmlns="" xmlns:a16="http://schemas.microsoft.com/office/drawing/2014/main" id="{FFAEDAF9-EC1D-427D-B3F1-44813A66AE1B}"/>
+                <a16:creationId xmlns:a16="http://schemas.microsoft.com/office/drawing/2014/main" id="{FFAEDAF9-EC1D-427D-B3F1-44813A66AE1B}"/>
               </a:ext>
             </a:extLst>
           </p:cNvPr>
@@ -10945,7 +11238,7 @@
           <p:cNvPr id="30" name="アーチ 29">
             <a:extLst>
               <a:ext uri="{FF2B5EF4-FFF2-40B4-BE49-F238E27FC236}">
-                <a16:creationId xmlns="" xmlns:a16="http://schemas.microsoft.com/office/drawing/2014/main" id="{3594749B-9E3C-4D06-97BD-F06E15C8144F}"/>
+                <a16:creationId xmlns:a16="http://schemas.microsoft.com/office/drawing/2014/main" id="{3594749B-9E3C-4D06-97BD-F06E15C8144F}"/>
               </a:ext>
             </a:extLst>
           </p:cNvPr>
@@ -11013,7 +11306,7 @@
           <p:cNvPr id="69" name="アーチ 68">
             <a:extLst>
               <a:ext uri="{FF2B5EF4-FFF2-40B4-BE49-F238E27FC236}">
-                <a16:creationId xmlns="" xmlns:a16="http://schemas.microsoft.com/office/drawing/2014/main" id="{6838912E-9057-4A2A-BDE3-6B477D36E3F6}"/>
+                <a16:creationId xmlns:a16="http://schemas.microsoft.com/office/drawing/2014/main" id="{6838912E-9057-4A2A-BDE3-6B477D36E3F6}"/>
               </a:ext>
             </a:extLst>
           </p:cNvPr>
@@ -11069,7 +11362,7 @@
               <p:cNvPr id="34" name="正方形/長方形 33">
                 <a:extLst>
                   <a:ext uri="{FF2B5EF4-FFF2-40B4-BE49-F238E27FC236}">
-                    <a16:creationId xmlns="" xmlns:a16="http://schemas.microsoft.com/office/drawing/2014/main" id="{479E6BF4-DC65-472B-98A3-9C6B4BD99DE5}"/>
+                    <a16:creationId xmlns:a16="http://schemas.microsoft.com/office/drawing/2014/main" id="{479E6BF4-DC65-472B-98A3-9C6B4BD99DE5}"/>
                   </a:ext>
                 </a:extLst>
               </p:cNvPr>
@@ -11112,7 +11405,7 @@
                               <a:solidFill>
                                 <a:srgbClr val="BBE0E3"/>
                               </a:solidFill>
-                              <a:latin typeface="Cambria Math"/>
+                              <a:latin typeface="Cambria Math" panose="02040503050406030204" pitchFamily="18" charset="0"/>
                             </a:rPr>
                           </m:ctrlPr>
                         </m:sSupPr>
@@ -11222,7 +11515,7 @@
           <p:cNvPr id="70" name="二等辺三角形 69">
             <a:extLst>
               <a:ext uri="{FF2B5EF4-FFF2-40B4-BE49-F238E27FC236}">
-                <a16:creationId xmlns="" xmlns:a16="http://schemas.microsoft.com/office/drawing/2014/main" id="{6A380BDF-CE2C-4017-9FBB-FC23849E4B11}"/>
+                <a16:creationId xmlns:a16="http://schemas.microsoft.com/office/drawing/2014/main" id="{6A380BDF-CE2C-4017-9FBB-FC23849E4B11}"/>
               </a:ext>
             </a:extLst>
           </p:cNvPr>
@@ -11288,7 +11581,7 @@
               <p:cNvPr id="71" name="正方形/長方形 70">
                 <a:extLst>
                   <a:ext uri="{FF2B5EF4-FFF2-40B4-BE49-F238E27FC236}">
-                    <a16:creationId xmlns="" xmlns:a16="http://schemas.microsoft.com/office/drawing/2014/main" id="{E484752A-DD4F-47CA-ACAB-3F7052F3E627}"/>
+                    <a16:creationId xmlns:a16="http://schemas.microsoft.com/office/drawing/2014/main" id="{E484752A-DD4F-47CA-ACAB-3F7052F3E627}"/>
                   </a:ext>
                 </a:extLst>
               </p:cNvPr>
@@ -11402,7 +11695,7 @@
           <p:cNvPr id="31" name="二等辺三角形 30">
             <a:extLst>
               <a:ext uri="{FF2B5EF4-FFF2-40B4-BE49-F238E27FC236}">
-                <a16:creationId xmlns="" xmlns:a16="http://schemas.microsoft.com/office/drawing/2014/main" id="{BBDB4905-A361-49EC-B203-3B5AAE073CD6}"/>
+                <a16:creationId xmlns:a16="http://schemas.microsoft.com/office/drawing/2014/main" id="{BBDB4905-A361-49EC-B203-3B5AAE073CD6}"/>
               </a:ext>
             </a:extLst>
           </p:cNvPr>
@@ -11468,7 +11761,7 @@
               <p:cNvPr id="82" name="テキスト ボックス 81">
                 <a:extLst>
                   <a:ext uri="{FF2B5EF4-FFF2-40B4-BE49-F238E27FC236}">
-                    <a16:creationId xmlns="" xmlns:a16="http://schemas.microsoft.com/office/drawing/2014/main" id="{2C0B3106-A5DC-4832-AEBD-DB7258998DBB}"/>
+                    <a16:creationId xmlns:a16="http://schemas.microsoft.com/office/drawing/2014/main" id="{2C0B3106-A5DC-4832-AEBD-DB7258998DBB}"/>
                   </a:ext>
                 </a:extLst>
               </p:cNvPr>
@@ -11550,7 +11843,7 @@
                         <m:funcPr>
                           <m:ctrlPr>
                             <a:rPr lang="en-US" altLang="ja-JP" i="1">
-                              <a:latin typeface="Cambria Math"/>
+                              <a:latin typeface="Cambria Math" panose="02040503050406030204" pitchFamily="18" charset="0"/>
                             </a:rPr>
                           </m:ctrlPr>
                         </m:funcPr>
@@ -11559,7 +11852,7 @@
                             <m:sSupPr>
                               <m:ctrlPr>
                                 <a:rPr lang="en-US" altLang="ja-JP" i="1">
-                                  <a:latin typeface="Cambria Math"/>
+                                  <a:latin typeface="Cambria Math" panose="02040503050406030204" pitchFamily="18" charset="0"/>
                                 </a:rPr>
                               </m:ctrlPr>
                             </m:sSupPr>
@@ -11589,7 +11882,7 @@
                             <m:fPr>
                               <m:ctrlPr>
                                 <a:rPr lang="en-US" altLang="ja-JP" i="1">
-                                  <a:latin typeface="Cambria Math"/>
+                                  <a:latin typeface="Cambria Math" panose="02040503050406030204" pitchFamily="18" charset="0"/>
                                 </a:rPr>
                               </m:ctrlPr>
                             </m:fPr>
@@ -11598,7 +11891,7 @@
                                 <m:sSubPr>
                                   <m:ctrlPr>
                                     <a:rPr kumimoji="1" lang="en-US" altLang="ja-JP" i="1" dirty="0">
-                                      <a:latin typeface="Cambria Math"/>
+                                      <a:latin typeface="Cambria Math" panose="02040503050406030204" pitchFamily="18" charset="0"/>
                                     </a:rPr>
                                   </m:ctrlPr>
                                 </m:sSubPr>
@@ -11629,7 +11922,7 @@
                                 <m:sSupPr>
                                   <m:ctrlPr>
                                     <a:rPr kumimoji="1" lang="en-US" altLang="ja-JP" i="1" dirty="0">
-                                      <a:latin typeface="Cambria Math"/>
+                                      <a:latin typeface="Cambria Math" panose="02040503050406030204" pitchFamily="18" charset="0"/>
                                     </a:rPr>
                                   </m:ctrlPr>
                                 </m:sSupPr>
@@ -11656,7 +11949,7 @@
                                 <m:sSubPr>
                                   <m:ctrlPr>
                                     <a:rPr kumimoji="1" lang="en-US" altLang="ja-JP" i="1" dirty="0">
-                                      <a:latin typeface="Cambria Math"/>
+                                      <a:latin typeface="Cambria Math" panose="02040503050406030204" pitchFamily="18" charset="0"/>
                                     </a:rPr>
                                   </m:ctrlPr>
                                 </m:sSubPr>
@@ -11687,7 +11980,7 @@
                                 <m:sSupPr>
                                   <m:ctrlPr>
                                     <a:rPr kumimoji="1" lang="en-US" altLang="ja-JP" i="1" dirty="0">
-                                      <a:latin typeface="Cambria Math"/>
+                                      <a:latin typeface="Cambria Math" panose="02040503050406030204" pitchFamily="18" charset="0"/>
                                     </a:rPr>
                                   </m:ctrlPr>
                                 </m:sSupPr>
@@ -11747,7 +12040,7 @@
                       <m:sSupPr>
                         <m:ctrlPr>
                           <a:rPr kumimoji="1" lang="en-US" altLang="ja-JP" i="1" dirty="0">
-                            <a:latin typeface="Cambria Math"/>
+                            <a:latin typeface="Cambria Math" panose="02040503050406030204" pitchFamily="18" charset="0"/>
                           </a:rPr>
                         </m:ctrlPr>
                       </m:sSupPr>
@@ -11834,7 +12127,7 @@
           <p:cNvPr id="87" name="正方形/長方形 86">
             <a:extLst>
               <a:ext uri="{FF2B5EF4-FFF2-40B4-BE49-F238E27FC236}">
-                <a16:creationId xmlns="" xmlns:a16="http://schemas.microsoft.com/office/drawing/2014/main" id="{C33676BC-3895-41DC-BAD3-3ECF1D481CDF}"/>
+                <a16:creationId xmlns:a16="http://schemas.microsoft.com/office/drawing/2014/main" id="{C33676BC-3895-41DC-BAD3-3ECF1D481CDF}"/>
               </a:ext>
             </a:extLst>
           </p:cNvPr>
@@ -11904,7 +12197,7 @@
               <p:cNvPr id="86" name="正方形/長方形 85">
                 <a:extLst>
                   <a:ext uri="{FF2B5EF4-FFF2-40B4-BE49-F238E27FC236}">
-                    <a16:creationId xmlns="" xmlns:a16="http://schemas.microsoft.com/office/drawing/2014/main" id="{733C53D8-5124-4714-92A7-2EBCB46300C1}"/>
+                    <a16:creationId xmlns:a16="http://schemas.microsoft.com/office/drawing/2014/main" id="{733C53D8-5124-4714-92A7-2EBCB46300C1}"/>
                   </a:ext>
                 </a:extLst>
               </p:cNvPr>
@@ -11943,7 +12236,7 @@
                         <m:sSubPr>
                           <m:ctrlPr>
                             <a:rPr kumimoji="1" lang="en-US" altLang="ja-JP" i="1" dirty="0">
-                              <a:latin typeface="Cambria Math"/>
+                              <a:latin typeface="Cambria Math" panose="02040503050406030204" pitchFamily="18" charset="0"/>
                             </a:rPr>
                           </m:ctrlPr>
                         </m:sSubPr>
@@ -11974,7 +12267,7 @@
                         <m:sSubPr>
                           <m:ctrlPr>
                             <a:rPr kumimoji="1" lang="en-US" altLang="ja-JP" i="1" dirty="0">
-                              <a:latin typeface="Cambria Math"/>
+                              <a:latin typeface="Cambria Math" panose="02040503050406030204" pitchFamily="18" charset="0"/>
                             </a:rPr>
                           </m:ctrlPr>
                         </m:sSubPr>
@@ -12059,7 +12352,7 @@
           <p:cNvPr id="88" name="正方形/長方形 87">
             <a:extLst>
               <a:ext uri="{FF2B5EF4-FFF2-40B4-BE49-F238E27FC236}">
-                <a16:creationId xmlns="" xmlns:a16="http://schemas.microsoft.com/office/drawing/2014/main" id="{50025D24-20F1-4647-A2C2-908456F119D1}"/>
+                <a16:creationId xmlns:a16="http://schemas.microsoft.com/office/drawing/2014/main" id="{50025D24-20F1-4647-A2C2-908456F119D1}"/>
               </a:ext>
             </a:extLst>
           </p:cNvPr>
@@ -12129,7 +12422,7 @@
               <p:cNvPr id="89" name="正方形/長方形 88">
                 <a:extLst>
                   <a:ext uri="{FF2B5EF4-FFF2-40B4-BE49-F238E27FC236}">
-                    <a16:creationId xmlns="" xmlns:a16="http://schemas.microsoft.com/office/drawing/2014/main" id="{635CAB8E-8C8D-422C-B180-D929FE84B0D5}"/>
+                    <a16:creationId xmlns:a16="http://schemas.microsoft.com/office/drawing/2014/main" id="{635CAB8E-8C8D-422C-B180-D929FE84B0D5}"/>
                   </a:ext>
                 </a:extLst>
               </p:cNvPr>
@@ -12168,7 +12461,7 @@
                         <m:sSupPr>
                           <m:ctrlPr>
                             <a:rPr kumimoji="1" lang="en-US" altLang="ja-JP" i="1" dirty="0">
-                              <a:latin typeface="Cambria Math"/>
+                              <a:latin typeface="Cambria Math" panose="02040503050406030204" pitchFamily="18" charset="0"/>
                             </a:rPr>
                           </m:ctrlPr>
                         </m:sSupPr>
@@ -12199,7 +12492,7 @@
                         <m:sSupPr>
                           <m:ctrlPr>
                             <a:rPr kumimoji="1" lang="en-US" altLang="ja-JP" i="1" dirty="0">
-                              <a:latin typeface="Cambria Math"/>
+                              <a:latin typeface="Cambria Math" panose="02040503050406030204" pitchFamily="18" charset="0"/>
                             </a:rPr>
                           </m:ctrlPr>
                         </m:sSupPr>
@@ -12284,7 +12577,7 @@
           <p:cNvPr id="91" name="正方形/長方形 90">
             <a:extLst>
               <a:ext uri="{FF2B5EF4-FFF2-40B4-BE49-F238E27FC236}">
-                <a16:creationId xmlns="" xmlns:a16="http://schemas.microsoft.com/office/drawing/2014/main" id="{2D83F131-10C0-47EA-9C04-5D8A673C05C0}"/>
+                <a16:creationId xmlns:a16="http://schemas.microsoft.com/office/drawing/2014/main" id="{2D83F131-10C0-47EA-9C04-5D8A673C05C0}"/>
               </a:ext>
             </a:extLst>
           </p:cNvPr>
@@ -12332,7 +12625,7 @@
           <p:cNvPr id="92" name="図 91">
             <a:extLst>
               <a:ext uri="{FF2B5EF4-FFF2-40B4-BE49-F238E27FC236}">
-                <a16:creationId xmlns="" xmlns:a16="http://schemas.microsoft.com/office/drawing/2014/main" id="{E0E8D75D-BB35-4248-A4CF-8B3673166989}"/>
+                <a16:creationId xmlns:a16="http://schemas.microsoft.com/office/drawing/2014/main" id="{E0E8D75D-BB35-4248-A4CF-8B3673166989}"/>
               </a:ext>
             </a:extLst>
           </p:cNvPr>
@@ -12379,7 +12672,7 @@
           <p:cNvPr id="94" name="直線矢印コネクタ 93">
             <a:extLst>
               <a:ext uri="{FF2B5EF4-FFF2-40B4-BE49-F238E27FC236}">
-                <a16:creationId xmlns="" xmlns:a16="http://schemas.microsoft.com/office/drawing/2014/main" id="{E531ECA8-559E-4710-9392-A59BF23BF600}"/>
+                <a16:creationId xmlns:a16="http://schemas.microsoft.com/office/drawing/2014/main" id="{E531ECA8-559E-4710-9392-A59BF23BF600}"/>
               </a:ext>
             </a:extLst>
           </p:cNvPr>
@@ -12427,7 +12720,7 @@
           <p:cNvPr id="103" name="テキスト ボックス 102">
             <a:extLst>
               <a:ext uri="{FF2B5EF4-FFF2-40B4-BE49-F238E27FC236}">
-                <a16:creationId xmlns="" xmlns:a16="http://schemas.microsoft.com/office/drawing/2014/main" id="{7FD33B6C-2C7A-46EF-88D1-D790D6665B54}"/>
+                <a16:creationId xmlns:a16="http://schemas.microsoft.com/office/drawing/2014/main" id="{7FD33B6C-2C7A-46EF-88D1-D790D6665B54}"/>
               </a:ext>
             </a:extLst>
           </p:cNvPr>
@@ -12490,7 +12783,7 @@
           <p:cNvPr id="104" name="正方形/長方形 103">
             <a:extLst>
               <a:ext uri="{FF2B5EF4-FFF2-40B4-BE49-F238E27FC236}">
-                <a16:creationId xmlns="" xmlns:a16="http://schemas.microsoft.com/office/drawing/2014/main" id="{152DC122-6CC8-4781-A703-E4BEBEF3F0B6}"/>
+                <a16:creationId xmlns:a16="http://schemas.microsoft.com/office/drawing/2014/main" id="{152DC122-6CC8-4781-A703-E4BEBEF3F0B6}"/>
               </a:ext>
             </a:extLst>
           </p:cNvPr>
@@ -12560,7 +12853,7 @@
               <p:cNvPr id="105" name="正方形/長方形 104">
                 <a:extLst>
                   <a:ext uri="{FF2B5EF4-FFF2-40B4-BE49-F238E27FC236}">
-                    <a16:creationId xmlns="" xmlns:a16="http://schemas.microsoft.com/office/drawing/2014/main" id="{94DA5EA6-AB92-4E16-B5C6-A77707F3C6BC}"/>
+                    <a16:creationId xmlns:a16="http://schemas.microsoft.com/office/drawing/2014/main" id="{94DA5EA6-AB92-4E16-B5C6-A77707F3C6BC}"/>
                   </a:ext>
                 </a:extLst>
               </p:cNvPr>
@@ -12599,7 +12892,7 @@
                         <m:sSubPr>
                           <m:ctrlPr>
                             <a:rPr kumimoji="1" lang="en-US" altLang="ja-JP" i="1" dirty="0">
-                              <a:latin typeface="Cambria Math"/>
+                              <a:latin typeface="Cambria Math" panose="02040503050406030204" pitchFamily="18" charset="0"/>
                             </a:rPr>
                           </m:ctrlPr>
                         </m:sSubPr>
@@ -12630,7 +12923,7 @@
                         <m:sSubPr>
                           <m:ctrlPr>
                             <a:rPr kumimoji="1" lang="en-US" altLang="ja-JP" i="1" dirty="0">
-                              <a:latin typeface="Cambria Math"/>
+                              <a:latin typeface="Cambria Math" panose="02040503050406030204" pitchFamily="18" charset="0"/>
                             </a:rPr>
                           </m:ctrlPr>
                         </m:sSubPr>
@@ -12715,7 +13008,7 @@
           <p:cNvPr id="110" name="直線矢印コネクタ 109">
             <a:extLst>
               <a:ext uri="{FF2B5EF4-FFF2-40B4-BE49-F238E27FC236}">
-                <a16:creationId xmlns="" xmlns:a16="http://schemas.microsoft.com/office/drawing/2014/main" id="{3FF1180F-F897-4B6C-8283-0CDAB3551F86}"/>
+                <a16:creationId xmlns:a16="http://schemas.microsoft.com/office/drawing/2014/main" id="{3FF1180F-F897-4B6C-8283-0CDAB3551F86}"/>
               </a:ext>
             </a:extLst>
           </p:cNvPr>
@@ -12763,7 +13056,7 @@
           <p:cNvPr id="111" name="直線矢印コネクタ 110">
             <a:extLst>
               <a:ext uri="{FF2B5EF4-FFF2-40B4-BE49-F238E27FC236}">
-                <a16:creationId xmlns="" xmlns:a16="http://schemas.microsoft.com/office/drawing/2014/main" id="{0C85D743-74D1-4E23-8E7B-40BB45BBFB24}"/>
+                <a16:creationId xmlns:a16="http://schemas.microsoft.com/office/drawing/2014/main" id="{0C85D743-74D1-4E23-8E7B-40BB45BBFB24}"/>
               </a:ext>
             </a:extLst>
           </p:cNvPr>
@@ -12811,7 +13104,7 @@
           <p:cNvPr id="112" name="直線コネクタ 111">
             <a:extLst>
               <a:ext uri="{FF2B5EF4-FFF2-40B4-BE49-F238E27FC236}">
-                <a16:creationId xmlns="" xmlns:a16="http://schemas.microsoft.com/office/drawing/2014/main" id="{80320F48-0580-4151-94D8-C66CBC812DBA}"/>
+                <a16:creationId xmlns:a16="http://schemas.microsoft.com/office/drawing/2014/main" id="{80320F48-0580-4151-94D8-C66CBC812DBA}"/>
               </a:ext>
             </a:extLst>
           </p:cNvPr>
@@ -12864,7 +13157,7 @@
           <p:cNvPr id="113" name="直線コネクタ 112">
             <a:extLst>
               <a:ext uri="{FF2B5EF4-FFF2-40B4-BE49-F238E27FC236}">
-                <a16:creationId xmlns="" xmlns:a16="http://schemas.microsoft.com/office/drawing/2014/main" id="{619E0E60-74FC-448A-B18B-0A2D26650342}"/>
+                <a16:creationId xmlns:a16="http://schemas.microsoft.com/office/drawing/2014/main" id="{619E0E60-74FC-448A-B18B-0A2D26650342}"/>
               </a:ext>
             </a:extLst>
           </p:cNvPr>
@@ -12917,7 +13210,7 @@
           <p:cNvPr id="114" name="アーチ 113">
             <a:extLst>
               <a:ext uri="{FF2B5EF4-FFF2-40B4-BE49-F238E27FC236}">
-                <a16:creationId xmlns="" xmlns:a16="http://schemas.microsoft.com/office/drawing/2014/main" id="{905B48A5-BA46-4EA5-A688-542BC9CDF32B}"/>
+                <a16:creationId xmlns:a16="http://schemas.microsoft.com/office/drawing/2014/main" id="{905B48A5-BA46-4EA5-A688-542BC9CDF32B}"/>
               </a:ext>
             </a:extLst>
           </p:cNvPr>
@@ -12985,7 +13278,7 @@
           <p:cNvPr id="121" name="正方形/長方形 120">
             <a:extLst>
               <a:ext uri="{FF2B5EF4-FFF2-40B4-BE49-F238E27FC236}">
-                <a16:creationId xmlns="" xmlns:a16="http://schemas.microsoft.com/office/drawing/2014/main" id="{083DDE67-DF3B-4FA5-BD64-D66CC8D47DE1}"/>
+                <a16:creationId xmlns:a16="http://schemas.microsoft.com/office/drawing/2014/main" id="{083DDE67-DF3B-4FA5-BD64-D66CC8D47DE1}"/>
               </a:ext>
             </a:extLst>
           </p:cNvPr>
@@ -13053,7 +13346,7 @@
           <p:cNvPr id="115" name="アーチ 114">
             <a:extLst>
               <a:ext uri="{FF2B5EF4-FFF2-40B4-BE49-F238E27FC236}">
-                <a16:creationId xmlns="" xmlns:a16="http://schemas.microsoft.com/office/drawing/2014/main" id="{629B5DA3-8DA6-4E27-BEB2-4ED04114D8D9}"/>
+                <a16:creationId xmlns:a16="http://schemas.microsoft.com/office/drawing/2014/main" id="{629B5DA3-8DA6-4E27-BEB2-4ED04114D8D9}"/>
               </a:ext>
             </a:extLst>
           </p:cNvPr>
@@ -13119,7 +13412,7 @@
               <p:cNvPr id="116" name="正方形/長方形 115">
                 <a:extLst>
                   <a:ext uri="{FF2B5EF4-FFF2-40B4-BE49-F238E27FC236}">
-                    <a16:creationId xmlns="" xmlns:a16="http://schemas.microsoft.com/office/drawing/2014/main" id="{43DE9EC5-7FDF-4BB7-8D42-7AA2F47CD76D}"/>
+                    <a16:creationId xmlns:a16="http://schemas.microsoft.com/office/drawing/2014/main" id="{43DE9EC5-7FDF-4BB7-8D42-7AA2F47CD76D}"/>
                   </a:ext>
                 </a:extLst>
               </p:cNvPr>
@@ -13162,7 +13455,7 @@
                               <a:solidFill>
                                 <a:srgbClr val="FFCCCC"/>
                               </a:solidFill>
-                              <a:latin typeface="Cambria Math"/>
+                              <a:latin typeface="Cambria Math" panose="02040503050406030204" pitchFamily="18" charset="0"/>
                             </a:rPr>
                           </m:ctrlPr>
                         </m:sSubPr>
@@ -13272,7 +13565,7 @@
           <p:cNvPr id="117" name="二等辺三角形 116">
             <a:extLst>
               <a:ext uri="{FF2B5EF4-FFF2-40B4-BE49-F238E27FC236}">
-                <a16:creationId xmlns="" xmlns:a16="http://schemas.microsoft.com/office/drawing/2014/main" id="{C67A7D6C-BAA2-4F68-8DBB-FA9599327E5F}"/>
+                <a16:creationId xmlns:a16="http://schemas.microsoft.com/office/drawing/2014/main" id="{C67A7D6C-BAA2-4F68-8DBB-FA9599327E5F}"/>
               </a:ext>
             </a:extLst>
           </p:cNvPr>
@@ -13338,7 +13631,7 @@
               <p:cNvPr id="118" name="正方形/長方形 117">
                 <a:extLst>
                   <a:ext uri="{FF2B5EF4-FFF2-40B4-BE49-F238E27FC236}">
-                    <a16:creationId xmlns="" xmlns:a16="http://schemas.microsoft.com/office/drawing/2014/main" id="{C4C68988-093E-4D2A-87D4-35374120BDA5}"/>
+                    <a16:creationId xmlns:a16="http://schemas.microsoft.com/office/drawing/2014/main" id="{C4C68988-093E-4D2A-87D4-35374120BDA5}"/>
                   </a:ext>
                 </a:extLst>
               </p:cNvPr>
@@ -13452,7 +13745,7 @@
           <p:cNvPr id="119" name="二等辺三角形 118">
             <a:extLst>
               <a:ext uri="{FF2B5EF4-FFF2-40B4-BE49-F238E27FC236}">
-                <a16:creationId xmlns="" xmlns:a16="http://schemas.microsoft.com/office/drawing/2014/main" id="{6AA07F3D-A85C-479A-8496-8D045ADAF755}"/>
+                <a16:creationId xmlns:a16="http://schemas.microsoft.com/office/drawing/2014/main" id="{6AA07F3D-A85C-479A-8496-8D045ADAF755}"/>
               </a:ext>
             </a:extLst>
           </p:cNvPr>
@@ -13518,7 +13811,7 @@
               <p:cNvPr id="120" name="テキスト ボックス 119">
                 <a:extLst>
                   <a:ext uri="{FF2B5EF4-FFF2-40B4-BE49-F238E27FC236}">
-                    <a16:creationId xmlns="" xmlns:a16="http://schemas.microsoft.com/office/drawing/2014/main" id="{A0976309-AD7A-46A7-9682-55A33B77C423}"/>
+                    <a16:creationId xmlns:a16="http://schemas.microsoft.com/office/drawing/2014/main" id="{A0976309-AD7A-46A7-9682-55A33B77C423}"/>
                   </a:ext>
                 </a:extLst>
               </p:cNvPr>
@@ -13601,7 +13894,7 @@
                       <m:sSubPr>
                         <m:ctrlPr>
                           <a:rPr kumimoji="1" lang="en-US" altLang="ja-JP" i="1" dirty="0">
-                            <a:latin typeface="Cambria Math"/>
+                            <a:latin typeface="Cambria Math" panose="02040503050406030204" pitchFamily="18" charset="0"/>
                           </a:rPr>
                         </m:ctrlPr>
                       </m:sSubPr>
@@ -13710,7 +14003,7 @@
               <p:cNvPr id="122" name="正方形/長方形 121">
                 <a:extLst>
                   <a:ext uri="{FF2B5EF4-FFF2-40B4-BE49-F238E27FC236}">
-                    <a16:creationId xmlns="" xmlns:a16="http://schemas.microsoft.com/office/drawing/2014/main" id="{628DE7CA-28AA-4274-82D9-2F86F236B396}"/>
+                    <a16:creationId xmlns:a16="http://schemas.microsoft.com/office/drawing/2014/main" id="{628DE7CA-28AA-4274-82D9-2F86F236B396}"/>
                   </a:ext>
                 </a:extLst>
               </p:cNvPr>
@@ -13749,7 +14042,7 @@
                         <m:sSubPr>
                           <m:ctrlPr>
                             <a:rPr kumimoji="1" lang="en-US" altLang="ja-JP" i="1" dirty="0">
-                              <a:latin typeface="Cambria Math"/>
+                              <a:latin typeface="Cambria Math" panose="02040503050406030204" pitchFamily="18" charset="0"/>
                             </a:rPr>
                           </m:ctrlPr>
                         </m:sSubPr>
@@ -13780,7 +14073,7 @@
                         <m:sSubPr>
                           <m:ctrlPr>
                             <a:rPr kumimoji="1" lang="en-US" altLang="ja-JP" i="1" dirty="0">
-                              <a:latin typeface="Cambria Math"/>
+                              <a:latin typeface="Cambria Math" panose="02040503050406030204" pitchFamily="18" charset="0"/>
                             </a:rPr>
                           </m:ctrlPr>
                         </m:sSubPr>
@@ -13867,7 +14160,7 @@
               <p:cNvPr id="10" name="表 9">
                 <a:extLst>
                   <a:ext uri="{FF2B5EF4-FFF2-40B4-BE49-F238E27FC236}">
-                    <a16:creationId xmlns="" xmlns:a16="http://schemas.microsoft.com/office/drawing/2014/main" id="{6063F000-0F8F-4FAC-9381-B5A5CC415F33}"/>
+                    <a16:creationId xmlns:a16="http://schemas.microsoft.com/office/drawing/2014/main" id="{6063F000-0F8F-4FAC-9381-B5A5CC415F33}"/>
                   </a:ext>
                 </a:extLst>
               </p:cNvPr>
@@ -13896,28 +14189,28 @@
                     <a:gridCol w="710050">
                       <a:extLst>
                         <a:ext uri="{9D8B030D-6E8A-4147-A177-3AD203B41FA5}">
-                          <a16:colId xmlns="" xmlns:a16="http://schemas.microsoft.com/office/drawing/2014/main" val="1136744987"/>
+                          <a16:colId xmlns:a16="http://schemas.microsoft.com/office/drawing/2014/main" val="1136744987"/>
                         </a:ext>
                       </a:extLst>
                     </a:gridCol>
                     <a:gridCol w="1239984">
                       <a:extLst>
                         <a:ext uri="{9D8B030D-6E8A-4147-A177-3AD203B41FA5}">
-                          <a16:colId xmlns="" xmlns:a16="http://schemas.microsoft.com/office/drawing/2014/main" val="4235200062"/>
+                          <a16:colId xmlns:a16="http://schemas.microsoft.com/office/drawing/2014/main" val="4235200062"/>
                         </a:ext>
                       </a:extLst>
                     </a:gridCol>
                     <a:gridCol w="656462">
                       <a:extLst>
                         <a:ext uri="{9D8B030D-6E8A-4147-A177-3AD203B41FA5}">
-                          <a16:colId xmlns="" xmlns:a16="http://schemas.microsoft.com/office/drawing/2014/main" val="988555977"/>
+                          <a16:colId xmlns:a16="http://schemas.microsoft.com/office/drawing/2014/main" val="988555977"/>
                         </a:ext>
                       </a:extLst>
                     </a:gridCol>
                     <a:gridCol w="4522294">
                       <a:extLst>
                         <a:ext uri="{9D8B030D-6E8A-4147-A177-3AD203B41FA5}">
-                          <a16:colId xmlns="" xmlns:a16="http://schemas.microsoft.com/office/drawing/2014/main" val="1845107624"/>
+                          <a16:colId xmlns:a16="http://schemas.microsoft.com/office/drawing/2014/main" val="1845107624"/>
                         </a:ext>
                       </a:extLst>
                     </a:gridCol>
@@ -13977,7 +14270,7 @@
                     </a:tc>
                     <a:extLst>
                       <a:ext uri="{0D108BD9-81ED-4DB2-BD59-A6C34878D82A}">
-                        <a16:rowId xmlns="" xmlns:a16="http://schemas.microsoft.com/office/drawing/2014/main" val="1812608564"/>
+                        <a16:rowId xmlns:a16="http://schemas.microsoft.com/office/drawing/2014/main" val="1812608564"/>
                       </a:ext>
                     </a:extLst>
                   </a:tr>
@@ -14050,7 +14343,7 @@
                     </a:tc>
                     <a:extLst>
                       <a:ext uri="{0D108BD9-81ED-4DB2-BD59-A6C34878D82A}">
-                        <a16:rowId xmlns="" xmlns:a16="http://schemas.microsoft.com/office/drawing/2014/main" val="2853552124"/>
+                        <a16:rowId xmlns:a16="http://schemas.microsoft.com/office/drawing/2014/main" val="2853552124"/>
                       </a:ext>
                     </a:extLst>
                   </a:tr>
@@ -14123,7 +14416,7 @@
                     </a:tc>
                     <a:extLst>
                       <a:ext uri="{0D108BD9-81ED-4DB2-BD59-A6C34878D82A}">
-                        <a16:rowId xmlns="" xmlns:a16="http://schemas.microsoft.com/office/drawing/2014/main" val="2785974895"/>
+                        <a16:rowId xmlns:a16="http://schemas.microsoft.com/office/drawing/2014/main" val="2785974895"/>
                       </a:ext>
                     </a:extLst>
                   </a:tr>
@@ -14220,7 +14513,7 @@
                     </a:tc>
                     <a:extLst>
                       <a:ext uri="{0D108BD9-81ED-4DB2-BD59-A6C34878D82A}">
-                        <a16:rowId xmlns="" xmlns:a16="http://schemas.microsoft.com/office/drawing/2014/main" val="2068161966"/>
+                        <a16:rowId xmlns:a16="http://schemas.microsoft.com/office/drawing/2014/main" val="2068161966"/>
                       </a:ext>
                     </a:extLst>
                   </a:tr>
@@ -14292,7 +14585,7 @@
                     </a:tc>
                     <a:extLst>
                       <a:ext uri="{0D108BD9-81ED-4DB2-BD59-A6C34878D82A}">
-                        <a16:rowId xmlns="" xmlns:a16="http://schemas.microsoft.com/office/drawing/2014/main" val="3386441986"/>
+                        <a16:rowId xmlns:a16="http://schemas.microsoft.com/office/drawing/2014/main" val="3386441986"/>
                       </a:ext>
                     </a:extLst>
                   </a:tr>
@@ -14692,13 +14985,6 @@
   <p:clrMapOvr>
     <a:masterClrMapping/>
   </p:clrMapOvr>
-  <p:timing>
-    <p:tnLst>
-      <p:par>
-        <p:cTn id="1" dur="indefinite" restart="never" nodeType="tmRoot"/>
-      </p:par>
-    </p:tnLst>
-  </p:timing>
 </p:sld>
 </file>
 
@@ -14721,10 +15007,10 @@
       </p:grpSpPr>
       <p:pic>
         <p:nvPicPr>
-          <p:cNvPr id="7" name="図 6">
+          <p:cNvPr id="5" name="図 4">
             <a:extLst>
               <a:ext uri="{FF2B5EF4-FFF2-40B4-BE49-F238E27FC236}">
-                <a16:creationId xmlns="" xmlns:a16="http://schemas.microsoft.com/office/drawing/2014/main" id="{FB46CE88-AA72-4A99-BF9C-029F707F35CA}"/>
+                <a16:creationId xmlns:a16="http://schemas.microsoft.com/office/drawing/2014/main" id="{3BF2528C-5522-4E8C-9960-8D8D67125483}"/>
               </a:ext>
             </a:extLst>
           </p:cNvPr>
@@ -14747,8 +15033,8 @@
         </p:blipFill>
         <p:spPr>
           <a:xfrm>
-            <a:off x="0" y="2465586"/>
-            <a:ext cx="15119350" cy="8132474"/>
+            <a:off x="32339" y="2532102"/>
+            <a:ext cx="15119350" cy="7526508"/>
           </a:xfrm>
           <a:prstGeom prst="rect">
             <a:avLst/>
@@ -14760,7 +15046,7 @@
           <p:cNvPr id="12" name="四角形: 角を丸くする 2">
             <a:extLst>
               <a:ext uri="{FF2B5EF4-FFF2-40B4-BE49-F238E27FC236}">
-                <a16:creationId xmlns="" xmlns:a16="http://schemas.microsoft.com/office/drawing/2014/main" id="{2B99B1EA-17D2-4495-A343-2A1713BC8495}"/>
+                <a16:creationId xmlns:a16="http://schemas.microsoft.com/office/drawing/2014/main" id="{2B99B1EA-17D2-4495-A343-2A1713BC8495}"/>
               </a:ext>
             </a:extLst>
           </p:cNvPr>
@@ -14769,8 +15055,8 @@
         </p:nvSpPr>
         <p:spPr bwMode="auto">
           <a:xfrm>
-            <a:off x="10439995" y="511137"/>
-            <a:ext cx="4536504" cy="2458505"/>
+            <a:off x="8927827" y="511137"/>
+            <a:ext cx="6048672" cy="2458505"/>
           </a:xfrm>
           <a:prstGeom prst="roundRect">
             <a:avLst>
@@ -14880,7 +15166,7 @@
           <p:cNvPr id="9" name="テキスト ボックス 8">
             <a:extLst>
               <a:ext uri="{FF2B5EF4-FFF2-40B4-BE49-F238E27FC236}">
-                <a16:creationId xmlns="" xmlns:a16="http://schemas.microsoft.com/office/drawing/2014/main" id="{6D709A13-6AAF-442E-AD6F-978BDC42B238}"/>
+                <a16:creationId xmlns:a16="http://schemas.microsoft.com/office/drawing/2014/main" id="{6D709A13-6AAF-442E-AD6F-978BDC42B238}"/>
               </a:ext>
             </a:extLst>
           </p:cNvPr>
@@ -14890,7 +15176,7 @@
         <p:spPr>
           <a:xfrm>
             <a:off x="554628" y="1220885"/>
-            <a:ext cx="13701791" cy="584761"/>
+            <a:ext cx="13701791" cy="830983"/>
           </a:xfrm>
           <a:prstGeom prst="rect">
             <a:avLst/>
@@ -14905,16 +15191,24 @@
           <a:p>
             <a:pPr algn="l"/>
             <a:r>
-              <a:rPr kumimoji="1" lang="ja-JP" altLang="en-US" sz="1600" dirty="0" smtClean="0"/>
+              <a:rPr kumimoji="1" lang="ja-JP" altLang="en-US" sz="1600" dirty="0"/>
               <a:t>次に、全体のクラス構造を示す。</a:t>
             </a:r>
-            <a:endParaRPr kumimoji="1" lang="en-US" altLang="ja-JP" sz="1600" dirty="0" smtClean="0"/>
+            <a:endParaRPr kumimoji="1" lang="en-US" altLang="ja-JP" sz="1600" dirty="0"/>
           </a:p>
           <a:p>
             <a:pPr algn="l"/>
             <a:r>
-              <a:rPr kumimoji="1" lang="ja-JP" altLang="en-US" sz="1600" dirty="0" smtClean="0"/>
-              <a:t>クラスのパッケージとして、メイン制御部、サブ制御部、情報取得部の大きく３つに分けられる。</a:t>
+              <a:rPr kumimoji="1" lang="ja-JP" altLang="en-US" sz="1600" dirty="0"/>
+              <a:t>クラスのパッケージとして、モード制御部、駆動制御部、情報取得部、デバイスの</a:t>
+            </a:r>
+            <a:endParaRPr kumimoji="1" lang="en-US" altLang="ja-JP" sz="1600" dirty="0"/>
+          </a:p>
+          <a:p>
+            <a:pPr algn="l"/>
+            <a:r>
+              <a:rPr kumimoji="1" lang="ja-JP" altLang="en-US" sz="1600" dirty="0"/>
+              <a:t>大きく４つに分けられる。</a:t>
             </a:r>
             <a:endParaRPr kumimoji="1" lang="en-US" altLang="ja-JP" sz="1600" dirty="0"/>
           </a:p>
@@ -14925,7 +15219,7 @@
           <p:cNvPr id="2" name="タイトル 1">
             <a:extLst>
               <a:ext uri="{FF2B5EF4-FFF2-40B4-BE49-F238E27FC236}">
-                <a16:creationId xmlns="" xmlns:a16="http://schemas.microsoft.com/office/drawing/2014/main" id="{A939A150-84DE-4DF8-B22B-32EEDD9A9CEF}"/>
+                <a16:creationId xmlns:a16="http://schemas.microsoft.com/office/drawing/2014/main" id="{A939A150-84DE-4DF8-B22B-32EEDD9A9CEF}"/>
               </a:ext>
             </a:extLst>
           </p:cNvPr>
@@ -14959,7 +15253,7 @@
           <p:cNvPr id="3" name="表 2">
             <a:extLst>
               <a:ext uri="{FF2B5EF4-FFF2-40B4-BE49-F238E27FC236}">
-                <a16:creationId xmlns="" xmlns:a16="http://schemas.microsoft.com/office/drawing/2014/main" id="{5EEA8C49-16B3-4EC0-810F-FA6BA141E050}"/>
+                <a16:creationId xmlns:a16="http://schemas.microsoft.com/office/drawing/2014/main" id="{5EEA8C49-16B3-4EC0-810F-FA6BA141E050}"/>
               </a:ext>
             </a:extLst>
           </p:cNvPr>
@@ -14969,14 +15263,14 @@
           <p:nvPr>
             <p:extLst>
               <p:ext uri="{D42A27DB-BD31-4B8C-83A1-F6EECF244321}">
-                <p14:modId xmlns:p14="http://schemas.microsoft.com/office/powerpoint/2010/main" val="3349454582"/>
+                <p14:modId xmlns:p14="http://schemas.microsoft.com/office/powerpoint/2010/main" val="2007676141"/>
               </p:ext>
             </p:extLst>
           </p:nvPr>
         </p:nvGraphicFramePr>
         <p:xfrm>
-          <a:off x="10800035" y="773311"/>
-          <a:ext cx="3960442" cy="2072640"/>
+          <a:off x="9143851" y="737394"/>
+          <a:ext cx="5544618" cy="2164080"/>
         </p:xfrm>
         <a:graphic>
           <a:graphicData uri="http://schemas.openxmlformats.org/drawingml/2006/table">
@@ -14985,22 +15279,22 @@
                 <a:tableStyleId>{93296810-A885-4BE3-A3E7-6D5BEEA58F35}</a:tableStyleId>
               </a:tblPr>
               <a:tblGrid>
-                <a:gridCol w="1476776">
+                <a:gridCol w="2067486">
                   <a:extLst>
                     <a:ext uri="{9D8B030D-6E8A-4147-A177-3AD203B41FA5}">
-                      <a16:colId xmlns="" xmlns:a16="http://schemas.microsoft.com/office/drawing/2014/main" val="557032482"/>
+                      <a16:colId xmlns:a16="http://schemas.microsoft.com/office/drawing/2014/main" val="557032482"/>
                     </a:ext>
                   </a:extLst>
                 </a:gridCol>
-                <a:gridCol w="2483666">
+                <a:gridCol w="3477132">
                   <a:extLst>
                     <a:ext uri="{9D8B030D-6E8A-4147-A177-3AD203B41FA5}">
-                      <a16:colId xmlns="" xmlns:a16="http://schemas.microsoft.com/office/drawing/2014/main" val="3264350795"/>
+                      <a16:colId xmlns:a16="http://schemas.microsoft.com/office/drawing/2014/main" val="3264350795"/>
                     </a:ext>
                   </a:extLst>
                 </a:gridCol>
               </a:tblGrid>
-              <a:tr h="307643">
+              <a:tr h="318438">
                 <a:tc>
                   <a:txBody>
                     <a:bodyPr/>
@@ -15024,10 +15318,9 @@
                     <a:lstStyle/>
                     <a:p>
                       <a:r>
-                        <a:rPr kumimoji="1" lang="ja-JP" altLang="en-US" sz="1600" dirty="0" smtClean="0"/>
+                        <a:rPr kumimoji="1" lang="ja-JP" altLang="en-US" sz="1600" dirty="0"/>
                         <a:t>役割</a:t>
                       </a:r>
-                      <a:endParaRPr kumimoji="1" lang="ja-JP" altLang="en-US" sz="1600" dirty="0"/>
                     </a:p>
                   </a:txBody>
                   <a:tcPr>
@@ -15038,11 +15331,11 @@
                 </a:tc>
                 <a:extLst>
                   <a:ext uri="{0D108BD9-81ED-4DB2-BD59-A6C34878D82A}">
-                    <a16:rowId xmlns="" xmlns:a16="http://schemas.microsoft.com/office/drawing/2014/main" val="3940226771"/>
+                    <a16:rowId xmlns:a16="http://schemas.microsoft.com/office/drawing/2014/main" val="3940226771"/>
                   </a:ext>
                 </a:extLst>
               </a:tr>
-              <a:tr h="325178">
+              <a:tr h="318438">
                 <a:tc>
                   <a:txBody>
                     <a:bodyPr/>
@@ -15050,13 +15343,13 @@
                     <a:p>
                       <a:r>
                         <a:rPr kumimoji="1" lang="ja-JP" altLang="en-US" sz="1600" dirty="0"/>
-                        <a:t>メイン制御部</a:t>
+                        <a:t>モード制御部</a:t>
                       </a:r>
                     </a:p>
                   </a:txBody>
                   <a:tcPr>
                     <a:solidFill>
-                      <a:srgbClr val="CCECFF"/>
+                      <a:srgbClr val="99CCFF"/>
                     </a:solidFill>
                   </a:tcPr>
                 </a:tc>
@@ -15066,25 +15359,24 @@
                     <a:lstStyle/>
                     <a:p>
                       <a:r>
-                        <a:rPr kumimoji="1" lang="ja-JP" altLang="en-US" sz="1600" dirty="0" smtClean="0"/>
+                        <a:rPr kumimoji="1" lang="ja-JP" altLang="en-US" sz="1600" dirty="0"/>
                         <a:t>各モードの制御を行う</a:t>
                       </a:r>
-                      <a:endParaRPr kumimoji="1" lang="ja-JP" altLang="en-US" sz="1600" dirty="0"/>
                     </a:p>
                   </a:txBody>
                   <a:tcPr>
                     <a:solidFill>
-                      <a:srgbClr val="CCECFF"/>
+                      <a:srgbClr val="99CCFF"/>
                     </a:solidFill>
                   </a:tcPr>
                 </a:tc>
                 <a:extLst>
                   <a:ext uri="{0D108BD9-81ED-4DB2-BD59-A6C34878D82A}">
-                    <a16:rowId xmlns="" xmlns:a16="http://schemas.microsoft.com/office/drawing/2014/main" val="1518717711"/>
+                    <a16:rowId xmlns:a16="http://schemas.microsoft.com/office/drawing/2014/main" val="1518717711"/>
                   </a:ext>
                 </a:extLst>
               </a:tr>
-              <a:tr h="531384">
+              <a:tr h="318438">
                 <a:tc>
                   <a:txBody>
                     <a:bodyPr/>
@@ -15092,13 +15384,13 @@
                     <a:p>
                       <a:r>
                         <a:rPr kumimoji="1" lang="ja-JP" altLang="en-US" sz="1600" dirty="0"/>
-                        <a:t>サブ制御部</a:t>
+                        <a:t>駆動制御部</a:t>
                       </a:r>
                     </a:p>
                   </a:txBody>
                   <a:tcPr>
                     <a:solidFill>
-                      <a:srgbClr val="FFCCFF"/>
+                      <a:srgbClr val="FF3366"/>
                     </a:solidFill>
                   </a:tcPr>
                 </a:tc>
@@ -15108,28 +15400,25 @@
                     <a:lstStyle/>
                     <a:p>
                       <a:r>
-                        <a:rPr kumimoji="1" lang="ja-JP" altLang="en-US" sz="1600" dirty="0" smtClean="0"/>
-                        <a:t>デバイス制御を行う</a:t>
+                        <a:rPr kumimoji="1" lang="ja-JP" altLang="en-US" sz="1600" dirty="0"/>
+                        <a:t>走行体の駆動系の制御を行う</a:t>
                       </a:r>
                       <a:endParaRPr kumimoji="1" lang="en-US" altLang="ja-JP" sz="1600" dirty="0"/>
-                    </a:p>
-                    <a:p>
-                      <a:endParaRPr kumimoji="1" lang="ja-JP" altLang="en-US" sz="1600" dirty="0"/>
                     </a:p>
                   </a:txBody>
                   <a:tcPr>
                     <a:solidFill>
-                      <a:srgbClr val="FFCCFF"/>
+                      <a:srgbClr val="FF3366"/>
                     </a:solidFill>
                   </a:tcPr>
                 </a:tc>
                 <a:extLst>
                   <a:ext uri="{0D108BD9-81ED-4DB2-BD59-A6C34878D82A}">
-                    <a16:rowId xmlns="" xmlns:a16="http://schemas.microsoft.com/office/drawing/2014/main" val="425586996"/>
+                    <a16:rowId xmlns:a16="http://schemas.microsoft.com/office/drawing/2014/main" val="425586996"/>
                   </a:ext>
                 </a:extLst>
               </a:tr>
-              <a:tr h="755124">
+              <a:tr h="496060">
                 <a:tc>
                   <a:txBody>
                     <a:bodyPr/>
@@ -15153,13 +15442,9 @@
                     <a:lstStyle/>
                     <a:p>
                       <a:r>
-                        <a:rPr kumimoji="1" lang="ja-JP" altLang="en-US" sz="1600" dirty="0" smtClean="0"/>
+                        <a:rPr kumimoji="1" lang="ja-JP" altLang="en-US" sz="1600" dirty="0"/>
                         <a:t>デバイスや所持データなどから情報を取得する</a:t>
                       </a:r>
-                      <a:endParaRPr kumimoji="1" lang="en-US" altLang="ja-JP" sz="1600" dirty="0"/>
-                    </a:p>
-                    <a:p>
-                      <a:endParaRPr kumimoji="1" lang="ja-JP" altLang="en-US" sz="1600" dirty="0"/>
                     </a:p>
                   </a:txBody>
                   <a:tcPr>
@@ -15170,7 +15455,57 @@
                 </a:tc>
                 <a:extLst>
                   <a:ext uri="{0D108BD9-81ED-4DB2-BD59-A6C34878D82A}">
-                    <a16:rowId xmlns="" xmlns:a16="http://schemas.microsoft.com/office/drawing/2014/main" val="315821210"/>
+                    <a16:rowId xmlns:a16="http://schemas.microsoft.com/office/drawing/2014/main" val="315821210"/>
+                  </a:ext>
+                </a:extLst>
+              </a:tr>
+              <a:tr h="550029">
+                <a:tc>
+                  <a:txBody>
+                    <a:bodyPr/>
+                    <a:lstStyle/>
+                    <a:p>
+                      <a:r>
+                        <a:rPr kumimoji="1" lang="ja-JP" altLang="en-US" sz="1600" dirty="0"/>
+                        <a:t>デバイス</a:t>
+                      </a:r>
+                      <a:endParaRPr kumimoji="1" lang="en-US" altLang="ja-JP" sz="1600" dirty="0"/>
+                    </a:p>
+                  </a:txBody>
+                  <a:tcPr>
+                    <a:solidFill>
+                      <a:srgbClr val="FF9933"/>
+                    </a:solidFill>
+                  </a:tcPr>
+                </a:tc>
+                <a:tc>
+                  <a:txBody>
+                    <a:bodyPr/>
+                    <a:lstStyle/>
+                    <a:p>
+                      <a:r>
+                        <a:rPr kumimoji="1" lang="ja-JP" altLang="en-US" sz="1600" dirty="0"/>
+                        <a:t>走行体のモータやセンサなどの</a:t>
+                      </a:r>
+                      <a:r>
+                        <a:rPr kumimoji="1" lang="en-US" altLang="ja-JP" sz="1600" dirty="0"/>
+                        <a:t>API</a:t>
+                      </a:r>
+                      <a:r>
+                        <a:rPr kumimoji="1" lang="ja-JP" altLang="en-US" sz="1600" dirty="0"/>
+                        <a:t>を呼び出す</a:t>
+                      </a:r>
+                    </a:p>
+                  </a:txBody>
+                  <a:tcPr>
+                    <a:solidFill>
+                      <a:srgbClr val="FF9933"/>
+                    </a:solidFill>
+                  </a:tcPr>
+                </a:tc>
+                <a:extLst>
+                  <a:ext uri="{0D108BD9-81ED-4DB2-BD59-A6C34878D82A}">
+                    <a16:rowId xmlns:a16="http://schemas.microsoft.com/office/drawing/2014/main" val="1080852151"/>
                   </a:ext>
                 </a:extLst>
               </a:tr>
@@ -15183,7 +15518,7 @@
           <p:cNvPr id="10" name="テキスト ボックス 9">
             <a:extLst>
               <a:ext uri="{FF2B5EF4-FFF2-40B4-BE49-F238E27FC236}">
-                <a16:creationId xmlns="" xmlns:a16="http://schemas.microsoft.com/office/drawing/2014/main" id="{825F097D-4588-4F8F-AA42-B0D77B0F9CE3}"/>
+                <a16:creationId xmlns:a16="http://schemas.microsoft.com/office/drawing/2014/main" id="{825F097D-4588-4F8F-AA42-B0D77B0F9CE3}"/>
               </a:ext>
             </a:extLst>
           </p:cNvPr>
@@ -15215,10 +15550,9 @@
           <a:p>
             <a:pPr algn="l"/>
             <a:r>
-              <a:rPr kumimoji="1" lang="ja-JP" altLang="en-US" sz="2400" b="1" dirty="0" smtClean="0"/>
+              <a:rPr kumimoji="1" lang="ja-JP" altLang="en-US" sz="2400" b="1" dirty="0"/>
               <a:t>クラス構造</a:t>
             </a:r>
-            <a:endParaRPr kumimoji="1" lang="ja-JP" altLang="en-US" sz="2400" b="1" dirty="0"/>
           </a:p>
         </p:txBody>
       </p:sp>
@@ -15227,7 +15561,7 @@
           <p:cNvPr id="11" name="テキスト ボックス 10">
             <a:extLst>
               <a:ext uri="{FF2B5EF4-FFF2-40B4-BE49-F238E27FC236}">
-                <a16:creationId xmlns="" xmlns:a16="http://schemas.microsoft.com/office/drawing/2014/main" id="{825F097D-4588-4F8F-AA42-B0D77B0F9CE3}"/>
+                <a16:creationId xmlns:a16="http://schemas.microsoft.com/office/drawing/2014/main" id="{825F097D-4588-4F8F-AA42-B0D77B0F9CE3}"/>
               </a:ext>
             </a:extLst>
           </p:cNvPr>
@@ -15236,7 +15570,7 @@
         </p:nvSpPr>
         <p:spPr>
           <a:xfrm>
-            <a:off x="10185467" y="305346"/>
+            <a:off x="9105347" y="273459"/>
             <a:ext cx="1694688" cy="369318"/>
           </a:xfrm>
           <a:prstGeom prst="rect">
@@ -15259,10 +15593,9 @@
           <a:p>
             <a:pPr algn="l"/>
             <a:r>
-              <a:rPr kumimoji="1" lang="ja-JP" altLang="en-US" b="1" dirty="0" smtClean="0"/>
+              <a:rPr kumimoji="1" lang="ja-JP" altLang="en-US" b="1" dirty="0"/>
               <a:t>パッケージ説明</a:t>
             </a:r>
-            <a:endParaRPr kumimoji="1" lang="ja-JP" altLang="en-US" b="1" dirty="0"/>
           </a:p>
         </p:txBody>
       </p:sp>
@@ -15276,13 +15609,6 @@
   <p:clrMapOvr>
     <a:masterClrMapping/>
   </p:clrMapOvr>
-  <p:timing>
-    <p:tnLst>
-      <p:par>
-        <p:cTn id="1" dur="indefinite" restart="never" nodeType="tmRoot"/>
-      </p:par>
-    </p:tnLst>
-  </p:timing>
 </p:sld>
 </file>
 
@@ -15303,6 +15629,244 @@
           <a:chExt cx="0" cy="0"/>
         </a:xfrm>
       </p:grpSpPr>
+      <p:grpSp>
+        <p:nvGrpSpPr>
+          <p:cNvPr id="34" name="グループ化 33">
+            <a:extLst>
+              <a:ext uri="{FF2B5EF4-FFF2-40B4-BE49-F238E27FC236}">
+                <a16:creationId xmlns:a16="http://schemas.microsoft.com/office/drawing/2014/main" id="{0E993592-FD93-4239-85B8-DFF799C085C8}"/>
+              </a:ext>
+            </a:extLst>
+          </p:cNvPr>
+          <p:cNvGrpSpPr/>
+          <p:nvPr/>
+        </p:nvGrpSpPr>
+        <p:grpSpPr>
+          <a:xfrm>
+            <a:off x="5543451" y="89860"/>
+            <a:ext cx="4010503" cy="3529522"/>
+            <a:chOff x="198194" y="6712928"/>
+            <a:chExt cx="4010503" cy="3529522"/>
+          </a:xfrm>
+        </p:grpSpPr>
+        <p:pic>
+          <p:nvPicPr>
+            <p:cNvPr id="33" name="図 32">
+              <a:extLst>
+                <a:ext uri="{FF2B5EF4-FFF2-40B4-BE49-F238E27FC236}">
+                  <a16:creationId xmlns:a16="http://schemas.microsoft.com/office/drawing/2014/main" id="{7F4EE762-C82B-4CD9-9D16-4ED8F9CB7C2D}"/>
+                </a:ext>
+              </a:extLst>
+            </p:cNvPr>
+            <p:cNvPicPr>
+              <a:picLocks noChangeAspect="1"/>
+            </p:cNvPicPr>
+            <p:nvPr/>
+          </p:nvPicPr>
+          <p:blipFill rotWithShape="1">
+            <a:blip r:embed="rId2">
+              <a:extLst>
+                <a:ext uri="{28A0092B-C50C-407E-A947-70E740481C1C}">
+                  <a14:useLocalDpi xmlns:a14="http://schemas.microsoft.com/office/drawing/2010/main" val="0"/>
+                </a:ext>
+              </a:extLst>
+            </a:blip>
+            <a:srcRect l="5971" t="9763" r="3160" b="11977"/>
+            <a:stretch/>
+          </p:blipFill>
+          <p:spPr>
+            <a:xfrm>
+              <a:off x="198194" y="7255017"/>
+              <a:ext cx="4010503" cy="2889975"/>
+            </a:xfrm>
+            <a:prstGeom prst="rect">
+              <a:avLst/>
+            </a:prstGeom>
+          </p:spPr>
+        </p:pic>
+        <p:grpSp>
+          <p:nvGrpSpPr>
+            <p:cNvPr id="3" name="グループ化 2"/>
+            <p:cNvGrpSpPr/>
+            <p:nvPr/>
+          </p:nvGrpSpPr>
+          <p:grpSpPr>
+            <a:xfrm>
+              <a:off x="289250" y="6712928"/>
+              <a:ext cx="3901532" cy="3529522"/>
+              <a:chOff x="508283" y="6234869"/>
+              <a:chExt cx="3901532" cy="3756672"/>
+            </a:xfrm>
+          </p:grpSpPr>
+          <p:sp>
+            <p:nvSpPr>
+              <p:cNvPr id="23" name="四角形: 角を丸くする 2">
+                <a:extLst>
+                  <a:ext uri="{FF2B5EF4-FFF2-40B4-BE49-F238E27FC236}">
+                    <a16:creationId xmlns:a16="http://schemas.microsoft.com/office/drawing/2014/main" id="{2B99B1EA-17D2-4495-A343-2A1713BC8495}"/>
+                  </a:ext>
+                </a:extLst>
+              </p:cNvPr>
+              <p:cNvSpPr/>
+              <p:nvPr/>
+            </p:nvSpPr>
+            <p:spPr bwMode="auto">
+              <a:xfrm>
+                <a:off x="508283" y="6452351"/>
+                <a:ext cx="3901532" cy="3539190"/>
+              </a:xfrm>
+              <a:prstGeom prst="roundRect">
+                <a:avLst>
+                  <a:gd name="adj" fmla="val 5155"/>
+                </a:avLst>
+              </a:prstGeom>
+              <a:noFill/>
+              <a:ln w="28575" cap="flat" cmpd="sng" algn="ctr">
+                <a:solidFill>
+                  <a:srgbClr val="FF0000"/>
+                </a:solidFill>
+                <a:prstDash val="solid"/>
+                <a:round/>
+                <a:headEnd type="none" w="med" len="med"/>
+                <a:tailEnd type="none" w="med" len="med"/>
+              </a:ln>
+              <a:effectLst/>
+              <a:extLst/>
+            </p:spPr>
+            <p:txBody>
+              <a:bodyPr vert="horz" wrap="none" lIns="91426" tIns="45713" rIns="91426" bIns="45713" numCol="1" rtlCol="0" anchor="ctr" anchorCtr="0" compatLnSpc="1">
+                <a:prstTxWarp prst="textNoShape">
+                  <a:avLst/>
+                </a:prstTxWarp>
+              </a:bodyPr>
+              <a:lstStyle/>
+              <a:p>
+                <a:pPr defTabSz="914251"/>
+                <a:endParaRPr lang="ja-JP" altLang="en-US">
+                  <a:ln>
+                    <a:solidFill>
+                      <a:srgbClr val="FF5353"/>
+                    </a:solidFill>
+                  </a:ln>
+                </a:endParaRPr>
+              </a:p>
+            </p:txBody>
+          </p:sp>
+          <p:sp>
+            <p:nvSpPr>
+              <p:cNvPr id="24" name="テキスト ボックス 23">
+                <a:extLst>
+                  <a:ext uri="{FF2B5EF4-FFF2-40B4-BE49-F238E27FC236}">
+                    <a16:creationId xmlns:a16="http://schemas.microsoft.com/office/drawing/2014/main" id="{825F097D-4588-4F8F-AA42-B0D77B0F9CE3}"/>
+                  </a:ext>
+                </a:extLst>
+              </p:cNvPr>
+              <p:cNvSpPr txBox="1"/>
+              <p:nvPr/>
+            </p:nvSpPr>
+            <p:spPr>
+              <a:xfrm>
+                <a:off x="592160" y="6234869"/>
+                <a:ext cx="3012127" cy="369318"/>
+              </a:xfrm>
+              <a:prstGeom prst="rect">
+                <a:avLst/>
+              </a:prstGeom>
+              <a:solidFill>
+                <a:srgbClr val="FFE7FF"/>
+              </a:solidFill>
+              <a:ln w="28575">
+                <a:solidFill>
+                  <a:srgbClr val="FF0000"/>
+                </a:solidFill>
+              </a:ln>
+            </p:spPr>
+            <p:txBody>
+              <a:bodyPr wrap="square" lIns="91426" tIns="45713" rIns="91426" bIns="45713" rtlCol="0">
+                <a:spAutoFit/>
+              </a:bodyPr>
+              <a:lstStyle/>
+              <a:p>
+                <a:pPr algn="l"/>
+                <a:r>
+                  <a:rPr kumimoji="1" lang="ja-JP" altLang="en-US" b="1" dirty="0"/>
+                  <a:t>自己位置推定の処理フロー</a:t>
+                </a:r>
+              </a:p>
+            </p:txBody>
+          </p:sp>
+        </p:grpSp>
+      </p:grpSp>
+      <p:pic>
+        <p:nvPicPr>
+          <p:cNvPr id="44" name="図 43">
+            <a:extLst>
+              <a:ext uri="{FF2B5EF4-FFF2-40B4-BE49-F238E27FC236}">
+                <a16:creationId xmlns:a16="http://schemas.microsoft.com/office/drawing/2014/main" id="{80845A24-C330-4C32-A274-30CFDCE8BB36}"/>
+              </a:ext>
+            </a:extLst>
+          </p:cNvPr>
+          <p:cNvPicPr>
+            <a:picLocks noChangeAspect="1"/>
+          </p:cNvPicPr>
+          <p:nvPr/>
+        </p:nvPicPr>
+        <p:blipFill rotWithShape="1">
+          <a:blip r:embed="rId3">
+            <a:extLst>
+              <a:ext uri="{28A0092B-C50C-407E-A947-70E740481C1C}">
+                <a14:useLocalDpi xmlns:a14="http://schemas.microsoft.com/office/drawing/2010/main" val="0"/>
+              </a:ext>
+            </a:extLst>
+          </a:blip>
+          <a:srcRect l="3686" t="5792" r="2750" b="4638"/>
+          <a:stretch/>
+        </p:blipFill>
+        <p:spPr>
+          <a:xfrm>
+            <a:off x="99675" y="5627177"/>
+            <a:ext cx="4287278" cy="3535154"/>
+          </a:xfrm>
+          <a:prstGeom prst="rect">
+            <a:avLst/>
+          </a:prstGeom>
+        </p:spPr>
+      </p:pic>
+      <p:pic>
+        <p:nvPicPr>
+          <p:cNvPr id="15" name="図 14">
+            <a:extLst>
+              <a:ext uri="{FF2B5EF4-FFF2-40B4-BE49-F238E27FC236}">
+                <a16:creationId xmlns:a16="http://schemas.microsoft.com/office/drawing/2014/main" id="{5553EC32-F943-4809-AAD1-421FA5288599}"/>
+              </a:ext>
+            </a:extLst>
+          </p:cNvPr>
+          <p:cNvPicPr>
+            <a:picLocks noChangeAspect="1"/>
+          </p:cNvPicPr>
+          <p:nvPr/>
+        </p:nvPicPr>
+        <p:blipFill rotWithShape="1">
+          <a:blip r:embed="rId4">
+            <a:extLst>
+              <a:ext uri="{28A0092B-C50C-407E-A947-70E740481C1C}">
+                <a14:useLocalDpi xmlns:a14="http://schemas.microsoft.com/office/drawing/2010/main" val="0"/>
+              </a:ext>
+            </a:extLst>
+          </a:blip>
+          <a:srcRect l="3242" t="9802" r="3609" b="5833"/>
+          <a:stretch/>
+        </p:blipFill>
+        <p:spPr>
+          <a:xfrm>
+            <a:off x="801281" y="2328323"/>
+            <a:ext cx="2911732" cy="2555693"/>
+          </a:xfrm>
+          <a:prstGeom prst="rect">
+            <a:avLst/>
+          </a:prstGeom>
+        </p:spPr>
+      </p:pic>
       <p:pic>
         <p:nvPicPr>
           <p:cNvPr id="12" name="Picture 2"/>
@@ -15312,7 +15876,7 @@
           <p:nvPr/>
         </p:nvPicPr>
         <p:blipFill>
-          <a:blip r:embed="rId2">
+          <a:blip r:embed="rId5">
             <a:extLst>
               <a:ext uri="{28A0092B-C50C-407E-A947-70E740481C1C}">
                 <a14:useLocalDpi xmlns:a14="http://schemas.microsoft.com/office/drawing/2010/main" val="0"/>
@@ -15372,7 +15936,7 @@
           <p:cNvPr id="18" name="テキスト ボックス 17">
             <a:extLst>
               <a:ext uri="{FF2B5EF4-FFF2-40B4-BE49-F238E27FC236}">
-                <a16:creationId xmlns="" xmlns:a16="http://schemas.microsoft.com/office/drawing/2014/main" id="{6D709A13-6AAF-442E-AD6F-978BDC42B238}"/>
+                <a16:creationId xmlns:a16="http://schemas.microsoft.com/office/drawing/2014/main" id="{6D709A13-6AAF-442E-AD6F-978BDC42B238}"/>
               </a:ext>
             </a:extLst>
           </p:cNvPr>
@@ -15382,7 +15946,7 @@
         <p:spPr>
           <a:xfrm>
             <a:off x="554628" y="1220885"/>
-            <a:ext cx="13701791" cy="338540"/>
+            <a:ext cx="13701791" cy="584761"/>
           </a:xfrm>
           <a:prstGeom prst="rect">
             <a:avLst/>
@@ -15397,18 +15961,26 @@
           <a:p>
             <a:pPr algn="l"/>
             <a:r>
-              <a:rPr kumimoji="1" lang="ja-JP" altLang="en-US" sz="1600" dirty="0" smtClean="0"/>
+              <a:rPr kumimoji="1" lang="ja-JP" altLang="en-US" sz="1600" dirty="0"/>
               <a:t>「</a:t>
             </a:r>
             <a:r>
-              <a:rPr kumimoji="1" lang="en-US" altLang="ja-JP" sz="1600" dirty="0" smtClean="0"/>
+              <a:rPr kumimoji="1" lang="en-US" altLang="ja-JP" sz="1600" dirty="0"/>
               <a:t>4. </a:t>
             </a:r>
             <a:r>
-              <a:rPr kumimoji="1" lang="ja-JP" altLang="en-US" sz="1600" dirty="0" smtClean="0"/>
-              <a:t>構造設計」で示したそれぞれのクラスのシーケンス図を以下に示す。</a:t>
-            </a:r>
-            <a:endParaRPr kumimoji="1" lang="en-US" altLang="ja-JP" sz="1600" dirty="0" smtClean="0"/>
+              <a:rPr kumimoji="1" lang="ja-JP" altLang="en-US" sz="1600" dirty="0"/>
+              <a:t>構造設計」で示したそれぞれのクラスのシーケンス</a:t>
+            </a:r>
+            <a:endParaRPr kumimoji="1" lang="en-US" altLang="ja-JP" sz="1600" dirty="0"/>
+          </a:p>
+          <a:p>
+            <a:pPr algn="l"/>
+            <a:r>
+              <a:rPr kumimoji="1" lang="ja-JP" altLang="en-US" sz="1600" dirty="0"/>
+              <a:t>図を以下に示す。</a:t>
+            </a:r>
+            <a:endParaRPr kumimoji="1" lang="en-US" altLang="ja-JP" sz="1600" dirty="0"/>
           </a:p>
         </p:txBody>
       </p:sp>
@@ -15417,7 +15989,7 @@
           <p:cNvPr id="2" name="タイトル 1">
             <a:extLst>
               <a:ext uri="{FF2B5EF4-FFF2-40B4-BE49-F238E27FC236}">
-                <a16:creationId xmlns="" xmlns:a16="http://schemas.microsoft.com/office/drawing/2014/main" id="{6F2F6225-A22A-40FF-9D68-4EE3CAB7BDAB}"/>
+                <a16:creationId xmlns:a16="http://schemas.microsoft.com/office/drawing/2014/main" id="{6F2F6225-A22A-40FF-9D68-4EE3CAB7BDAB}"/>
               </a:ext>
             </a:extLst>
           </p:cNvPr>
@@ -15454,10 +16026,10 @@
         </p:nvGrpSpPr>
         <p:grpSpPr>
           <a:xfrm>
-            <a:off x="79077" y="1942256"/>
-            <a:ext cx="3952205" cy="4559155"/>
-            <a:chOff x="79077" y="1942256"/>
-            <a:chExt cx="4816302" cy="5029397"/>
+            <a:off x="718915" y="1859680"/>
+            <a:ext cx="3088110" cy="3024336"/>
+            <a:chOff x="79077" y="1860891"/>
+            <a:chExt cx="4816302" cy="5110761"/>
           </a:xfrm>
         </p:grpSpPr>
         <p:sp>
@@ -15465,7 +16037,7 @@
             <p:cNvPr id="21" name="四角形: 角を丸くする 2">
               <a:extLst>
                 <a:ext uri="{FF2B5EF4-FFF2-40B4-BE49-F238E27FC236}">
-                  <a16:creationId xmlns="" xmlns:a16="http://schemas.microsoft.com/office/drawing/2014/main" id="{2B99B1EA-17D2-4495-A343-2A1713BC8495}"/>
+                  <a16:creationId xmlns:a16="http://schemas.microsoft.com/office/drawing/2014/main" id="{2B99B1EA-17D2-4495-A343-2A1713BC8495}"/>
                 </a:ext>
               </a:extLst>
             </p:cNvPr>
@@ -15482,9 +16054,7 @@
                 <a:gd name="adj" fmla="val 5155"/>
               </a:avLst>
             </a:prstGeom>
-            <a:solidFill>
-              <a:schemeClr val="bg1"/>
-            </a:solidFill>
+            <a:noFill/>
             <a:ln w="28575" cap="flat" cmpd="sng" algn="ctr">
               <a:solidFill>
                 <a:srgbClr val="FF0000"/>
@@ -15521,7 +16091,7 @@
             <p:cNvPr id="22" name="テキスト ボックス 21">
               <a:extLst>
                 <a:ext uri="{FF2B5EF4-FFF2-40B4-BE49-F238E27FC236}">
-                  <a16:creationId xmlns="" xmlns:a16="http://schemas.microsoft.com/office/drawing/2014/main" id="{825F097D-4588-4F8F-AA42-B0D77B0F9CE3}"/>
+                  <a16:creationId xmlns:a16="http://schemas.microsoft.com/office/drawing/2014/main" id="{825F097D-4588-4F8F-AA42-B0D77B0F9CE3}"/>
                 </a:ext>
               </a:extLst>
             </p:cNvPr>
@@ -15530,8 +16100,8 @@
           </p:nvSpPr>
           <p:spPr>
             <a:xfrm>
-              <a:off x="373127" y="1942256"/>
-              <a:ext cx="3644737" cy="407410"/>
+              <a:off x="373125" y="1860891"/>
+              <a:ext cx="4336602" cy="624103"/>
             </a:xfrm>
             <a:prstGeom prst="rect">
               <a:avLst/>
@@ -15553,48 +16123,12 @@
             <a:p>
               <a:pPr algn="l"/>
               <a:r>
-                <a:rPr kumimoji="1" lang="ja-JP" altLang="en-US" b="1" dirty="0" smtClean="0"/>
+                <a:rPr kumimoji="1" lang="ja-JP" altLang="en-US" b="1" dirty="0"/>
                 <a:t>各制御モードの処理フロー</a:t>
               </a:r>
-              <a:endParaRPr kumimoji="1" lang="ja-JP" altLang="en-US" b="1" dirty="0"/>
             </a:p>
           </p:txBody>
         </p:sp>
-        <p:pic>
-          <p:nvPicPr>
-            <p:cNvPr id="11" name="図 10">
-              <a:extLst>
-                <a:ext uri="{FF2B5EF4-FFF2-40B4-BE49-F238E27FC236}">
-                  <a16:creationId xmlns="" xmlns:a16="http://schemas.microsoft.com/office/drawing/2014/main" id="{10C07D40-A1CC-4C14-9DF3-B4B141D467DB}"/>
-                </a:ext>
-              </a:extLst>
-            </p:cNvPr>
-            <p:cNvPicPr>
-              <a:picLocks noChangeAspect="1"/>
-            </p:cNvPicPr>
-            <p:nvPr/>
-          </p:nvPicPr>
-          <p:blipFill rotWithShape="1">
-            <a:blip r:embed="rId3">
-              <a:extLst>
-                <a:ext uri="{28A0092B-C50C-407E-A947-70E740481C1C}">
-                  <a14:useLocalDpi xmlns:a14="http://schemas.microsoft.com/office/drawing/2010/main" val="0"/>
-                </a:ext>
-              </a:extLst>
-            </a:blip>
-            <a:srcRect l="3633" t="6329" r="3655" b="3798"/>
-            <a:stretch/>
-          </p:blipFill>
-          <p:spPr>
-            <a:xfrm>
-              <a:off x="298110" y="2490840"/>
-              <a:ext cx="3471052" cy="4480813"/>
-            </a:xfrm>
-            <a:prstGeom prst="rect">
-              <a:avLst/>
-            </a:prstGeom>
-          </p:spPr>
-        </p:pic>
       </p:grpSp>
       <p:grpSp>
         <p:nvGrpSpPr>
@@ -15610,12 +16144,47 @@
             <a:chExt cx="5400600" cy="10443156"/>
           </a:xfrm>
         </p:grpSpPr>
+        <p:pic>
+          <p:nvPicPr>
+            <p:cNvPr id="7" name="図 6">
+              <a:extLst>
+                <a:ext uri="{FF2B5EF4-FFF2-40B4-BE49-F238E27FC236}">
+                  <a16:creationId xmlns:a16="http://schemas.microsoft.com/office/drawing/2014/main" id="{F9E3F102-178A-4842-A6EE-2F08A5BF4F31}"/>
+                </a:ext>
+              </a:extLst>
+            </p:cNvPr>
+            <p:cNvPicPr>
+              <a:picLocks noChangeAspect="1"/>
+            </p:cNvPicPr>
+            <p:nvPr/>
+          </p:nvPicPr>
+          <p:blipFill rotWithShape="1">
+            <a:blip r:embed="rId6">
+              <a:extLst>
+                <a:ext uri="{28A0092B-C50C-407E-A947-70E740481C1C}">
+                  <a14:useLocalDpi xmlns:a14="http://schemas.microsoft.com/office/drawing/2010/main" val="0"/>
+                </a:ext>
+              </a:extLst>
+            </a:blip>
+            <a:srcRect l="3087" t="2183" r="1225" b="1509"/>
+            <a:stretch/>
+          </p:blipFill>
+          <p:spPr>
+            <a:xfrm>
+              <a:off x="16062638" y="2516881"/>
+              <a:ext cx="4565663" cy="9948230"/>
+            </a:xfrm>
+            <a:prstGeom prst="rect">
+              <a:avLst/>
+            </a:prstGeom>
+          </p:spPr>
+        </p:pic>
         <p:sp>
           <p:nvSpPr>
             <p:cNvPr id="27" name="四角形: 角を丸くする 2">
               <a:extLst>
                 <a:ext uri="{FF2B5EF4-FFF2-40B4-BE49-F238E27FC236}">
-                  <a16:creationId xmlns="" xmlns:a16="http://schemas.microsoft.com/office/drawing/2014/main" id="{2B99B1EA-17D2-4495-A343-2A1713BC8495}"/>
+                  <a16:creationId xmlns:a16="http://schemas.microsoft.com/office/drawing/2014/main" id="{2B99B1EA-17D2-4495-A343-2A1713BC8495}"/>
                 </a:ext>
               </a:extLst>
             </p:cNvPr>
@@ -15632,9 +16201,7 @@
                 <a:gd name="adj" fmla="val 5155"/>
               </a:avLst>
             </a:prstGeom>
-            <a:solidFill>
-              <a:schemeClr val="bg1"/>
-            </a:solidFill>
+            <a:noFill/>
             <a:ln w="28575" cap="flat" cmpd="sng" algn="ctr">
               <a:solidFill>
                 <a:srgbClr val="FF0000"/>
@@ -15671,7 +16238,7 @@
             <p:cNvPr id="28" name="テキスト ボックス 27">
               <a:extLst>
                 <a:ext uri="{FF2B5EF4-FFF2-40B4-BE49-F238E27FC236}">
-                  <a16:creationId xmlns="" xmlns:a16="http://schemas.microsoft.com/office/drawing/2014/main" id="{825F097D-4588-4F8F-AA42-B0D77B0F9CE3}"/>
+                  <a16:creationId xmlns:a16="http://schemas.microsoft.com/office/drawing/2014/main" id="{825F097D-4588-4F8F-AA42-B0D77B0F9CE3}"/>
                 </a:ext>
               </a:extLst>
             </p:cNvPr>
@@ -15703,27 +16270,39 @@
             <a:p>
               <a:pPr algn="l"/>
               <a:r>
-                <a:rPr kumimoji="1" lang="ja-JP" altLang="en-US" b="1" dirty="0" smtClean="0"/>
-                <a:t>コース</a:t>
+                <a:rPr kumimoji="1" lang="ja-JP" altLang="en-US" b="1" dirty="0"/>
+                <a:t>コース復帰動作の処理フロー</a:t>
               </a:r>
-              <a:r>
-                <a:rPr kumimoji="1" lang="ja-JP" altLang="en-US" b="1" dirty="0" smtClean="0"/>
-                <a:t>復帰動作の</a:t>
-              </a:r>
-              <a:r>
-                <a:rPr kumimoji="1" lang="ja-JP" altLang="en-US" b="1" dirty="0" smtClean="0"/>
-                <a:t>処理フロー</a:t>
-              </a:r>
-              <a:endParaRPr kumimoji="1" lang="ja-JP" altLang="en-US" b="1" dirty="0"/>
             </a:p>
           </p:txBody>
         </p:sp>
+      </p:grpSp>
+      <p:grpSp>
+        <p:nvGrpSpPr>
+          <p:cNvPr id="31" name="グループ化 30">
+            <a:extLst>
+              <a:ext uri="{FF2B5EF4-FFF2-40B4-BE49-F238E27FC236}">
+                <a16:creationId xmlns:a16="http://schemas.microsoft.com/office/drawing/2014/main" id="{B91D6DC1-35E8-46D9-90D0-7F234F1C146B}"/>
+              </a:ext>
+            </a:extLst>
+          </p:cNvPr>
+          <p:cNvGrpSpPr/>
+          <p:nvPr/>
+        </p:nvGrpSpPr>
+        <p:grpSpPr>
+          <a:xfrm>
+            <a:off x="4535339" y="3660938"/>
+            <a:ext cx="4968213" cy="6929158"/>
+            <a:chOff x="4489487" y="1951565"/>
+            <a:chExt cx="4942396" cy="7319373"/>
+          </a:xfrm>
+        </p:grpSpPr>
         <p:pic>
           <p:nvPicPr>
-            <p:cNvPr id="7" name="図 6">
+            <p:cNvPr id="20" name="図 19">
               <a:extLst>
                 <a:ext uri="{FF2B5EF4-FFF2-40B4-BE49-F238E27FC236}">
-                  <a16:creationId xmlns="" xmlns:a16="http://schemas.microsoft.com/office/drawing/2014/main" id="{F9E3F102-178A-4842-A6EE-2F08A5BF4F31}"/>
+                  <a16:creationId xmlns:a16="http://schemas.microsoft.com/office/drawing/2014/main" id="{4B306F03-1AD9-4FB8-B021-FD5F5087D527}"/>
                 </a:ext>
               </a:extLst>
             </p:cNvPr>
@@ -15733,47 +16312,165 @@
             <p:nvPr/>
           </p:nvPicPr>
           <p:blipFill rotWithShape="1">
-            <a:blip r:embed="rId4">
+            <a:blip r:embed="rId7">
               <a:extLst>
                 <a:ext uri="{28A0092B-C50C-407E-A947-70E740481C1C}">
                   <a14:useLocalDpi xmlns:a14="http://schemas.microsoft.com/office/drawing/2010/main" val="0"/>
                 </a:ext>
               </a:extLst>
             </a:blip>
-            <a:srcRect l="3087" t="2183" r="1225" b="1509"/>
+            <a:srcRect l="4865" t="3454" r="2115" b="2345"/>
             <a:stretch/>
           </p:blipFill>
           <p:spPr>
             <a:xfrm>
-              <a:off x="16062638" y="2516881"/>
-              <a:ext cx="4565663" cy="9948230"/>
+              <a:off x="4489487" y="2408676"/>
+              <a:ext cx="4787706" cy="6862262"/>
             </a:xfrm>
             <a:prstGeom prst="rect">
               <a:avLst/>
             </a:prstGeom>
           </p:spPr>
         </p:pic>
+        <p:grpSp>
+          <p:nvGrpSpPr>
+            <p:cNvPr id="9" name="グループ化 8"/>
+            <p:cNvGrpSpPr/>
+            <p:nvPr/>
+          </p:nvGrpSpPr>
+          <p:grpSpPr>
+            <a:xfrm>
+              <a:off x="4489487" y="1951565"/>
+              <a:ext cx="4942396" cy="7319373"/>
+              <a:chOff x="-7588981" y="1320777"/>
+              <a:chExt cx="6232509" cy="6694228"/>
+            </a:xfrm>
+          </p:grpSpPr>
+          <p:sp>
+            <p:nvSpPr>
+              <p:cNvPr id="25" name="四角形: 角を丸くする 2">
+                <a:extLst>
+                  <a:ext uri="{FF2B5EF4-FFF2-40B4-BE49-F238E27FC236}">
+                    <a16:creationId xmlns:a16="http://schemas.microsoft.com/office/drawing/2014/main" id="{2B99B1EA-17D2-4495-A343-2A1713BC8495}"/>
+                  </a:ext>
+                </a:extLst>
+              </p:cNvPr>
+              <p:cNvSpPr/>
+              <p:nvPr/>
+            </p:nvSpPr>
+            <p:spPr bwMode="auto">
+              <a:xfrm>
+                <a:off x="-7588981" y="1538260"/>
+                <a:ext cx="6232509" cy="6476745"/>
+              </a:xfrm>
+              <a:prstGeom prst="roundRect">
+                <a:avLst>
+                  <a:gd name="adj" fmla="val 5155"/>
+                </a:avLst>
+              </a:prstGeom>
+              <a:noFill/>
+              <a:ln w="28575" cap="flat" cmpd="sng" algn="ctr">
+                <a:solidFill>
+                  <a:srgbClr val="FF0000"/>
+                </a:solidFill>
+                <a:prstDash val="solid"/>
+                <a:round/>
+                <a:headEnd type="none" w="med" len="med"/>
+                <a:tailEnd type="none" w="med" len="med"/>
+              </a:ln>
+              <a:effectLst/>
+              <a:extLst/>
+            </p:spPr>
+            <p:txBody>
+              <a:bodyPr vert="horz" wrap="none" lIns="91426" tIns="45713" rIns="91426" bIns="45713" numCol="1" rtlCol="0" anchor="ctr" anchorCtr="0" compatLnSpc="1">
+                <a:prstTxWarp prst="textNoShape">
+                  <a:avLst/>
+                </a:prstTxWarp>
+              </a:bodyPr>
+              <a:lstStyle/>
+              <a:p>
+                <a:pPr defTabSz="914251"/>
+                <a:endParaRPr lang="ja-JP" altLang="en-US">
+                  <a:ln>
+                    <a:solidFill>
+                      <a:srgbClr val="FF5353"/>
+                    </a:solidFill>
+                  </a:ln>
+                </a:endParaRPr>
+              </a:p>
+            </p:txBody>
+          </p:sp>
+          <p:sp>
+            <p:nvSpPr>
+              <p:cNvPr id="26" name="テキスト ボックス 25">
+                <a:extLst>
+                  <a:ext uri="{FF2B5EF4-FFF2-40B4-BE49-F238E27FC236}">
+                    <a16:creationId xmlns:a16="http://schemas.microsoft.com/office/drawing/2014/main" id="{825F097D-4588-4F8F-AA42-B0D77B0F9CE3}"/>
+                  </a:ext>
+                </a:extLst>
+              </p:cNvPr>
+              <p:cNvSpPr txBox="1"/>
+              <p:nvPr/>
+            </p:nvSpPr>
+            <p:spPr>
+              <a:xfrm>
+                <a:off x="-7489999" y="1320777"/>
+                <a:ext cx="4226637" cy="337775"/>
+              </a:xfrm>
+              <a:prstGeom prst="rect">
+                <a:avLst/>
+              </a:prstGeom>
+              <a:solidFill>
+                <a:srgbClr val="FFE7FF"/>
+              </a:solidFill>
+              <a:ln w="28575">
+                <a:solidFill>
+                  <a:srgbClr val="FF0000"/>
+                </a:solidFill>
+              </a:ln>
+            </p:spPr>
+            <p:txBody>
+              <a:bodyPr wrap="square" lIns="91426" tIns="45713" rIns="91426" bIns="45713" rtlCol="0">
+                <a:spAutoFit/>
+              </a:bodyPr>
+              <a:lstStyle/>
+              <a:p>
+                <a:pPr algn="l"/>
+                <a:r>
+                  <a:rPr kumimoji="1" lang="ja-JP" altLang="en-US" b="1" dirty="0"/>
+                  <a:t>コース離脱判定の処理フロー</a:t>
+                </a:r>
+              </a:p>
+            </p:txBody>
+          </p:sp>
+        </p:grpSp>
       </p:grpSp>
       <p:grpSp>
         <p:nvGrpSpPr>
-          <p:cNvPr id="3" name="グループ化 2"/>
+          <p:cNvPr id="39" name="グループ化 38">
+            <a:extLst>
+              <a:ext uri="{FF2B5EF4-FFF2-40B4-BE49-F238E27FC236}">
+                <a16:creationId xmlns:a16="http://schemas.microsoft.com/office/drawing/2014/main" id="{8E7C5510-9643-45E4-AC51-A7DE061CEFFE}"/>
+              </a:ext>
+            </a:extLst>
+          </p:cNvPr>
           <p:cNvGrpSpPr/>
           <p:nvPr/>
         </p:nvGrpSpPr>
         <p:grpSpPr>
           <a:xfrm>
-            <a:off x="79077" y="6712928"/>
-            <a:ext cx="4488903" cy="3756672"/>
-            <a:chOff x="298110" y="6234869"/>
-            <a:chExt cx="4488903" cy="3756672"/>
+            <a:off x="99675" y="5171448"/>
+            <a:ext cx="4386843" cy="4134898"/>
+            <a:chOff x="25399" y="4806496"/>
+            <a:chExt cx="4462993" cy="4134898"/>
           </a:xfrm>
         </p:grpSpPr>
         <p:sp>
           <p:nvSpPr>
-            <p:cNvPr id="23" name="四角形: 角を丸くする 2">
+            <p:cNvPr id="37" name="四角形: 角を丸くする 2">
               <a:extLst>
                 <a:ext uri="{FF2B5EF4-FFF2-40B4-BE49-F238E27FC236}">
-                  <a16:creationId xmlns="" xmlns:a16="http://schemas.microsoft.com/office/drawing/2014/main" id="{2B99B1EA-17D2-4495-A343-2A1713BC8495}"/>
+                  <a16:creationId xmlns:a16="http://schemas.microsoft.com/office/drawing/2014/main" id="{AB998B0E-1358-4DA8-8A8C-4C281FB91274}"/>
                 </a:ext>
               </a:extLst>
             </p:cNvPr>
@@ -15782,17 +16479,15 @@
           </p:nvSpPr>
           <p:spPr bwMode="auto">
             <a:xfrm>
-              <a:off x="298110" y="6452351"/>
-              <a:ext cx="4488903" cy="3539190"/>
+              <a:off x="25399" y="4983342"/>
+              <a:ext cx="4462993" cy="3958052"/>
             </a:xfrm>
             <a:prstGeom prst="roundRect">
               <a:avLst>
                 <a:gd name="adj" fmla="val 5155"/>
               </a:avLst>
             </a:prstGeom>
-            <a:solidFill>
-              <a:schemeClr val="bg1"/>
-            </a:solidFill>
+            <a:noFill/>
             <a:ln w="28575" cap="flat" cmpd="sng" algn="ctr">
               <a:solidFill>
                 <a:srgbClr val="FF0000"/>
@@ -15826,10 +16521,10 @@
         </p:sp>
         <p:sp>
           <p:nvSpPr>
-            <p:cNvPr id="24" name="テキスト ボックス 23">
+            <p:cNvPr id="38" name="テキスト ボックス 37">
               <a:extLst>
                 <a:ext uri="{FF2B5EF4-FFF2-40B4-BE49-F238E27FC236}">
-                  <a16:creationId xmlns="" xmlns:a16="http://schemas.microsoft.com/office/drawing/2014/main" id="{825F097D-4588-4F8F-AA42-B0D77B0F9CE3}"/>
+                  <a16:creationId xmlns:a16="http://schemas.microsoft.com/office/drawing/2014/main" id="{54BDB8B6-53B7-417A-B676-887F16A58B24}"/>
                 </a:ext>
               </a:extLst>
             </p:cNvPr>
@@ -15838,8 +16533,8 @@
           </p:nvSpPr>
           <p:spPr>
             <a:xfrm>
-              <a:off x="592160" y="6234869"/>
-              <a:ext cx="3012127" cy="369318"/>
+              <a:off x="188537" y="4806496"/>
+              <a:ext cx="2884365" cy="369318"/>
             </a:xfrm>
             <a:prstGeom prst="rect">
               <a:avLst/>
@@ -15861,197 +16556,13 @@
             <a:p>
               <a:pPr algn="l"/>
               <a:r>
-                <a:rPr kumimoji="1" lang="ja-JP" altLang="en-US" b="1" dirty="0" smtClean="0"/>
-                <a:t>自己位置推定の処理フロー</a:t>
+                <a:rPr kumimoji="1" lang="ja-JP" altLang="en-US" b="1" dirty="0"/>
+                <a:t>ライントレースの処理フロー</a:t>
               </a:r>
-              <a:endParaRPr kumimoji="1" lang="ja-JP" altLang="en-US" b="1" dirty="0"/>
-            </a:p>
-          </p:txBody>
-        </p:sp>
-        <p:pic>
-          <p:nvPicPr>
-            <p:cNvPr id="13" name="図 12">
-              <a:extLst>
-                <a:ext uri="{FF2B5EF4-FFF2-40B4-BE49-F238E27FC236}">
-                  <a16:creationId xmlns="" xmlns:a16="http://schemas.microsoft.com/office/drawing/2014/main" id="{99099AFB-0C60-4166-87EA-EDA58C852B6A}"/>
-                </a:ext>
-              </a:extLst>
-            </p:cNvPr>
-            <p:cNvPicPr>
-              <a:picLocks noChangeAspect="1"/>
-            </p:cNvPicPr>
-            <p:nvPr/>
-          </p:nvPicPr>
-          <p:blipFill rotWithShape="1">
-            <a:blip r:embed="rId5">
-              <a:extLst>
-                <a:ext uri="{28A0092B-C50C-407E-A947-70E740481C1C}">
-                  <a14:useLocalDpi xmlns:a14="http://schemas.microsoft.com/office/drawing/2010/main" val="0"/>
-                </a:ext>
-              </a:extLst>
-            </a:blip>
-            <a:srcRect l="3759" t="9465" r="4478" b="8532"/>
-            <a:stretch/>
-          </p:blipFill>
-          <p:spPr>
-            <a:xfrm>
-              <a:off x="679088" y="6862912"/>
-              <a:ext cx="3874743" cy="2980504"/>
-            </a:xfrm>
-            <a:prstGeom prst="rect">
-              <a:avLst/>
-            </a:prstGeom>
-          </p:spPr>
-        </p:pic>
-      </p:grpSp>
-      <p:grpSp>
-        <p:nvGrpSpPr>
-          <p:cNvPr id="9" name="グループ化 8"/>
-          <p:cNvGrpSpPr/>
-          <p:nvPr/>
-        </p:nvGrpSpPr>
-        <p:grpSpPr>
-          <a:xfrm>
-            <a:off x="4334798" y="1951565"/>
-            <a:ext cx="5097085" cy="8506909"/>
-            <a:chOff x="-7784048" y="1320777"/>
-            <a:chExt cx="6427576" cy="7780337"/>
-          </a:xfrm>
-        </p:grpSpPr>
-        <p:sp>
-          <p:nvSpPr>
-            <p:cNvPr id="25" name="四角形: 角を丸くする 2">
-              <a:extLst>
-                <a:ext uri="{FF2B5EF4-FFF2-40B4-BE49-F238E27FC236}">
-                  <a16:creationId xmlns="" xmlns:a16="http://schemas.microsoft.com/office/drawing/2014/main" id="{2B99B1EA-17D2-4495-A343-2A1713BC8495}"/>
-                </a:ext>
-              </a:extLst>
-            </p:cNvPr>
-            <p:cNvSpPr/>
-            <p:nvPr/>
-          </p:nvSpPr>
-          <p:spPr bwMode="auto">
-            <a:xfrm>
-              <a:off x="-7784048" y="1538260"/>
-              <a:ext cx="6427576" cy="7562854"/>
-            </a:xfrm>
-            <a:prstGeom prst="roundRect">
-              <a:avLst>
-                <a:gd name="adj" fmla="val 5155"/>
-              </a:avLst>
-            </a:prstGeom>
-            <a:solidFill>
-              <a:schemeClr val="bg1"/>
-            </a:solidFill>
-            <a:ln w="28575" cap="flat" cmpd="sng" algn="ctr">
-              <a:solidFill>
-                <a:srgbClr val="FF0000"/>
-              </a:solidFill>
-              <a:prstDash val="solid"/>
-              <a:round/>
-              <a:headEnd type="none" w="med" len="med"/>
-              <a:tailEnd type="none" w="med" len="med"/>
-            </a:ln>
-            <a:effectLst/>
-            <a:extLst/>
-          </p:spPr>
-          <p:txBody>
-            <a:bodyPr vert="horz" wrap="none" lIns="91426" tIns="45713" rIns="91426" bIns="45713" numCol="1" rtlCol="0" anchor="ctr" anchorCtr="0" compatLnSpc="1">
-              <a:prstTxWarp prst="textNoShape">
-                <a:avLst/>
-              </a:prstTxWarp>
-            </a:bodyPr>
-            <a:lstStyle/>
-            <a:p>
-              <a:pPr defTabSz="914251"/>
-              <a:endParaRPr lang="ja-JP" altLang="en-US">
-                <a:ln>
-                  <a:solidFill>
-                    <a:srgbClr val="FF5353"/>
-                  </a:solidFill>
-                </a:ln>
-              </a:endParaRPr>
-            </a:p>
-          </p:txBody>
-        </p:sp>
-        <p:sp>
-          <p:nvSpPr>
-            <p:cNvPr id="26" name="テキスト ボックス 25">
-              <a:extLst>
-                <a:ext uri="{FF2B5EF4-FFF2-40B4-BE49-F238E27FC236}">
-                  <a16:creationId xmlns="" xmlns:a16="http://schemas.microsoft.com/office/drawing/2014/main" id="{825F097D-4588-4F8F-AA42-B0D77B0F9CE3}"/>
-                </a:ext>
-              </a:extLst>
-            </p:cNvPr>
-            <p:cNvSpPr txBox="1"/>
-            <p:nvPr/>
-          </p:nvSpPr>
-          <p:spPr>
-            <a:xfrm>
-              <a:off x="-7489999" y="1320777"/>
-              <a:ext cx="4226637" cy="337775"/>
-            </a:xfrm>
-            <a:prstGeom prst="rect">
-              <a:avLst/>
-            </a:prstGeom>
-            <a:solidFill>
-              <a:srgbClr val="FFE7FF"/>
-            </a:solidFill>
-            <a:ln w="28575">
-              <a:solidFill>
-                <a:srgbClr val="FF0000"/>
-              </a:solidFill>
-            </a:ln>
-          </p:spPr>
-          <p:txBody>
-            <a:bodyPr wrap="square" lIns="91426" tIns="45713" rIns="91426" bIns="45713" rtlCol="0">
-              <a:spAutoFit/>
-            </a:bodyPr>
-            <a:lstStyle/>
-            <a:p>
-              <a:pPr algn="l"/>
-              <a:r>
-                <a:rPr kumimoji="1" lang="ja-JP" altLang="en-US" b="1" dirty="0" smtClean="0"/>
-                <a:t>コース離脱判定の処理フロー</a:t>
-              </a:r>
-              <a:endParaRPr kumimoji="1" lang="ja-JP" altLang="en-US" b="1" dirty="0"/>
             </a:p>
           </p:txBody>
         </p:sp>
       </p:grpSp>
-      <p:pic>
-        <p:nvPicPr>
-          <p:cNvPr id="5" name="コンテンツ プレースホルダー 4">
-            <a:extLst>
-              <a:ext uri="{FF2B5EF4-FFF2-40B4-BE49-F238E27FC236}">
-                <a16:creationId xmlns="" xmlns:a16="http://schemas.microsoft.com/office/drawing/2014/main" id="{E2911A9E-FD97-4377-84DF-A93886EB4F96}"/>
-              </a:ext>
-            </a:extLst>
-          </p:cNvPr>
-          <p:cNvPicPr>
-            <a:picLocks noGrp="1" noChangeAspect="1"/>
-          </p:cNvPicPr>
-          <p:nvPr>
-            <p:ph idx="1"/>
-          </p:nvPr>
-        </p:nvPicPr>
-        <p:blipFill rotWithShape="1">
-          <a:blip r:embed="rId6">
-            <a:extLst>
-              <a:ext uri="{28A0092B-C50C-407E-A947-70E740481C1C}">
-                <a14:useLocalDpi xmlns:a14="http://schemas.microsoft.com/office/drawing/2010/main" val="0"/>
-              </a:ext>
-            </a:extLst>
-          </a:blip>
-          <a:stretch/>
-        </p:blipFill>
-        <p:spPr>
-          <a:xfrm>
-            <a:off x="4535339" y="2611536"/>
-            <a:ext cx="4777887" cy="7054850"/>
-          </a:xfrm>
-        </p:spPr>
-      </p:pic>
     </p:spTree>
     <p:extLst>
       <p:ext uri="{BB962C8B-B14F-4D97-AF65-F5344CB8AC3E}">
@@ -16062,307 +16573,6 @@
   <p:clrMapOvr>
     <a:masterClrMapping/>
   </p:clrMapOvr>
-  <p:timing>
-    <p:tnLst>
-      <p:par>
-        <p:cTn id="1" dur="indefinite" restart="never" nodeType="tmRoot"/>
-      </p:par>
-    </p:tnLst>
-  </p:timing>
-</p:sld>
-</file>
-
-<file path=ppt/slides/slide6.xml><?xml version="1.0" encoding="utf-8"?>
-<p:sld xmlns:a="http://schemas.openxmlformats.org/drawingml/2006/main" xmlns:r="http://schemas.openxmlformats.org/officeDocument/2006/relationships" xmlns:p="http://schemas.openxmlformats.org/presentationml/2006/main" show="0">
-  <p:cSld>
-    <p:spTree>
-      <p:nvGrpSpPr>
-        <p:cNvPr id="1" name=""/>
-        <p:cNvGrpSpPr/>
-        <p:nvPr/>
-      </p:nvGrpSpPr>
-      <p:grpSpPr>
-        <a:xfrm>
-          <a:off x="0" y="0"/>
-          <a:ext cx="0" cy="0"/>
-          <a:chOff x="0" y="0"/>
-          <a:chExt cx="0" cy="0"/>
-        </a:xfrm>
-      </p:grpSpPr>
-      <p:sp>
-        <p:nvSpPr>
-          <p:cNvPr id="2" name="タイトル 1">
-            <a:extLst>
-              <a:ext uri="{FF2B5EF4-FFF2-40B4-BE49-F238E27FC236}">
-                <a16:creationId xmlns="" xmlns:a16="http://schemas.microsoft.com/office/drawing/2014/main" id="{8721C73D-A154-46BF-978B-1F344E837A7E}"/>
-              </a:ext>
-            </a:extLst>
-          </p:cNvPr>
-          <p:cNvSpPr>
-            <a:spLocks noGrp="1"/>
-          </p:cNvSpPr>
-          <p:nvPr>
-            <p:ph type="title"/>
-          </p:nvPr>
-        </p:nvSpPr>
-        <p:spPr/>
-        <p:txBody>
-          <a:bodyPr>
-            <a:normAutofit fontScale="90000"/>
-          </a:bodyPr>
-          <a:lstStyle/>
-          <a:p>
-            <a:r>
-              <a:rPr kumimoji="1" lang="ja-JP" altLang="en-US" dirty="0"/>
-              <a:t>部品庫</a:t>
-            </a:r>
-            <a:r>
-              <a:rPr kumimoji="1" lang="en-US" altLang="ja-JP" dirty="0"/>
-              <a:t/>
-            </a:r>
-            <a:br>
-              <a:rPr kumimoji="1" lang="en-US" altLang="ja-JP" dirty="0"/>
-            </a:br>
-            <a:r>
-              <a:rPr kumimoji="1" lang="en-US" altLang="ja-JP" dirty="0"/>
-              <a:t/>
-            </a:r>
-            <a:br>
-              <a:rPr kumimoji="1" lang="en-US" altLang="ja-JP" dirty="0"/>
-            </a:br>
-            <a:endParaRPr kumimoji="1" lang="ja-JP" altLang="en-US" dirty="0"/>
-          </a:p>
-        </p:txBody>
-      </p:sp>
-      <p:sp>
-        <p:nvSpPr>
-          <p:cNvPr id="3" name="コンテンツ プレースホルダー 2">
-            <a:extLst>
-              <a:ext uri="{FF2B5EF4-FFF2-40B4-BE49-F238E27FC236}">
-                <a16:creationId xmlns="" xmlns:a16="http://schemas.microsoft.com/office/drawing/2014/main" id="{73A75F05-FFAF-4C91-838A-1DF92D96D4DE}"/>
-              </a:ext>
-            </a:extLst>
-          </p:cNvPr>
-          <p:cNvSpPr>
-            <a:spLocks noGrp="1"/>
-          </p:cNvSpPr>
-          <p:nvPr>
-            <p:ph idx="1"/>
-          </p:nvPr>
-        </p:nvSpPr>
-        <p:spPr/>
-        <p:txBody>
-          <a:bodyPr/>
-          <a:lstStyle/>
-          <a:p>
-            <a:endParaRPr kumimoji="1" lang="ja-JP" altLang="en-US" dirty="0"/>
-          </a:p>
-        </p:txBody>
-      </p:sp>
-      <p:grpSp>
-        <p:nvGrpSpPr>
-          <p:cNvPr id="4" name="グループ化 3">
-            <a:extLst>
-              <a:ext uri="{FF2B5EF4-FFF2-40B4-BE49-F238E27FC236}">
-                <a16:creationId xmlns="" xmlns:a16="http://schemas.microsoft.com/office/drawing/2014/main" id="{78788DF2-5B1F-425C-9A6F-B447652722A1}"/>
-              </a:ext>
-            </a:extLst>
-          </p:cNvPr>
-          <p:cNvGrpSpPr/>
-          <p:nvPr/>
-        </p:nvGrpSpPr>
-        <p:grpSpPr>
-          <a:xfrm>
-            <a:off x="2807146" y="407847"/>
-            <a:ext cx="6198137" cy="3129401"/>
-            <a:chOff x="8070870" y="7181440"/>
-            <a:chExt cx="5753501" cy="2989002"/>
-          </a:xfrm>
-        </p:grpSpPr>
-        <p:sp>
-          <p:nvSpPr>
-            <p:cNvPr id="5" name="四角形: 角を丸くする 4">
-              <a:extLst>
-                <a:ext uri="{FF2B5EF4-FFF2-40B4-BE49-F238E27FC236}">
-                  <a16:creationId xmlns="" xmlns:a16="http://schemas.microsoft.com/office/drawing/2014/main" id="{CC848E82-CF35-4A16-BDE5-C39E1D7BE593}"/>
-                </a:ext>
-              </a:extLst>
-            </p:cNvPr>
-            <p:cNvSpPr/>
-            <p:nvPr/>
-          </p:nvSpPr>
-          <p:spPr bwMode="auto">
-            <a:xfrm>
-              <a:off x="8070870" y="7218114"/>
-              <a:ext cx="5753501" cy="2952328"/>
-            </a:xfrm>
-            <a:prstGeom prst="roundRect">
-              <a:avLst/>
-            </a:prstGeom>
-            <a:solidFill>
-              <a:srgbClr val="FFCCCC"/>
-            </a:solidFill>
-            <a:ln w="9525" cap="flat" cmpd="sng" algn="ctr">
-              <a:solidFill>
-                <a:schemeClr val="tx1"/>
-              </a:solidFill>
-              <a:prstDash val="solid"/>
-              <a:round/>
-              <a:headEnd type="none" w="med" len="med"/>
-              <a:tailEnd type="none" w="med" len="med"/>
-            </a:ln>
-            <a:effectLst/>
-            <a:extLst/>
-          </p:spPr>
-          <p:txBody>
-            <a:bodyPr vert="horz" wrap="none" lIns="91440" tIns="45720" rIns="91440" bIns="45720" numCol="1" rtlCol="0" anchor="ctr" anchorCtr="0" compatLnSpc="1">
-              <a:prstTxWarp prst="textNoShape">
-                <a:avLst/>
-              </a:prstTxWarp>
-            </a:bodyPr>
-            <a:lstStyle/>
-            <a:p>
-              <a:pPr defTabSz="914251"/>
-              <a:endParaRPr lang="ja-JP" altLang="en-US" dirty="0"/>
-            </a:p>
-          </p:txBody>
-        </p:sp>
-        <p:pic>
-          <p:nvPicPr>
-            <p:cNvPr id="6" name="図 5">
-              <a:extLst>
-                <a:ext uri="{FF2B5EF4-FFF2-40B4-BE49-F238E27FC236}">
-                  <a16:creationId xmlns="" xmlns:a16="http://schemas.microsoft.com/office/drawing/2014/main" id="{7047CDFE-2226-46EE-A2CA-E406E4F38EBC}"/>
-                </a:ext>
-              </a:extLst>
-            </p:cNvPr>
-            <p:cNvPicPr>
-              <a:picLocks noChangeAspect="1"/>
-            </p:cNvPicPr>
-            <p:nvPr/>
-          </p:nvPicPr>
-          <p:blipFill rotWithShape="1">
-            <a:blip r:embed="rId2">
-              <a:extLst>
-                <a:ext uri="{28A0092B-C50C-407E-A947-70E740481C1C}">
-                  <a14:useLocalDpi xmlns:a14="http://schemas.microsoft.com/office/drawing/2010/main" val="0"/>
-                </a:ext>
-              </a:extLst>
-            </a:blip>
-            <a:srcRect l="3006" t="9862" r="3006" b="8038"/>
-            <a:stretch/>
-          </p:blipFill>
-          <p:spPr>
-            <a:xfrm>
-              <a:off x="8279755" y="7454179"/>
-              <a:ext cx="5360864" cy="2622162"/>
-            </a:xfrm>
-            <a:prstGeom prst="rect">
-              <a:avLst/>
-            </a:prstGeom>
-          </p:spPr>
-        </p:pic>
-        <p:sp>
-          <p:nvSpPr>
-            <p:cNvPr id="7" name="テキスト ボックス 6">
-              <a:extLst>
-                <a:ext uri="{FF2B5EF4-FFF2-40B4-BE49-F238E27FC236}">
-                  <a16:creationId xmlns="" xmlns:a16="http://schemas.microsoft.com/office/drawing/2014/main" id="{1CD56992-7D85-415C-86A8-9600396B2F49}"/>
-                </a:ext>
-              </a:extLst>
-            </p:cNvPr>
-            <p:cNvSpPr txBox="1"/>
-            <p:nvPr/>
-          </p:nvSpPr>
-          <p:spPr>
-            <a:xfrm>
-              <a:off x="8418874" y="7181440"/>
-              <a:ext cx="1736803" cy="323365"/>
-            </a:xfrm>
-            <a:prstGeom prst="rect">
-              <a:avLst/>
-            </a:prstGeom>
-            <a:noFill/>
-          </p:spPr>
-          <p:txBody>
-            <a:bodyPr wrap="none" rtlCol="0">
-              <a:spAutoFit/>
-            </a:bodyPr>
-            <a:lstStyle/>
-            <a:p>
-              <a:r>
-                <a:rPr kumimoji="1" lang="en-US" altLang="ja-JP" sz="1600" dirty="0"/>
-                <a:t>Bluetooth</a:t>
-              </a:r>
-              <a:r>
-                <a:rPr kumimoji="1" lang="ja-JP" altLang="en-US" sz="1600" dirty="0"/>
-                <a:t>スタート</a:t>
-              </a:r>
-            </a:p>
-          </p:txBody>
-        </p:sp>
-      </p:grpSp>
-      <p:pic>
-        <p:nvPicPr>
-          <p:cNvPr id="8" name="図 7">
-            <a:extLst>
-              <a:ext uri="{FF2B5EF4-FFF2-40B4-BE49-F238E27FC236}">
-                <a16:creationId xmlns="" xmlns:a16="http://schemas.microsoft.com/office/drawing/2014/main" id="{0CBDE429-237D-4566-8AE9-87E185ED744E}"/>
-              </a:ext>
-            </a:extLst>
-          </p:cNvPr>
-          <p:cNvPicPr>
-            <a:picLocks noChangeAspect="1"/>
-          </p:cNvPicPr>
-          <p:nvPr/>
-        </p:nvPicPr>
-        <p:blipFill>
-          <a:blip r:embed="rId3">
-            <a:extLst>
-              <a:ext uri="{28A0092B-C50C-407E-A947-70E740481C1C}">
-                <a14:useLocalDpi xmlns:a14="http://schemas.microsoft.com/office/drawing/2010/main" val="0"/>
-              </a:ext>
-            </a:extLst>
-          </a:blip>
-          <a:stretch>
-            <a:fillRect/>
-          </a:stretch>
-        </p:blipFill>
-        <p:spPr>
-          <a:xfrm>
-            <a:off x="3250746" y="3537248"/>
-            <a:ext cx="5310936" cy="7403847"/>
-          </a:xfrm>
-          <a:prstGeom prst="rect">
-            <a:avLst/>
-          </a:prstGeom>
-        </p:spPr>
-      </p:pic>
-    </p:spTree>
-    <p:extLst>
-      <p:ext uri="{BB962C8B-B14F-4D97-AF65-F5344CB8AC3E}">
-        <p14:creationId xmlns:p14="http://schemas.microsoft.com/office/powerpoint/2010/main" val="2412207817"/>
-      </p:ext>
-    </p:extLst>
-  </p:cSld>
-  <p:clrMapOvr>
-    <a:masterClrMapping/>
-  </p:clrMapOvr>
-  <mc:AlternateContent xmlns:mc="http://schemas.openxmlformats.org/markup-compatibility/2006" xmlns:p14="http://schemas.microsoft.com/office/powerpoint/2010/main">
-    <mc:Choice Requires="p14">
-      <p:transition spd="slow" p14:dur="2000"/>
-    </mc:Choice>
-    <mc:Fallback xmlns="">
-      <p:transition spd="slow"/>
-    </mc:Fallback>
-  </mc:AlternateContent>
-  <p:timing>
-    <p:tnLst>
-      <p:par>
-        <p:cTn id="1" dur="indefinite" restart="never" nodeType="tmRoot"/>
-      </p:par>
-    </p:tnLst>
-  </p:timing>
 </p:sld>
 </file>
 

--- a/モデル提出用/モデル_馬場案.pptx
+++ b/モデル提出用/モデル_馬場案.pptx
@@ -18,7 +18,7 @@
     <p:sldId id="262" r:id="rId7"/>
   </p:sldIdLst>
   <p:sldSz cx="15119350" cy="10691813"/>
-  <p:notesSz cx="7104063" cy="10234613"/>
+  <p:notesSz cx="6888163" cy="10021888"/>
   <p:defaultTextStyle>
     <a:defPPr>
       <a:defRPr lang="en-US"/>
@@ -161,22 +161,22 @@
     </p:ext>
     <p:ext uri="{2D200454-40CA-4A62-9FC3-DE9A4176ACB9}">
       <p15:notesGuideLst xmlns:p15="http://schemas.microsoft.com/office/powerpoint/2012/main">
-        <p15:guide id="1" orient="horz" pos="3282" userDrawn="1">
+        <p15:guide id="1" orient="horz" pos="3214" userDrawn="1">
           <p15:clr>
             <a:srgbClr val="A4A3A4"/>
           </p15:clr>
         </p15:guide>
-        <p15:guide id="2" pos="2295" userDrawn="1">
+        <p15:guide id="2" pos="2225" userDrawn="1">
           <p15:clr>
             <a:srgbClr val="A4A3A4"/>
           </p15:clr>
         </p15:guide>
-        <p15:guide id="3" orient="horz" pos="3224">
+        <p15:guide id="3" orient="horz" pos="3157" userDrawn="1">
           <p15:clr>
             <a:srgbClr val="A4A3A4"/>
           </p15:clr>
         </p15:guide>
-        <p15:guide id="4" pos="2238">
+        <p15:guide id="4" pos="2170" userDrawn="1">
           <p15:clr>
             <a:srgbClr val="A4A3A4"/>
           </p15:clr>
@@ -228,8 +228,8 @@
         </p:nvSpPr>
         <p:spPr bwMode="auto">
           <a:xfrm>
-            <a:off x="0" y="0"/>
-            <a:ext cx="3078427" cy="511731"/>
+            <a:off x="1" y="0"/>
+            <a:ext cx="2984870" cy="501095"/>
           </a:xfrm>
           <a:prstGeom prst="rect">
             <a:avLst/>
@@ -269,7 +269,7 @@
           </a:extLst>
         </p:spPr>
         <p:txBody>
-          <a:bodyPr vert="horz" wrap="square" lIns="99066" tIns="49533" rIns="99066" bIns="49533" numCol="1" anchor="t" anchorCtr="0" compatLnSpc="1">
+          <a:bodyPr vert="horz" wrap="square" lIns="96609" tIns="48305" rIns="96609" bIns="48305" numCol="1" anchor="t" anchorCtr="0" compatLnSpc="1">
             <a:prstTxWarp prst="textNoShape">
               <a:avLst/>
             </a:prstTxWarp>
@@ -296,8 +296,8 @@
         </p:nvSpPr>
         <p:spPr bwMode="auto">
           <a:xfrm>
-            <a:off x="4023992" y="0"/>
-            <a:ext cx="3078427" cy="511731"/>
+            <a:off x="3901699" y="0"/>
+            <a:ext cx="2984870" cy="501095"/>
           </a:xfrm>
           <a:prstGeom prst="rect">
             <a:avLst/>
@@ -337,7 +337,7 @@
           </a:extLst>
         </p:spPr>
         <p:txBody>
-          <a:bodyPr vert="horz" wrap="square" lIns="99066" tIns="49533" rIns="99066" bIns="49533" numCol="1" anchor="t" anchorCtr="0" compatLnSpc="1">
+          <a:bodyPr vert="horz" wrap="square" lIns="96609" tIns="48305" rIns="96609" bIns="48305" numCol="1" anchor="t" anchorCtr="0" compatLnSpc="1">
             <a:prstTxWarp prst="textNoShape">
               <a:avLst/>
             </a:prstTxWarp>
@@ -364,8 +364,8 @@
         </p:nvSpPr>
         <p:spPr bwMode="auto">
           <a:xfrm>
-            <a:off x="0" y="9721106"/>
-            <a:ext cx="3078427" cy="511731"/>
+            <a:off x="1" y="9519055"/>
+            <a:ext cx="2984870" cy="501095"/>
           </a:xfrm>
           <a:prstGeom prst="rect">
             <a:avLst/>
@@ -405,7 +405,7 @@
           </a:extLst>
         </p:spPr>
         <p:txBody>
-          <a:bodyPr vert="horz" wrap="square" lIns="99066" tIns="49533" rIns="99066" bIns="49533" numCol="1" anchor="b" anchorCtr="0" compatLnSpc="1">
+          <a:bodyPr vert="horz" wrap="square" lIns="96609" tIns="48305" rIns="96609" bIns="48305" numCol="1" anchor="b" anchorCtr="0" compatLnSpc="1">
             <a:prstTxWarp prst="textNoShape">
               <a:avLst/>
             </a:prstTxWarp>
@@ -432,8 +432,8 @@
         </p:nvSpPr>
         <p:spPr bwMode="auto">
           <a:xfrm>
-            <a:off x="4023992" y="9721106"/>
-            <a:ext cx="3078427" cy="511731"/>
+            <a:off x="3901699" y="9519055"/>
+            <a:ext cx="2984870" cy="501095"/>
           </a:xfrm>
           <a:prstGeom prst="rect">
             <a:avLst/>
@@ -473,7 +473,7 @@
           </a:extLst>
         </p:spPr>
         <p:txBody>
-          <a:bodyPr vert="horz" wrap="square" lIns="99066" tIns="49533" rIns="99066" bIns="49533" numCol="1" anchor="b" anchorCtr="0" compatLnSpc="1">
+          <a:bodyPr vert="horz" wrap="square" lIns="96609" tIns="48305" rIns="96609" bIns="48305" numCol="1" anchor="b" anchorCtr="0" compatLnSpc="1">
             <a:prstTxWarp prst="textNoShape">
               <a:avLst/>
             </a:prstTxWarp>
@@ -538,15 +538,15 @@
         </p:nvSpPr>
         <p:spPr>
           <a:xfrm>
-            <a:off x="0" y="0"/>
-            <a:ext cx="3078427" cy="511731"/>
+            <a:off x="1" y="0"/>
+            <a:ext cx="2984870" cy="501095"/>
           </a:xfrm>
           <a:prstGeom prst="rect">
             <a:avLst/>
           </a:prstGeom>
         </p:spPr>
         <p:txBody>
-          <a:bodyPr vert="horz" lIns="99066" tIns="49533" rIns="99066" bIns="49533" rtlCol="0"/>
+          <a:bodyPr vert="horz" lIns="96609" tIns="48305" rIns="96609" bIns="48305" rtlCol="0"/>
           <a:lstStyle>
             <a:lvl1pPr algn="l">
               <a:defRPr sz="1300"/>
@@ -569,15 +569,15 @@
         </p:nvSpPr>
         <p:spPr>
           <a:xfrm>
-            <a:off x="4023992" y="0"/>
-            <a:ext cx="3078427" cy="511731"/>
+            <a:off x="3901699" y="0"/>
+            <a:ext cx="2984870" cy="501095"/>
           </a:xfrm>
           <a:prstGeom prst="rect">
             <a:avLst/>
           </a:prstGeom>
         </p:spPr>
         <p:txBody>
-          <a:bodyPr vert="horz" lIns="99066" tIns="49533" rIns="99066" bIns="49533" rtlCol="0"/>
+          <a:bodyPr vert="horz" lIns="96609" tIns="48305" rIns="96609" bIns="48305" rtlCol="0"/>
           <a:lstStyle>
             <a:lvl1pPr algn="r">
               <a:defRPr sz="1300"/>
@@ -604,8 +604,8 @@
         </p:nvSpPr>
         <p:spPr>
           <a:xfrm>
-            <a:off x="838200" y="766763"/>
-            <a:ext cx="5427663" cy="3838575"/>
+            <a:off x="787400" y="750888"/>
+            <a:ext cx="5313363" cy="3759200"/>
           </a:xfrm>
           <a:prstGeom prst="rect">
             <a:avLst/>
@@ -618,7 +618,7 @@
           </a:ln>
         </p:spPr>
         <p:txBody>
-          <a:bodyPr vert="horz" lIns="99066" tIns="49533" rIns="99066" bIns="49533" rtlCol="0" anchor="ctr"/>
+          <a:bodyPr vert="horz" lIns="96609" tIns="48305" rIns="96609" bIns="48305" rtlCol="0" anchor="ctr"/>
           <a:lstStyle/>
           <a:p>
             <a:endParaRPr lang="ja-JP" altLang="en-US"/>
@@ -637,15 +637,15 @@
         </p:nvSpPr>
         <p:spPr>
           <a:xfrm>
-            <a:off x="710407" y="4861442"/>
-            <a:ext cx="5683250" cy="4605576"/>
+            <a:off x="688817" y="4760397"/>
+            <a:ext cx="5510530" cy="4509850"/>
           </a:xfrm>
           <a:prstGeom prst="rect">
             <a:avLst/>
           </a:prstGeom>
         </p:spPr>
         <p:txBody>
-          <a:bodyPr vert="horz" lIns="99066" tIns="49533" rIns="99066" bIns="49533" rtlCol="0"/>
+          <a:bodyPr vert="horz" lIns="96609" tIns="48305" rIns="96609" bIns="48305" rtlCol="0"/>
           <a:lstStyle/>
           <a:p>
             <a:pPr lvl="0"/>
@@ -728,15 +728,15 @@
         </p:nvSpPr>
         <p:spPr>
           <a:xfrm>
-            <a:off x="0" y="9721106"/>
-            <a:ext cx="3078427" cy="511731"/>
+            <a:off x="1" y="9519055"/>
+            <a:ext cx="2984870" cy="501095"/>
           </a:xfrm>
           <a:prstGeom prst="rect">
             <a:avLst/>
           </a:prstGeom>
         </p:spPr>
         <p:txBody>
-          <a:bodyPr vert="horz" lIns="99066" tIns="49533" rIns="99066" bIns="49533" rtlCol="0" anchor="b"/>
+          <a:bodyPr vert="horz" lIns="96609" tIns="48305" rIns="96609" bIns="48305" rtlCol="0" anchor="b"/>
           <a:lstStyle>
             <a:lvl1pPr algn="l">
               <a:defRPr sz="1300"/>
@@ -759,15 +759,15 @@
         </p:nvSpPr>
         <p:spPr>
           <a:xfrm>
-            <a:off x="4023992" y="9721106"/>
-            <a:ext cx="3078427" cy="511731"/>
+            <a:off x="3901699" y="9519055"/>
+            <a:ext cx="2984870" cy="501095"/>
           </a:xfrm>
           <a:prstGeom prst="rect">
             <a:avLst/>
           </a:prstGeom>
         </p:spPr>
         <p:txBody>
-          <a:bodyPr vert="horz" lIns="99066" tIns="49533" rIns="99066" bIns="49533" rtlCol="0" anchor="b"/>
+          <a:bodyPr vert="horz" lIns="96609" tIns="48305" rIns="96609" bIns="48305" rtlCol="0" anchor="b"/>
           <a:lstStyle>
             <a:lvl1pPr algn="r">
               <a:defRPr sz="1300"/>
@@ -4207,7 +4207,7 @@
         <p:spPr>
           <a:xfrm>
             <a:off x="719109" y="2177554"/>
-            <a:ext cx="14257390" cy="1785090"/>
+            <a:ext cx="8950218" cy="2893086"/>
           </a:xfrm>
           <a:prstGeom prst="rect">
             <a:avLst/>
@@ -4223,7 +4223,7 @@
             <a:pPr algn="l"/>
             <a:r>
               <a:rPr kumimoji="1" lang="ja-JP" altLang="en-US" dirty="0"/>
-              <a:t>私たちチーム「ハナ☆花ライダー」は昨年度の先輩方の結果</a:t>
+              <a:t>　私たちチーム「ハナ☆花ライダー」は昨年度の先輩方の結果</a:t>
             </a:r>
             <a:r>
               <a:rPr kumimoji="1" lang="en-US" altLang="ja-JP" dirty="0"/>
@@ -4239,7 +4239,7 @@
             </a:r>
             <a:r>
               <a:rPr kumimoji="1" lang="ja-JP" altLang="en-US" dirty="0"/>
-              <a:t>を振り返り、</a:t>
+              <a:t>を振り返り、「必ずゴールに到達する」という意志の元、要求分析を行いました。</a:t>
             </a:r>
             <a:endParaRPr kumimoji="1" lang="en-US" altLang="ja-JP" dirty="0"/>
           </a:p>
@@ -4247,15 +4247,7 @@
             <a:pPr algn="l"/>
             <a:r>
               <a:rPr kumimoji="1" lang="ja-JP" altLang="en-US" dirty="0"/>
-              <a:t>「必ずゴールに到達する」という意志の元、要求分析を行いました。</a:t>
-            </a:r>
-            <a:endParaRPr kumimoji="1" lang="en-US" altLang="ja-JP" dirty="0"/>
-          </a:p>
-          <a:p>
-            <a:pPr algn="l"/>
-            <a:r>
-              <a:rPr kumimoji="1" lang="ja-JP" altLang="en-US" dirty="0"/>
-              <a:t>コース環境の影響によるコース逸脱を判定（</a:t>
+              <a:t>　コース環境の影響によるコース逸脱を判定（</a:t>
             </a:r>
             <a:r>
               <a:rPr kumimoji="1" lang="ja-JP" altLang="en-US" sz="2000" b="1" dirty="0"/>
@@ -4263,15 +4255,7 @@
             </a:r>
             <a:r>
               <a:rPr kumimoji="1" lang="ja-JP" altLang="en-US" dirty="0"/>
-              <a:t>）し、</a:t>
-            </a:r>
-            <a:endParaRPr kumimoji="1" lang="en-US" altLang="ja-JP" dirty="0"/>
-          </a:p>
-          <a:p>
-            <a:pPr algn="l"/>
-            <a:r>
-              <a:rPr kumimoji="1" lang="ja-JP" altLang="en-US" dirty="0"/>
-              <a:t>その後に</a:t>
+              <a:t>）し、その後に</a:t>
             </a:r>
             <a:r>
               <a:rPr kumimoji="1" lang="ja-JP" altLang="en-US" sz="2000" b="1" dirty="0"/>
@@ -4279,7 +4263,7 @@
             </a:r>
             <a:r>
               <a:rPr kumimoji="1" lang="ja-JP" altLang="en-US" dirty="0"/>
-              <a:t>を盛り込むことで、</a:t>
+              <a:t>を盛り込むことで、私たちは何としてもベーシックコースを走り抜けます。</a:t>
             </a:r>
             <a:endParaRPr kumimoji="1" lang="en-US" altLang="ja-JP" dirty="0"/>
           </a:p>
@@ -4287,9 +4271,33 @@
             <a:pPr algn="l"/>
             <a:r>
               <a:rPr kumimoji="1" lang="ja-JP" altLang="en-US" dirty="0"/>
-              <a:t>私たちは何としてもベーシックコースを走り抜けます。</a:t>
-            </a:r>
-            <a:endParaRPr kumimoji="1" lang="en-US" altLang="ja-JP" sz="1600" dirty="0"/>
+              <a:t>　その他、ライントレース時と同じ環境で黒色と白色の光センサ値を取得できるように、二輪倒立を行いながらキャリブレーションを行う。スタート時は、人の手を介するスタートは安定性が失われるため、尻尾で走行体を倒立させて、</a:t>
+            </a:r>
+            <a:r>
+              <a:rPr kumimoji="1" lang="en-US" altLang="ja-JP" dirty="0"/>
+              <a:t>Bluetooth</a:t>
+            </a:r>
+            <a:r>
+              <a:rPr kumimoji="1" lang="ja-JP" altLang="en-US" dirty="0"/>
+              <a:t>を用いてリモートスタートを行う。</a:t>
+            </a:r>
+            <a:endParaRPr kumimoji="1" lang="en-US" altLang="ja-JP" dirty="0"/>
+          </a:p>
+          <a:p>
+            <a:pPr algn="l"/>
+            <a:r>
+              <a:rPr kumimoji="1" lang="ja-JP" altLang="en-US" dirty="0"/>
+              <a:t>　右の全体アクティビティ図では、要求分析で抽出された機能と制御の処理フローを示した。</a:t>
+            </a:r>
+            <a:endParaRPr kumimoji="1" lang="en-US" altLang="ja-JP" dirty="0"/>
+          </a:p>
+          <a:p>
+            <a:pPr algn="l"/>
+            <a:r>
+              <a:rPr kumimoji="1" lang="ja-JP" altLang="en-US" dirty="0"/>
+              <a:t>右下のアクティビティ図はコースを完走するために必要なライントレースの詳細を示している。</a:t>
+            </a:r>
+            <a:endParaRPr kumimoji="1" lang="en-US" altLang="ja-JP" dirty="0"/>
           </a:p>
           <a:p>
             <a:pPr algn="l"/>
@@ -4313,8 +4321,8 @@
         </p:nvSpPr>
         <p:spPr>
           <a:xfrm>
-            <a:off x="-1165" y="0"/>
-            <a:ext cx="5615459" cy="1025426"/>
+            <a:off x="-1166" y="0"/>
+            <a:ext cx="5760000" cy="1025426"/>
           </a:xfrm>
           <a:prstGeom prst="rect">
             <a:avLst/>
@@ -4345,11 +4353,11 @@
           </a:lstStyle>
           <a:p>
             <a:r>
-              <a:rPr lang="en-US" altLang="ja-JP" dirty="0"/>
+              <a:rPr lang="en-US" altLang="ja-JP" sz="4300" dirty="0"/>
               <a:t>1. </a:t>
             </a:r>
             <a:r>
-              <a:rPr lang="ja-JP" altLang="en-US" dirty="0"/>
+              <a:rPr lang="ja-JP" altLang="en-US" sz="4300" dirty="0"/>
               <a:t>要求分析</a:t>
             </a:r>
           </a:p>
@@ -4393,851 +4401,6 @@
           </a:p>
         </p:txBody>
       </p:sp>
-      <p:grpSp>
-        <p:nvGrpSpPr>
-          <p:cNvPr id="35" name="グループ化 34">
-            <a:extLst>
-              <a:ext uri="{FF2B5EF4-FFF2-40B4-BE49-F238E27FC236}">
-                <a16:creationId xmlns:a16="http://schemas.microsoft.com/office/drawing/2014/main" id="{198A60A0-027B-4507-9206-3708E7EBC866}"/>
-              </a:ext>
-            </a:extLst>
-          </p:cNvPr>
-          <p:cNvGrpSpPr/>
-          <p:nvPr/>
-        </p:nvGrpSpPr>
-        <p:grpSpPr>
-          <a:xfrm>
-            <a:off x="409792" y="3962643"/>
-            <a:ext cx="8950083" cy="5827307"/>
-            <a:chOff x="235008" y="3472241"/>
-            <a:chExt cx="6748603" cy="4393946"/>
-          </a:xfrm>
-        </p:grpSpPr>
-        <p:sp>
-          <p:nvSpPr>
-            <p:cNvPr id="29" name="四角形: 角を丸くする 2">
-              <a:extLst>
-                <a:ext uri="{FF2B5EF4-FFF2-40B4-BE49-F238E27FC236}">
-                  <a16:creationId xmlns:a16="http://schemas.microsoft.com/office/drawing/2014/main" id="{2B99B1EA-17D2-4495-A343-2A1713BC8495}"/>
-                </a:ext>
-              </a:extLst>
-            </p:cNvPr>
-            <p:cNvSpPr/>
-            <p:nvPr/>
-          </p:nvSpPr>
-          <p:spPr bwMode="auto">
-            <a:xfrm>
-              <a:off x="235008" y="3689723"/>
-              <a:ext cx="6748603" cy="4176464"/>
-            </a:xfrm>
-            <a:prstGeom prst="roundRect">
-              <a:avLst>
-                <a:gd name="adj" fmla="val 5155"/>
-              </a:avLst>
-            </a:prstGeom>
-            <a:solidFill>
-              <a:schemeClr val="bg1"/>
-            </a:solidFill>
-            <a:ln w="28575" cap="flat" cmpd="sng" algn="ctr">
-              <a:solidFill>
-                <a:srgbClr val="FF0000"/>
-              </a:solidFill>
-              <a:prstDash val="solid"/>
-              <a:round/>
-              <a:headEnd type="none" w="med" len="med"/>
-              <a:tailEnd type="none" w="med" len="med"/>
-            </a:ln>
-            <a:effectLst/>
-            <a:extLst/>
-          </p:spPr>
-          <p:txBody>
-            <a:bodyPr vert="horz" wrap="none" lIns="91426" tIns="45713" rIns="91426" bIns="45713" numCol="1" rtlCol="0" anchor="ctr" anchorCtr="0" compatLnSpc="1">
-              <a:prstTxWarp prst="textNoShape">
-                <a:avLst/>
-              </a:prstTxWarp>
-            </a:bodyPr>
-            <a:lstStyle/>
-            <a:p>
-              <a:pPr defTabSz="914251"/>
-              <a:endParaRPr lang="ja-JP" altLang="en-US">
-                <a:ln>
-                  <a:solidFill>
-                    <a:srgbClr val="FF5353"/>
-                  </a:solidFill>
-                </a:ln>
-              </a:endParaRPr>
-            </a:p>
-          </p:txBody>
-        </p:sp>
-        <p:cxnSp>
-          <p:nvCxnSpPr>
-            <p:cNvPr id="9" name="直線コネクタ 8">
-              <a:extLst>
-                <a:ext uri="{FF2B5EF4-FFF2-40B4-BE49-F238E27FC236}">
-                  <a16:creationId xmlns:a16="http://schemas.microsoft.com/office/drawing/2014/main" id="{59E591C2-C00D-48E3-ABC6-CFCF840C0BB8}"/>
-                </a:ext>
-              </a:extLst>
-            </p:cNvPr>
-            <p:cNvCxnSpPr>
-              <a:cxnSpLocks/>
-            </p:cNvCxnSpPr>
-            <p:nvPr/>
-          </p:nvCxnSpPr>
-          <p:spPr bwMode="auto">
-            <a:xfrm>
-              <a:off x="3769418" y="3905746"/>
-              <a:ext cx="44947" cy="3673999"/>
-            </a:xfrm>
-            <a:prstGeom prst="line">
-              <a:avLst/>
-            </a:prstGeom>
-            <a:ln w="12700">
-              <a:solidFill>
-                <a:srgbClr val="00B0F0"/>
-              </a:solidFill>
-              <a:prstDash val="dash"/>
-              <a:headEnd type="none" w="med" len="med"/>
-              <a:tailEnd type="none" w="med" len="med"/>
-            </a:ln>
-            <a:extLst>
-              <a:ext uri="{AF507438-7753-43E0-B8FC-AC1667EBCBE1}">
-                <a14:hiddenEffects xmlns:a14="http://schemas.microsoft.com/office/drawing/2010/main">
-                  <a:effectLst>
-                    <a:outerShdw dist="35921" dir="2700000" algn="ctr" rotWithShape="0">
-                      <a:schemeClr val="bg2"/>
-                    </a:outerShdw>
-                  </a:effectLst>
-                </a14:hiddenEffects>
-              </a:ext>
-            </a:extLst>
-          </p:spPr>
-          <p:style>
-            <a:lnRef idx="1">
-              <a:schemeClr val="accent6"/>
-            </a:lnRef>
-            <a:fillRef idx="0">
-              <a:schemeClr val="accent6"/>
-            </a:fillRef>
-            <a:effectRef idx="0">
-              <a:schemeClr val="accent6"/>
-            </a:effectRef>
-            <a:fontRef idx="minor">
-              <a:schemeClr val="tx1"/>
-            </a:fontRef>
-          </p:style>
-        </p:cxnSp>
-        <p:cxnSp>
-          <p:nvCxnSpPr>
-            <p:cNvPr id="10" name="直線コネクタ 9">
-              <a:extLst>
-                <a:ext uri="{FF2B5EF4-FFF2-40B4-BE49-F238E27FC236}">
-                  <a16:creationId xmlns:a16="http://schemas.microsoft.com/office/drawing/2014/main" id="{11FED210-3E54-4989-B8F1-66BC67898A48}"/>
-                </a:ext>
-              </a:extLst>
-            </p:cNvPr>
-            <p:cNvCxnSpPr>
-              <a:cxnSpLocks/>
-            </p:cNvCxnSpPr>
-            <p:nvPr/>
-          </p:nvCxnSpPr>
-          <p:spPr bwMode="auto">
-            <a:xfrm>
-              <a:off x="5281586" y="3921055"/>
-              <a:ext cx="1" cy="3673999"/>
-            </a:xfrm>
-            <a:prstGeom prst="line">
-              <a:avLst/>
-            </a:prstGeom>
-            <a:ln w="12700">
-              <a:solidFill>
-                <a:srgbClr val="00B0F0"/>
-              </a:solidFill>
-              <a:prstDash val="dash"/>
-              <a:headEnd type="none" w="med" len="med"/>
-              <a:tailEnd type="none" w="med" len="med"/>
-            </a:ln>
-            <a:extLst>
-              <a:ext uri="{AF507438-7753-43E0-B8FC-AC1667EBCBE1}">
-                <a14:hiddenEffects xmlns:a14="http://schemas.microsoft.com/office/drawing/2010/main">
-                  <a:effectLst>
-                    <a:outerShdw dist="35921" dir="2700000" algn="ctr" rotWithShape="0">
-                      <a:schemeClr val="bg2"/>
-                    </a:outerShdw>
-                  </a:effectLst>
-                </a14:hiddenEffects>
-              </a:ext>
-            </a:extLst>
-          </p:spPr>
-          <p:style>
-            <a:lnRef idx="1">
-              <a:schemeClr val="accent6"/>
-            </a:lnRef>
-            <a:fillRef idx="0">
-              <a:schemeClr val="accent6"/>
-            </a:fillRef>
-            <a:effectRef idx="0">
-              <a:schemeClr val="accent6"/>
-            </a:effectRef>
-            <a:fontRef idx="minor">
-              <a:schemeClr val="tx1"/>
-            </a:fontRef>
-          </p:style>
-        </p:cxnSp>
-        <p:cxnSp>
-          <p:nvCxnSpPr>
-            <p:cNvPr id="11" name="直線コネクタ 10">
-              <a:extLst>
-                <a:ext uri="{FF2B5EF4-FFF2-40B4-BE49-F238E27FC236}">
-                  <a16:creationId xmlns:a16="http://schemas.microsoft.com/office/drawing/2014/main" id="{58746A49-3050-4518-A47D-F346298CE0A0}"/>
-                </a:ext>
-              </a:extLst>
-            </p:cNvPr>
-            <p:cNvCxnSpPr>
-              <a:cxnSpLocks/>
-            </p:cNvCxnSpPr>
-            <p:nvPr/>
-          </p:nvCxnSpPr>
-          <p:spPr bwMode="auto">
-            <a:xfrm>
-              <a:off x="2329258" y="3929118"/>
-              <a:ext cx="1" cy="3673999"/>
-            </a:xfrm>
-            <a:prstGeom prst="line">
-              <a:avLst/>
-            </a:prstGeom>
-            <a:ln w="12700">
-              <a:solidFill>
-                <a:srgbClr val="00B0F0"/>
-              </a:solidFill>
-              <a:prstDash val="dash"/>
-              <a:headEnd type="none" w="med" len="med"/>
-              <a:tailEnd type="none" w="med" len="med"/>
-            </a:ln>
-            <a:extLst>
-              <a:ext uri="{AF507438-7753-43E0-B8FC-AC1667EBCBE1}">
-                <a14:hiddenEffects xmlns:a14="http://schemas.microsoft.com/office/drawing/2010/main">
-                  <a:effectLst>
-                    <a:outerShdw dist="35921" dir="2700000" algn="ctr" rotWithShape="0">
-                      <a:schemeClr val="bg2"/>
-                    </a:outerShdw>
-                  </a:effectLst>
-                </a14:hiddenEffects>
-              </a:ext>
-            </a:extLst>
-          </p:spPr>
-          <p:style>
-            <a:lnRef idx="1">
-              <a:schemeClr val="accent6"/>
-            </a:lnRef>
-            <a:fillRef idx="0">
-              <a:schemeClr val="accent6"/>
-            </a:fillRef>
-            <a:effectRef idx="0">
-              <a:schemeClr val="accent6"/>
-            </a:effectRef>
-            <a:fontRef idx="minor">
-              <a:schemeClr val="tx1"/>
-            </a:fontRef>
-          </p:style>
-        </p:cxnSp>
-        <p:sp>
-          <p:nvSpPr>
-            <p:cNvPr id="12" name="正方形/長方形 11">
-              <a:extLst>
-                <a:ext uri="{FF2B5EF4-FFF2-40B4-BE49-F238E27FC236}">
-                  <a16:creationId xmlns:a16="http://schemas.microsoft.com/office/drawing/2014/main" id="{9DECE021-E8EA-4E83-B550-D55B4C9FFF48}"/>
-                </a:ext>
-              </a:extLst>
-            </p:cNvPr>
-            <p:cNvSpPr/>
-            <p:nvPr/>
-          </p:nvSpPr>
-          <p:spPr bwMode="auto">
-            <a:xfrm>
-              <a:off x="2616905" y="6754302"/>
-              <a:ext cx="904470" cy="766734"/>
-            </a:xfrm>
-            <a:prstGeom prst="rect">
-              <a:avLst/>
-            </a:prstGeom>
-            <a:solidFill>
-              <a:srgbClr val="FF99FF"/>
-            </a:solidFill>
-            <a:ln>
-              <a:headEnd type="none" w="med" len="med"/>
-              <a:tailEnd type="none" w="med" len="med"/>
-            </a:ln>
-            <a:extLst/>
-          </p:spPr>
-          <p:style>
-            <a:lnRef idx="3">
-              <a:schemeClr val="lt1"/>
-            </a:lnRef>
-            <a:fillRef idx="1">
-              <a:schemeClr val="accent1"/>
-            </a:fillRef>
-            <a:effectRef idx="1">
-              <a:schemeClr val="accent1"/>
-            </a:effectRef>
-            <a:fontRef idx="minor">
-              <a:schemeClr val="lt1"/>
-            </a:fontRef>
-          </p:style>
-          <p:txBody>
-            <a:bodyPr vert="horz" wrap="none" lIns="91440" tIns="45720" rIns="91440" bIns="45720" numCol="1" rtlCol="0" anchor="ctr" anchorCtr="0" compatLnSpc="1">
-              <a:prstTxWarp prst="textNoShape">
-                <a:avLst/>
-              </a:prstTxWarp>
-            </a:bodyPr>
-            <a:lstStyle/>
-            <a:p>
-              <a:r>
-                <a:rPr lang="ja-JP" altLang="en-US" sz="1500" dirty="0">
-                  <a:solidFill>
-                    <a:schemeClr val="tx1"/>
-                  </a:solidFill>
-                  <a:latin typeface="Arial" charset="0"/>
-                </a:rPr>
-                <a:t>時間</a:t>
-              </a:r>
-            </a:p>
-          </p:txBody>
-        </p:sp>
-        <p:sp>
-          <p:nvSpPr>
-            <p:cNvPr id="13" name="正方形/長方形 12">
-              <a:extLst>
-                <a:ext uri="{FF2B5EF4-FFF2-40B4-BE49-F238E27FC236}">
-                  <a16:creationId xmlns:a16="http://schemas.microsoft.com/office/drawing/2014/main" id="{9383FF73-90D3-42DD-BC3B-7F3FD6B34BEA}"/>
-                </a:ext>
-              </a:extLst>
-            </p:cNvPr>
-            <p:cNvSpPr/>
-            <p:nvPr/>
-          </p:nvSpPr>
-          <p:spPr bwMode="auto">
-            <a:xfrm>
-              <a:off x="4009710" y="6754302"/>
-              <a:ext cx="1154307" cy="784845"/>
-            </a:xfrm>
-            <a:prstGeom prst="rect">
-              <a:avLst/>
-            </a:prstGeom>
-            <a:solidFill>
-              <a:srgbClr val="FF99FF"/>
-            </a:solidFill>
-            <a:ln>
-              <a:headEnd type="none" w="med" len="med"/>
-              <a:tailEnd type="none" w="med" len="med"/>
-            </a:ln>
-            <a:extLst/>
-          </p:spPr>
-          <p:style>
-            <a:lnRef idx="3">
-              <a:schemeClr val="lt1"/>
-            </a:lnRef>
-            <a:fillRef idx="1">
-              <a:schemeClr val="accent1"/>
-            </a:fillRef>
-            <a:effectRef idx="1">
-              <a:schemeClr val="accent1"/>
-            </a:effectRef>
-            <a:fontRef idx="minor">
-              <a:schemeClr val="lt1"/>
-            </a:fontRef>
-          </p:style>
-          <p:txBody>
-            <a:bodyPr vert="horz" wrap="none" lIns="91440" tIns="45720" rIns="91440" bIns="45720" numCol="1" rtlCol="0" anchor="ctr" anchorCtr="0" compatLnSpc="1">
-              <a:prstTxWarp prst="textNoShape">
-                <a:avLst/>
-              </a:prstTxWarp>
-            </a:bodyPr>
-            <a:lstStyle/>
-            <a:p>
-              <a:r>
-                <a:rPr lang="ja-JP" altLang="en-US" sz="1500" dirty="0">
-                  <a:solidFill>
-                    <a:schemeClr val="tx1"/>
-                  </a:solidFill>
-                  <a:latin typeface="Arial" charset="0"/>
-                </a:rPr>
-                <a:t>実現したい</a:t>
-              </a:r>
-              <a:endParaRPr lang="en-US" altLang="ja-JP" sz="1500" dirty="0">
-                <a:solidFill>
-                  <a:schemeClr val="tx1"/>
-                </a:solidFill>
-                <a:latin typeface="Arial" charset="0"/>
-              </a:endParaRPr>
-            </a:p>
-            <a:p>
-              <a:r>
-                <a:rPr lang="ja-JP" altLang="en-US" sz="1500" dirty="0">
-                  <a:solidFill>
-                    <a:schemeClr val="tx1"/>
-                  </a:solidFill>
-                  <a:latin typeface="Arial" charset="0"/>
-                </a:rPr>
-                <a:t>こと</a:t>
-              </a:r>
-              <a:endParaRPr lang="en-US" altLang="ja-JP" sz="1500" dirty="0">
-                <a:solidFill>
-                  <a:schemeClr val="tx1"/>
-                </a:solidFill>
-                <a:latin typeface="Arial" charset="0"/>
-              </a:endParaRPr>
-            </a:p>
-          </p:txBody>
-        </p:sp>
-        <p:sp>
-          <p:nvSpPr>
-            <p:cNvPr id="14" name="正方形/長方形 13">
-              <a:extLst>
-                <a:ext uri="{FF2B5EF4-FFF2-40B4-BE49-F238E27FC236}">
-                  <a16:creationId xmlns:a16="http://schemas.microsoft.com/office/drawing/2014/main" id="{CD9080B7-7DDA-4F8F-8486-CA62F83DBF35}"/>
-                </a:ext>
-              </a:extLst>
-            </p:cNvPr>
-            <p:cNvSpPr/>
-            <p:nvPr/>
-          </p:nvSpPr>
-          <p:spPr bwMode="auto">
-            <a:xfrm>
-              <a:off x="5458067" y="6773511"/>
-              <a:ext cx="1243645" cy="728315"/>
-            </a:xfrm>
-            <a:prstGeom prst="rect">
-              <a:avLst/>
-            </a:prstGeom>
-            <a:solidFill>
-              <a:srgbClr val="FF99FF"/>
-            </a:solidFill>
-            <a:ln>
-              <a:headEnd type="none" w="med" len="med"/>
-              <a:tailEnd type="none" w="med" len="med"/>
-            </a:ln>
-            <a:extLst/>
-          </p:spPr>
-          <p:style>
-            <a:lnRef idx="3">
-              <a:schemeClr val="lt1"/>
-            </a:lnRef>
-            <a:fillRef idx="1">
-              <a:schemeClr val="accent1"/>
-            </a:fillRef>
-            <a:effectRef idx="1">
-              <a:schemeClr val="accent1"/>
-            </a:effectRef>
-            <a:fontRef idx="minor">
-              <a:schemeClr val="lt1"/>
-            </a:fontRef>
-          </p:style>
-          <p:txBody>
-            <a:bodyPr vert="horz" wrap="none" lIns="91440" tIns="45720" rIns="91440" bIns="45720" numCol="1" rtlCol="0" anchor="ctr" anchorCtr="0" compatLnSpc="1">
-              <a:prstTxWarp prst="textNoShape">
-                <a:avLst/>
-              </a:prstTxWarp>
-            </a:bodyPr>
-            <a:lstStyle/>
-            <a:p>
-              <a:r>
-                <a:rPr lang="ja-JP" altLang="en-US" sz="1500" dirty="0">
-                  <a:solidFill>
-                    <a:schemeClr val="tx1"/>
-                  </a:solidFill>
-                  <a:latin typeface="Arial" charset="0"/>
-                </a:rPr>
-                <a:t>必要な機能</a:t>
-              </a:r>
-              <a:endParaRPr lang="en-US" altLang="ja-JP" sz="1500" dirty="0">
-                <a:solidFill>
-                  <a:schemeClr val="tx1"/>
-                </a:solidFill>
-                <a:latin typeface="Arial" charset="0"/>
-              </a:endParaRPr>
-            </a:p>
-            <a:p>
-              <a:r>
-                <a:rPr lang="ja-JP" altLang="en-US" sz="1500" dirty="0">
-                  <a:solidFill>
-                    <a:schemeClr val="tx1"/>
-                  </a:solidFill>
-                  <a:latin typeface="Arial" charset="0"/>
-                </a:rPr>
-                <a:t>と制御</a:t>
-              </a:r>
-              <a:endParaRPr lang="en-US" altLang="ja-JP" sz="1500" dirty="0">
-                <a:solidFill>
-                  <a:schemeClr val="tx1"/>
-                </a:solidFill>
-                <a:latin typeface="Arial" charset="0"/>
-              </a:endParaRPr>
-            </a:p>
-          </p:txBody>
-        </p:sp>
-        <p:sp>
-          <p:nvSpPr>
-            <p:cNvPr id="30" name="テキスト ボックス 29">
-              <a:extLst>
-                <a:ext uri="{FF2B5EF4-FFF2-40B4-BE49-F238E27FC236}">
-                  <a16:creationId xmlns:a16="http://schemas.microsoft.com/office/drawing/2014/main" id="{825F097D-4588-4F8F-AA42-B0D77B0F9CE3}"/>
-                </a:ext>
-              </a:extLst>
-            </p:cNvPr>
-            <p:cNvSpPr txBox="1"/>
-            <p:nvPr/>
-          </p:nvSpPr>
-          <p:spPr>
-            <a:xfrm>
-              <a:off x="646907" y="3472241"/>
-              <a:ext cx="1545106" cy="461651"/>
-            </a:xfrm>
-            <a:prstGeom prst="rect">
-              <a:avLst/>
-            </a:prstGeom>
-            <a:solidFill>
-              <a:srgbClr val="FFE7FF"/>
-            </a:solidFill>
-            <a:ln w="28575">
-              <a:solidFill>
-                <a:srgbClr val="FF0000"/>
-              </a:solidFill>
-            </a:ln>
-          </p:spPr>
-          <p:txBody>
-            <a:bodyPr wrap="square" lIns="91426" tIns="45713" rIns="91426" bIns="45713" rtlCol="0">
-              <a:spAutoFit/>
-            </a:bodyPr>
-            <a:lstStyle/>
-            <a:p>
-              <a:r>
-                <a:rPr kumimoji="1" lang="ja-JP" altLang="en-US" sz="2400" b="1" dirty="0"/>
-                <a:t>要求分析</a:t>
-              </a:r>
-            </a:p>
-          </p:txBody>
-        </p:sp>
-        <p:pic>
-          <p:nvPicPr>
-            <p:cNvPr id="3" name="図 2">
-              <a:extLst>
-                <a:ext uri="{FF2B5EF4-FFF2-40B4-BE49-F238E27FC236}">
-                  <a16:creationId xmlns:a16="http://schemas.microsoft.com/office/drawing/2014/main" id="{C9882674-0275-440D-9453-AEE0AC6A3AF4}"/>
-                </a:ext>
-              </a:extLst>
-            </p:cNvPr>
-            <p:cNvPicPr>
-              <a:picLocks noChangeAspect="1"/>
-            </p:cNvPicPr>
-            <p:nvPr/>
-          </p:nvPicPr>
-          <p:blipFill>
-            <a:blip r:embed="rId3">
-              <a:extLst>
-                <a:ext uri="{28A0092B-C50C-407E-A947-70E740481C1C}">
-                  <a14:useLocalDpi xmlns:a14="http://schemas.microsoft.com/office/drawing/2010/main" val="0"/>
-                </a:ext>
-              </a:extLst>
-            </a:blip>
-            <a:stretch>
-              <a:fillRect/>
-            </a:stretch>
-          </p:blipFill>
-          <p:spPr>
-            <a:xfrm>
-              <a:off x="352212" y="3944677"/>
-              <a:ext cx="6441542" cy="2694475"/>
-            </a:xfrm>
-            <a:prstGeom prst="rect">
-              <a:avLst/>
-            </a:prstGeom>
-          </p:spPr>
-        </p:pic>
-        <p:sp>
-          <p:nvSpPr>
-            <p:cNvPr id="34" name="四角形: 角を丸くする 33">
-              <a:extLst>
-                <a:ext uri="{FF2B5EF4-FFF2-40B4-BE49-F238E27FC236}">
-                  <a16:creationId xmlns:a16="http://schemas.microsoft.com/office/drawing/2014/main" id="{9DD4FF66-C078-4F0A-AA25-4C5C5256DFBD}"/>
-                </a:ext>
-              </a:extLst>
-            </p:cNvPr>
-            <p:cNvSpPr/>
-            <p:nvPr/>
-          </p:nvSpPr>
-          <p:spPr>
-            <a:xfrm>
-              <a:off x="5383211" y="3905746"/>
-              <a:ext cx="1429322" cy="432048"/>
-            </a:xfrm>
-            <a:prstGeom prst="roundRect">
-              <a:avLst/>
-            </a:prstGeom>
-            <a:solidFill>
-              <a:srgbClr val="CCECFF">
-                <a:alpha val="41176"/>
-              </a:srgbClr>
-            </a:solidFill>
-            <a:ln>
-              <a:solidFill>
-                <a:srgbClr val="99CCFF"/>
-              </a:solidFill>
-            </a:ln>
-          </p:spPr>
-          <p:style>
-            <a:lnRef idx="2">
-              <a:schemeClr val="accent1">
-                <a:shade val="50000"/>
-              </a:schemeClr>
-            </a:lnRef>
-            <a:fillRef idx="1">
-              <a:schemeClr val="accent1"/>
-            </a:fillRef>
-            <a:effectRef idx="0">
-              <a:schemeClr val="accent1"/>
-            </a:effectRef>
-            <a:fontRef idx="minor">
-              <a:schemeClr val="lt1"/>
-            </a:fontRef>
-          </p:style>
-          <p:txBody>
-            <a:bodyPr rtlCol="0" anchor="ctr"/>
-            <a:lstStyle/>
-            <a:p>
-              <a:pPr algn="ctr"/>
-              <a:endParaRPr kumimoji="1" lang="ja-JP" altLang="en-US"/>
-            </a:p>
-          </p:txBody>
-        </p:sp>
-        <p:sp>
-          <p:nvSpPr>
-            <p:cNvPr id="37" name="四角形: 角を丸くする 36">
-              <a:extLst>
-                <a:ext uri="{FF2B5EF4-FFF2-40B4-BE49-F238E27FC236}">
-                  <a16:creationId xmlns:a16="http://schemas.microsoft.com/office/drawing/2014/main" id="{2C5C874F-2F41-4894-BDD7-482235C2458B}"/>
-                </a:ext>
-              </a:extLst>
-            </p:cNvPr>
-            <p:cNvSpPr/>
-            <p:nvPr/>
-          </p:nvSpPr>
-          <p:spPr>
-            <a:xfrm>
-              <a:off x="5383211" y="4555570"/>
-              <a:ext cx="1429322" cy="540000"/>
-            </a:xfrm>
-            <a:prstGeom prst="roundRect">
-              <a:avLst/>
-            </a:prstGeom>
-            <a:solidFill>
-              <a:srgbClr val="FFE7FF">
-                <a:alpha val="41176"/>
-              </a:srgbClr>
-            </a:solidFill>
-            <a:ln>
-              <a:solidFill>
-                <a:srgbClr val="FFCCCC"/>
-              </a:solidFill>
-            </a:ln>
-          </p:spPr>
-          <p:style>
-            <a:lnRef idx="2">
-              <a:schemeClr val="accent1">
-                <a:shade val="50000"/>
-              </a:schemeClr>
-            </a:lnRef>
-            <a:fillRef idx="1">
-              <a:schemeClr val="accent1"/>
-            </a:fillRef>
-            <a:effectRef idx="0">
-              <a:schemeClr val="accent1"/>
-            </a:effectRef>
-            <a:fontRef idx="minor">
-              <a:schemeClr val="lt1"/>
-            </a:fontRef>
-          </p:style>
-          <p:txBody>
-            <a:bodyPr rtlCol="0" anchor="ctr"/>
-            <a:lstStyle/>
-            <a:p>
-              <a:pPr algn="ctr"/>
-              <a:endParaRPr kumimoji="1" lang="ja-JP" altLang="en-US"/>
-            </a:p>
-          </p:txBody>
-        </p:sp>
-        <p:sp>
-          <p:nvSpPr>
-            <p:cNvPr id="38" name="四角形: 角を丸くする 37">
-              <a:extLst>
-                <a:ext uri="{FF2B5EF4-FFF2-40B4-BE49-F238E27FC236}">
-                  <a16:creationId xmlns:a16="http://schemas.microsoft.com/office/drawing/2014/main" id="{E9B70D76-41E0-4E19-A3BF-8AD444950A08}"/>
-                </a:ext>
-              </a:extLst>
-            </p:cNvPr>
-            <p:cNvSpPr/>
-            <p:nvPr/>
-          </p:nvSpPr>
-          <p:spPr>
-            <a:xfrm>
-              <a:off x="5383211" y="5260061"/>
-              <a:ext cx="1429322" cy="557303"/>
-            </a:xfrm>
-            <a:prstGeom prst="roundRect">
-              <a:avLst/>
-            </a:prstGeom>
-            <a:solidFill>
-              <a:schemeClr val="accent3">
-                <a:lumMod val="40000"/>
-                <a:lumOff val="60000"/>
-                <a:alpha val="40784"/>
-              </a:schemeClr>
-            </a:solidFill>
-            <a:ln>
-              <a:solidFill>
-                <a:srgbClr val="99FF66"/>
-              </a:solidFill>
-            </a:ln>
-          </p:spPr>
-          <p:style>
-            <a:lnRef idx="2">
-              <a:schemeClr val="accent1">
-                <a:shade val="50000"/>
-              </a:schemeClr>
-            </a:lnRef>
-            <a:fillRef idx="1">
-              <a:schemeClr val="accent1"/>
-            </a:fillRef>
-            <a:effectRef idx="0">
-              <a:schemeClr val="accent1"/>
-            </a:effectRef>
-            <a:fontRef idx="minor">
-              <a:schemeClr val="lt1"/>
-            </a:fontRef>
-          </p:style>
-          <p:txBody>
-            <a:bodyPr rtlCol="0" anchor="ctr"/>
-            <a:lstStyle/>
-            <a:p>
-              <a:pPr algn="ctr"/>
-              <a:endParaRPr kumimoji="1" lang="ja-JP" altLang="en-US" b="1" dirty="0"/>
-            </a:p>
-          </p:txBody>
-        </p:sp>
-        <p:sp>
-          <p:nvSpPr>
-            <p:cNvPr id="39" name="四角形: 角を丸くする 38">
-              <a:extLst>
-                <a:ext uri="{FF2B5EF4-FFF2-40B4-BE49-F238E27FC236}">
-                  <a16:creationId xmlns:a16="http://schemas.microsoft.com/office/drawing/2014/main" id="{B8278682-A999-47EB-864E-5A64DBC1C1D2}"/>
-                </a:ext>
-              </a:extLst>
-            </p:cNvPr>
-            <p:cNvSpPr/>
-            <p:nvPr/>
-          </p:nvSpPr>
-          <p:spPr>
-            <a:xfrm>
-              <a:off x="5383211" y="5855612"/>
-              <a:ext cx="1429322" cy="468000"/>
-            </a:xfrm>
-            <a:prstGeom prst="roundRect">
-              <a:avLst/>
-            </a:prstGeom>
-            <a:solidFill>
-              <a:srgbClr val="E6E0EC">
-                <a:alpha val="41176"/>
-              </a:srgbClr>
-            </a:solidFill>
-            <a:ln>
-              <a:solidFill>
-                <a:srgbClr val="9999FF"/>
-              </a:solidFill>
-            </a:ln>
-          </p:spPr>
-          <p:style>
-            <a:lnRef idx="2">
-              <a:schemeClr val="accent1">
-                <a:shade val="50000"/>
-              </a:schemeClr>
-            </a:lnRef>
-            <a:fillRef idx="1">
-              <a:schemeClr val="accent1"/>
-            </a:fillRef>
-            <a:effectRef idx="0">
-              <a:schemeClr val="accent1"/>
-            </a:effectRef>
-            <a:fontRef idx="minor">
-              <a:schemeClr val="lt1"/>
-            </a:fontRef>
-          </p:style>
-          <p:txBody>
-            <a:bodyPr rtlCol="0" anchor="ctr"/>
-            <a:lstStyle/>
-            <a:p>
-              <a:pPr algn="ctr"/>
-              <a:endParaRPr kumimoji="1" lang="ja-JP" altLang="en-US"/>
-            </a:p>
-          </p:txBody>
-        </p:sp>
-        <p:sp>
-          <p:nvSpPr>
-            <p:cNvPr id="40" name="四角形: 角を丸くする 39">
-              <a:extLst>
-                <a:ext uri="{FF2B5EF4-FFF2-40B4-BE49-F238E27FC236}">
-                  <a16:creationId xmlns:a16="http://schemas.microsoft.com/office/drawing/2014/main" id="{CB46362A-988A-402D-AB74-663823BD4423}"/>
-                </a:ext>
-              </a:extLst>
-            </p:cNvPr>
-            <p:cNvSpPr/>
-            <p:nvPr/>
-          </p:nvSpPr>
-          <p:spPr>
-            <a:xfrm>
-              <a:off x="5401294" y="6358467"/>
-              <a:ext cx="1429322" cy="216673"/>
-            </a:xfrm>
-            <a:prstGeom prst="roundRect">
-              <a:avLst/>
-            </a:prstGeom>
-            <a:solidFill>
-              <a:schemeClr val="accent6">
-                <a:lumMod val="40000"/>
-                <a:lumOff val="60000"/>
-                <a:alpha val="41176"/>
-              </a:schemeClr>
-            </a:solidFill>
-            <a:ln>
-              <a:solidFill>
-                <a:srgbClr val="FFCC33"/>
-              </a:solidFill>
-            </a:ln>
-          </p:spPr>
-          <p:style>
-            <a:lnRef idx="2">
-              <a:schemeClr val="accent1">
-                <a:shade val="50000"/>
-              </a:schemeClr>
-            </a:lnRef>
-            <a:fillRef idx="1">
-              <a:schemeClr val="accent1"/>
-            </a:fillRef>
-            <a:effectRef idx="0">
-              <a:schemeClr val="accent1"/>
-            </a:effectRef>
-            <a:fontRef idx="minor">
-              <a:schemeClr val="lt1"/>
-            </a:fontRef>
-          </p:style>
-          <p:txBody>
-            <a:bodyPr rtlCol="0" anchor="ctr"/>
-            <a:lstStyle/>
-            <a:p>
-              <a:pPr algn="ctr"/>
-              <a:endParaRPr kumimoji="1" lang="ja-JP" altLang="en-US"/>
-            </a:p>
-          </p:txBody>
-        </p:sp>
-      </p:grpSp>
       <p:grpSp>
         <p:nvGrpSpPr>
           <p:cNvPr id="2" name="グループ化 1">
@@ -5323,7 +4486,7 @@
             <p:nvPr/>
           </p:nvPicPr>
           <p:blipFill rotWithShape="1">
-            <a:blip r:embed="rId4">
+            <a:blip r:embed="rId3">
               <a:extLst>
                 <a:ext uri="{28A0092B-C50C-407E-A947-70E740481C1C}">
                   <a14:useLocalDpi xmlns:a14="http://schemas.microsoft.com/office/drawing/2010/main" val="0"/>
@@ -5385,10 +4548,10 @@
       </p:grpSp>
       <p:grpSp>
         <p:nvGrpSpPr>
-          <p:cNvPr id="41" name="グループ化 40">
+          <p:cNvPr id="22" name="グループ化 21">
             <a:extLst>
               <a:ext uri="{FF2B5EF4-FFF2-40B4-BE49-F238E27FC236}">
-                <a16:creationId xmlns:a16="http://schemas.microsoft.com/office/drawing/2014/main" id="{CC34BED1-91F1-42C3-81A0-93B962D84138}"/>
+                <a16:creationId xmlns:a16="http://schemas.microsoft.com/office/drawing/2014/main" id="{5EC8724F-0194-4A73-AA64-646C1B4A511E}"/>
               </a:ext>
             </a:extLst>
           </p:cNvPr>
@@ -5399,165 +4562,144 @@
           <a:xfrm>
             <a:off x="10331977" y="100085"/>
             <a:ext cx="3724952" cy="4248472"/>
-            <a:chOff x="7148367" y="3689723"/>
-            <a:chExt cx="3579660" cy="4032447"/>
+            <a:chOff x="9503891" y="3645924"/>
+            <a:chExt cx="5112568" cy="6524518"/>
           </a:xfrm>
         </p:grpSpPr>
-        <p:grpSp>
-          <p:nvGrpSpPr>
-            <p:cNvPr id="22" name="グループ化 21">
+        <p:sp>
+          <p:nvSpPr>
+            <p:cNvPr id="32" name="四角形: 角を丸くする 31">
               <a:extLst>
                 <a:ext uri="{FF2B5EF4-FFF2-40B4-BE49-F238E27FC236}">
-                  <a16:creationId xmlns:a16="http://schemas.microsoft.com/office/drawing/2014/main" id="{5EC8724F-0194-4A73-AA64-646C1B4A511E}"/>
+                  <a16:creationId xmlns:a16="http://schemas.microsoft.com/office/drawing/2014/main" id="{2CB54470-E1EE-4955-BF14-A25A1992B9AE}"/>
                 </a:ext>
               </a:extLst>
             </p:cNvPr>
-            <p:cNvGrpSpPr/>
+            <p:cNvSpPr/>
             <p:nvPr/>
-          </p:nvGrpSpPr>
-          <p:grpSpPr>
+          </p:nvSpPr>
+          <p:spPr bwMode="auto">
             <a:xfrm>
-              <a:off x="7148367" y="3689723"/>
-              <a:ext cx="3579660" cy="4032447"/>
-              <a:chOff x="9503891" y="3645924"/>
-              <a:chExt cx="5112568" cy="6524518"/>
+              <a:off x="9503891" y="3645924"/>
+              <a:ext cx="5112568" cy="6524518"/>
             </a:xfrm>
-          </p:grpSpPr>
-          <p:sp>
-            <p:nvSpPr>
-              <p:cNvPr id="32" name="四角形: 角を丸くする 31">
-                <a:extLst>
-                  <a:ext uri="{FF2B5EF4-FFF2-40B4-BE49-F238E27FC236}">
-                    <a16:creationId xmlns:a16="http://schemas.microsoft.com/office/drawing/2014/main" id="{2CB54470-E1EE-4955-BF14-A25A1992B9AE}"/>
-                  </a:ext>
-                </a:extLst>
-              </p:cNvPr>
-              <p:cNvSpPr/>
-              <p:nvPr/>
-            </p:nvSpPr>
-            <p:spPr bwMode="auto">
-              <a:xfrm>
-                <a:off x="9503891" y="3645924"/>
-                <a:ext cx="5112568" cy="6524518"/>
-              </a:xfrm>
-              <a:prstGeom prst="roundRect">
-                <a:avLst>
-                  <a:gd name="adj" fmla="val 6556"/>
-                </a:avLst>
-              </a:prstGeom>
+            <a:prstGeom prst="roundRect">
+              <a:avLst>
+                <a:gd name="adj" fmla="val 6556"/>
+              </a:avLst>
+            </a:prstGeom>
+            <a:solidFill>
+              <a:schemeClr val="accent6">
+                <a:lumMod val="60000"/>
+                <a:lumOff val="40000"/>
+              </a:schemeClr>
+            </a:solidFill>
+            <a:ln w="9525" cap="flat" cmpd="sng" algn="ctr">
               <a:solidFill>
-                <a:schemeClr val="accent6">
-                  <a:lumMod val="60000"/>
-                  <a:lumOff val="40000"/>
-                </a:schemeClr>
+                <a:schemeClr val="tx1"/>
               </a:solidFill>
-              <a:ln w="9525" cap="flat" cmpd="sng" algn="ctr">
-                <a:solidFill>
-                  <a:schemeClr val="tx1"/>
-                </a:solidFill>
-                <a:prstDash val="solid"/>
-                <a:round/>
-                <a:headEnd type="none" w="med" len="med"/>
-                <a:tailEnd type="none" w="med" len="med"/>
-              </a:ln>
-              <a:effectLst/>
-              <a:extLst>
-                <a:ext uri="{AF507438-7753-43E0-B8FC-AC1667EBCBE1}">
-                  <a14:hiddenEffects xmlns:a14="http://schemas.microsoft.com/office/drawing/2010/main">
-                    <a:effectLst>
-                      <a:outerShdw dist="35921" dir="2700000" algn="ctr" rotWithShape="0">
-                        <a:schemeClr val="bg2"/>
-                      </a:outerShdw>
-                    </a:effectLst>
-                  </a14:hiddenEffects>
-                </a:ext>
-              </a:extLst>
-            </p:spPr>
-            <p:txBody>
-              <a:bodyPr vert="horz" wrap="none" lIns="91426" tIns="45713" rIns="91426" bIns="45713" numCol="1" rtlCol="0" anchor="ctr" anchorCtr="0" compatLnSpc="1">
-                <a:prstTxWarp prst="textNoShape">
-                  <a:avLst/>
-                </a:prstTxWarp>
-              </a:bodyPr>
-              <a:lstStyle/>
-              <a:p>
-                <a:pPr defTabSz="914251"/>
-                <a:endParaRPr lang="ja-JP" altLang="en-US"/>
-              </a:p>
-            </p:txBody>
-          </p:sp>
-          <p:sp>
-            <p:nvSpPr>
-              <p:cNvPr id="25" name="テキスト ボックス 24">
-                <a:extLst>
-                  <a:ext uri="{FF2B5EF4-FFF2-40B4-BE49-F238E27FC236}">
-                    <a16:creationId xmlns:a16="http://schemas.microsoft.com/office/drawing/2014/main" id="{825F097D-4588-4F8F-AA42-B0D77B0F9CE3}"/>
-                  </a:ext>
-                </a:extLst>
-              </p:cNvPr>
-              <p:cNvSpPr txBox="1"/>
-              <p:nvPr/>
-            </p:nvSpPr>
-            <p:spPr>
-              <a:xfrm>
-                <a:off x="10029612" y="3783230"/>
-                <a:ext cx="1970383" cy="338540"/>
-              </a:xfrm>
-              <a:prstGeom prst="rect">
+              <a:prstDash val="solid"/>
+              <a:round/>
+              <a:headEnd type="none" w="med" len="med"/>
+              <a:tailEnd type="none" w="med" len="med"/>
+            </a:ln>
+            <a:effectLst/>
+            <a:extLst>
+              <a:ext uri="{AF507438-7753-43E0-B8FC-AC1667EBCBE1}">
+                <a14:hiddenEffects xmlns:a14="http://schemas.microsoft.com/office/drawing/2010/main">
+                  <a:effectLst>
+                    <a:outerShdw dist="35921" dir="2700000" algn="ctr" rotWithShape="0">
+                      <a:schemeClr val="bg2"/>
+                    </a:outerShdw>
+                  </a:effectLst>
+                </a14:hiddenEffects>
+              </a:ext>
+            </a:extLst>
+          </p:spPr>
+          <p:txBody>
+            <a:bodyPr vert="horz" wrap="none" lIns="91426" tIns="45713" rIns="91426" bIns="45713" numCol="1" rtlCol="0" anchor="ctr" anchorCtr="0" compatLnSpc="1">
+              <a:prstTxWarp prst="textNoShape">
                 <a:avLst/>
-              </a:prstGeom>
-              <a:noFill/>
-            </p:spPr>
-            <p:txBody>
-              <a:bodyPr wrap="none" lIns="91426" tIns="45713" rIns="91426" bIns="45713" rtlCol="0">
-                <a:spAutoFit/>
-              </a:bodyPr>
-              <a:lstStyle/>
-              <a:p>
-                <a:r>
-                  <a:rPr kumimoji="1" lang="ja-JP" altLang="en-US" sz="1600" b="1" dirty="0"/>
-                  <a:t>全体アクティビティ図</a:t>
-                </a:r>
-              </a:p>
-            </p:txBody>
-          </p:sp>
-        </p:grpSp>
-        <p:pic>
-          <p:nvPicPr>
-            <p:cNvPr id="21" name="図 20">
+              </a:prstTxWarp>
+            </a:bodyPr>
+            <a:lstStyle/>
+            <a:p>
+              <a:pPr defTabSz="914251"/>
+              <a:endParaRPr lang="ja-JP" altLang="en-US"/>
+            </a:p>
+          </p:txBody>
+        </p:sp>
+        <p:sp>
+          <p:nvSpPr>
+            <p:cNvPr id="25" name="テキスト ボックス 24">
               <a:extLst>
                 <a:ext uri="{FF2B5EF4-FFF2-40B4-BE49-F238E27FC236}">
-                  <a16:creationId xmlns:a16="http://schemas.microsoft.com/office/drawing/2014/main" id="{5B84E09A-506B-45CE-A672-132EBE4C1DE4}"/>
+                  <a16:creationId xmlns:a16="http://schemas.microsoft.com/office/drawing/2014/main" id="{825F097D-4588-4F8F-AA42-B0D77B0F9CE3}"/>
                 </a:ext>
               </a:extLst>
             </p:cNvPr>
-            <p:cNvPicPr>
-              <a:picLocks noChangeAspect="1"/>
-            </p:cNvPicPr>
+            <p:cNvSpPr txBox="1"/>
             <p:nvPr/>
-          </p:nvPicPr>
-          <p:blipFill rotWithShape="1">
-            <a:blip r:embed="rId5">
-              <a:extLst>
-                <a:ext uri="{28A0092B-C50C-407E-A947-70E740481C1C}">
-                  <a14:useLocalDpi xmlns:a14="http://schemas.microsoft.com/office/drawing/2010/main" val="0"/>
-                </a:ext>
-              </a:extLst>
-            </a:blip>
-            <a:srcRect l="8421" t="10134" r="3954" b="5673"/>
-            <a:stretch/>
-          </p:blipFill>
+          </p:nvSpPr>
           <p:spPr>
             <a:xfrm>
-              <a:off x="7271643" y="4134195"/>
-              <a:ext cx="3338535" cy="3419232"/>
+              <a:off x="10029612" y="3783230"/>
+              <a:ext cx="1970383" cy="338540"/>
             </a:xfrm>
             <a:prstGeom prst="rect">
               <a:avLst/>
             </a:prstGeom>
+            <a:noFill/>
           </p:spPr>
-        </p:pic>
+          <p:txBody>
+            <a:bodyPr wrap="none" lIns="91426" tIns="45713" rIns="91426" bIns="45713" rtlCol="0">
+              <a:spAutoFit/>
+            </a:bodyPr>
+            <a:lstStyle/>
+            <a:p>
+              <a:r>
+                <a:rPr kumimoji="1" lang="ja-JP" altLang="en-US" sz="1600" b="1" dirty="0"/>
+                <a:t>全体アクティビティ図</a:t>
+              </a:r>
+            </a:p>
+          </p:txBody>
+        </p:sp>
       </p:grpSp>
+      <p:pic>
+        <p:nvPicPr>
+          <p:cNvPr id="36" name="図 35">
+            <a:extLst>
+              <a:ext uri="{FF2B5EF4-FFF2-40B4-BE49-F238E27FC236}">
+                <a16:creationId xmlns:a16="http://schemas.microsoft.com/office/drawing/2014/main" id="{F2DEFD4D-2BB9-4C99-943A-B46030D0815F}"/>
+              </a:ext>
+            </a:extLst>
+          </p:cNvPr>
+          <p:cNvPicPr>
+            <a:picLocks noChangeAspect="1"/>
+          </p:cNvPicPr>
+          <p:nvPr/>
+        </p:nvPicPr>
+        <p:blipFill rotWithShape="1">
+          <a:blip r:embed="rId4">
+            <a:extLst>
+              <a:ext uri="{28A0092B-C50C-407E-A947-70E740481C1C}">
+                <a14:useLocalDpi xmlns:a14="http://schemas.microsoft.com/office/drawing/2010/main" val="0"/>
+              </a:ext>
+            </a:extLst>
+          </a:blip>
+          <a:srcRect l="9555" t="9220" r="5546" b="7446"/>
+          <a:stretch/>
+        </p:blipFill>
+        <p:spPr>
+          <a:xfrm>
+            <a:off x="10456445" y="515922"/>
+            <a:ext cx="3527914" cy="3691185"/>
+          </a:xfrm>
+          <a:prstGeom prst="rect">
+            <a:avLst/>
+          </a:prstGeom>
+        </p:spPr>
+      </p:pic>
       <p:sp>
         <p:nvSpPr>
           <p:cNvPr id="31" name="二等辺三角形 30">
@@ -5571,9 +4713,9 @@
           <p:nvPr/>
         </p:nvSpPr>
         <p:spPr>
-          <a:xfrm rot="14940531">
-            <a:off x="10237481" y="2611690"/>
-            <a:ext cx="2005493" cy="2663171"/>
+          <a:xfrm rot="14985730">
+            <a:off x="10279965" y="2662018"/>
+            <a:ext cx="1933586" cy="2649570"/>
           </a:xfrm>
           <a:prstGeom prst="triangle">
             <a:avLst/>
@@ -5612,6 +4754,872 @@
           </a:p>
         </p:txBody>
       </p:sp>
+      <p:grpSp>
+        <p:nvGrpSpPr>
+          <p:cNvPr id="7" name="グループ化 6">
+            <a:extLst>
+              <a:ext uri="{FF2B5EF4-FFF2-40B4-BE49-F238E27FC236}">
+                <a16:creationId xmlns:a16="http://schemas.microsoft.com/office/drawing/2014/main" id="{BA7E280E-23EB-4251-A935-D04A5218C307}"/>
+              </a:ext>
+            </a:extLst>
+          </p:cNvPr>
+          <p:cNvGrpSpPr/>
+          <p:nvPr/>
+        </p:nvGrpSpPr>
+        <p:grpSpPr>
+          <a:xfrm>
+            <a:off x="409792" y="4808398"/>
+            <a:ext cx="8950083" cy="5827307"/>
+            <a:chOff x="409792" y="3962643"/>
+            <a:chExt cx="8950083" cy="5827307"/>
+          </a:xfrm>
+        </p:grpSpPr>
+        <p:grpSp>
+          <p:nvGrpSpPr>
+            <p:cNvPr id="35" name="グループ化 34">
+              <a:extLst>
+                <a:ext uri="{FF2B5EF4-FFF2-40B4-BE49-F238E27FC236}">
+                  <a16:creationId xmlns:a16="http://schemas.microsoft.com/office/drawing/2014/main" id="{198A60A0-027B-4507-9206-3708E7EBC866}"/>
+                </a:ext>
+              </a:extLst>
+            </p:cNvPr>
+            <p:cNvGrpSpPr/>
+            <p:nvPr/>
+          </p:nvGrpSpPr>
+          <p:grpSpPr>
+            <a:xfrm>
+              <a:off x="409792" y="3962643"/>
+              <a:ext cx="8950083" cy="5827307"/>
+              <a:chOff x="235008" y="3472241"/>
+              <a:chExt cx="6748603" cy="4393946"/>
+            </a:xfrm>
+          </p:grpSpPr>
+          <p:sp>
+            <p:nvSpPr>
+              <p:cNvPr id="29" name="四角形: 角を丸くする 2">
+                <a:extLst>
+                  <a:ext uri="{FF2B5EF4-FFF2-40B4-BE49-F238E27FC236}">
+                    <a16:creationId xmlns:a16="http://schemas.microsoft.com/office/drawing/2014/main" id="{2B99B1EA-17D2-4495-A343-2A1713BC8495}"/>
+                  </a:ext>
+                </a:extLst>
+              </p:cNvPr>
+              <p:cNvSpPr/>
+              <p:nvPr/>
+            </p:nvSpPr>
+            <p:spPr bwMode="auto">
+              <a:xfrm>
+                <a:off x="235008" y="3689723"/>
+                <a:ext cx="6748603" cy="4176464"/>
+              </a:xfrm>
+              <a:prstGeom prst="roundRect">
+                <a:avLst>
+                  <a:gd name="adj" fmla="val 5155"/>
+                </a:avLst>
+              </a:prstGeom>
+              <a:solidFill>
+                <a:schemeClr val="bg1"/>
+              </a:solidFill>
+              <a:ln w="28575" cap="flat" cmpd="sng" algn="ctr">
+                <a:solidFill>
+                  <a:srgbClr val="FF0000"/>
+                </a:solidFill>
+                <a:prstDash val="solid"/>
+                <a:round/>
+                <a:headEnd type="none" w="med" len="med"/>
+                <a:tailEnd type="none" w="med" len="med"/>
+              </a:ln>
+              <a:effectLst/>
+              <a:extLst/>
+            </p:spPr>
+            <p:txBody>
+              <a:bodyPr vert="horz" wrap="none" lIns="91426" tIns="45713" rIns="91426" bIns="45713" numCol="1" rtlCol="0" anchor="ctr" anchorCtr="0" compatLnSpc="1">
+                <a:prstTxWarp prst="textNoShape">
+                  <a:avLst/>
+                </a:prstTxWarp>
+              </a:bodyPr>
+              <a:lstStyle/>
+              <a:p>
+                <a:pPr defTabSz="914251"/>
+                <a:endParaRPr lang="ja-JP" altLang="en-US">
+                  <a:ln>
+                    <a:solidFill>
+                      <a:srgbClr val="FF5353"/>
+                    </a:solidFill>
+                  </a:ln>
+                </a:endParaRPr>
+              </a:p>
+            </p:txBody>
+          </p:sp>
+          <p:cxnSp>
+            <p:nvCxnSpPr>
+              <p:cNvPr id="9" name="直線コネクタ 8">
+                <a:extLst>
+                  <a:ext uri="{FF2B5EF4-FFF2-40B4-BE49-F238E27FC236}">
+                    <a16:creationId xmlns:a16="http://schemas.microsoft.com/office/drawing/2014/main" id="{59E591C2-C00D-48E3-ABC6-CFCF840C0BB8}"/>
+                  </a:ext>
+                </a:extLst>
+              </p:cNvPr>
+              <p:cNvCxnSpPr>
+                <a:cxnSpLocks/>
+              </p:cNvCxnSpPr>
+              <p:nvPr/>
+            </p:nvCxnSpPr>
+            <p:spPr bwMode="auto">
+              <a:xfrm>
+                <a:off x="3769418" y="3905746"/>
+                <a:ext cx="44947" cy="3673999"/>
+              </a:xfrm>
+              <a:prstGeom prst="line">
+                <a:avLst/>
+              </a:prstGeom>
+              <a:ln w="12700">
+                <a:solidFill>
+                  <a:srgbClr val="00B0F0"/>
+                </a:solidFill>
+                <a:prstDash val="dash"/>
+                <a:headEnd type="none" w="med" len="med"/>
+                <a:tailEnd type="none" w="med" len="med"/>
+              </a:ln>
+              <a:extLst>
+                <a:ext uri="{AF507438-7753-43E0-B8FC-AC1667EBCBE1}">
+                  <a14:hiddenEffects xmlns:a14="http://schemas.microsoft.com/office/drawing/2010/main">
+                    <a:effectLst>
+                      <a:outerShdw dist="35921" dir="2700000" algn="ctr" rotWithShape="0">
+                        <a:schemeClr val="bg2"/>
+                      </a:outerShdw>
+                    </a:effectLst>
+                  </a14:hiddenEffects>
+                </a:ext>
+              </a:extLst>
+            </p:spPr>
+            <p:style>
+              <a:lnRef idx="1">
+                <a:schemeClr val="accent6"/>
+              </a:lnRef>
+              <a:fillRef idx="0">
+                <a:schemeClr val="accent6"/>
+              </a:fillRef>
+              <a:effectRef idx="0">
+                <a:schemeClr val="accent6"/>
+              </a:effectRef>
+              <a:fontRef idx="minor">
+                <a:schemeClr val="tx1"/>
+              </a:fontRef>
+            </p:style>
+          </p:cxnSp>
+          <p:cxnSp>
+            <p:nvCxnSpPr>
+              <p:cNvPr id="10" name="直線コネクタ 9">
+                <a:extLst>
+                  <a:ext uri="{FF2B5EF4-FFF2-40B4-BE49-F238E27FC236}">
+                    <a16:creationId xmlns:a16="http://schemas.microsoft.com/office/drawing/2014/main" id="{11FED210-3E54-4989-B8F1-66BC67898A48}"/>
+                  </a:ext>
+                </a:extLst>
+              </p:cNvPr>
+              <p:cNvCxnSpPr>
+                <a:cxnSpLocks/>
+              </p:cNvCxnSpPr>
+              <p:nvPr/>
+            </p:nvCxnSpPr>
+            <p:spPr bwMode="auto">
+              <a:xfrm>
+                <a:off x="5281586" y="3921055"/>
+                <a:ext cx="1" cy="3673999"/>
+              </a:xfrm>
+              <a:prstGeom prst="line">
+                <a:avLst/>
+              </a:prstGeom>
+              <a:ln w="12700">
+                <a:solidFill>
+                  <a:srgbClr val="00B0F0"/>
+                </a:solidFill>
+                <a:prstDash val="dash"/>
+                <a:headEnd type="none" w="med" len="med"/>
+                <a:tailEnd type="none" w="med" len="med"/>
+              </a:ln>
+              <a:extLst>
+                <a:ext uri="{AF507438-7753-43E0-B8FC-AC1667EBCBE1}">
+                  <a14:hiddenEffects xmlns:a14="http://schemas.microsoft.com/office/drawing/2010/main">
+                    <a:effectLst>
+                      <a:outerShdw dist="35921" dir="2700000" algn="ctr" rotWithShape="0">
+                        <a:schemeClr val="bg2"/>
+                      </a:outerShdw>
+                    </a:effectLst>
+                  </a14:hiddenEffects>
+                </a:ext>
+              </a:extLst>
+            </p:spPr>
+            <p:style>
+              <a:lnRef idx="1">
+                <a:schemeClr val="accent6"/>
+              </a:lnRef>
+              <a:fillRef idx="0">
+                <a:schemeClr val="accent6"/>
+              </a:fillRef>
+              <a:effectRef idx="0">
+                <a:schemeClr val="accent6"/>
+              </a:effectRef>
+              <a:fontRef idx="minor">
+                <a:schemeClr val="tx1"/>
+              </a:fontRef>
+            </p:style>
+          </p:cxnSp>
+          <p:cxnSp>
+            <p:nvCxnSpPr>
+              <p:cNvPr id="11" name="直線コネクタ 10">
+                <a:extLst>
+                  <a:ext uri="{FF2B5EF4-FFF2-40B4-BE49-F238E27FC236}">
+                    <a16:creationId xmlns:a16="http://schemas.microsoft.com/office/drawing/2014/main" id="{58746A49-3050-4518-A47D-F346298CE0A0}"/>
+                  </a:ext>
+                </a:extLst>
+              </p:cNvPr>
+              <p:cNvCxnSpPr>
+                <a:cxnSpLocks/>
+              </p:cNvCxnSpPr>
+              <p:nvPr/>
+            </p:nvCxnSpPr>
+            <p:spPr bwMode="auto">
+              <a:xfrm>
+                <a:off x="2329258" y="3929118"/>
+                <a:ext cx="1" cy="3673999"/>
+              </a:xfrm>
+              <a:prstGeom prst="line">
+                <a:avLst/>
+              </a:prstGeom>
+              <a:ln w="12700">
+                <a:solidFill>
+                  <a:srgbClr val="00B0F0"/>
+                </a:solidFill>
+                <a:prstDash val="dash"/>
+                <a:headEnd type="none" w="med" len="med"/>
+                <a:tailEnd type="none" w="med" len="med"/>
+              </a:ln>
+              <a:extLst>
+                <a:ext uri="{AF507438-7753-43E0-B8FC-AC1667EBCBE1}">
+                  <a14:hiddenEffects xmlns:a14="http://schemas.microsoft.com/office/drawing/2010/main">
+                    <a:effectLst>
+                      <a:outerShdw dist="35921" dir="2700000" algn="ctr" rotWithShape="0">
+                        <a:schemeClr val="bg2"/>
+                      </a:outerShdw>
+                    </a:effectLst>
+                  </a14:hiddenEffects>
+                </a:ext>
+              </a:extLst>
+            </p:spPr>
+            <p:style>
+              <a:lnRef idx="1">
+                <a:schemeClr val="accent6"/>
+              </a:lnRef>
+              <a:fillRef idx="0">
+                <a:schemeClr val="accent6"/>
+              </a:fillRef>
+              <a:effectRef idx="0">
+                <a:schemeClr val="accent6"/>
+              </a:effectRef>
+              <a:fontRef idx="minor">
+                <a:schemeClr val="tx1"/>
+              </a:fontRef>
+            </p:style>
+          </p:cxnSp>
+          <p:sp>
+            <p:nvSpPr>
+              <p:cNvPr id="12" name="正方形/長方形 11">
+                <a:extLst>
+                  <a:ext uri="{FF2B5EF4-FFF2-40B4-BE49-F238E27FC236}">
+                    <a16:creationId xmlns:a16="http://schemas.microsoft.com/office/drawing/2014/main" id="{9DECE021-E8EA-4E83-B550-D55B4C9FFF48}"/>
+                  </a:ext>
+                </a:extLst>
+              </p:cNvPr>
+              <p:cNvSpPr/>
+              <p:nvPr/>
+            </p:nvSpPr>
+            <p:spPr bwMode="auto">
+              <a:xfrm>
+                <a:off x="2616905" y="6754302"/>
+                <a:ext cx="904470" cy="766734"/>
+              </a:xfrm>
+              <a:prstGeom prst="rect">
+                <a:avLst/>
+              </a:prstGeom>
+              <a:solidFill>
+                <a:srgbClr val="FF99FF"/>
+              </a:solidFill>
+              <a:ln>
+                <a:headEnd type="none" w="med" len="med"/>
+                <a:tailEnd type="none" w="med" len="med"/>
+              </a:ln>
+              <a:extLst/>
+            </p:spPr>
+            <p:style>
+              <a:lnRef idx="3">
+                <a:schemeClr val="lt1"/>
+              </a:lnRef>
+              <a:fillRef idx="1">
+                <a:schemeClr val="accent1"/>
+              </a:fillRef>
+              <a:effectRef idx="1">
+                <a:schemeClr val="accent1"/>
+              </a:effectRef>
+              <a:fontRef idx="minor">
+                <a:schemeClr val="lt1"/>
+              </a:fontRef>
+            </p:style>
+            <p:txBody>
+              <a:bodyPr vert="horz" wrap="none" lIns="91440" tIns="45720" rIns="91440" bIns="45720" numCol="1" rtlCol="0" anchor="ctr" anchorCtr="0" compatLnSpc="1">
+                <a:prstTxWarp prst="textNoShape">
+                  <a:avLst/>
+                </a:prstTxWarp>
+              </a:bodyPr>
+              <a:lstStyle/>
+              <a:p>
+                <a:r>
+                  <a:rPr lang="ja-JP" altLang="en-US" sz="1500" dirty="0">
+                    <a:solidFill>
+                      <a:schemeClr val="tx1"/>
+                    </a:solidFill>
+                    <a:latin typeface="Arial" charset="0"/>
+                  </a:rPr>
+                  <a:t>時間</a:t>
+                </a:r>
+              </a:p>
+            </p:txBody>
+          </p:sp>
+          <p:sp>
+            <p:nvSpPr>
+              <p:cNvPr id="13" name="正方形/長方形 12">
+                <a:extLst>
+                  <a:ext uri="{FF2B5EF4-FFF2-40B4-BE49-F238E27FC236}">
+                    <a16:creationId xmlns:a16="http://schemas.microsoft.com/office/drawing/2014/main" id="{9383FF73-90D3-42DD-BC3B-7F3FD6B34BEA}"/>
+                  </a:ext>
+                </a:extLst>
+              </p:cNvPr>
+              <p:cNvSpPr/>
+              <p:nvPr/>
+            </p:nvSpPr>
+            <p:spPr bwMode="auto">
+              <a:xfrm>
+                <a:off x="4009710" y="6754302"/>
+                <a:ext cx="1154307" cy="784845"/>
+              </a:xfrm>
+              <a:prstGeom prst="rect">
+                <a:avLst/>
+              </a:prstGeom>
+              <a:solidFill>
+                <a:srgbClr val="FF99FF"/>
+              </a:solidFill>
+              <a:ln>
+                <a:headEnd type="none" w="med" len="med"/>
+                <a:tailEnd type="none" w="med" len="med"/>
+              </a:ln>
+              <a:extLst/>
+            </p:spPr>
+            <p:style>
+              <a:lnRef idx="3">
+                <a:schemeClr val="lt1"/>
+              </a:lnRef>
+              <a:fillRef idx="1">
+                <a:schemeClr val="accent1"/>
+              </a:fillRef>
+              <a:effectRef idx="1">
+                <a:schemeClr val="accent1"/>
+              </a:effectRef>
+              <a:fontRef idx="minor">
+                <a:schemeClr val="lt1"/>
+              </a:fontRef>
+            </p:style>
+            <p:txBody>
+              <a:bodyPr vert="horz" wrap="none" lIns="91440" tIns="45720" rIns="91440" bIns="45720" numCol="1" rtlCol="0" anchor="ctr" anchorCtr="0" compatLnSpc="1">
+                <a:prstTxWarp prst="textNoShape">
+                  <a:avLst/>
+                </a:prstTxWarp>
+              </a:bodyPr>
+              <a:lstStyle/>
+              <a:p>
+                <a:r>
+                  <a:rPr lang="ja-JP" altLang="en-US" sz="1500" dirty="0">
+                    <a:solidFill>
+                      <a:schemeClr val="tx1"/>
+                    </a:solidFill>
+                    <a:latin typeface="Arial" charset="0"/>
+                  </a:rPr>
+                  <a:t>実現したい</a:t>
+                </a:r>
+                <a:endParaRPr lang="en-US" altLang="ja-JP" sz="1500" dirty="0">
+                  <a:solidFill>
+                    <a:schemeClr val="tx1"/>
+                  </a:solidFill>
+                  <a:latin typeface="Arial" charset="0"/>
+                </a:endParaRPr>
+              </a:p>
+              <a:p>
+                <a:r>
+                  <a:rPr lang="ja-JP" altLang="en-US" sz="1500" dirty="0">
+                    <a:solidFill>
+                      <a:schemeClr val="tx1"/>
+                    </a:solidFill>
+                    <a:latin typeface="Arial" charset="0"/>
+                  </a:rPr>
+                  <a:t>こと</a:t>
+                </a:r>
+                <a:endParaRPr lang="en-US" altLang="ja-JP" sz="1500" dirty="0">
+                  <a:solidFill>
+                    <a:schemeClr val="tx1"/>
+                  </a:solidFill>
+                  <a:latin typeface="Arial" charset="0"/>
+                </a:endParaRPr>
+              </a:p>
+            </p:txBody>
+          </p:sp>
+          <p:sp>
+            <p:nvSpPr>
+              <p:cNvPr id="14" name="正方形/長方形 13">
+                <a:extLst>
+                  <a:ext uri="{FF2B5EF4-FFF2-40B4-BE49-F238E27FC236}">
+                    <a16:creationId xmlns:a16="http://schemas.microsoft.com/office/drawing/2014/main" id="{CD9080B7-7DDA-4F8F-8486-CA62F83DBF35}"/>
+                  </a:ext>
+                </a:extLst>
+              </p:cNvPr>
+              <p:cNvSpPr/>
+              <p:nvPr/>
+            </p:nvSpPr>
+            <p:spPr bwMode="auto">
+              <a:xfrm>
+                <a:off x="5458067" y="6773511"/>
+                <a:ext cx="1243645" cy="728315"/>
+              </a:xfrm>
+              <a:prstGeom prst="rect">
+                <a:avLst/>
+              </a:prstGeom>
+              <a:solidFill>
+                <a:srgbClr val="FF99FF"/>
+              </a:solidFill>
+              <a:ln>
+                <a:headEnd type="none" w="med" len="med"/>
+                <a:tailEnd type="none" w="med" len="med"/>
+              </a:ln>
+              <a:extLst/>
+            </p:spPr>
+            <p:style>
+              <a:lnRef idx="3">
+                <a:schemeClr val="lt1"/>
+              </a:lnRef>
+              <a:fillRef idx="1">
+                <a:schemeClr val="accent1"/>
+              </a:fillRef>
+              <a:effectRef idx="1">
+                <a:schemeClr val="accent1"/>
+              </a:effectRef>
+              <a:fontRef idx="minor">
+                <a:schemeClr val="lt1"/>
+              </a:fontRef>
+            </p:style>
+            <p:txBody>
+              <a:bodyPr vert="horz" wrap="none" lIns="91440" tIns="45720" rIns="91440" bIns="45720" numCol="1" rtlCol="0" anchor="ctr" anchorCtr="0" compatLnSpc="1">
+                <a:prstTxWarp prst="textNoShape">
+                  <a:avLst/>
+                </a:prstTxWarp>
+              </a:bodyPr>
+              <a:lstStyle/>
+              <a:p>
+                <a:r>
+                  <a:rPr lang="ja-JP" altLang="en-US" sz="1500" dirty="0">
+                    <a:solidFill>
+                      <a:schemeClr val="tx1"/>
+                    </a:solidFill>
+                    <a:latin typeface="Arial" charset="0"/>
+                  </a:rPr>
+                  <a:t>必要な機能</a:t>
+                </a:r>
+                <a:endParaRPr lang="en-US" altLang="ja-JP" sz="1500" dirty="0">
+                  <a:solidFill>
+                    <a:schemeClr val="tx1"/>
+                  </a:solidFill>
+                  <a:latin typeface="Arial" charset="0"/>
+                </a:endParaRPr>
+              </a:p>
+              <a:p>
+                <a:r>
+                  <a:rPr lang="ja-JP" altLang="en-US" sz="1500" dirty="0">
+                    <a:solidFill>
+                      <a:schemeClr val="tx1"/>
+                    </a:solidFill>
+                    <a:latin typeface="Arial" charset="0"/>
+                  </a:rPr>
+                  <a:t>と制御</a:t>
+                </a:r>
+                <a:endParaRPr lang="en-US" altLang="ja-JP" sz="1500" dirty="0">
+                  <a:solidFill>
+                    <a:schemeClr val="tx1"/>
+                  </a:solidFill>
+                  <a:latin typeface="Arial" charset="0"/>
+                </a:endParaRPr>
+              </a:p>
+            </p:txBody>
+          </p:sp>
+          <p:sp>
+            <p:nvSpPr>
+              <p:cNvPr id="30" name="テキスト ボックス 29">
+                <a:extLst>
+                  <a:ext uri="{FF2B5EF4-FFF2-40B4-BE49-F238E27FC236}">
+                    <a16:creationId xmlns:a16="http://schemas.microsoft.com/office/drawing/2014/main" id="{825F097D-4588-4F8F-AA42-B0D77B0F9CE3}"/>
+                  </a:ext>
+                </a:extLst>
+              </p:cNvPr>
+              <p:cNvSpPr txBox="1"/>
+              <p:nvPr/>
+            </p:nvSpPr>
+            <p:spPr>
+              <a:xfrm>
+                <a:off x="646907" y="3472241"/>
+                <a:ext cx="1545106" cy="461651"/>
+              </a:xfrm>
+              <a:prstGeom prst="rect">
+                <a:avLst/>
+              </a:prstGeom>
+              <a:solidFill>
+                <a:srgbClr val="FFE7FF"/>
+              </a:solidFill>
+              <a:ln w="28575">
+                <a:solidFill>
+                  <a:srgbClr val="FF0000"/>
+                </a:solidFill>
+              </a:ln>
+            </p:spPr>
+            <p:txBody>
+              <a:bodyPr wrap="square" lIns="91426" tIns="45713" rIns="91426" bIns="45713" rtlCol="0">
+                <a:spAutoFit/>
+              </a:bodyPr>
+              <a:lstStyle/>
+              <a:p>
+                <a:r>
+                  <a:rPr kumimoji="1" lang="ja-JP" altLang="en-US" sz="2400" b="1" dirty="0"/>
+                  <a:t>要求分析</a:t>
+                </a:r>
+              </a:p>
+            </p:txBody>
+          </p:sp>
+          <p:sp>
+            <p:nvSpPr>
+              <p:cNvPr id="34" name="四角形: 角を丸くする 33">
+                <a:extLst>
+                  <a:ext uri="{FF2B5EF4-FFF2-40B4-BE49-F238E27FC236}">
+                    <a16:creationId xmlns:a16="http://schemas.microsoft.com/office/drawing/2014/main" id="{9DD4FF66-C078-4F0A-AA25-4C5C5256DFBD}"/>
+                  </a:ext>
+                </a:extLst>
+              </p:cNvPr>
+              <p:cNvSpPr/>
+              <p:nvPr/>
+            </p:nvSpPr>
+            <p:spPr>
+              <a:xfrm>
+                <a:off x="5383211" y="3905746"/>
+                <a:ext cx="1429322" cy="432048"/>
+              </a:xfrm>
+              <a:prstGeom prst="roundRect">
+                <a:avLst/>
+              </a:prstGeom>
+              <a:solidFill>
+                <a:srgbClr val="CCECFF">
+                  <a:alpha val="41176"/>
+                </a:srgbClr>
+              </a:solidFill>
+              <a:ln>
+                <a:solidFill>
+                  <a:srgbClr val="99CCFF"/>
+                </a:solidFill>
+              </a:ln>
+            </p:spPr>
+            <p:style>
+              <a:lnRef idx="2">
+                <a:schemeClr val="accent1">
+                  <a:shade val="50000"/>
+                </a:schemeClr>
+              </a:lnRef>
+              <a:fillRef idx="1">
+                <a:schemeClr val="accent1"/>
+              </a:fillRef>
+              <a:effectRef idx="0">
+                <a:schemeClr val="accent1"/>
+              </a:effectRef>
+              <a:fontRef idx="minor">
+                <a:schemeClr val="lt1"/>
+              </a:fontRef>
+            </p:style>
+            <p:txBody>
+              <a:bodyPr rtlCol="0" anchor="ctr"/>
+              <a:lstStyle/>
+              <a:p>
+                <a:pPr algn="ctr"/>
+                <a:endParaRPr kumimoji="1" lang="ja-JP" altLang="en-US"/>
+              </a:p>
+            </p:txBody>
+          </p:sp>
+          <p:sp>
+            <p:nvSpPr>
+              <p:cNvPr id="37" name="四角形: 角を丸くする 36">
+                <a:extLst>
+                  <a:ext uri="{FF2B5EF4-FFF2-40B4-BE49-F238E27FC236}">
+                    <a16:creationId xmlns:a16="http://schemas.microsoft.com/office/drawing/2014/main" id="{2C5C874F-2F41-4894-BDD7-482235C2458B}"/>
+                  </a:ext>
+                </a:extLst>
+              </p:cNvPr>
+              <p:cNvSpPr/>
+              <p:nvPr/>
+            </p:nvSpPr>
+            <p:spPr>
+              <a:xfrm>
+                <a:off x="5383211" y="4555570"/>
+                <a:ext cx="1429322" cy="540000"/>
+              </a:xfrm>
+              <a:prstGeom prst="roundRect">
+                <a:avLst/>
+              </a:prstGeom>
+              <a:solidFill>
+                <a:srgbClr val="FFE7FF">
+                  <a:alpha val="41176"/>
+                </a:srgbClr>
+              </a:solidFill>
+              <a:ln>
+                <a:solidFill>
+                  <a:srgbClr val="FFCCCC"/>
+                </a:solidFill>
+              </a:ln>
+            </p:spPr>
+            <p:style>
+              <a:lnRef idx="2">
+                <a:schemeClr val="accent1">
+                  <a:shade val="50000"/>
+                </a:schemeClr>
+              </a:lnRef>
+              <a:fillRef idx="1">
+                <a:schemeClr val="accent1"/>
+              </a:fillRef>
+              <a:effectRef idx="0">
+                <a:schemeClr val="accent1"/>
+              </a:effectRef>
+              <a:fontRef idx="minor">
+                <a:schemeClr val="lt1"/>
+              </a:fontRef>
+            </p:style>
+            <p:txBody>
+              <a:bodyPr rtlCol="0" anchor="ctr"/>
+              <a:lstStyle/>
+              <a:p>
+                <a:pPr algn="ctr"/>
+                <a:endParaRPr kumimoji="1" lang="ja-JP" altLang="en-US"/>
+              </a:p>
+            </p:txBody>
+          </p:sp>
+          <p:sp>
+            <p:nvSpPr>
+              <p:cNvPr id="38" name="四角形: 角を丸くする 37">
+                <a:extLst>
+                  <a:ext uri="{FF2B5EF4-FFF2-40B4-BE49-F238E27FC236}">
+                    <a16:creationId xmlns:a16="http://schemas.microsoft.com/office/drawing/2014/main" id="{E9B70D76-41E0-4E19-A3BF-8AD444950A08}"/>
+                  </a:ext>
+                </a:extLst>
+              </p:cNvPr>
+              <p:cNvSpPr/>
+              <p:nvPr/>
+            </p:nvSpPr>
+            <p:spPr>
+              <a:xfrm>
+                <a:off x="5383211" y="5260061"/>
+                <a:ext cx="1429322" cy="557303"/>
+              </a:xfrm>
+              <a:prstGeom prst="roundRect">
+                <a:avLst/>
+              </a:prstGeom>
+              <a:solidFill>
+                <a:schemeClr val="accent3">
+                  <a:lumMod val="40000"/>
+                  <a:lumOff val="60000"/>
+                  <a:alpha val="40784"/>
+                </a:schemeClr>
+              </a:solidFill>
+              <a:ln>
+                <a:solidFill>
+                  <a:srgbClr val="99FF66"/>
+                </a:solidFill>
+              </a:ln>
+            </p:spPr>
+            <p:style>
+              <a:lnRef idx="2">
+                <a:schemeClr val="accent1">
+                  <a:shade val="50000"/>
+                </a:schemeClr>
+              </a:lnRef>
+              <a:fillRef idx="1">
+                <a:schemeClr val="accent1"/>
+              </a:fillRef>
+              <a:effectRef idx="0">
+                <a:schemeClr val="accent1"/>
+              </a:effectRef>
+              <a:fontRef idx="minor">
+                <a:schemeClr val="lt1"/>
+              </a:fontRef>
+            </p:style>
+            <p:txBody>
+              <a:bodyPr rtlCol="0" anchor="ctr"/>
+              <a:lstStyle/>
+              <a:p>
+                <a:pPr algn="ctr"/>
+                <a:endParaRPr kumimoji="1" lang="ja-JP" altLang="en-US" b="1" dirty="0"/>
+              </a:p>
+            </p:txBody>
+          </p:sp>
+          <p:sp>
+            <p:nvSpPr>
+              <p:cNvPr id="39" name="四角形: 角を丸くする 38">
+                <a:extLst>
+                  <a:ext uri="{FF2B5EF4-FFF2-40B4-BE49-F238E27FC236}">
+                    <a16:creationId xmlns:a16="http://schemas.microsoft.com/office/drawing/2014/main" id="{B8278682-A999-47EB-864E-5A64DBC1C1D2}"/>
+                  </a:ext>
+                </a:extLst>
+              </p:cNvPr>
+              <p:cNvSpPr/>
+              <p:nvPr/>
+            </p:nvSpPr>
+            <p:spPr>
+              <a:xfrm>
+                <a:off x="5383211" y="5855612"/>
+                <a:ext cx="1429322" cy="468000"/>
+              </a:xfrm>
+              <a:prstGeom prst="roundRect">
+                <a:avLst/>
+              </a:prstGeom>
+              <a:solidFill>
+                <a:srgbClr val="E6E0EC">
+                  <a:alpha val="41176"/>
+                </a:srgbClr>
+              </a:solidFill>
+              <a:ln>
+                <a:solidFill>
+                  <a:srgbClr val="9999FF"/>
+                </a:solidFill>
+              </a:ln>
+            </p:spPr>
+            <p:style>
+              <a:lnRef idx="2">
+                <a:schemeClr val="accent1">
+                  <a:shade val="50000"/>
+                </a:schemeClr>
+              </a:lnRef>
+              <a:fillRef idx="1">
+                <a:schemeClr val="accent1"/>
+              </a:fillRef>
+              <a:effectRef idx="0">
+                <a:schemeClr val="accent1"/>
+              </a:effectRef>
+              <a:fontRef idx="minor">
+                <a:schemeClr val="lt1"/>
+              </a:fontRef>
+            </p:style>
+            <p:txBody>
+              <a:bodyPr rtlCol="0" anchor="ctr"/>
+              <a:lstStyle/>
+              <a:p>
+                <a:pPr algn="ctr"/>
+                <a:endParaRPr kumimoji="1" lang="ja-JP" altLang="en-US"/>
+              </a:p>
+            </p:txBody>
+          </p:sp>
+          <p:sp>
+            <p:nvSpPr>
+              <p:cNvPr id="40" name="四角形: 角を丸くする 39">
+                <a:extLst>
+                  <a:ext uri="{FF2B5EF4-FFF2-40B4-BE49-F238E27FC236}">
+                    <a16:creationId xmlns:a16="http://schemas.microsoft.com/office/drawing/2014/main" id="{CB46362A-988A-402D-AB74-663823BD4423}"/>
+                  </a:ext>
+                </a:extLst>
+              </p:cNvPr>
+              <p:cNvSpPr/>
+              <p:nvPr/>
+            </p:nvSpPr>
+            <p:spPr>
+              <a:xfrm>
+                <a:off x="5401294" y="6358467"/>
+                <a:ext cx="1429322" cy="216673"/>
+              </a:xfrm>
+              <a:prstGeom prst="roundRect">
+                <a:avLst/>
+              </a:prstGeom>
+              <a:solidFill>
+                <a:schemeClr val="accent6">
+                  <a:lumMod val="40000"/>
+                  <a:lumOff val="60000"/>
+                  <a:alpha val="41176"/>
+                </a:schemeClr>
+              </a:solidFill>
+              <a:ln>
+                <a:solidFill>
+                  <a:srgbClr val="FFCC33"/>
+                </a:solidFill>
+              </a:ln>
+            </p:spPr>
+            <p:style>
+              <a:lnRef idx="2">
+                <a:schemeClr val="accent1">
+                  <a:shade val="50000"/>
+                </a:schemeClr>
+              </a:lnRef>
+              <a:fillRef idx="1">
+                <a:schemeClr val="accent1"/>
+              </a:fillRef>
+              <a:effectRef idx="0">
+                <a:schemeClr val="accent1"/>
+              </a:effectRef>
+              <a:fontRef idx="minor">
+                <a:schemeClr val="lt1"/>
+              </a:fontRef>
+            </p:style>
+            <p:txBody>
+              <a:bodyPr rtlCol="0" anchor="ctr"/>
+              <a:lstStyle/>
+              <a:p>
+                <a:pPr algn="ctr"/>
+                <a:endParaRPr kumimoji="1" lang="ja-JP" altLang="en-US"/>
+              </a:p>
+            </p:txBody>
+          </p:sp>
+        </p:grpSp>
+        <p:pic>
+          <p:nvPicPr>
+            <p:cNvPr id="6" name="図 5">
+              <a:extLst>
+                <a:ext uri="{FF2B5EF4-FFF2-40B4-BE49-F238E27FC236}">
+                  <a16:creationId xmlns:a16="http://schemas.microsoft.com/office/drawing/2014/main" id="{6022D721-BE7F-4491-AFB0-60454F00C9D0}"/>
+                </a:ext>
+              </a:extLst>
+            </p:cNvPr>
+            <p:cNvPicPr>
+              <a:picLocks noChangeAspect="1"/>
+            </p:cNvPicPr>
+            <p:nvPr/>
+          </p:nvPicPr>
+          <p:blipFill>
+            <a:blip r:embed="rId5">
+              <a:extLst>
+                <a:ext uri="{28A0092B-C50C-407E-A947-70E740481C1C}">
+                  <a14:useLocalDpi xmlns:a14="http://schemas.microsoft.com/office/drawing/2010/main" val="0"/>
+                </a:ext>
+              </a:extLst>
+            </a:blip>
+            <a:stretch>
+              <a:fillRect/>
+            </a:stretch>
+          </p:blipFill>
+          <p:spPr>
+            <a:xfrm>
+              <a:off x="577747" y="4589444"/>
+              <a:ext cx="8517894" cy="3563006"/>
+            </a:xfrm>
+            <a:prstGeom prst="rect">
+              <a:avLst/>
+            </a:prstGeom>
+          </p:spPr>
+        </p:pic>
+      </p:grpSp>
     </p:spTree>
     <p:extLst>
       <p:ext uri="{BB962C8B-B14F-4D97-AF65-F5344CB8AC3E}">
@@ -5644,10 +5652,10 @@
       </p:grpSpPr>
       <p:pic>
         <p:nvPicPr>
-          <p:cNvPr id="17" name="図 16">
+          <p:cNvPr id="15" name="図 14">
             <a:extLst>
               <a:ext uri="{FF2B5EF4-FFF2-40B4-BE49-F238E27FC236}">
-                <a16:creationId xmlns:a16="http://schemas.microsoft.com/office/drawing/2014/main" id="{941037DB-80F2-4BEF-996D-576EFE192768}"/>
+                <a16:creationId xmlns:a16="http://schemas.microsoft.com/office/drawing/2014/main" id="{08BBB459-9D47-4ED8-883D-72BE577D239C}"/>
               </a:ext>
             </a:extLst>
           </p:cNvPr>
@@ -5664,13 +5672,13 @@
               </a:ext>
             </a:extLst>
           </a:blip>
-          <a:srcRect l="8421" t="10134" r="3954" b="5673"/>
+          <a:srcRect l="9555" t="9220" r="5546" b="7446"/>
           <a:stretch/>
         </p:blipFill>
         <p:spPr>
           <a:xfrm>
-            <a:off x="6110562" y="2463092"/>
-            <a:ext cx="3474040" cy="3602406"/>
+            <a:off x="6147392" y="2377987"/>
+            <a:ext cx="3369749" cy="3525700"/>
           </a:xfrm>
           <a:prstGeom prst="rect">
             <a:avLst/>
@@ -5892,7 +5900,12 @@
             <p:ph type="title"/>
           </p:nvPr>
         </p:nvSpPr>
-        <p:spPr/>
+        <p:spPr>
+          <a:xfrm>
+            <a:off x="-1" y="1"/>
+            <a:ext cx="5760000" cy="1025426"/>
+          </a:xfrm>
+        </p:spPr>
         <p:txBody>
           <a:bodyPr>
             <a:normAutofit/>
@@ -5900,55 +5913,20 @@
           <a:lstStyle/>
           <a:p>
             <a:r>
-              <a:rPr lang="en-US" altLang="ja-JP" dirty="0"/>
+              <a:rPr lang="en-US" altLang="ja-JP" sz="4300" dirty="0"/>
               <a:t>2</a:t>
             </a:r>
             <a:r>
-              <a:rPr kumimoji="1" lang="en-US" altLang="ja-JP" dirty="0"/>
+              <a:rPr kumimoji="1" lang="en-US" altLang="ja-JP" sz="4300" dirty="0"/>
               <a:t>. </a:t>
             </a:r>
             <a:r>
-              <a:rPr kumimoji="1" lang="ja-JP" altLang="en-US" dirty="0"/>
+              <a:rPr kumimoji="1" lang="ja-JP" altLang="en-US" sz="4300" dirty="0"/>
               <a:t>機能実現</a:t>
             </a:r>
           </a:p>
         </p:txBody>
       </p:sp>
-      <p:pic>
-        <p:nvPicPr>
-          <p:cNvPr id="7" name="図 6">
-            <a:extLst>
-              <a:ext uri="{FF2B5EF4-FFF2-40B4-BE49-F238E27FC236}">
-                <a16:creationId xmlns:a16="http://schemas.microsoft.com/office/drawing/2014/main" id="{5DC6CF66-20C4-42F3-B60B-C501E9888B57}"/>
-              </a:ext>
-            </a:extLst>
-          </p:cNvPr>
-          <p:cNvPicPr>
-            <a:picLocks noChangeAspect="1"/>
-          </p:cNvPicPr>
-          <p:nvPr/>
-        </p:nvPicPr>
-        <p:blipFill rotWithShape="1">
-          <a:blip r:embed="rId4">
-            <a:extLst>
-              <a:ext uri="{28A0092B-C50C-407E-A947-70E740481C1C}">
-                <a14:useLocalDpi xmlns:a14="http://schemas.microsoft.com/office/drawing/2010/main" val="0"/>
-              </a:ext>
-            </a:extLst>
-          </a:blip>
-          <a:srcRect l="4909" t="4150" r="2502" b="2074"/>
-          <a:stretch/>
-        </p:blipFill>
-        <p:spPr>
-          <a:xfrm>
-            <a:off x="9575899" y="2357575"/>
-            <a:ext cx="5328592" cy="8136905"/>
-          </a:xfrm>
-          <a:prstGeom prst="rect">
-            <a:avLst/>
-          </a:prstGeom>
-        </p:spPr>
-      </p:pic>
       <p:sp>
         <p:nvSpPr>
           <p:cNvPr id="14" name="テキスト ボックス 13">
@@ -6163,10 +6141,45 @@
       </p:sp>
       <p:pic>
         <p:nvPicPr>
-          <p:cNvPr id="6" name="図 5">
+          <p:cNvPr id="5" name="図 4">
             <a:extLst>
               <a:ext uri="{FF2B5EF4-FFF2-40B4-BE49-F238E27FC236}">
-                <a16:creationId xmlns:a16="http://schemas.microsoft.com/office/drawing/2014/main" id="{77402F9D-A7BE-4C8C-8C6A-F070FA4AA8BB}"/>
+                <a16:creationId xmlns:a16="http://schemas.microsoft.com/office/drawing/2014/main" id="{E2860592-9D52-493B-98FB-E4DB6ABB19ED}"/>
+              </a:ext>
+            </a:extLst>
+          </p:cNvPr>
+          <p:cNvPicPr>
+            <a:picLocks noChangeAspect="1"/>
+          </p:cNvPicPr>
+          <p:nvPr/>
+        </p:nvPicPr>
+        <p:blipFill rotWithShape="1">
+          <a:blip r:embed="rId4">
+            <a:extLst>
+              <a:ext uri="{28A0092B-C50C-407E-A947-70E740481C1C}">
+                <a14:useLocalDpi xmlns:a14="http://schemas.microsoft.com/office/drawing/2010/main" val="0"/>
+              </a:ext>
+            </a:extLst>
+          </a:blip>
+          <a:srcRect l="5089" t="4286" r="2952" b="2880"/>
+          <a:stretch/>
+        </p:blipFill>
+        <p:spPr>
+          <a:xfrm>
+            <a:off x="9615110" y="2306711"/>
+            <a:ext cx="5341531" cy="8198629"/>
+          </a:xfrm>
+          <a:prstGeom prst="rect">
+            <a:avLst/>
+          </a:prstGeom>
+        </p:spPr>
+      </p:pic>
+      <p:pic>
+        <p:nvPicPr>
+          <p:cNvPr id="9" name="図 8">
+            <a:extLst>
+              <a:ext uri="{FF2B5EF4-FFF2-40B4-BE49-F238E27FC236}">
+                <a16:creationId xmlns:a16="http://schemas.microsoft.com/office/drawing/2014/main" id="{AFD89351-FEAA-44D2-8556-30E4AFF8F25A}"/>
               </a:ext>
             </a:extLst>
           </p:cNvPr>
@@ -6183,19 +6196,88 @@
               </a:ext>
             </a:extLst>
           </a:blip>
-          <a:srcRect l="4112" t="3942" r="2296" b="2655"/>
+          <a:srcRect l="4093" t="3841" r="2141" b="3141"/>
           <a:stretch/>
         </p:blipFill>
         <p:spPr>
           <a:xfrm>
-            <a:off x="237417" y="2295851"/>
-            <a:ext cx="5889847" cy="8208912"/>
+            <a:off x="184416" y="2294793"/>
+            <a:ext cx="5925993" cy="8209970"/>
           </a:xfrm>
           <a:prstGeom prst="rect">
             <a:avLst/>
           </a:prstGeom>
         </p:spPr>
       </p:pic>
+      <p:sp>
+        <p:nvSpPr>
+          <p:cNvPr id="21" name="テキスト ボックス 20">
+            <a:extLst>
+              <a:ext uri="{FF2B5EF4-FFF2-40B4-BE49-F238E27FC236}">
+                <a16:creationId xmlns:a16="http://schemas.microsoft.com/office/drawing/2014/main" id="{07333EB0-9997-44D2-8796-F4EEFD9A2F38}"/>
+              </a:ext>
+            </a:extLst>
+          </p:cNvPr>
+          <p:cNvSpPr txBox="1"/>
+          <p:nvPr/>
+        </p:nvSpPr>
+        <p:spPr>
+          <a:xfrm>
+            <a:off x="6310692" y="8407454"/>
+            <a:ext cx="3075619" cy="2062089"/>
+          </a:xfrm>
+          <a:prstGeom prst="rect">
+            <a:avLst/>
+          </a:prstGeom>
+          <a:noFill/>
+        </p:spPr>
+        <p:txBody>
+          <a:bodyPr wrap="square" lIns="91426" tIns="45713" rIns="91426" bIns="45713" rtlCol="0">
+            <a:spAutoFit/>
+          </a:bodyPr>
+          <a:lstStyle/>
+          <a:p>
+            <a:pPr algn="l"/>
+            <a:r>
+              <a:rPr kumimoji="1" lang="ja-JP" altLang="en-US" sz="1600" dirty="0"/>
+              <a:t>アクティビティ図は、コースを完走するために必要な</a:t>
+            </a:r>
+            <a:r>
+              <a:rPr kumimoji="1" lang="ja-JP" altLang="en-US" sz="1600" b="1" dirty="0"/>
+              <a:t>ライントレース</a:t>
+            </a:r>
+            <a:r>
+              <a:rPr kumimoji="1" lang="ja-JP" altLang="en-US" sz="1600" dirty="0"/>
+              <a:t>と、私たちのアピールポイントの</a:t>
+            </a:r>
+            <a:r>
+              <a:rPr kumimoji="1" lang="ja-JP" altLang="en-US" sz="1600" b="1" dirty="0"/>
+              <a:t>コース復帰制御</a:t>
+            </a:r>
+            <a:r>
+              <a:rPr kumimoji="1" lang="ja-JP" altLang="en-US" sz="1600" dirty="0"/>
+              <a:t>の機能に関する記載に絞った。</a:t>
+            </a:r>
+            <a:endParaRPr kumimoji="1" lang="en-US" altLang="ja-JP" sz="1600" dirty="0"/>
+          </a:p>
+          <a:p>
+            <a:pPr algn="l"/>
+            <a:r>
+              <a:rPr kumimoji="1" lang="ja-JP" altLang="en-US" sz="1600" dirty="0"/>
+              <a:t>そのため自動キャリブレーションと</a:t>
+            </a:r>
+            <a:r>
+              <a:rPr kumimoji="1" lang="en-US" altLang="ja-JP" sz="1600" dirty="0"/>
+              <a:t>Bluetooth</a:t>
+            </a:r>
+            <a:r>
+              <a:rPr kumimoji="1" lang="ja-JP" altLang="en-US" sz="1600" dirty="0"/>
+              <a:t>スタートのアクティビティ図は省略させていただいた。</a:t>
+            </a:r>
+            <a:endParaRPr kumimoji="1" lang="en-US" altLang="ja-JP" sz="1600" dirty="0"/>
+          </a:p>
+        </p:txBody>
+      </p:sp>
     </p:spTree>
     <p:extLst>
       <p:ext uri="{BB962C8B-B14F-4D97-AF65-F5344CB8AC3E}">
@@ -6497,10 +6579,15 @@
             <p:ph type="title"/>
           </p:nvPr>
         </p:nvSpPr>
-        <p:spPr/>
+        <p:spPr>
+          <a:xfrm>
+            <a:off x="-1" y="1"/>
+            <a:ext cx="5760000" cy="1025426"/>
+          </a:xfrm>
+        </p:spPr>
         <p:txBody>
           <a:bodyPr>
-            <a:normAutofit/>
+            <a:normAutofit fontScale="90000"/>
           </a:bodyPr>
           <a:lstStyle/>
           <a:p>
@@ -6510,8 +6597,17 @@
             </a:r>
             <a:r>
               <a:rPr kumimoji="1" lang="ja-JP" altLang="en-US" dirty="0"/>
-              <a:t>復帰制御の概要</a:t>
-            </a:r>
+              <a:t>復帰制御</a:t>
+            </a:r>
+            <a:r>
+              <a:rPr kumimoji="1" lang="ja-JP" altLang="en-US" sz="4000" dirty="0"/>
+              <a:t>の</a:t>
+            </a:r>
+            <a:r>
+              <a:rPr lang="ja-JP" altLang="en-US" dirty="0"/>
+              <a:t>実現方法</a:t>
+            </a:r>
+            <a:endParaRPr kumimoji="1" lang="ja-JP" altLang="en-US" dirty="0"/>
           </a:p>
         </p:txBody>
       </p:sp>
@@ -6937,8 +7033,8 @@
           </p:sp>
         </mc:Fallback>
       </mc:AlternateContent>
-      <mc:AlternateContent xmlns:mc="http://schemas.openxmlformats.org/markup-compatibility/2006" xmlns:a14="http://schemas.microsoft.com/office/drawing/2010/main">
-        <mc:Choice Requires="a14">
+      <mc:AlternateContent xmlns:mc="http://schemas.openxmlformats.org/markup-compatibility/2006">
+        <mc:Choice xmlns:a14="http://schemas.microsoft.com/office/drawing/2010/main" Requires="a14">
           <p:sp>
             <p:nvSpPr>
               <p:cNvPr id="23" name="テキスト ボックス 22">
@@ -6953,7 +7049,7 @@
             </p:nvSpPr>
             <p:spPr>
               <a:xfrm>
-                <a:off x="6597948" y="6869934"/>
+                <a:off x="6733679" y="6869934"/>
                 <a:ext cx="439982" cy="369318"/>
               </a:xfrm>
               <a:prstGeom prst="rect">
@@ -6995,7 +7091,7 @@
             </p:txBody>
           </p:sp>
         </mc:Choice>
-        <mc:Fallback xmlns="">
+        <mc:Fallback>
           <p:sp>
             <p:nvSpPr>
               <p:cNvPr id="23" name="テキスト ボックス 22">
@@ -7012,8 +7108,8 @@
             </p:nvSpPr>
             <p:spPr>
               <a:xfrm>
-                <a:off x="6597947" y="6869935"/>
-                <a:ext cx="439983" cy="369332"/>
+                <a:off x="6733679" y="6869934"/>
+                <a:ext cx="439982" cy="369318"/>
               </a:xfrm>
               <a:prstGeom prst="rect">
                 <a:avLst/>
@@ -7169,8 +7265,8 @@
           </a:p>
         </p:txBody>
       </p:sp>
-      <mc:AlternateContent xmlns:mc="http://schemas.openxmlformats.org/markup-compatibility/2006" xmlns:a14="http://schemas.microsoft.com/office/drawing/2010/main">
-        <mc:Choice Requires="a14">
+      <mc:AlternateContent xmlns:mc="http://schemas.openxmlformats.org/markup-compatibility/2006">
+        <mc:Choice xmlns:a14="http://schemas.microsoft.com/office/drawing/2010/main" Requires="a14">
           <p:sp>
             <p:nvSpPr>
               <p:cNvPr id="45" name="吹き出し: 角を丸めた四角形 44">
@@ -7198,9 +7294,9 @@
               <a:solidFill>
                 <a:srgbClr val="FFCCCC"/>
               </a:solidFill>
-              <a:ln w="9525" cap="flat" cmpd="sng" algn="ctr">
+              <a:ln w="12700" cap="flat" cmpd="sng" algn="ctr">
                 <a:solidFill>
-                  <a:schemeClr val="accent2"/>
+                  <a:srgbClr val="0070C0"/>
                 </a:solidFill>
                 <a:prstDash val="solid"/>
                 <a:round/>
@@ -7476,13 +7572,13 @@
             </p:txBody>
           </p:sp>
         </mc:Choice>
-        <mc:Fallback xmlns="">
+        <mc:Fallback>
           <p:sp>
             <p:nvSpPr>
               <p:cNvPr id="45" name="吹き出し: 角を丸めた四角形 44">
                 <a:extLst>
                   <a:ext uri="{FF2B5EF4-FFF2-40B4-BE49-F238E27FC236}">
-                    <a16:creationId xmlns:a16="http://schemas.microsoft.com/office/drawing/2014/main" xmlns:a14="http://schemas.microsoft.com/office/drawing/2010/main" xmlns="" id="{6241B250-1564-43E8-9A23-CEA8E5FE13FC}"/>
+                    <a16:creationId xmlns:a16="http://schemas.microsoft.com/office/drawing/2014/main" id="{6241B250-1564-43E8-9A23-CEA8E5FE13FC}"/>
                   </a:ext>
                 </a:extLst>
               </p:cNvPr>
@@ -7503,15 +7599,15 @@
                   <a:gd name="adj3" fmla="val 16667"/>
                 </a:avLst>
               </a:prstGeom>
-              <a:blipFill rotWithShape="1">
+              <a:blipFill>
                 <a:blip r:embed="rId8"/>
                 <a:stretch>
                   <a:fillRect/>
                 </a:stretch>
               </a:blipFill>
-              <a:ln w="9525" cap="flat" cmpd="sng" algn="ctr">
+              <a:ln w="12700" cap="flat" cmpd="sng" algn="ctr">
                 <a:solidFill>
-                  <a:schemeClr val="accent2"/>
+                  <a:srgbClr val="0070C0"/>
                 </a:solidFill>
                 <a:prstDash val="solid"/>
                 <a:round/>
@@ -7536,8 +7632,8 @@
           </p:sp>
         </mc:Fallback>
       </mc:AlternateContent>
-      <mc:AlternateContent xmlns:mc="http://schemas.openxmlformats.org/markup-compatibility/2006" xmlns:a14="http://schemas.microsoft.com/office/drawing/2010/main">
-        <mc:Choice Requires="a14">
+      <mc:AlternateContent xmlns:mc="http://schemas.openxmlformats.org/markup-compatibility/2006">
+        <mc:Choice xmlns:a14="http://schemas.microsoft.com/office/drawing/2010/main" Requires="a14">
           <p:sp>
             <p:nvSpPr>
               <p:cNvPr id="46" name="吹き出し: 角を丸めた四角形 45">
@@ -7552,20 +7648,20 @@
             </p:nvSpPr>
             <p:spPr bwMode="auto">
               <a:xfrm>
-                <a:off x="4770311" y="5015463"/>
+                <a:off x="2637784" y="5243836"/>
                 <a:ext cx="1924185" cy="1127709"/>
               </a:xfrm>
               <a:prstGeom prst="wedgeRoundRectCallout">
                 <a:avLst>
-                  <a:gd name="adj1" fmla="val -37470"/>
-                  <a:gd name="adj2" fmla="val -79449"/>
+                  <a:gd name="adj1" fmla="val 69453"/>
+                  <a:gd name="adj2" fmla="val -101973"/>
                   <a:gd name="adj3" fmla="val 16667"/>
                 </a:avLst>
               </a:prstGeom>
               <a:solidFill>
                 <a:srgbClr val="FFCCCC"/>
               </a:solidFill>
-              <a:ln w="9525" cap="flat" cmpd="sng" algn="ctr">
+              <a:ln w="12700" cap="flat" cmpd="sng" algn="ctr">
                 <a:solidFill>
                   <a:srgbClr val="FF0000"/>
                 </a:solidFill>
@@ -7785,13 +7881,13 @@
             </p:txBody>
           </p:sp>
         </mc:Choice>
-        <mc:Fallback xmlns="">
+        <mc:Fallback>
           <p:sp>
             <p:nvSpPr>
               <p:cNvPr id="46" name="吹き出し: 角を丸めた四角形 45">
                 <a:extLst>
                   <a:ext uri="{FF2B5EF4-FFF2-40B4-BE49-F238E27FC236}">
-                    <a16:creationId xmlns:a16="http://schemas.microsoft.com/office/drawing/2014/main" xmlns:a14="http://schemas.microsoft.com/office/drawing/2010/main" xmlns="" id="{FA247CF4-2D24-4664-9719-D4EFE930AB44}"/>
+                    <a16:creationId xmlns:a16="http://schemas.microsoft.com/office/drawing/2014/main" id="{FA247CF4-2D24-4664-9719-D4EFE930AB44}"/>
                   </a:ext>
                 </a:extLst>
               </p:cNvPr>
@@ -7802,23 +7898,23 @@
             </p:nvSpPr>
             <p:spPr bwMode="auto">
               <a:xfrm>
-                <a:off x="4770311" y="5015463"/>
+                <a:off x="2637784" y="5243836"/>
                 <a:ext cx="1924185" cy="1127709"/>
               </a:xfrm>
               <a:prstGeom prst="wedgeRoundRectCallout">
                 <a:avLst>
-                  <a:gd name="adj1" fmla="val -37470"/>
-                  <a:gd name="adj2" fmla="val -79449"/>
+                  <a:gd name="adj1" fmla="val 69453"/>
+                  <a:gd name="adj2" fmla="val -101973"/>
                   <a:gd name="adj3" fmla="val 16667"/>
                 </a:avLst>
               </a:prstGeom>
-              <a:blipFill rotWithShape="1">
+              <a:blipFill>
                 <a:blip r:embed="rId9"/>
                 <a:stretch>
-                  <a:fillRect b="-2479"/>
+                  <a:fillRect b="-2113"/>
                 </a:stretch>
               </a:blipFill>
-              <a:ln w="9525" cap="flat" cmpd="sng" algn="ctr">
+              <a:ln w="12700" cap="flat" cmpd="sng" algn="ctr">
                 <a:solidFill>
                   <a:srgbClr val="FF0000"/>
                 </a:solidFill>
@@ -7941,8 +8037,8 @@
           </a:p>
         </p:txBody>
       </p:sp>
-      <mc:AlternateContent xmlns:mc="http://schemas.openxmlformats.org/markup-compatibility/2006" xmlns:a14="http://schemas.microsoft.com/office/drawing/2010/main">
-        <mc:Choice Requires="a14">
+      <mc:AlternateContent xmlns:mc="http://schemas.openxmlformats.org/markup-compatibility/2006">
+        <mc:Choice xmlns:a14="http://schemas.microsoft.com/office/drawing/2010/main" Requires="a14">
           <p:sp>
             <p:nvSpPr>
               <p:cNvPr id="48" name="吹き出し: 角を丸めた四角形 47">
@@ -7962,15 +8058,15 @@
               </a:xfrm>
               <a:prstGeom prst="wedgeRoundRectCallout">
                 <a:avLst>
-                  <a:gd name="adj1" fmla="val -29429"/>
-                  <a:gd name="adj2" fmla="val -96630"/>
+                  <a:gd name="adj1" fmla="val -22086"/>
+                  <a:gd name="adj2" fmla="val -94513"/>
                   <a:gd name="adj3" fmla="val 16667"/>
                 </a:avLst>
               </a:prstGeom>
               <a:solidFill>
                 <a:srgbClr val="FFCCCC"/>
               </a:solidFill>
-              <a:ln w="9525" cap="flat" cmpd="sng" algn="ctr">
+              <a:ln w="12700" cap="flat" cmpd="sng" algn="ctr">
                 <a:solidFill>
                   <a:srgbClr val="FFFF00"/>
                 </a:solidFill>
@@ -8023,13 +8119,13 @@
             </p:txBody>
           </p:sp>
         </mc:Choice>
-        <mc:Fallback xmlns="">
+        <mc:Fallback>
           <p:sp>
             <p:nvSpPr>
               <p:cNvPr id="48" name="吹き出し: 角を丸めた四角形 47">
                 <a:extLst>
                   <a:ext uri="{FF2B5EF4-FFF2-40B4-BE49-F238E27FC236}">
-                    <a16:creationId xmlns:a16="http://schemas.microsoft.com/office/drawing/2014/main" xmlns:a14="http://schemas.microsoft.com/office/drawing/2010/main" xmlns="" id="{74E63788-7728-4819-B62E-16849ABB6186}"/>
+                    <a16:creationId xmlns:a16="http://schemas.microsoft.com/office/drawing/2014/main" id="{74E63788-7728-4819-B62E-16849ABB6186}"/>
                   </a:ext>
                 </a:extLst>
               </p:cNvPr>
@@ -8045,18 +8141,18 @@
               </a:xfrm>
               <a:prstGeom prst="wedgeRoundRectCallout">
                 <a:avLst>
-                  <a:gd name="adj1" fmla="val -29429"/>
-                  <a:gd name="adj2" fmla="val -96630"/>
+                  <a:gd name="adj1" fmla="val -22086"/>
+                  <a:gd name="adj2" fmla="val -94513"/>
                   <a:gd name="adj3" fmla="val 16667"/>
                 </a:avLst>
               </a:prstGeom>
-              <a:blipFill rotWithShape="1">
+              <a:blipFill>
                 <a:blip r:embed="rId10"/>
                 <a:stretch>
                   <a:fillRect/>
                 </a:stretch>
               </a:blipFill>
-              <a:ln w="9525" cap="flat" cmpd="sng" algn="ctr">
+              <a:ln w="12700" cap="flat" cmpd="sng" algn="ctr">
                 <a:solidFill>
                   <a:srgbClr val="FFFF00"/>
                 </a:solidFill>
@@ -8097,7 +8193,7 @@
         </p:nvSpPr>
         <p:spPr bwMode="auto">
           <a:xfrm>
-            <a:off x="2790092" y="4964451"/>
+            <a:off x="4836794" y="4958427"/>
             <a:ext cx="1872208" cy="2242490"/>
           </a:xfrm>
           <a:prstGeom prst="roundRect">
@@ -8136,8 +8232,8 @@
           </a:p>
         </p:txBody>
       </p:sp>
-      <mc:AlternateContent xmlns:mc="http://schemas.openxmlformats.org/markup-compatibility/2006" xmlns:a14="http://schemas.microsoft.com/office/drawing/2010/main">
-        <mc:Choice Requires="a14">
+      <mc:AlternateContent xmlns:mc="http://schemas.openxmlformats.org/markup-compatibility/2006">
+        <mc:Choice xmlns:a14="http://schemas.microsoft.com/office/drawing/2010/main" Requires="a14">
           <p:graphicFrame>
             <p:nvGraphicFramePr>
               <p:cNvPr id="54" name="表 53">
@@ -8153,13 +8249,13 @@
               <p:nvPr>
                 <p:extLst>
                   <p:ext uri="{D42A27DB-BD31-4B8C-83A1-F6EECF244321}">
-                    <p14:modId xmlns:p14="http://schemas.microsoft.com/office/powerpoint/2010/main" val="2243168068"/>
+                    <p14:modId xmlns:p14="http://schemas.microsoft.com/office/powerpoint/2010/main" val="1600492277"/>
                   </p:ext>
                 </p:extLst>
               </p:nvPr>
             </p:nvGraphicFramePr>
             <p:xfrm>
-              <a:off x="2858494" y="5296592"/>
+              <a:off x="4905196" y="5290568"/>
               <a:ext cx="1716579" cy="1813560"/>
             </p:xfrm>
             <a:graphic>
@@ -9021,13 +9117,13 @@
             </a:graphic>
           </p:graphicFrame>
         </mc:Choice>
-        <mc:Fallback xmlns="">
+        <mc:Fallback>
           <p:graphicFrame>
             <p:nvGraphicFramePr>
               <p:cNvPr id="54" name="表 53">
                 <a:extLst>
                   <a:ext uri="{FF2B5EF4-FFF2-40B4-BE49-F238E27FC236}">
-                    <a16:creationId xmlns:a16="http://schemas.microsoft.com/office/drawing/2014/main" xmlns:a14="http://schemas.microsoft.com/office/drawing/2010/main" xmlns="" id="{EE1C7977-A65D-4A8C-9176-237050954D1C}"/>
+                    <a16:creationId xmlns:a16="http://schemas.microsoft.com/office/drawing/2014/main" id="{EE1C7977-A65D-4A8C-9176-237050954D1C}"/>
                   </a:ext>
                 </a:extLst>
               </p:cNvPr>
@@ -9037,13 +9133,13 @@
               <p:nvPr>
                 <p:extLst>
                   <p:ext uri="{D42A27DB-BD31-4B8C-83A1-F6EECF244321}">
-                    <p14:modId xmlns:p14="http://schemas.microsoft.com/office/powerpoint/2010/main" val="2243168068"/>
+                    <p14:modId xmlns:p14="http://schemas.microsoft.com/office/powerpoint/2010/main" val="1600492277"/>
                   </p:ext>
                 </p:extLst>
               </p:nvPr>
             </p:nvGraphicFramePr>
             <p:xfrm>
-              <a:off x="2858494" y="5296592"/>
+              <a:off x="4905196" y="5290568"/>
               <a:ext cx="1716579" cy="1813560"/>
             </p:xfrm>
             <a:graphic>
@@ -9056,28 +9152,28 @@
                     <a:gridCol w="447810">
                       <a:extLst>
                         <a:ext uri="{9D8B030D-6E8A-4147-A177-3AD203B41FA5}">
-                          <a16:colId xmlns:a16="http://schemas.microsoft.com/office/drawing/2014/main" xmlns:a14="http://schemas.microsoft.com/office/drawing/2010/main" xmlns="" val="3001262604"/>
+                          <a16:colId xmlns:a16="http://schemas.microsoft.com/office/drawing/2014/main" val="3001262604"/>
                         </a:ext>
                       </a:extLst>
                     </a:gridCol>
                     <a:gridCol w="422923">
                       <a:extLst>
                         <a:ext uri="{9D8B030D-6E8A-4147-A177-3AD203B41FA5}">
-                          <a16:colId xmlns:a16="http://schemas.microsoft.com/office/drawing/2014/main" xmlns:a14="http://schemas.microsoft.com/office/drawing/2010/main" xmlns="" val="700291227"/>
+                          <a16:colId xmlns:a16="http://schemas.microsoft.com/office/drawing/2014/main" val="700291227"/>
                         </a:ext>
                       </a:extLst>
                     </a:gridCol>
                     <a:gridCol w="422923">
                       <a:extLst>
                         <a:ext uri="{9D8B030D-6E8A-4147-A177-3AD203B41FA5}">
-                          <a16:colId xmlns:a16="http://schemas.microsoft.com/office/drawing/2014/main" xmlns:a14="http://schemas.microsoft.com/office/drawing/2010/main" xmlns="" val="398189225"/>
+                          <a16:colId xmlns:a16="http://schemas.microsoft.com/office/drawing/2014/main" val="398189225"/>
                         </a:ext>
                       </a:extLst>
                     </a:gridCol>
                     <a:gridCol w="422923">
                       <a:extLst>
                         <a:ext uri="{9D8B030D-6E8A-4147-A177-3AD203B41FA5}">
-                          <a16:colId xmlns:a16="http://schemas.microsoft.com/office/drawing/2014/main" xmlns:a14="http://schemas.microsoft.com/office/drawing/2010/main" xmlns="" val="771215092"/>
+                          <a16:colId xmlns:a16="http://schemas.microsoft.com/office/drawing/2014/main" val="771215092"/>
                         </a:ext>
                       </a:extLst>
                     </a:gridCol>
@@ -9107,10 +9203,10 @@
                         </a:p>
                       </a:txBody>
                       <a:tcPr anchor="ctr">
-                        <a:blipFill rotWithShape="1">
+                        <a:blipFill>
                           <a:blip r:embed="rId11"/>
                           <a:stretch>
-                            <a:fillRect l="-108696" t="-2381" r="-201449" b="-609524"/>
+                            <a:fillRect l="-107143" t="-2326" r="-201429" b="-600000"/>
                           </a:stretch>
                         </a:blipFill>
                       </a:tcPr>
@@ -9124,10 +9220,10 @@
                         </a:p>
                       </a:txBody>
                       <a:tcPr anchor="ctr">
-                        <a:blipFill rotWithShape="1">
+                        <a:blipFill>
                           <a:blip r:embed="rId11"/>
                           <a:stretch>
-                            <a:fillRect l="-205714" t="-2381" r="-98571" b="-609524"/>
+                            <a:fillRect l="-210145" t="-2326" r="-104348" b="-600000"/>
                           </a:stretch>
                         </a:blipFill>
                       </a:tcPr>
@@ -9141,17 +9237,17 @@
                         </a:p>
                       </a:txBody>
                       <a:tcPr anchor="ctr">
-                        <a:blipFill rotWithShape="1">
+                        <a:blipFill>
                           <a:blip r:embed="rId11"/>
                           <a:stretch>
-                            <a:fillRect l="-310145" t="-2381" b="-609524"/>
+                            <a:fillRect l="-305714" t="-2326" r="-2857" b="-600000"/>
                           </a:stretch>
                         </a:blipFill>
                       </a:tcPr>
                     </a:tc>
                     <a:extLst>
                       <a:ext uri="{0D108BD9-81ED-4DB2-BD59-A6C34878D82A}">
-                        <a16:rowId xmlns:a16="http://schemas.microsoft.com/office/drawing/2014/main" xmlns:a14="http://schemas.microsoft.com/office/drawing/2010/main" xmlns="" val="3560462272"/>
+                        <a16:rowId xmlns:a16="http://schemas.microsoft.com/office/drawing/2014/main" val="3560462272"/>
                       </a:ext>
                     </a:extLst>
                   </a:tr>
@@ -9218,7 +9314,7 @@
                     </a:tc>
                     <a:extLst>
                       <a:ext uri="{0D108BD9-81ED-4DB2-BD59-A6C34878D82A}">
-                        <a16:rowId xmlns:a16="http://schemas.microsoft.com/office/drawing/2014/main" xmlns:a14="http://schemas.microsoft.com/office/drawing/2010/main" xmlns="" val="1376057248"/>
+                        <a16:rowId xmlns:a16="http://schemas.microsoft.com/office/drawing/2014/main" val="1376057248"/>
                       </a:ext>
                     </a:extLst>
                   </a:tr>
@@ -9325,7 +9421,7 @@
                     </a:tc>
                     <a:extLst>
                       <a:ext uri="{0D108BD9-81ED-4DB2-BD59-A6C34878D82A}">
-                        <a16:rowId xmlns:a16="http://schemas.microsoft.com/office/drawing/2014/main" xmlns:a14="http://schemas.microsoft.com/office/drawing/2010/main" xmlns="" val="3880445411"/>
+                        <a16:rowId xmlns:a16="http://schemas.microsoft.com/office/drawing/2014/main" val="3880445411"/>
                       </a:ext>
                     </a:extLst>
                   </a:tr>
@@ -9524,7 +9620,7 @@
                     </a:tc>
                     <a:extLst>
                       <a:ext uri="{0D108BD9-81ED-4DB2-BD59-A6C34878D82A}">
-                        <a16:rowId xmlns:a16="http://schemas.microsoft.com/office/drawing/2014/main" xmlns:a14="http://schemas.microsoft.com/office/drawing/2010/main" xmlns="" val="1954537068"/>
+                        <a16:rowId xmlns:a16="http://schemas.microsoft.com/office/drawing/2014/main" val="1954537068"/>
                       </a:ext>
                     </a:extLst>
                   </a:tr>
@@ -9547,10 +9643,10 @@
                           <a:headEnd type="none" w="med" len="med"/>
                           <a:tailEnd type="none" w="med" len="med"/>
                         </a:lnT>
-                        <a:blipFill rotWithShape="1">
+                        <a:blipFill>
                           <a:blip r:embed="rId11"/>
                           <a:stretch>
-                            <a:fillRect l="-1351" t="-407143" r="-281081" b="-204762"/>
+                            <a:fillRect l="-1351" t="-400000" r="-285135" b="-202326"/>
                           </a:stretch>
                         </a:blipFill>
                       </a:tcPr>
@@ -9573,10 +9669,10 @@
                           <a:headEnd type="none" w="med" len="med"/>
                           <a:tailEnd type="none" w="med" len="med"/>
                         </a:lnT>
-                        <a:blipFill rotWithShape="1">
+                        <a:blipFill>
                           <a:blip r:embed="rId11"/>
                           <a:stretch>
-                            <a:fillRect l="-108696" t="-407143" r="-201449" b="-204762"/>
+                            <a:fillRect l="-107143" t="-400000" r="-201429" b="-202326"/>
                           </a:stretch>
                         </a:blipFill>
                       </a:tcPr>
@@ -9599,10 +9695,10 @@
                           <a:headEnd type="none" w="med" len="med"/>
                           <a:tailEnd type="none" w="med" len="med"/>
                         </a:lnT>
-                        <a:blipFill rotWithShape="1">
+                        <a:blipFill>
                           <a:blip r:embed="rId11"/>
                           <a:stretch>
-                            <a:fillRect l="-205714" t="-407143" r="-98571" b="-204762"/>
+                            <a:fillRect l="-210145" t="-400000" r="-104348" b="-202326"/>
                           </a:stretch>
                         </a:blipFill>
                       </a:tcPr>
@@ -9625,17 +9721,17 @@
                           <a:headEnd type="none" w="med" len="med"/>
                           <a:tailEnd type="none" w="med" len="med"/>
                         </a:lnT>
-                        <a:blipFill rotWithShape="1">
+                        <a:blipFill>
                           <a:blip r:embed="rId11"/>
                           <a:stretch>
-                            <a:fillRect l="-310145" t="-407143" b="-204762"/>
+                            <a:fillRect l="-305714" t="-400000" r="-2857" b="-202326"/>
                           </a:stretch>
                         </a:blipFill>
                       </a:tcPr>
                     </a:tc>
                     <a:extLst>
                       <a:ext uri="{0D108BD9-81ED-4DB2-BD59-A6C34878D82A}">
-                        <a16:rowId xmlns:a16="http://schemas.microsoft.com/office/drawing/2014/main" xmlns:a14="http://schemas.microsoft.com/office/drawing/2010/main" xmlns="" val="3756818193"/>
+                        <a16:rowId xmlns:a16="http://schemas.microsoft.com/office/drawing/2014/main" val="3756818193"/>
                       </a:ext>
                     </a:extLst>
                   </a:tr>
@@ -9686,7 +9782,7 @@
                     </a:tc>
                     <a:extLst>
                       <a:ext uri="{0D108BD9-81ED-4DB2-BD59-A6C34878D82A}">
-                        <a16:rowId xmlns:a16="http://schemas.microsoft.com/office/drawing/2014/main" xmlns:a14="http://schemas.microsoft.com/office/drawing/2010/main" xmlns="" val="4206772201"/>
+                        <a16:rowId xmlns:a16="http://schemas.microsoft.com/office/drawing/2014/main" val="4206772201"/>
                       </a:ext>
                     </a:extLst>
                   </a:tr>
@@ -9737,7 +9833,7 @@
                     </a:tc>
                     <a:extLst>
                       <a:ext uri="{0D108BD9-81ED-4DB2-BD59-A6C34878D82A}">
-                        <a16:rowId xmlns:a16="http://schemas.microsoft.com/office/drawing/2014/main" xmlns:a14="http://schemas.microsoft.com/office/drawing/2010/main" xmlns="" val="3132775594"/>
+                        <a16:rowId xmlns:a16="http://schemas.microsoft.com/office/drawing/2014/main" val="3132775594"/>
                       </a:ext>
                     </a:extLst>
                   </a:tr>
@@ -10066,7 +10162,7 @@
             <a:pPr algn="l"/>
             <a:r>
               <a:rPr kumimoji="1" lang="ja-JP" altLang="en-US" sz="1600" dirty="0"/>
-              <a:t>次に、コース離脱判定とコース復帰動作それぞれの概要について説明する。</a:t>
+              <a:t>次に、コース離脱判定とコース復帰動作それぞれの実現方法について記載する。</a:t>
             </a:r>
             <a:endParaRPr kumimoji="1" lang="en-US" altLang="ja-JP" sz="1600" dirty="0"/>
           </a:p>
@@ -11754,8 +11850,8 @@
           </a:p>
         </p:txBody>
       </p:sp>
-      <mc:AlternateContent xmlns:mc="http://schemas.openxmlformats.org/markup-compatibility/2006" xmlns:a14="http://schemas.microsoft.com/office/drawing/2010/main">
-        <mc:Choice Requires="a14">
+      <mc:AlternateContent xmlns:mc="http://schemas.openxmlformats.org/markup-compatibility/2006">
+        <mc:Choice xmlns:a14="http://schemas.microsoft.com/office/drawing/2010/main" Requires="a14">
           <p:sp>
             <p:nvSpPr>
               <p:cNvPr id="82" name="テキスト ボックス 81">
@@ -11789,7 +11885,7 @@
                 <a:pPr algn="l"/>
                 <a:r>
                   <a:rPr lang="ja-JP" altLang="en-US" b="1" dirty="0"/>
-                  <a:t>①目標座標の方向へ旋回する。</a:t>
+                  <a:t>①目標座標の方向へ旋回する</a:t>
                 </a:r>
                 <a:endParaRPr lang="en-US" altLang="ja-JP" b="1" dirty="0"/>
               </a:p>
@@ -12077,13 +12173,13 @@
             </p:txBody>
           </p:sp>
         </mc:Choice>
-        <mc:Fallback xmlns="">
+        <mc:Fallback>
           <p:sp>
             <p:nvSpPr>
               <p:cNvPr id="82" name="テキスト ボックス 81">
                 <a:extLst>
                   <a:ext uri="{FF2B5EF4-FFF2-40B4-BE49-F238E27FC236}">
-                    <a16:creationId xmlns:a16="http://schemas.microsoft.com/office/drawing/2014/main" xmlns:a14="http://schemas.microsoft.com/office/drawing/2010/main" xmlns="" id="{2C0B3106-A5DC-4832-AEBD-DB7258998DBB}"/>
+                    <a16:creationId xmlns:a16="http://schemas.microsoft.com/office/drawing/2014/main" id="{2C0B3106-A5DC-4832-AEBD-DB7258998DBB}"/>
                   </a:ext>
                 </a:extLst>
               </p:cNvPr>
@@ -12100,10 +12196,10 @@
               <a:prstGeom prst="rect">
                 <a:avLst/>
               </a:prstGeom>
-              <a:blipFill rotWithShape="1">
+              <a:blipFill>
                 <a:blip r:embed="rId15"/>
                 <a:stretch>
-                  <a:fillRect l="-1413" t="-1632" r="-1256" b="-2331"/>
+                  <a:fillRect l="-1413" t="-1865" r="-1256" b="-2331"/>
                 </a:stretch>
               </a:blipFill>
             </p:spPr>
@@ -12683,7 +12779,7 @@
         </p:nvCxnSpPr>
         <p:spPr bwMode="auto">
           <a:xfrm>
-            <a:off x="12526808" y="6136481"/>
+            <a:off x="12512953" y="6275031"/>
             <a:ext cx="454047" cy="1120084"/>
           </a:xfrm>
           <a:prstGeom prst="straightConnector1">
@@ -12748,7 +12844,7 @@
             <a:pPr algn="l"/>
             <a:r>
               <a:rPr lang="ja-JP" altLang="en-US" b="1" dirty="0"/>
-              <a:t>②目標座標の方向へ直進する。</a:t>
+              <a:t>②目標座標の方向へ直進する</a:t>
             </a:r>
             <a:endParaRPr lang="en-US" altLang="ja-JP" b="1" dirty="0"/>
           </a:p>
@@ -13804,8 +13900,8 @@
           </a:p>
         </p:txBody>
       </p:sp>
-      <mc:AlternateContent xmlns:mc="http://schemas.openxmlformats.org/markup-compatibility/2006" xmlns:a14="http://schemas.microsoft.com/office/drawing/2010/main">
-        <mc:Choice Requires="a14">
+      <mc:AlternateContent xmlns:mc="http://schemas.openxmlformats.org/markup-compatibility/2006">
+        <mc:Choice xmlns:a14="http://schemas.microsoft.com/office/drawing/2010/main" Requires="a14">
           <p:sp>
             <p:nvSpPr>
               <p:cNvPr id="120" name="テキスト ボックス 119">
@@ -13842,7 +13938,7 @@
                 <a:pPr algn="l"/>
                 <a:r>
                   <a:rPr lang="ja-JP" altLang="en-US" b="1" dirty="0"/>
-                  <a:t>③目標旋回角度まで旋回する。</a:t>
+                  <a:t>③目標旋回角度まで旋回する</a:t>
                 </a:r>
                 <a:endParaRPr lang="en-US" altLang="ja-JP" b="1" dirty="0"/>
               </a:p>
@@ -13948,13 +14044,13 @@
             </p:txBody>
           </p:sp>
         </mc:Choice>
-        <mc:Fallback xmlns="">
+        <mc:Fallback>
           <p:sp>
             <p:nvSpPr>
               <p:cNvPr id="120" name="テキスト ボックス 119">
                 <a:extLst>
                   <a:ext uri="{FF2B5EF4-FFF2-40B4-BE49-F238E27FC236}">
-                    <a16:creationId xmlns:a16="http://schemas.microsoft.com/office/drawing/2014/main" xmlns:a14="http://schemas.microsoft.com/office/drawing/2010/main" xmlns="" id="{A0976309-AD7A-46A7-9682-55A33B77C423}"/>
+                    <a16:creationId xmlns:a16="http://schemas.microsoft.com/office/drawing/2014/main" id="{A0976309-AD7A-46A7-9682-55A33B77C423}"/>
                   </a:ext>
                 </a:extLst>
               </p:cNvPr>
@@ -13971,7 +14067,7 @@
               <a:prstGeom prst="rect">
                 <a:avLst/>
               </a:prstGeom>
-              <a:blipFill rotWithShape="1">
+              <a:blipFill>
                 <a:blip r:embed="rId21"/>
                 <a:stretch>
                   <a:fillRect l="-1198" t="-1651" r="-1198" b="-2358"/>
@@ -14170,7 +14266,7 @@
               <p:nvPr>
                 <p:extLst>
                   <p:ext uri="{D42A27DB-BD31-4B8C-83A1-F6EECF244321}">
-                    <p14:modId xmlns:p14="http://schemas.microsoft.com/office/powerpoint/2010/main" val="3502757392"/>
+                    <p14:modId xmlns:p14="http://schemas.microsoft.com/office/powerpoint/2010/main" val="991230196"/>
                   </p:ext>
                 </p:extLst>
               </p:nvPr>
@@ -14408,7 +14504,7 @@
                         <a:p>
                           <a:r>
                             <a:rPr kumimoji="1" lang="ja-JP" altLang="en-US" sz="1600" dirty="0"/>
-                            <a:t>スタートを基準にした走行体の向いている方向</a:t>
+                            <a:t>スタート時の向きを基準にした走行体の向き</a:t>
                           </a:r>
                         </a:p>
                       </a:txBody>
@@ -14600,7 +14696,7 @@
               <p:cNvPr id="10" name="表 9">
                 <a:extLst>
                   <a:ext uri="{FF2B5EF4-FFF2-40B4-BE49-F238E27FC236}">
-                    <a16:creationId xmlns:a16="http://schemas.microsoft.com/office/drawing/2014/main" xmlns:a14="http://schemas.microsoft.com/office/drawing/2010/main" xmlns="" id="{6063F000-0F8F-4FAC-9381-B5A5CC415F33}"/>
+                    <a16:creationId xmlns:a16="http://schemas.microsoft.com/office/drawing/2014/main" id="{6063F000-0F8F-4FAC-9381-B5A5CC415F33}"/>
                   </a:ext>
                 </a:extLst>
               </p:cNvPr>
@@ -14610,7 +14706,7 @@
               <p:nvPr>
                 <p:extLst>
                   <p:ext uri="{D42A27DB-BD31-4B8C-83A1-F6EECF244321}">
-                    <p14:modId xmlns:p14="http://schemas.microsoft.com/office/powerpoint/2010/main" val="3502757392"/>
+                    <p14:modId xmlns:p14="http://schemas.microsoft.com/office/powerpoint/2010/main" val="991230196"/>
                   </p:ext>
                 </p:extLst>
               </p:nvPr>
@@ -14629,28 +14725,28 @@
                     <a:gridCol w="710050">
                       <a:extLst>
                         <a:ext uri="{9D8B030D-6E8A-4147-A177-3AD203B41FA5}">
-                          <a16:colId xmlns:a16="http://schemas.microsoft.com/office/drawing/2014/main" xmlns:a14="http://schemas.microsoft.com/office/drawing/2010/main" xmlns="" val="1136744987"/>
+                          <a16:colId xmlns:a16="http://schemas.microsoft.com/office/drawing/2014/main" val="1136744987"/>
                         </a:ext>
                       </a:extLst>
                     </a:gridCol>
                     <a:gridCol w="1239984">
                       <a:extLst>
                         <a:ext uri="{9D8B030D-6E8A-4147-A177-3AD203B41FA5}">
-                          <a16:colId xmlns:a16="http://schemas.microsoft.com/office/drawing/2014/main" xmlns:a14="http://schemas.microsoft.com/office/drawing/2010/main" xmlns="" val="4235200062"/>
+                          <a16:colId xmlns:a16="http://schemas.microsoft.com/office/drawing/2014/main" val="4235200062"/>
                         </a:ext>
                       </a:extLst>
                     </a:gridCol>
                     <a:gridCol w="656462">
                       <a:extLst>
                         <a:ext uri="{9D8B030D-6E8A-4147-A177-3AD203B41FA5}">
-                          <a16:colId xmlns:a16="http://schemas.microsoft.com/office/drawing/2014/main" xmlns:a14="http://schemas.microsoft.com/office/drawing/2010/main" xmlns="" val="988555977"/>
+                          <a16:colId xmlns:a16="http://schemas.microsoft.com/office/drawing/2014/main" val="988555977"/>
                         </a:ext>
                       </a:extLst>
                     </a:gridCol>
                     <a:gridCol w="4522294">
                       <a:extLst>
                         <a:ext uri="{9D8B030D-6E8A-4147-A177-3AD203B41FA5}">
-                          <a16:colId xmlns:a16="http://schemas.microsoft.com/office/drawing/2014/main" xmlns:a14="http://schemas.microsoft.com/office/drawing/2010/main" xmlns="" val="1845107624"/>
+                          <a16:colId xmlns:a16="http://schemas.microsoft.com/office/drawing/2014/main" val="1845107624"/>
                         </a:ext>
                       </a:extLst>
                     </a:gridCol>
@@ -14710,7 +14806,7 @@
                     </a:tc>
                     <a:extLst>
                       <a:ext uri="{0D108BD9-81ED-4DB2-BD59-A6C34878D82A}">
-                        <a16:rowId xmlns:a16="http://schemas.microsoft.com/office/drawing/2014/main" xmlns:a14="http://schemas.microsoft.com/office/drawing/2010/main" xmlns="" val="1812608564"/>
+                        <a16:rowId xmlns:a16="http://schemas.microsoft.com/office/drawing/2014/main" val="1812608564"/>
                       </a:ext>
                     </a:extLst>
                   </a:tr>
@@ -14724,10 +14820,10 @@
                         </a:p>
                       </a:txBody>
                       <a:tcPr>
-                        <a:blipFill rotWithShape="1">
+                        <a:blipFill>
                           <a:blip r:embed="rId23"/>
                           <a:stretch>
-                            <a:fillRect t="-109091" r="-900000" b="-323636"/>
+                            <a:fillRect l="-855" t="-105357" r="-903419" b="-317857"/>
                           </a:stretch>
                         </a:blipFill>
                       </a:tcPr>
@@ -14774,7 +14870,7 @@
                     </a:tc>
                     <a:extLst>
                       <a:ext uri="{0D108BD9-81ED-4DB2-BD59-A6C34878D82A}">
-                        <a16:rowId xmlns:a16="http://schemas.microsoft.com/office/drawing/2014/main" xmlns:a14="http://schemas.microsoft.com/office/drawing/2010/main" xmlns="" val="2853552124"/>
+                        <a16:rowId xmlns:a16="http://schemas.microsoft.com/office/drawing/2014/main" val="2853552124"/>
                       </a:ext>
                     </a:extLst>
                   </a:tr>
@@ -14788,10 +14884,10 @@
                         </a:p>
                       </a:txBody>
                       <a:tcPr>
-                        <a:blipFill rotWithShape="1">
+                        <a:blipFill>
                           <a:blip r:embed="rId23"/>
                           <a:stretch>
-                            <a:fillRect t="-201754" r="-900000" b="-212281"/>
+                            <a:fillRect l="-855" t="-201754" r="-903419" b="-212281"/>
                           </a:stretch>
                         </a:blipFill>
                       </a:tcPr>
@@ -14830,7 +14926,7 @@
                         <a:p>
                           <a:r>
                             <a:rPr kumimoji="1" lang="ja-JP" altLang="en-US" sz="1600" dirty="0"/>
-                            <a:t>スタートを基準にした走行体の向いている方向</a:t>
+                            <a:t>スタート時の向きを基準にした走行体の向き</a:t>
                           </a:r>
                         </a:p>
                       </a:txBody>
@@ -14838,7 +14934,7 @@
                     </a:tc>
                     <a:extLst>
                       <a:ext uri="{0D108BD9-81ED-4DB2-BD59-A6C34878D82A}">
-                        <a16:rowId xmlns:a16="http://schemas.microsoft.com/office/drawing/2014/main" xmlns:a14="http://schemas.microsoft.com/office/drawing/2010/main" xmlns="" val="2785974895"/>
+                        <a16:rowId xmlns:a16="http://schemas.microsoft.com/office/drawing/2014/main" val="2785974895"/>
                       </a:ext>
                     </a:extLst>
                   </a:tr>
@@ -14852,10 +14948,10 @@
                         </a:p>
                       </a:txBody>
                       <a:tcPr>
-                        <a:blipFill rotWithShape="1">
+                        <a:blipFill>
                           <a:blip r:embed="rId23"/>
                           <a:stretch>
-                            <a:fillRect t="-312727" r="-900000" b="-120000"/>
+                            <a:fillRect l="-855" t="-307143" r="-903419" b="-116071"/>
                           </a:stretch>
                         </a:blipFill>
                       </a:tcPr>
@@ -14902,7 +14998,7 @@
                     </a:tc>
                     <a:extLst>
                       <a:ext uri="{0D108BD9-81ED-4DB2-BD59-A6C34878D82A}">
-                        <a16:rowId xmlns:a16="http://schemas.microsoft.com/office/drawing/2014/main" xmlns:a14="http://schemas.microsoft.com/office/drawing/2010/main" xmlns="" val="2068161966"/>
+                        <a16:rowId xmlns:a16="http://schemas.microsoft.com/office/drawing/2014/main" val="2068161966"/>
                       </a:ext>
                     </a:extLst>
                   </a:tr>
@@ -14916,10 +15012,10 @@
                         </a:p>
                       </a:txBody>
                       <a:tcPr>
-                        <a:blipFill rotWithShape="1">
+                        <a:blipFill>
                           <a:blip r:embed="rId23"/>
                           <a:stretch>
-                            <a:fillRect t="-412727" r="-900000" b="-20000"/>
+                            <a:fillRect l="-855" t="-414545" r="-903419" b="-18182"/>
                           </a:stretch>
                         </a:blipFill>
                       </a:tcPr>
@@ -14965,7 +15061,7 @@
                     </a:tc>
                     <a:extLst>
                       <a:ext uri="{0D108BD9-81ED-4DB2-BD59-A6C34878D82A}">
-                        <a16:rowId xmlns:a16="http://schemas.microsoft.com/office/drawing/2014/main" xmlns:a14="http://schemas.microsoft.com/office/drawing/2010/main" xmlns="" val="3386441986"/>
+                        <a16:rowId xmlns:a16="http://schemas.microsoft.com/office/drawing/2014/main" val="3386441986"/>
                       </a:ext>
                     </a:extLst>
                   </a:tr>
@@ -14975,6 +15071,238 @@
           </p:graphicFrame>
         </mc:Fallback>
       </mc:AlternateContent>
+      <p:sp>
+        <p:nvSpPr>
+          <p:cNvPr id="80" name="四角形: 角を丸くする 79">
+            <a:extLst>
+              <a:ext uri="{FF2B5EF4-FFF2-40B4-BE49-F238E27FC236}">
+                <a16:creationId xmlns:a16="http://schemas.microsoft.com/office/drawing/2014/main" id="{0A877FEA-35CE-4ECB-BBD0-0F73433A6064}"/>
+              </a:ext>
+            </a:extLst>
+          </p:cNvPr>
+          <p:cNvSpPr/>
+          <p:nvPr/>
+        </p:nvSpPr>
+        <p:spPr bwMode="auto">
+          <a:xfrm>
+            <a:off x="286110" y="5046992"/>
+            <a:ext cx="1872208" cy="1213856"/>
+          </a:xfrm>
+          <a:prstGeom prst="roundRect">
+            <a:avLst>
+              <a:gd name="adj" fmla="val 8096"/>
+            </a:avLst>
+          </a:prstGeom>
+          <a:solidFill>
+            <a:srgbClr val="FFCCCC"/>
+          </a:solidFill>
+          <a:ln w="9525" cap="flat" cmpd="sng" algn="ctr">
+            <a:solidFill>
+              <a:schemeClr val="tx1"/>
+            </a:solidFill>
+            <a:prstDash val="solid"/>
+            <a:round/>
+            <a:headEnd type="none" w="med" len="med"/>
+            <a:tailEnd type="none" w="med" len="med"/>
+          </a:ln>
+          <a:effectLst/>
+          <a:extLst/>
+        </p:spPr>
+        <p:txBody>
+          <a:bodyPr vert="horz" wrap="none" lIns="91426" tIns="45713" rIns="91426" bIns="45713" numCol="1" rtlCol="0" anchor="t" anchorCtr="0" compatLnSpc="1">
+            <a:prstTxWarp prst="textNoShape">
+              <a:avLst/>
+            </a:prstTxWarp>
+          </a:bodyPr>
+          <a:lstStyle/>
+          <a:p>
+            <a:pPr algn="l" defTabSz="914251"/>
+            <a:r>
+              <a:rPr lang="ja-JP" altLang="en-US" sz="1100" b="1" dirty="0"/>
+              <a:t>添え字「</a:t>
+            </a:r>
+            <a:r>
+              <a:rPr lang="en-US" altLang="ja-JP" sz="1100" b="1" dirty="0"/>
+              <a:t>’</a:t>
+            </a:r>
+            <a:r>
+              <a:rPr lang="ja-JP" altLang="en-US" sz="1100" b="1" dirty="0"/>
+              <a:t>」は走行体の現在</a:t>
+            </a:r>
+            <a:endParaRPr lang="en-US" altLang="ja-JP" sz="1100" b="1" dirty="0"/>
+          </a:p>
+          <a:p>
+            <a:pPr algn="l" defTabSz="914251"/>
+            <a:r>
+              <a:rPr lang="ja-JP" altLang="en-US" sz="1100" b="1" dirty="0"/>
+              <a:t>の走行データを示したもの</a:t>
+            </a:r>
+            <a:endParaRPr lang="en-US" altLang="ja-JP" sz="1100" b="1" dirty="0"/>
+          </a:p>
+          <a:p>
+            <a:pPr algn="l" defTabSz="914251"/>
+            <a:r>
+              <a:rPr lang="ja-JP" altLang="en-US" sz="1100" b="1" dirty="0"/>
+              <a:t>である。</a:t>
+            </a:r>
+            <a:endParaRPr lang="en-US" altLang="ja-JP" sz="1100" b="1" dirty="0"/>
+          </a:p>
+          <a:p>
+            <a:pPr algn="l" defTabSz="914251"/>
+            <a:endParaRPr lang="en-US" altLang="ja-JP" sz="1100" b="1" dirty="0"/>
+          </a:p>
+          <a:p>
+            <a:pPr algn="l" defTabSz="914251"/>
+            <a:r>
+              <a:rPr lang="ja-JP" altLang="en-US" sz="1100" b="1" dirty="0"/>
+              <a:t>添え字「</a:t>
+            </a:r>
+            <a:r>
+              <a:rPr lang="en-US" altLang="ja-JP" sz="1100" b="1" dirty="0"/>
+              <a:t>n</a:t>
+            </a:r>
+            <a:r>
+              <a:rPr lang="ja-JP" altLang="en-US" sz="1100" b="1" dirty="0"/>
+              <a:t>」は</a:t>
+            </a:r>
+            <a:r>
+              <a:rPr lang="en-US" altLang="ja-JP" sz="1100" b="1" dirty="0"/>
+              <a:t>n</a:t>
+            </a:r>
+            <a:r>
+              <a:rPr lang="ja-JP" altLang="en-US" sz="1100" b="1" dirty="0"/>
+              <a:t>番目のコース</a:t>
+            </a:r>
+            <a:endParaRPr lang="en-US" altLang="ja-JP" sz="1100" b="1" dirty="0"/>
+          </a:p>
+          <a:p>
+            <a:pPr algn="l" defTabSz="914251"/>
+            <a:r>
+              <a:rPr lang="ja-JP" altLang="en-US" sz="1100" b="1" dirty="0"/>
+              <a:t>情報を示したものである</a:t>
+            </a:r>
+          </a:p>
+        </p:txBody>
+      </p:sp>
+      <p:sp>
+        <p:nvSpPr>
+          <p:cNvPr id="3" name="テキスト ボックス 2">
+            <a:extLst>
+              <a:ext uri="{FF2B5EF4-FFF2-40B4-BE49-F238E27FC236}">
+                <a16:creationId xmlns:a16="http://schemas.microsoft.com/office/drawing/2014/main" id="{F3510B9D-E6E3-4FC9-AEBA-06E4F9280F4A}"/>
+              </a:ext>
+            </a:extLst>
+          </p:cNvPr>
+          <p:cNvSpPr txBox="1"/>
+          <p:nvPr/>
+        </p:nvSpPr>
+        <p:spPr>
+          <a:xfrm>
+            <a:off x="7443754" y="4848225"/>
+            <a:ext cx="65" cy="276999"/>
+          </a:xfrm>
+          <a:prstGeom prst="rect">
+            <a:avLst/>
+          </a:prstGeom>
+          <a:noFill/>
+        </p:spPr>
+        <p:txBody>
+          <a:bodyPr wrap="none" lIns="0" tIns="0" rIns="0" bIns="0" rtlCol="0">
+            <a:spAutoFit/>
+          </a:bodyPr>
+          <a:lstStyle/>
+          <a:p>
+            <a:endParaRPr kumimoji="1" lang="ja-JP" altLang="en-US" dirty="0"/>
+          </a:p>
+        </p:txBody>
+      </p:sp>
+      <p:cxnSp>
+        <p:nvCxnSpPr>
+          <p:cNvPr id="11" name="直線コネクタ 10">
+            <a:extLst>
+              <a:ext uri="{FF2B5EF4-FFF2-40B4-BE49-F238E27FC236}">
+                <a16:creationId xmlns:a16="http://schemas.microsoft.com/office/drawing/2014/main" id="{8BD6BDDE-530A-404B-AF4E-6E668A8AFB65}"/>
+              </a:ext>
+            </a:extLst>
+          </p:cNvPr>
+          <p:cNvCxnSpPr>
+            <a:stCxn id="45" idx="1"/>
+            <a:endCxn id="80" idx="0"/>
+          </p:cNvCxnSpPr>
+          <p:nvPr/>
+        </p:nvCxnSpPr>
+        <p:spPr>
+          <a:xfrm flipH="1">
+            <a:off x="1222214" y="4081013"/>
+            <a:ext cx="1068616" cy="965979"/>
+          </a:xfrm>
+          <a:prstGeom prst="line">
+            <a:avLst/>
+          </a:prstGeom>
+          <a:ln>
+            <a:solidFill>
+              <a:schemeClr val="tx1"/>
+            </a:solidFill>
+            <a:prstDash val="dash"/>
+          </a:ln>
+        </p:spPr>
+        <p:style>
+          <a:lnRef idx="1">
+            <a:schemeClr val="accent1"/>
+          </a:lnRef>
+          <a:fillRef idx="0">
+            <a:schemeClr val="accent1"/>
+          </a:fillRef>
+          <a:effectRef idx="0">
+            <a:schemeClr val="accent1"/>
+          </a:effectRef>
+          <a:fontRef idx="minor">
+            <a:schemeClr val="tx1"/>
+          </a:fontRef>
+        </p:style>
+      </p:cxnSp>
+      <p:cxnSp>
+        <p:nvCxnSpPr>
+          <p:cNvPr id="14" name="直線コネクタ 13">
+            <a:extLst>
+              <a:ext uri="{FF2B5EF4-FFF2-40B4-BE49-F238E27FC236}">
+                <a16:creationId xmlns:a16="http://schemas.microsoft.com/office/drawing/2014/main" id="{D5916903-2BB4-4265-B288-CD9B2E876214}"/>
+              </a:ext>
+            </a:extLst>
+          </p:cNvPr>
+          <p:cNvCxnSpPr>
+            <a:stCxn id="46" idx="1"/>
+            <a:endCxn id="80" idx="3"/>
+          </p:cNvCxnSpPr>
+          <p:nvPr/>
+        </p:nvCxnSpPr>
+        <p:spPr>
+          <a:xfrm flipH="1" flipV="1">
+            <a:off x="2158318" y="5653920"/>
+            <a:ext cx="479466" cy="153771"/>
+          </a:xfrm>
+          <a:prstGeom prst="line">
+            <a:avLst/>
+          </a:prstGeom>
+          <a:ln>
+            <a:prstDash val="dash"/>
+          </a:ln>
+        </p:spPr>
+        <p:style>
+          <a:lnRef idx="1">
+            <a:schemeClr val="dk1"/>
+          </a:lnRef>
+          <a:fillRef idx="0">
+            <a:schemeClr val="dk1"/>
+          </a:fillRef>
+          <a:effectRef idx="0">
+            <a:schemeClr val="dk1"/>
+          </a:effectRef>
+          <a:fontRef idx="minor">
+            <a:schemeClr val="tx1"/>
+          </a:fontRef>
+        </p:style>
+      </p:cxnSp>
     </p:spTree>
     <p:extLst>
       <p:ext uri="{BB962C8B-B14F-4D97-AF65-F5344CB8AC3E}">
@@ -15005,42 +15333,6 @@
           <a:chExt cx="0" cy="0"/>
         </a:xfrm>
       </p:grpSpPr>
-      <p:pic>
-        <p:nvPicPr>
-          <p:cNvPr id="5" name="図 4">
-            <a:extLst>
-              <a:ext uri="{FF2B5EF4-FFF2-40B4-BE49-F238E27FC236}">
-                <a16:creationId xmlns:a16="http://schemas.microsoft.com/office/drawing/2014/main" id="{3BF2528C-5522-4E8C-9960-8D8D67125483}"/>
-              </a:ext>
-            </a:extLst>
-          </p:cNvPr>
-          <p:cNvPicPr>
-            <a:picLocks noChangeAspect="1"/>
-          </p:cNvPicPr>
-          <p:nvPr/>
-        </p:nvPicPr>
-        <p:blipFill>
-          <a:blip r:embed="rId2">
-            <a:extLst>
-              <a:ext uri="{28A0092B-C50C-407E-A947-70E740481C1C}">
-                <a14:useLocalDpi xmlns:a14="http://schemas.microsoft.com/office/drawing/2010/main" val="0"/>
-              </a:ext>
-            </a:extLst>
-          </a:blip>
-          <a:stretch>
-            <a:fillRect/>
-          </a:stretch>
-        </p:blipFill>
-        <p:spPr>
-          <a:xfrm>
-            <a:off x="32339" y="2532102"/>
-            <a:ext cx="15119350" cy="7526508"/>
-          </a:xfrm>
-          <a:prstGeom prst="rect">
-            <a:avLst/>
-          </a:prstGeom>
-        </p:spPr>
-      </p:pic>
       <p:sp>
         <p:nvSpPr>
           <p:cNvPr id="12" name="四角形: 角を丸くする 2">
@@ -15063,9 +15355,7 @@
               <a:gd name="adj" fmla="val 5155"/>
             </a:avLst>
           </a:prstGeom>
-          <a:solidFill>
-            <a:schemeClr val="bg1"/>
-          </a:solidFill>
+          <a:noFill/>
           <a:ln w="28575" cap="flat" cmpd="sng" algn="ctr">
             <a:solidFill>
               <a:srgbClr val="FF0000"/>
@@ -15106,7 +15396,7 @@
           <p:nvPr/>
         </p:nvPicPr>
         <p:blipFill>
-          <a:blip r:embed="rId3">
+          <a:blip r:embed="rId2">
             <a:extLst>
               <a:ext uri="{28A0092B-C50C-407E-A947-70E740481C1C}">
                 <a14:useLocalDpi xmlns:a14="http://schemas.microsoft.com/office/drawing/2010/main" val="0"/>
@@ -15176,7 +15466,7 @@
         <p:spPr>
           <a:xfrm>
             <a:off x="554628" y="1220885"/>
-            <a:ext cx="13701791" cy="830983"/>
+            <a:ext cx="13701791" cy="1077204"/>
           </a:xfrm>
           <a:prstGeom prst="rect">
             <a:avLst/>
@@ -15210,6 +15500,10 @@
               <a:rPr kumimoji="1" lang="ja-JP" altLang="en-US" sz="1600" dirty="0"/>
               <a:t>大きく４つに分けられる。</a:t>
             </a:r>
+            <a:endParaRPr kumimoji="1" lang="en-US" altLang="ja-JP" sz="1600" dirty="0"/>
+          </a:p>
+          <a:p>
+            <a:pPr algn="l"/>
             <a:endParaRPr kumimoji="1" lang="en-US" altLang="ja-JP" sz="1600" dirty="0"/>
           </a:p>
         </p:txBody>
@@ -15238,11 +15532,11 @@
           <a:lstStyle/>
           <a:p>
             <a:r>
-              <a:rPr kumimoji="1" lang="en-US" altLang="ja-JP" dirty="0"/>
+              <a:rPr kumimoji="1" lang="en-US" altLang="ja-JP" sz="4300" dirty="0"/>
               <a:t>4. </a:t>
             </a:r>
             <a:r>
-              <a:rPr kumimoji="1" lang="ja-JP" altLang="en-US" dirty="0"/>
+              <a:rPr kumimoji="1" lang="ja-JP" altLang="en-US" sz="4300" dirty="0"/>
               <a:t>構造分析</a:t>
             </a:r>
           </a:p>
@@ -15513,49 +15807,159 @@
           </a:graphicData>
         </a:graphic>
       </p:graphicFrame>
-      <p:sp>
-        <p:nvSpPr>
-          <p:cNvPr id="10" name="テキスト ボックス 9">
+      <p:grpSp>
+        <p:nvGrpSpPr>
+          <p:cNvPr id="17" name="グループ化 16">
             <a:extLst>
               <a:ext uri="{FF2B5EF4-FFF2-40B4-BE49-F238E27FC236}">
-                <a16:creationId xmlns:a16="http://schemas.microsoft.com/office/drawing/2014/main" id="{825F097D-4588-4F8F-AA42-B0D77B0F9CE3}"/>
+                <a16:creationId xmlns:a16="http://schemas.microsoft.com/office/drawing/2014/main" id="{ABAD940B-6245-4378-AD10-7CABF074D1AB}"/>
               </a:ext>
             </a:extLst>
           </p:cNvPr>
-          <p:cNvSpPr txBox="1"/>
+          <p:cNvGrpSpPr/>
           <p:nvPr/>
-        </p:nvSpPr>
-        <p:spPr>
+        </p:nvGrpSpPr>
+        <p:grpSpPr>
           <a:xfrm>
-            <a:off x="32339" y="2384300"/>
-            <a:ext cx="1910712" cy="461651"/>
+            <a:off x="-1165" y="2897634"/>
+            <a:ext cx="14944160" cy="7344817"/>
+            <a:chOff x="-1165" y="2897634"/>
+            <a:chExt cx="14944160" cy="7344817"/>
           </a:xfrm>
-          <a:prstGeom prst="rect">
-            <a:avLst/>
-          </a:prstGeom>
-          <a:solidFill>
-            <a:srgbClr val="FFE7FF"/>
-          </a:solidFill>
-          <a:ln w="28575">
+        </p:grpSpPr>
+        <p:pic>
+          <p:nvPicPr>
+            <p:cNvPr id="16" name="図 15">
+              <a:extLst>
+                <a:ext uri="{FF2B5EF4-FFF2-40B4-BE49-F238E27FC236}">
+                  <a16:creationId xmlns:a16="http://schemas.microsoft.com/office/drawing/2014/main" id="{D014E26A-93BE-4F7A-861A-3DC38C5C170D}"/>
+                </a:ext>
+              </a:extLst>
+            </p:cNvPr>
+            <p:cNvPicPr>
+              <a:picLocks noChangeAspect="1"/>
+            </p:cNvPicPr>
+            <p:nvPr/>
+          </p:nvPicPr>
+          <p:blipFill rotWithShape="1">
+            <a:blip r:embed="rId3">
+              <a:extLst>
+                <a:ext uri="{28A0092B-C50C-407E-A947-70E740481C1C}">
+                  <a14:useLocalDpi xmlns:a14="http://schemas.microsoft.com/office/drawing/2010/main" val="0"/>
+                </a:ext>
+              </a:extLst>
+            </a:blip>
+            <a:srcRect l="2851" t="4562" r="950" b="4562"/>
+            <a:stretch/>
+          </p:blipFill>
+          <p:spPr>
+            <a:xfrm>
+              <a:off x="170561" y="3246552"/>
+              <a:ext cx="14723418" cy="6851882"/>
+            </a:xfrm>
+            <a:prstGeom prst="rect">
+              <a:avLst/>
+            </a:prstGeom>
+          </p:spPr>
+        </p:pic>
+        <p:sp>
+          <p:nvSpPr>
+            <p:cNvPr id="14" name="四角形: 角を丸くする 2">
+              <a:extLst>
+                <a:ext uri="{FF2B5EF4-FFF2-40B4-BE49-F238E27FC236}">
+                  <a16:creationId xmlns:a16="http://schemas.microsoft.com/office/drawing/2014/main" id="{67F8A74E-DB49-49E2-9408-B509D9D9FD84}"/>
+                </a:ext>
+              </a:extLst>
+            </p:cNvPr>
+            <p:cNvSpPr/>
+            <p:nvPr/>
+          </p:nvSpPr>
+          <p:spPr bwMode="auto">
+            <a:xfrm>
+              <a:off x="109347" y="3117498"/>
+              <a:ext cx="14833648" cy="7124953"/>
+            </a:xfrm>
+            <a:prstGeom prst="roundRect">
+              <a:avLst>
+                <a:gd name="adj" fmla="val 5155"/>
+              </a:avLst>
+            </a:prstGeom>
+            <a:noFill/>
+            <a:ln w="28575" cap="flat" cmpd="sng" algn="ctr">
+              <a:solidFill>
+                <a:srgbClr val="FF0000"/>
+              </a:solidFill>
+              <a:prstDash val="solid"/>
+              <a:round/>
+              <a:headEnd type="none" w="med" len="med"/>
+              <a:tailEnd type="none" w="med" len="med"/>
+            </a:ln>
+            <a:effectLst/>
+            <a:extLst/>
+          </p:spPr>
+          <p:txBody>
+            <a:bodyPr vert="horz" wrap="none" lIns="91426" tIns="45713" rIns="91426" bIns="45713" numCol="1" rtlCol="0" anchor="ctr" anchorCtr="0" compatLnSpc="1">
+              <a:prstTxWarp prst="textNoShape">
+                <a:avLst/>
+              </a:prstTxWarp>
+            </a:bodyPr>
+            <a:lstStyle/>
+            <a:p>
+              <a:pPr defTabSz="914251"/>
+              <a:endParaRPr lang="ja-JP" altLang="en-US">
+                <a:ln>
+                  <a:solidFill>
+                    <a:srgbClr val="FF5353"/>
+                  </a:solidFill>
+                </a:ln>
+              </a:endParaRPr>
+            </a:p>
+          </p:txBody>
+        </p:sp>
+        <p:sp>
+          <p:nvSpPr>
+            <p:cNvPr id="10" name="テキスト ボックス 9">
+              <a:extLst>
+                <a:ext uri="{FF2B5EF4-FFF2-40B4-BE49-F238E27FC236}">
+                  <a16:creationId xmlns:a16="http://schemas.microsoft.com/office/drawing/2014/main" id="{825F097D-4588-4F8F-AA42-B0D77B0F9CE3}"/>
+                </a:ext>
+              </a:extLst>
+            </p:cNvPr>
+            <p:cNvSpPr txBox="1"/>
+            <p:nvPr/>
+          </p:nvSpPr>
+          <p:spPr>
+            <a:xfrm>
+              <a:off x="-1165" y="2897634"/>
+              <a:ext cx="1910712" cy="461651"/>
+            </a:xfrm>
+            <a:prstGeom prst="rect">
+              <a:avLst/>
+            </a:prstGeom>
             <a:solidFill>
-              <a:srgbClr val="FF0000"/>
+              <a:srgbClr val="FFE7FF"/>
             </a:solidFill>
-          </a:ln>
-        </p:spPr>
-        <p:txBody>
-          <a:bodyPr wrap="square" lIns="91426" tIns="45713" rIns="91426" bIns="45713" rtlCol="0">
-            <a:spAutoFit/>
-          </a:bodyPr>
-          <a:lstStyle/>
-          <a:p>
-            <a:pPr algn="l"/>
-            <a:r>
-              <a:rPr kumimoji="1" lang="ja-JP" altLang="en-US" sz="2400" b="1" dirty="0"/>
-              <a:t>クラス構造</a:t>
-            </a:r>
-          </a:p>
-        </p:txBody>
-      </p:sp>
+            <a:ln w="28575">
+              <a:solidFill>
+                <a:srgbClr val="FF0000"/>
+              </a:solidFill>
+            </a:ln>
+          </p:spPr>
+          <p:txBody>
+            <a:bodyPr wrap="square" lIns="91426" tIns="45713" rIns="91426" bIns="45713" rtlCol="0">
+              <a:spAutoFit/>
+            </a:bodyPr>
+            <a:lstStyle/>
+            <a:p>
+              <a:pPr algn="l"/>
+              <a:r>
+                <a:rPr kumimoji="1" lang="ja-JP" altLang="en-US" sz="2400" b="1" dirty="0"/>
+                <a:t>クラス構造</a:t>
+              </a:r>
+            </a:p>
+          </p:txBody>
+        </p:sp>
+      </p:grpSp>
       <p:sp>
         <p:nvSpPr>
           <p:cNvPr id="11" name="テキスト ボックス 10">
@@ -15631,10 +16035,10 @@
       </p:grpSpPr>
       <p:grpSp>
         <p:nvGrpSpPr>
-          <p:cNvPr id="34" name="グループ化 33">
+          <p:cNvPr id="35" name="グループ化 34">
             <a:extLst>
               <a:ext uri="{FF2B5EF4-FFF2-40B4-BE49-F238E27FC236}">
-                <a16:creationId xmlns:a16="http://schemas.microsoft.com/office/drawing/2014/main" id="{0E993592-FD93-4239-85B8-DFF799C085C8}"/>
+                <a16:creationId xmlns:a16="http://schemas.microsoft.com/office/drawing/2014/main" id="{7B458B15-DB0F-4C7C-B5AE-49F4381C2E33}"/>
               </a:ext>
             </a:extLst>
           </p:cNvPr>
@@ -15643,18 +16047,18 @@
         </p:nvGrpSpPr>
         <p:grpSpPr>
           <a:xfrm>
-            <a:off x="5543451" y="89860"/>
-            <a:ext cx="4010503" cy="3529522"/>
-            <a:chOff x="198194" y="6712928"/>
-            <a:chExt cx="4010503" cy="3529522"/>
+            <a:off x="10895197" y="88192"/>
+            <a:ext cx="3991622" cy="3529522"/>
+            <a:chOff x="10459042" y="88192"/>
+            <a:chExt cx="3991622" cy="3529522"/>
           </a:xfrm>
         </p:grpSpPr>
         <p:pic>
           <p:nvPicPr>
-            <p:cNvPr id="33" name="図 32">
+            <p:cNvPr id="16" name="図 15">
               <a:extLst>
                 <a:ext uri="{FF2B5EF4-FFF2-40B4-BE49-F238E27FC236}">
-                  <a16:creationId xmlns:a16="http://schemas.microsoft.com/office/drawing/2014/main" id="{7F4EE762-C82B-4CD9-9D16-4ED8F9CB7C2D}"/>
+                  <a16:creationId xmlns:a16="http://schemas.microsoft.com/office/drawing/2014/main" id="{DDFF7D04-638E-46BD-A024-640C8F448AA3}"/>
                 </a:ext>
               </a:extLst>
             </p:cNvPr>
@@ -15671,13 +16075,13 @@
                 </a:ext>
               </a:extLst>
             </a:blip>
-            <a:srcRect l="5971" t="9763" r="3160" b="11977"/>
+            <a:srcRect l="7142" t="10020" r="3823" b="9001"/>
             <a:stretch/>
           </p:blipFill>
           <p:spPr>
             <a:xfrm>
-              <a:off x="198194" y="7255017"/>
-              <a:ext cx="4010503" cy="2889975"/>
+              <a:off x="10494827" y="512714"/>
+              <a:ext cx="3955837" cy="3010258"/>
             </a:xfrm>
             <a:prstGeom prst="rect">
               <a:avLst/>
@@ -15692,10 +16096,10 @@
           </p:nvGrpSpPr>
           <p:grpSpPr>
             <a:xfrm>
-              <a:off x="289250" y="6712928"/>
-              <a:ext cx="3901532" cy="3529522"/>
-              <a:chOff x="508283" y="6234869"/>
-              <a:chExt cx="3901532" cy="3756672"/>
+              <a:off x="10459042" y="88192"/>
+              <a:ext cx="3991621" cy="3529522"/>
+              <a:chOff x="508282" y="6234869"/>
+              <a:chExt cx="3991621" cy="3756672"/>
             </a:xfrm>
           </p:grpSpPr>
           <p:sp>
@@ -15712,8 +16116,8 @@
             </p:nvSpPr>
             <p:spPr bwMode="auto">
               <a:xfrm>
-                <a:off x="508283" y="6452351"/>
-                <a:ext cx="3901532" cy="3539190"/>
+                <a:off x="508282" y="6452351"/>
+                <a:ext cx="3991621" cy="3539190"/>
               </a:xfrm>
               <a:prstGeom prst="roundRect">
                 <a:avLst>
@@ -15766,7 +16170,7 @@
             </p:nvSpPr>
             <p:spPr>
               <a:xfrm>
-                <a:off x="592160" y="6234869"/>
+                <a:off x="633725" y="6234869"/>
                 <a:ext cx="3012127" cy="369318"/>
               </a:xfrm>
               <a:prstGeom prst="rect">
@@ -15799,76 +16203,6 @@
       </p:grpSp>
       <p:pic>
         <p:nvPicPr>
-          <p:cNvPr id="44" name="図 43">
-            <a:extLst>
-              <a:ext uri="{FF2B5EF4-FFF2-40B4-BE49-F238E27FC236}">
-                <a16:creationId xmlns:a16="http://schemas.microsoft.com/office/drawing/2014/main" id="{80845A24-C330-4C32-A274-30CFDCE8BB36}"/>
-              </a:ext>
-            </a:extLst>
-          </p:cNvPr>
-          <p:cNvPicPr>
-            <a:picLocks noChangeAspect="1"/>
-          </p:cNvPicPr>
-          <p:nvPr/>
-        </p:nvPicPr>
-        <p:blipFill rotWithShape="1">
-          <a:blip r:embed="rId3">
-            <a:extLst>
-              <a:ext uri="{28A0092B-C50C-407E-A947-70E740481C1C}">
-                <a14:useLocalDpi xmlns:a14="http://schemas.microsoft.com/office/drawing/2010/main" val="0"/>
-              </a:ext>
-            </a:extLst>
-          </a:blip>
-          <a:srcRect l="3686" t="5792" r="2750" b="4638"/>
-          <a:stretch/>
-        </p:blipFill>
-        <p:spPr>
-          <a:xfrm>
-            <a:off x="99675" y="5627177"/>
-            <a:ext cx="4287278" cy="3535154"/>
-          </a:xfrm>
-          <a:prstGeom prst="rect">
-            <a:avLst/>
-          </a:prstGeom>
-        </p:spPr>
-      </p:pic>
-      <p:pic>
-        <p:nvPicPr>
-          <p:cNvPr id="15" name="図 14">
-            <a:extLst>
-              <a:ext uri="{FF2B5EF4-FFF2-40B4-BE49-F238E27FC236}">
-                <a16:creationId xmlns:a16="http://schemas.microsoft.com/office/drawing/2014/main" id="{5553EC32-F943-4809-AAD1-421FA5288599}"/>
-              </a:ext>
-            </a:extLst>
-          </p:cNvPr>
-          <p:cNvPicPr>
-            <a:picLocks noChangeAspect="1"/>
-          </p:cNvPicPr>
-          <p:nvPr/>
-        </p:nvPicPr>
-        <p:blipFill rotWithShape="1">
-          <a:blip r:embed="rId4">
-            <a:extLst>
-              <a:ext uri="{28A0092B-C50C-407E-A947-70E740481C1C}">
-                <a14:useLocalDpi xmlns:a14="http://schemas.microsoft.com/office/drawing/2010/main" val="0"/>
-              </a:ext>
-            </a:extLst>
-          </a:blip>
-          <a:srcRect l="3242" t="9802" r="3609" b="5833"/>
-          <a:stretch/>
-        </p:blipFill>
-        <p:spPr>
-          <a:xfrm>
-            <a:off x="801281" y="2328323"/>
-            <a:ext cx="2911732" cy="2555693"/>
-          </a:xfrm>
-          <a:prstGeom prst="rect">
-            <a:avLst/>
-          </a:prstGeom>
-        </p:spPr>
-      </p:pic>
-      <p:pic>
-        <p:nvPicPr>
           <p:cNvPr id="12" name="Picture 2"/>
           <p:cNvPicPr>
             <a:picLocks noChangeAspect="1" noChangeArrowheads="1"/>
@@ -15876,7 +16210,7 @@
           <p:nvPr/>
         </p:nvPicPr>
         <p:blipFill>
-          <a:blip r:embed="rId5">
+          <a:blip r:embed="rId3">
             <a:extLst>
               <a:ext uri="{28A0092B-C50C-407E-A947-70E740481C1C}">
                 <a14:useLocalDpi xmlns:a14="http://schemas.microsoft.com/office/drawing/2010/main" val="0"/>
@@ -15945,8 +16279,8 @@
         </p:nvSpPr>
         <p:spPr>
           <a:xfrm>
-            <a:off x="554628" y="1220885"/>
-            <a:ext cx="13701791" cy="584761"/>
+            <a:off x="554629" y="1220885"/>
+            <a:ext cx="3901808" cy="2062089"/>
           </a:xfrm>
           <a:prstGeom prst="rect">
             <a:avLst/>
@@ -15970,7 +16304,7 @@
             </a:r>
             <a:r>
               <a:rPr kumimoji="1" lang="ja-JP" altLang="en-US" sz="1600" dirty="0"/>
-              <a:t>構造設計」で示したそれぞれのクラスのシーケンス</a:t>
+              <a:t>構造設計」で示したそれぞれのクラスの</a:t>
             </a:r>
             <a:endParaRPr kumimoji="1" lang="en-US" altLang="ja-JP" sz="1600" dirty="0"/>
           </a:p>
@@ -15978,7 +16312,39 @@
             <a:pPr algn="l"/>
             <a:r>
               <a:rPr kumimoji="1" lang="ja-JP" altLang="en-US" sz="1600" dirty="0"/>
-              <a:t>図を以下に示す。</a:t>
+              <a:t>シーケンス図を以下に示す。</a:t>
+            </a:r>
+            <a:endParaRPr kumimoji="1" lang="en-US" altLang="ja-JP" sz="1600" dirty="0"/>
+          </a:p>
+          <a:p>
+            <a:pPr algn="l"/>
+            <a:r>
+              <a:rPr kumimoji="1" lang="ja-JP" altLang="en-US" sz="1600" dirty="0"/>
+              <a:t>ここではコースを完走するために必要な</a:t>
+            </a:r>
+            <a:r>
+              <a:rPr kumimoji="1" lang="ja-JP" altLang="en-US" sz="1600" b="1" dirty="0"/>
+              <a:t>ライントレース</a:t>
+            </a:r>
+            <a:r>
+              <a:rPr kumimoji="1" lang="ja-JP" altLang="en-US" sz="1600" dirty="0"/>
+              <a:t>と、私たちのアピールポイントの</a:t>
+            </a:r>
+            <a:r>
+              <a:rPr kumimoji="1" lang="ja-JP" altLang="en-US" sz="1600" b="1" dirty="0"/>
+              <a:t>コース復帰制御</a:t>
+            </a:r>
+            <a:r>
+              <a:rPr kumimoji="1" lang="ja-JP" altLang="en-US" sz="1600" dirty="0"/>
+              <a:t>のシーケンス図の記載だけに限らせていただいた。自動キャリブレーション、</a:t>
+            </a:r>
+            <a:r>
+              <a:rPr kumimoji="1" lang="en-US" altLang="ja-JP" sz="1600" dirty="0"/>
+              <a:t>Bluetooth</a:t>
+            </a:r>
+            <a:r>
+              <a:rPr kumimoji="1" lang="ja-JP" altLang="en-US" sz="1600" dirty="0"/>
+              <a:t>スタートについては省略した。</a:t>
             </a:r>
             <a:endParaRPr kumimoji="1" lang="en-US" altLang="ja-JP" sz="1600" dirty="0"/>
           </a:p>
@@ -16000,7 +16366,12 @@
             <p:ph type="title"/>
           </p:nvPr>
         </p:nvSpPr>
-        <p:spPr/>
+        <p:spPr>
+          <a:xfrm>
+            <a:off x="-1" y="1"/>
+            <a:ext cx="5760000" cy="1025426"/>
+          </a:xfrm>
+        </p:spPr>
         <p:txBody>
           <a:bodyPr>
             <a:normAutofit/>
@@ -16008,11 +16379,11 @@
           <a:lstStyle/>
           <a:p>
             <a:r>
-              <a:rPr kumimoji="1" lang="en-US" altLang="ja-JP" dirty="0"/>
+              <a:rPr kumimoji="1" lang="en-US" altLang="ja-JP" sz="4300" dirty="0"/>
               <a:t>5. </a:t>
             </a:r>
             <a:r>
-              <a:rPr kumimoji="1" lang="ja-JP" altLang="en-US" dirty="0"/>
+              <a:rPr kumimoji="1" lang="ja-JP" altLang="en-US" sz="4300" dirty="0"/>
               <a:t>振る舞い設計</a:t>
             </a:r>
           </a:p>
@@ -16020,136 +16391,30 @@
       </p:sp>
       <p:grpSp>
         <p:nvGrpSpPr>
-          <p:cNvPr id="4" name="グループ化 3"/>
+          <p:cNvPr id="5" name="グループ化 4">
+            <a:extLst>
+              <a:ext uri="{FF2B5EF4-FFF2-40B4-BE49-F238E27FC236}">
+                <a16:creationId xmlns:a16="http://schemas.microsoft.com/office/drawing/2014/main" id="{B4749746-FD99-4099-9F49-E642A26BC6ED}"/>
+              </a:ext>
+            </a:extLst>
+          </p:cNvPr>
           <p:cNvGrpSpPr/>
           <p:nvPr/>
         </p:nvGrpSpPr>
         <p:grpSpPr>
           <a:xfrm>
-            <a:off x="718915" y="1859680"/>
-            <a:ext cx="3088110" cy="3024336"/>
-            <a:chOff x="79077" y="1860891"/>
-            <a:chExt cx="4816302" cy="5110761"/>
-          </a:xfrm>
-        </p:grpSpPr>
-        <p:sp>
-          <p:nvSpPr>
-            <p:cNvPr id="21" name="四角形: 角を丸くする 2">
-              <a:extLst>
-                <a:ext uri="{FF2B5EF4-FFF2-40B4-BE49-F238E27FC236}">
-                  <a16:creationId xmlns:a16="http://schemas.microsoft.com/office/drawing/2014/main" id="{2B99B1EA-17D2-4495-A343-2A1713BC8495}"/>
-                </a:ext>
-              </a:extLst>
-            </p:cNvPr>
-            <p:cNvSpPr/>
-            <p:nvPr/>
-          </p:nvSpPr>
-          <p:spPr bwMode="auto">
-            <a:xfrm>
-              <a:off x="79077" y="2159738"/>
-              <a:ext cx="4816302" cy="4811914"/>
-            </a:xfrm>
-            <a:prstGeom prst="roundRect">
-              <a:avLst>
-                <a:gd name="adj" fmla="val 5155"/>
-              </a:avLst>
-            </a:prstGeom>
-            <a:noFill/>
-            <a:ln w="28575" cap="flat" cmpd="sng" algn="ctr">
-              <a:solidFill>
-                <a:srgbClr val="FF0000"/>
-              </a:solidFill>
-              <a:prstDash val="solid"/>
-              <a:round/>
-              <a:headEnd type="none" w="med" len="med"/>
-              <a:tailEnd type="none" w="med" len="med"/>
-            </a:ln>
-            <a:effectLst/>
-            <a:extLst/>
-          </p:spPr>
-          <p:txBody>
-            <a:bodyPr vert="horz" wrap="none" lIns="91426" tIns="45713" rIns="91426" bIns="45713" numCol="1" rtlCol="0" anchor="ctr" anchorCtr="0" compatLnSpc="1">
-              <a:prstTxWarp prst="textNoShape">
-                <a:avLst/>
-              </a:prstTxWarp>
-            </a:bodyPr>
-            <a:lstStyle/>
-            <a:p>
-              <a:pPr defTabSz="914251"/>
-              <a:endParaRPr lang="ja-JP" altLang="en-US">
-                <a:ln>
-                  <a:solidFill>
-                    <a:srgbClr val="FF5353"/>
-                  </a:solidFill>
-                </a:ln>
-              </a:endParaRPr>
-            </a:p>
-          </p:txBody>
-        </p:sp>
-        <p:sp>
-          <p:nvSpPr>
-            <p:cNvPr id="22" name="テキスト ボックス 21">
-              <a:extLst>
-                <a:ext uri="{FF2B5EF4-FFF2-40B4-BE49-F238E27FC236}">
-                  <a16:creationId xmlns:a16="http://schemas.microsoft.com/office/drawing/2014/main" id="{825F097D-4588-4F8F-AA42-B0D77B0F9CE3}"/>
-                </a:ext>
-              </a:extLst>
-            </p:cNvPr>
-            <p:cNvSpPr txBox="1"/>
-            <p:nvPr/>
-          </p:nvSpPr>
-          <p:spPr>
-            <a:xfrm>
-              <a:off x="373125" y="1860891"/>
-              <a:ext cx="4336602" cy="624103"/>
-            </a:xfrm>
-            <a:prstGeom prst="rect">
-              <a:avLst/>
-            </a:prstGeom>
-            <a:solidFill>
-              <a:srgbClr val="FFE7FF"/>
-            </a:solidFill>
-            <a:ln w="28575">
-              <a:solidFill>
-                <a:srgbClr val="FF0000"/>
-              </a:solidFill>
-            </a:ln>
-          </p:spPr>
-          <p:txBody>
-            <a:bodyPr wrap="square" lIns="91426" tIns="45713" rIns="91426" bIns="45713" rtlCol="0">
-              <a:spAutoFit/>
-            </a:bodyPr>
-            <a:lstStyle/>
-            <a:p>
-              <a:pPr algn="l"/>
-              <a:r>
-                <a:rPr kumimoji="1" lang="ja-JP" altLang="en-US" b="1" dirty="0"/>
-                <a:t>各制御モードの処理フロー</a:t>
-              </a:r>
-            </a:p>
-          </p:txBody>
-        </p:sp>
-      </p:grpSp>
-      <p:grpSp>
-        <p:nvGrpSpPr>
-          <p:cNvPr id="6" name="グループ化 5"/>
-          <p:cNvGrpSpPr/>
-          <p:nvPr/>
-        </p:nvGrpSpPr>
-        <p:grpSpPr>
-          <a:xfrm>
-            <a:off x="9575899" y="17314"/>
-            <a:ext cx="5400600" cy="10443156"/>
-            <a:chOff x="15768587" y="2021955"/>
-            <a:chExt cx="5400600" cy="10443156"/>
+            <a:off x="356059" y="3287516"/>
+            <a:ext cx="3088110" cy="3066502"/>
+            <a:chOff x="718915" y="1817514"/>
+            <a:chExt cx="3088110" cy="3066502"/>
           </a:xfrm>
         </p:grpSpPr>
         <p:pic>
           <p:nvPicPr>
-            <p:cNvPr id="7" name="図 6">
+            <p:cNvPr id="15" name="図 14">
               <a:extLst>
                 <a:ext uri="{FF2B5EF4-FFF2-40B4-BE49-F238E27FC236}">
-                  <a16:creationId xmlns:a16="http://schemas.microsoft.com/office/drawing/2014/main" id="{F9E3F102-178A-4842-A6EE-2F08A5BF4F31}"/>
+                  <a16:creationId xmlns:a16="http://schemas.microsoft.com/office/drawing/2014/main" id="{5553EC32-F943-4809-AAD1-421FA5288599}"/>
                 </a:ext>
               </a:extLst>
             </p:cNvPr>
@@ -16159,130 +16424,145 @@
             <p:nvPr/>
           </p:nvPicPr>
           <p:blipFill rotWithShape="1">
-            <a:blip r:embed="rId6">
+            <a:blip r:embed="rId4">
               <a:extLst>
                 <a:ext uri="{28A0092B-C50C-407E-A947-70E740481C1C}">
                   <a14:useLocalDpi xmlns:a14="http://schemas.microsoft.com/office/drawing/2010/main" val="0"/>
                 </a:ext>
               </a:extLst>
             </a:blip>
-            <a:srcRect l="3087" t="2183" r="1225" b="1509"/>
+            <a:srcRect l="3242" t="9802" r="3609" b="5833"/>
             <a:stretch/>
           </p:blipFill>
           <p:spPr>
             <a:xfrm>
-              <a:off x="16062638" y="2516881"/>
-              <a:ext cx="4565663" cy="9948230"/>
+              <a:off x="801281" y="2328323"/>
+              <a:ext cx="2911732" cy="2555693"/>
             </a:xfrm>
             <a:prstGeom prst="rect">
               <a:avLst/>
             </a:prstGeom>
           </p:spPr>
         </p:pic>
-        <p:sp>
-          <p:nvSpPr>
-            <p:cNvPr id="27" name="四角形: 角を丸くする 2">
-              <a:extLst>
-                <a:ext uri="{FF2B5EF4-FFF2-40B4-BE49-F238E27FC236}">
-                  <a16:creationId xmlns:a16="http://schemas.microsoft.com/office/drawing/2014/main" id="{2B99B1EA-17D2-4495-A343-2A1713BC8495}"/>
-                </a:ext>
-              </a:extLst>
-            </p:cNvPr>
-            <p:cNvSpPr/>
+        <p:grpSp>
+          <p:nvGrpSpPr>
+            <p:cNvPr id="4" name="グループ化 3"/>
+            <p:cNvGrpSpPr/>
             <p:nvPr/>
-          </p:nvSpPr>
-          <p:spPr bwMode="auto">
+          </p:nvGrpSpPr>
+          <p:grpSpPr>
             <a:xfrm>
-              <a:off x="15768587" y="2239436"/>
-              <a:ext cx="5400600" cy="10225675"/>
+              <a:off x="718915" y="1817514"/>
+              <a:ext cx="3088110" cy="3024336"/>
+              <a:chOff x="79077" y="1860891"/>
+              <a:chExt cx="4816302" cy="5110761"/>
             </a:xfrm>
-            <a:prstGeom prst="roundRect">
-              <a:avLst>
-                <a:gd name="adj" fmla="val 5155"/>
-              </a:avLst>
-            </a:prstGeom>
-            <a:noFill/>
-            <a:ln w="28575" cap="flat" cmpd="sng" algn="ctr">
+          </p:grpSpPr>
+          <p:sp>
+            <p:nvSpPr>
+              <p:cNvPr id="21" name="四角形: 角を丸くする 2">
+                <a:extLst>
+                  <a:ext uri="{FF2B5EF4-FFF2-40B4-BE49-F238E27FC236}">
+                    <a16:creationId xmlns:a16="http://schemas.microsoft.com/office/drawing/2014/main" id="{2B99B1EA-17D2-4495-A343-2A1713BC8495}"/>
+                  </a:ext>
+                </a:extLst>
+              </p:cNvPr>
+              <p:cNvSpPr/>
+              <p:nvPr/>
+            </p:nvSpPr>
+            <p:spPr bwMode="auto">
+              <a:xfrm>
+                <a:off x="79077" y="2159738"/>
+                <a:ext cx="4816302" cy="4811914"/>
+              </a:xfrm>
+              <a:prstGeom prst="roundRect">
+                <a:avLst>
+                  <a:gd name="adj" fmla="val 5155"/>
+                </a:avLst>
+              </a:prstGeom>
+              <a:noFill/>
+              <a:ln w="28575" cap="flat" cmpd="sng" algn="ctr">
+                <a:solidFill>
+                  <a:srgbClr val="FF0000"/>
+                </a:solidFill>
+                <a:prstDash val="solid"/>
+                <a:round/>
+                <a:headEnd type="none" w="med" len="med"/>
+                <a:tailEnd type="none" w="med" len="med"/>
+              </a:ln>
+              <a:effectLst/>
+              <a:extLst/>
+            </p:spPr>
+            <p:txBody>
+              <a:bodyPr vert="horz" wrap="none" lIns="91426" tIns="45713" rIns="91426" bIns="45713" numCol="1" rtlCol="0" anchor="ctr" anchorCtr="0" compatLnSpc="1">
+                <a:prstTxWarp prst="textNoShape">
+                  <a:avLst/>
+                </a:prstTxWarp>
+              </a:bodyPr>
+              <a:lstStyle/>
+              <a:p>
+                <a:pPr defTabSz="914251"/>
+                <a:endParaRPr lang="ja-JP" altLang="en-US">
+                  <a:ln>
+                    <a:solidFill>
+                      <a:srgbClr val="FF5353"/>
+                    </a:solidFill>
+                  </a:ln>
+                </a:endParaRPr>
+              </a:p>
+            </p:txBody>
+          </p:sp>
+          <p:sp>
+            <p:nvSpPr>
+              <p:cNvPr id="22" name="テキスト ボックス 21">
+                <a:extLst>
+                  <a:ext uri="{FF2B5EF4-FFF2-40B4-BE49-F238E27FC236}">
+                    <a16:creationId xmlns:a16="http://schemas.microsoft.com/office/drawing/2014/main" id="{825F097D-4588-4F8F-AA42-B0D77B0F9CE3}"/>
+                  </a:ext>
+                </a:extLst>
+              </p:cNvPr>
+              <p:cNvSpPr txBox="1"/>
+              <p:nvPr/>
+            </p:nvSpPr>
+            <p:spPr>
+              <a:xfrm>
+                <a:off x="373125" y="1860891"/>
+                <a:ext cx="4336602" cy="624103"/>
+              </a:xfrm>
+              <a:prstGeom prst="rect">
+                <a:avLst/>
+              </a:prstGeom>
               <a:solidFill>
-                <a:srgbClr val="FF0000"/>
+                <a:srgbClr val="FFE7FF"/>
               </a:solidFill>
-              <a:prstDash val="solid"/>
-              <a:round/>
-              <a:headEnd type="none" w="med" len="med"/>
-              <a:tailEnd type="none" w="med" len="med"/>
-            </a:ln>
-            <a:effectLst/>
-            <a:extLst/>
-          </p:spPr>
-          <p:txBody>
-            <a:bodyPr vert="horz" wrap="none" lIns="91426" tIns="45713" rIns="91426" bIns="45713" numCol="1" rtlCol="0" anchor="ctr" anchorCtr="0" compatLnSpc="1">
-              <a:prstTxWarp prst="textNoShape">
-                <a:avLst/>
-              </a:prstTxWarp>
-            </a:bodyPr>
-            <a:lstStyle/>
-            <a:p>
-              <a:pPr defTabSz="914251"/>
-              <a:endParaRPr lang="ja-JP" altLang="en-US">
-                <a:ln>
-                  <a:solidFill>
-                    <a:srgbClr val="FF5353"/>
-                  </a:solidFill>
-                </a:ln>
-              </a:endParaRPr>
-            </a:p>
-          </p:txBody>
-        </p:sp>
-        <p:sp>
-          <p:nvSpPr>
-            <p:cNvPr id="28" name="テキスト ボックス 27">
-              <a:extLst>
-                <a:ext uri="{FF2B5EF4-FFF2-40B4-BE49-F238E27FC236}">
-                  <a16:creationId xmlns:a16="http://schemas.microsoft.com/office/drawing/2014/main" id="{825F097D-4588-4F8F-AA42-B0D77B0F9CE3}"/>
-                </a:ext>
-              </a:extLst>
-            </p:cNvPr>
-            <p:cNvSpPr txBox="1"/>
-            <p:nvPr/>
-          </p:nvSpPr>
-          <p:spPr>
-            <a:xfrm>
-              <a:off x="16062638" y="2021955"/>
-              <a:ext cx="3146781" cy="369318"/>
-            </a:xfrm>
-            <a:prstGeom prst="rect">
-              <a:avLst/>
-            </a:prstGeom>
-            <a:solidFill>
-              <a:srgbClr val="FFE7FF"/>
-            </a:solidFill>
-            <a:ln w="28575">
-              <a:solidFill>
-                <a:srgbClr val="FF0000"/>
-              </a:solidFill>
-            </a:ln>
-          </p:spPr>
-          <p:txBody>
-            <a:bodyPr wrap="square" lIns="91426" tIns="45713" rIns="91426" bIns="45713" rtlCol="0">
-              <a:spAutoFit/>
-            </a:bodyPr>
-            <a:lstStyle/>
-            <a:p>
-              <a:pPr algn="l"/>
-              <a:r>
-                <a:rPr kumimoji="1" lang="ja-JP" altLang="en-US" b="1" dirty="0"/>
-                <a:t>コース復帰動作の処理フロー</a:t>
-              </a:r>
-            </a:p>
-          </p:txBody>
-        </p:sp>
+              <a:ln w="28575">
+                <a:solidFill>
+                  <a:srgbClr val="FF0000"/>
+                </a:solidFill>
+              </a:ln>
+            </p:spPr>
+            <p:txBody>
+              <a:bodyPr wrap="square" lIns="91426" tIns="45713" rIns="91426" bIns="45713" rtlCol="0">
+                <a:spAutoFit/>
+              </a:bodyPr>
+              <a:lstStyle/>
+              <a:p>
+                <a:pPr algn="l"/>
+                <a:r>
+                  <a:rPr kumimoji="1" lang="ja-JP" altLang="en-US" b="1" dirty="0"/>
+                  <a:t>各制御モードの処理フロー</a:t>
+                </a:r>
+              </a:p>
+            </p:txBody>
+          </p:sp>
+        </p:grpSp>
       </p:grpSp>
       <p:grpSp>
         <p:nvGrpSpPr>
-          <p:cNvPr id="31" name="グループ化 30">
+          <p:cNvPr id="32" name="グループ化 31">
             <a:extLst>
               <a:ext uri="{FF2B5EF4-FFF2-40B4-BE49-F238E27FC236}">
-                <a16:creationId xmlns:a16="http://schemas.microsoft.com/office/drawing/2014/main" id="{B91D6DC1-35E8-46D9-90D0-7F234F1C146B}"/>
+                <a16:creationId xmlns:a16="http://schemas.microsoft.com/office/drawing/2014/main" id="{FCB04DD8-2413-49D1-AB6E-9A199C869A36}"/>
               </a:ext>
             </a:extLst>
           </p:cNvPr>
@@ -16291,18 +16571,18 @@
         </p:nvGrpSpPr>
         <p:grpSpPr>
           <a:xfrm>
-            <a:off x="4535339" y="3660938"/>
-            <a:ext cx="4968213" cy="6929158"/>
-            <a:chOff x="4489487" y="1951565"/>
-            <a:chExt cx="4942396" cy="7319373"/>
+            <a:off x="10516110" y="3673332"/>
+            <a:ext cx="4532397" cy="6713137"/>
+            <a:chOff x="10079955" y="3673332"/>
+            <a:chExt cx="4532397" cy="6713137"/>
           </a:xfrm>
         </p:grpSpPr>
         <p:pic>
           <p:nvPicPr>
-            <p:cNvPr id="20" name="図 19">
+            <p:cNvPr id="30" name="図 29">
               <a:extLst>
                 <a:ext uri="{FF2B5EF4-FFF2-40B4-BE49-F238E27FC236}">
-                  <a16:creationId xmlns:a16="http://schemas.microsoft.com/office/drawing/2014/main" id="{4B306F03-1AD9-4FB8-B021-FD5F5087D527}"/>
+                  <a16:creationId xmlns:a16="http://schemas.microsoft.com/office/drawing/2014/main" id="{9C0EF90E-4433-4E41-A1CB-8DA4372B18D9}"/>
                 </a:ext>
               </a:extLst>
             </p:cNvPr>
@@ -16312,20 +16592,20 @@
             <p:nvPr/>
           </p:nvPicPr>
           <p:blipFill rotWithShape="1">
-            <a:blip r:embed="rId7">
+            <a:blip r:embed="rId5">
               <a:extLst>
                 <a:ext uri="{28A0092B-C50C-407E-A947-70E740481C1C}">
                   <a14:useLocalDpi xmlns:a14="http://schemas.microsoft.com/office/drawing/2010/main" val="0"/>
                 </a:ext>
               </a:extLst>
             </a:blip>
-            <a:srcRect l="4865" t="3454" r="2115" b="2345"/>
+            <a:srcRect l="20469" t="5087" r="2546" b="3602"/>
             <a:stretch/>
           </p:blipFill>
           <p:spPr>
             <a:xfrm>
-              <a:off x="4489487" y="2408676"/>
-              <a:ext cx="4787706" cy="6862262"/>
+              <a:off x="10178445" y="4096370"/>
+              <a:ext cx="4421207" cy="6287970"/>
             </a:xfrm>
             <a:prstGeom prst="rect">
               <a:avLst/>
@@ -16340,10 +16620,10 @@
           </p:nvGrpSpPr>
           <p:grpSpPr>
             <a:xfrm>
-              <a:off x="4489487" y="1951565"/>
-              <a:ext cx="4942396" cy="7319373"/>
+              <a:off x="10079955" y="3673332"/>
+              <a:ext cx="4532397" cy="6713137"/>
               <a:chOff x="-7588981" y="1320777"/>
-              <a:chExt cx="6232509" cy="6694228"/>
+              <a:chExt cx="5685788" cy="6485531"/>
             </a:xfrm>
           </p:grpSpPr>
           <p:sp>
@@ -16360,8 +16640,8 @@
             </p:nvSpPr>
             <p:spPr bwMode="auto">
               <a:xfrm>
-                <a:off x="-7588981" y="1538260"/>
-                <a:ext cx="6232509" cy="6476745"/>
+                <a:off x="-7588981" y="1538261"/>
+                <a:ext cx="5685788" cy="6268047"/>
               </a:xfrm>
               <a:prstGeom prst="roundRect">
                 <a:avLst>
@@ -16414,7 +16694,7 @@
             </p:nvSpPr>
             <p:spPr>
               <a:xfrm>
-                <a:off x="-7489999" y="1320777"/>
+                <a:off x="-7389331" y="1320777"/>
                 <a:ext cx="4226637" cy="337775"/>
               </a:xfrm>
               <a:prstGeom prst="rect">
@@ -16447,10 +16727,10 @@
       </p:grpSp>
       <p:grpSp>
         <p:nvGrpSpPr>
-          <p:cNvPr id="39" name="グループ化 38">
+          <p:cNvPr id="8" name="グループ化 7">
             <a:extLst>
               <a:ext uri="{FF2B5EF4-FFF2-40B4-BE49-F238E27FC236}">
-                <a16:creationId xmlns:a16="http://schemas.microsoft.com/office/drawing/2014/main" id="{8E7C5510-9643-45E4-AC51-A7DE061CEFFE}"/>
+                <a16:creationId xmlns:a16="http://schemas.microsoft.com/office/drawing/2014/main" id="{5948D29C-8DF6-40C8-8ADB-EDDB1BA3B536}"/>
               </a:ext>
             </a:extLst>
           </p:cNvPr>
@@ -16459,110 +16739,774 @@
         </p:nvGrpSpPr>
         <p:grpSpPr>
           <a:xfrm>
-            <a:off x="99675" y="5171448"/>
-            <a:ext cx="4386843" cy="4134898"/>
-            <a:chOff x="25399" y="4806496"/>
-            <a:chExt cx="4462993" cy="4134898"/>
+            <a:off x="99675" y="6611607"/>
+            <a:ext cx="4386843" cy="3990883"/>
+            <a:chOff x="99675" y="5171448"/>
+            <a:chExt cx="4386843" cy="3990883"/>
           </a:xfrm>
         </p:grpSpPr>
-        <p:sp>
-          <p:nvSpPr>
-            <p:cNvPr id="37" name="四角形: 角を丸くする 2">
+        <p:pic>
+          <p:nvPicPr>
+            <p:cNvPr id="44" name="図 43">
               <a:extLst>
                 <a:ext uri="{FF2B5EF4-FFF2-40B4-BE49-F238E27FC236}">
-                  <a16:creationId xmlns:a16="http://schemas.microsoft.com/office/drawing/2014/main" id="{AB998B0E-1358-4DA8-8A8C-4C281FB91274}"/>
+                  <a16:creationId xmlns:a16="http://schemas.microsoft.com/office/drawing/2014/main" id="{80845A24-C330-4C32-A274-30CFDCE8BB36}"/>
                 </a:ext>
               </a:extLst>
             </p:cNvPr>
-            <p:cNvSpPr/>
+            <p:cNvPicPr>
+              <a:picLocks noChangeAspect="1"/>
+            </p:cNvPicPr>
             <p:nvPr/>
-          </p:nvSpPr>
-          <p:spPr bwMode="auto">
-            <a:xfrm>
-              <a:off x="25399" y="4983342"/>
-              <a:ext cx="4462993" cy="3958052"/>
-            </a:xfrm>
-            <a:prstGeom prst="roundRect">
-              <a:avLst>
-                <a:gd name="adj" fmla="val 5155"/>
-              </a:avLst>
-            </a:prstGeom>
-            <a:noFill/>
-            <a:ln w="28575" cap="flat" cmpd="sng" algn="ctr">
-              <a:solidFill>
-                <a:srgbClr val="FF0000"/>
-              </a:solidFill>
-              <a:prstDash val="solid"/>
-              <a:round/>
-              <a:headEnd type="none" w="med" len="med"/>
-              <a:tailEnd type="none" w="med" len="med"/>
-            </a:ln>
-            <a:effectLst/>
-            <a:extLst/>
-          </p:spPr>
-          <p:txBody>
-            <a:bodyPr vert="horz" wrap="none" lIns="91426" tIns="45713" rIns="91426" bIns="45713" numCol="1" rtlCol="0" anchor="ctr" anchorCtr="0" compatLnSpc="1">
-              <a:prstTxWarp prst="textNoShape">
-                <a:avLst/>
-              </a:prstTxWarp>
-            </a:bodyPr>
-            <a:lstStyle/>
-            <a:p>
-              <a:pPr defTabSz="914251"/>
-              <a:endParaRPr lang="ja-JP" altLang="en-US">
-                <a:ln>
-                  <a:solidFill>
-                    <a:srgbClr val="FF5353"/>
-                  </a:solidFill>
-                </a:ln>
-              </a:endParaRPr>
-            </a:p>
-          </p:txBody>
-        </p:sp>
-        <p:sp>
-          <p:nvSpPr>
-            <p:cNvPr id="38" name="テキスト ボックス 37">
+          </p:nvPicPr>
+          <p:blipFill rotWithShape="1">
+            <a:blip r:embed="rId6">
               <a:extLst>
-                <a:ext uri="{FF2B5EF4-FFF2-40B4-BE49-F238E27FC236}">
-                  <a16:creationId xmlns:a16="http://schemas.microsoft.com/office/drawing/2014/main" id="{54BDB8B6-53B7-417A-B676-887F16A58B24}"/>
+                <a:ext uri="{28A0092B-C50C-407E-A947-70E740481C1C}">
+                  <a14:useLocalDpi xmlns:a14="http://schemas.microsoft.com/office/drawing/2010/main" val="0"/>
                 </a:ext>
               </a:extLst>
-            </p:cNvPr>
-            <p:cNvSpPr txBox="1"/>
-            <p:nvPr/>
-          </p:nvSpPr>
+            </a:blip>
+            <a:srcRect l="3686" t="5792" r="2750" b="4638"/>
+            <a:stretch/>
+          </p:blipFill>
           <p:spPr>
             <a:xfrm>
-              <a:off x="188537" y="4806496"/>
-              <a:ext cx="2884365" cy="369318"/>
+              <a:off x="99675" y="5627177"/>
+              <a:ext cx="4287278" cy="3535154"/>
             </a:xfrm>
             <a:prstGeom prst="rect">
               <a:avLst/>
             </a:prstGeom>
+          </p:spPr>
+        </p:pic>
+        <p:grpSp>
+          <p:nvGrpSpPr>
+            <p:cNvPr id="39" name="グループ化 38">
+              <a:extLst>
+                <a:ext uri="{FF2B5EF4-FFF2-40B4-BE49-F238E27FC236}">
+                  <a16:creationId xmlns:a16="http://schemas.microsoft.com/office/drawing/2014/main" id="{8E7C5510-9643-45E4-AC51-A7DE061CEFFE}"/>
+                </a:ext>
+              </a:extLst>
+            </p:cNvPr>
+            <p:cNvGrpSpPr/>
+            <p:nvPr/>
+          </p:nvGrpSpPr>
+          <p:grpSpPr>
+            <a:xfrm>
+              <a:off x="99675" y="5171448"/>
+              <a:ext cx="4386843" cy="3988756"/>
+              <a:chOff x="25399" y="4806496"/>
+              <a:chExt cx="4462993" cy="3988756"/>
+            </a:xfrm>
+          </p:grpSpPr>
+          <p:sp>
+            <p:nvSpPr>
+              <p:cNvPr id="37" name="四角形: 角を丸くする 2">
+                <a:extLst>
+                  <a:ext uri="{FF2B5EF4-FFF2-40B4-BE49-F238E27FC236}">
+                    <a16:creationId xmlns:a16="http://schemas.microsoft.com/office/drawing/2014/main" id="{AB998B0E-1358-4DA8-8A8C-4C281FB91274}"/>
+                  </a:ext>
+                </a:extLst>
+              </p:cNvPr>
+              <p:cNvSpPr/>
+              <p:nvPr/>
+            </p:nvSpPr>
+            <p:spPr bwMode="auto">
+              <a:xfrm>
+                <a:off x="25399" y="4983342"/>
+                <a:ext cx="4462993" cy="3811910"/>
+              </a:xfrm>
+              <a:prstGeom prst="roundRect">
+                <a:avLst>
+                  <a:gd name="adj" fmla="val 5155"/>
+                </a:avLst>
+              </a:prstGeom>
+              <a:noFill/>
+              <a:ln w="28575" cap="flat" cmpd="sng" algn="ctr">
+                <a:solidFill>
+                  <a:srgbClr val="FF0000"/>
+                </a:solidFill>
+                <a:prstDash val="solid"/>
+                <a:round/>
+                <a:headEnd type="none" w="med" len="med"/>
+                <a:tailEnd type="none" w="med" len="med"/>
+              </a:ln>
+              <a:effectLst/>
+              <a:extLst/>
+            </p:spPr>
+            <p:txBody>
+              <a:bodyPr vert="horz" wrap="none" lIns="91426" tIns="45713" rIns="91426" bIns="45713" numCol="1" rtlCol="0" anchor="ctr" anchorCtr="0" compatLnSpc="1">
+                <a:prstTxWarp prst="textNoShape">
+                  <a:avLst/>
+                </a:prstTxWarp>
+              </a:bodyPr>
+              <a:lstStyle/>
+              <a:p>
+                <a:pPr defTabSz="914251"/>
+                <a:endParaRPr lang="ja-JP" altLang="en-US">
+                  <a:ln>
+                    <a:solidFill>
+                      <a:srgbClr val="FF5353"/>
+                    </a:solidFill>
+                  </a:ln>
+                </a:endParaRPr>
+              </a:p>
+            </p:txBody>
+          </p:sp>
+          <p:sp>
+            <p:nvSpPr>
+              <p:cNvPr id="38" name="テキスト ボックス 37">
+                <a:extLst>
+                  <a:ext uri="{FF2B5EF4-FFF2-40B4-BE49-F238E27FC236}">
+                    <a16:creationId xmlns:a16="http://schemas.microsoft.com/office/drawing/2014/main" id="{54BDB8B6-53B7-417A-B676-887F16A58B24}"/>
+                  </a:ext>
+                </a:extLst>
+              </p:cNvPr>
+              <p:cNvSpPr txBox="1"/>
+              <p:nvPr/>
+            </p:nvSpPr>
+            <p:spPr>
+              <a:xfrm>
+                <a:off x="188537" y="4806496"/>
+                <a:ext cx="2884365" cy="369318"/>
+              </a:xfrm>
+              <a:prstGeom prst="rect">
+                <a:avLst/>
+              </a:prstGeom>
+              <a:solidFill>
+                <a:srgbClr val="FFE7FF"/>
+              </a:solidFill>
+              <a:ln w="28575">
+                <a:solidFill>
+                  <a:srgbClr val="FF0000"/>
+                </a:solidFill>
+              </a:ln>
+            </p:spPr>
+            <p:txBody>
+              <a:bodyPr wrap="square" lIns="91426" tIns="45713" rIns="91426" bIns="45713" rtlCol="0">
+                <a:spAutoFit/>
+              </a:bodyPr>
+              <a:lstStyle/>
+              <a:p>
+                <a:pPr algn="l"/>
+                <a:r>
+                  <a:rPr kumimoji="1" lang="ja-JP" altLang="en-US" b="1" dirty="0"/>
+                  <a:t>ライントレースの処理フロー</a:t>
+                </a:r>
+              </a:p>
+            </p:txBody>
+          </p:sp>
+        </p:grpSp>
+      </p:grpSp>
+      <p:grpSp>
+        <p:nvGrpSpPr>
+          <p:cNvPr id="48" name="グループ化 47">
+            <a:extLst>
+              <a:ext uri="{FF2B5EF4-FFF2-40B4-BE49-F238E27FC236}">
+                <a16:creationId xmlns:a16="http://schemas.microsoft.com/office/drawing/2014/main" id="{2D73B67B-CC33-4CBD-9C97-8E14B95A0C71}"/>
+              </a:ext>
+            </a:extLst>
+          </p:cNvPr>
+          <p:cNvGrpSpPr/>
+          <p:nvPr/>
+        </p:nvGrpSpPr>
+        <p:grpSpPr>
+          <a:xfrm>
+            <a:off x="5815798" y="49221"/>
+            <a:ext cx="4653225" cy="10612149"/>
+            <a:chOff x="5714762" y="49221"/>
+            <a:chExt cx="4653225" cy="10612149"/>
+          </a:xfrm>
+        </p:grpSpPr>
+        <p:pic>
+          <p:nvPicPr>
+            <p:cNvPr id="47" name="図 46">
+              <a:extLst>
+                <a:ext uri="{FF2B5EF4-FFF2-40B4-BE49-F238E27FC236}">
+                  <a16:creationId xmlns:a16="http://schemas.microsoft.com/office/drawing/2014/main" id="{FAB120F9-0430-4F8A-9397-8C1383AE05D3}"/>
+                </a:ext>
+              </a:extLst>
+            </p:cNvPr>
+            <p:cNvPicPr>
+              <a:picLocks noChangeAspect="1"/>
+            </p:cNvPicPr>
+            <p:nvPr/>
+          </p:nvPicPr>
+          <p:blipFill rotWithShape="1">
+            <a:blip r:embed="rId7">
+              <a:extLst>
+                <a:ext uri="{28A0092B-C50C-407E-A947-70E740481C1C}">
+                  <a14:useLocalDpi xmlns:a14="http://schemas.microsoft.com/office/drawing/2010/main" val="0"/>
+                </a:ext>
+              </a:extLst>
+            </a:blip>
+            <a:srcRect l="3872" t="2406" r="1528" b="1509"/>
+            <a:stretch/>
+          </p:blipFill>
+          <p:spPr>
+            <a:xfrm>
+              <a:off x="5831848" y="446900"/>
+              <a:ext cx="4363548" cy="10156334"/>
+            </a:xfrm>
+            <a:prstGeom prst="rect">
+              <a:avLst/>
+            </a:prstGeom>
+          </p:spPr>
+        </p:pic>
+        <p:grpSp>
+          <p:nvGrpSpPr>
+            <p:cNvPr id="6" name="グループ化 5"/>
+            <p:cNvGrpSpPr/>
+            <p:nvPr/>
+          </p:nvGrpSpPr>
+          <p:grpSpPr>
+            <a:xfrm>
+              <a:off x="5714762" y="49221"/>
+              <a:ext cx="4653225" cy="10612149"/>
+              <a:chOff x="15768587" y="1924970"/>
+              <a:chExt cx="4653225" cy="10612149"/>
+            </a:xfrm>
+          </p:grpSpPr>
+          <p:sp>
+            <p:nvSpPr>
+              <p:cNvPr id="27" name="四角形: 角を丸くする 2">
+                <a:extLst>
+                  <a:ext uri="{FF2B5EF4-FFF2-40B4-BE49-F238E27FC236}">
+                    <a16:creationId xmlns:a16="http://schemas.microsoft.com/office/drawing/2014/main" id="{2B99B1EA-17D2-4495-A343-2A1713BC8495}"/>
+                  </a:ext>
+                </a:extLst>
+              </p:cNvPr>
+              <p:cNvSpPr/>
+              <p:nvPr/>
+            </p:nvSpPr>
+            <p:spPr bwMode="auto">
+              <a:xfrm>
+                <a:off x="15768587" y="2133119"/>
+                <a:ext cx="4653225" cy="10404000"/>
+              </a:xfrm>
+              <a:prstGeom prst="roundRect">
+                <a:avLst>
+                  <a:gd name="adj" fmla="val 5155"/>
+                </a:avLst>
+              </a:prstGeom>
+              <a:noFill/>
+              <a:ln w="28575" cap="flat" cmpd="sng" algn="ctr">
+                <a:solidFill>
+                  <a:srgbClr val="FF0000"/>
+                </a:solidFill>
+                <a:prstDash val="solid"/>
+                <a:round/>
+                <a:headEnd type="none" w="med" len="med"/>
+                <a:tailEnd type="none" w="med" len="med"/>
+              </a:ln>
+              <a:effectLst/>
+              <a:extLst/>
+            </p:spPr>
+            <p:txBody>
+              <a:bodyPr vert="horz" wrap="none" lIns="91426" tIns="45713" rIns="91426" bIns="45713" numCol="1" rtlCol="0" anchor="ctr" anchorCtr="0" compatLnSpc="1">
+                <a:prstTxWarp prst="textNoShape">
+                  <a:avLst/>
+                </a:prstTxWarp>
+              </a:bodyPr>
+              <a:lstStyle/>
+              <a:p>
+                <a:pPr defTabSz="914251"/>
+                <a:endParaRPr lang="ja-JP" altLang="en-US">
+                  <a:ln>
+                    <a:solidFill>
+                      <a:srgbClr val="FF5353"/>
+                    </a:solidFill>
+                  </a:ln>
+                </a:endParaRPr>
+              </a:p>
+            </p:txBody>
+          </p:sp>
+          <p:sp>
+            <p:nvSpPr>
+              <p:cNvPr id="28" name="テキスト ボックス 27">
+                <a:extLst>
+                  <a:ext uri="{FF2B5EF4-FFF2-40B4-BE49-F238E27FC236}">
+                    <a16:creationId xmlns:a16="http://schemas.microsoft.com/office/drawing/2014/main" id="{825F097D-4588-4F8F-AA42-B0D77B0F9CE3}"/>
+                  </a:ext>
+                </a:extLst>
+              </p:cNvPr>
+              <p:cNvSpPr txBox="1"/>
+              <p:nvPr/>
+            </p:nvSpPr>
+            <p:spPr>
+              <a:xfrm>
+                <a:off x="16062638" y="1924970"/>
+                <a:ext cx="3146781" cy="369318"/>
+              </a:xfrm>
+              <a:prstGeom prst="rect">
+                <a:avLst/>
+              </a:prstGeom>
+              <a:solidFill>
+                <a:srgbClr val="FFE7FF"/>
+              </a:solidFill>
+              <a:ln w="28575">
+                <a:solidFill>
+                  <a:srgbClr val="FF0000"/>
+                </a:solidFill>
+              </a:ln>
+            </p:spPr>
+            <p:txBody>
+              <a:bodyPr wrap="square" lIns="91426" tIns="45713" rIns="91426" bIns="45713" rtlCol="0">
+                <a:spAutoFit/>
+              </a:bodyPr>
+              <a:lstStyle/>
+              <a:p>
+                <a:pPr algn="l"/>
+                <a:r>
+                  <a:rPr kumimoji="1" lang="ja-JP" altLang="en-US" b="1" dirty="0"/>
+                  <a:t>コース復帰動作の処理フロー</a:t>
+                </a:r>
+              </a:p>
+            </p:txBody>
+          </p:sp>
+        </p:grpSp>
+      </p:grpSp>
+      <p:sp>
+        <p:nvSpPr>
+          <p:cNvPr id="41" name="二等辺三角形 40">
+            <a:extLst>
+              <a:ext uri="{FF2B5EF4-FFF2-40B4-BE49-F238E27FC236}">
+                <a16:creationId xmlns:a16="http://schemas.microsoft.com/office/drawing/2014/main" id="{CB152A7A-BA42-4EC8-B7C8-A01E36FD7ED9}"/>
+              </a:ext>
+            </a:extLst>
+          </p:cNvPr>
+          <p:cNvSpPr/>
+          <p:nvPr/>
+        </p:nvSpPr>
+        <p:spPr>
+          <a:xfrm rot="3223458">
+            <a:off x="5138945" y="1634947"/>
+            <a:ext cx="1169227" cy="2599760"/>
+          </a:xfrm>
+          <a:prstGeom prst="triangle">
+            <a:avLst/>
+          </a:prstGeom>
+          <a:solidFill>
+            <a:srgbClr val="FFE7FF">
+              <a:alpha val="50000"/>
+            </a:srgbClr>
+          </a:solidFill>
+          <a:ln>
+            <a:noFill/>
+          </a:ln>
+        </p:spPr>
+        <p:style>
+          <a:lnRef idx="2">
+            <a:schemeClr val="accent1">
+              <a:shade val="50000"/>
+            </a:schemeClr>
+          </a:lnRef>
+          <a:fillRef idx="1">
+            <a:schemeClr val="accent1"/>
+          </a:fillRef>
+          <a:effectRef idx="0">
+            <a:schemeClr val="accent1"/>
+          </a:effectRef>
+          <a:fontRef idx="minor">
+            <a:schemeClr val="lt1"/>
+          </a:fontRef>
+        </p:style>
+        <p:txBody>
+          <a:bodyPr rtlCol="0" anchor="ctr"/>
+          <a:lstStyle/>
+          <a:p>
+            <a:pPr algn="ctr"/>
+            <a:endParaRPr kumimoji="1" lang="ja-JP" altLang="en-US" dirty="0"/>
+          </a:p>
+        </p:txBody>
+      </p:sp>
+      <p:sp>
+        <p:nvSpPr>
+          <p:cNvPr id="42" name="二等辺三角形 41">
+            <a:extLst>
+              <a:ext uri="{FF2B5EF4-FFF2-40B4-BE49-F238E27FC236}">
+                <a16:creationId xmlns:a16="http://schemas.microsoft.com/office/drawing/2014/main" id="{82371992-1E67-4BC5-8160-AF143475C599}"/>
+              </a:ext>
+            </a:extLst>
+          </p:cNvPr>
+          <p:cNvSpPr/>
+          <p:nvPr/>
+        </p:nvSpPr>
+        <p:spPr>
+          <a:xfrm rot="6687238">
+            <a:off x="5014887" y="3682859"/>
+            <a:ext cx="1169227" cy="2599760"/>
+          </a:xfrm>
+          <a:prstGeom prst="triangle">
+            <a:avLst>
+              <a:gd name="adj" fmla="val 52035"/>
+            </a:avLst>
+          </a:prstGeom>
+          <a:solidFill>
+            <a:srgbClr val="FFE7FF">
+              <a:alpha val="50000"/>
+            </a:srgbClr>
+          </a:solidFill>
+          <a:ln>
+            <a:noFill/>
+          </a:ln>
+        </p:spPr>
+        <p:style>
+          <a:lnRef idx="2">
+            <a:schemeClr val="accent1">
+              <a:shade val="50000"/>
+            </a:schemeClr>
+          </a:lnRef>
+          <a:fillRef idx="1">
+            <a:schemeClr val="accent1"/>
+          </a:fillRef>
+          <a:effectRef idx="0">
+            <a:schemeClr val="accent1"/>
+          </a:effectRef>
+          <a:fontRef idx="minor">
+            <a:schemeClr val="lt1"/>
+          </a:fontRef>
+        </p:style>
+        <p:txBody>
+          <a:bodyPr rtlCol="0" anchor="ctr"/>
+          <a:lstStyle/>
+          <a:p>
+            <a:pPr algn="ctr"/>
+            <a:endParaRPr kumimoji="1" lang="ja-JP" altLang="en-US" dirty="0"/>
+          </a:p>
+        </p:txBody>
+      </p:sp>
+      <p:sp>
+        <p:nvSpPr>
+          <p:cNvPr id="43" name="四角形: 角を丸くする 42">
+            <a:extLst>
+              <a:ext uri="{FF2B5EF4-FFF2-40B4-BE49-F238E27FC236}">
+                <a16:creationId xmlns:a16="http://schemas.microsoft.com/office/drawing/2014/main" id="{769F3BC9-EC18-45DC-9A3E-2035CBAA74E4}"/>
+              </a:ext>
+            </a:extLst>
+          </p:cNvPr>
+          <p:cNvSpPr/>
+          <p:nvPr/>
+        </p:nvSpPr>
+        <p:spPr>
+          <a:xfrm>
+            <a:off x="3657430" y="4344009"/>
+            <a:ext cx="1977530" cy="1273233"/>
+          </a:xfrm>
+          <a:prstGeom prst="roundRect">
+            <a:avLst/>
+          </a:prstGeom>
+          <a:solidFill>
+            <a:srgbClr val="FFE7FF"/>
+          </a:solidFill>
+          <a:ln>
             <a:solidFill>
-              <a:srgbClr val="FFE7FF"/>
+              <a:srgbClr val="FF0000"/>
             </a:solidFill>
-            <a:ln w="28575">
+          </a:ln>
+        </p:spPr>
+        <p:style>
+          <a:lnRef idx="2">
+            <a:schemeClr val="accent1">
+              <a:shade val="50000"/>
+            </a:schemeClr>
+          </a:lnRef>
+          <a:fillRef idx="1">
+            <a:schemeClr val="accent1"/>
+          </a:fillRef>
+          <a:effectRef idx="0">
+            <a:schemeClr val="accent1"/>
+          </a:effectRef>
+          <a:fontRef idx="minor">
+            <a:schemeClr val="lt1"/>
+          </a:fontRef>
+        </p:style>
+        <p:txBody>
+          <a:bodyPr rtlCol="0" anchor="ctr"/>
+          <a:lstStyle/>
+          <a:p>
+            <a:pPr algn="l"/>
+            <a:r>
+              <a:rPr kumimoji="1" lang="ja-JP" altLang="en-US" sz="1600" dirty="0">
+                <a:solidFill>
+                  <a:schemeClr val="tx1"/>
+                </a:solidFill>
+              </a:rPr>
+              <a:t>コース復帰動作</a:t>
+            </a:r>
+            <a:endParaRPr kumimoji="1" lang="en-US" altLang="ja-JP" sz="1600" dirty="0">
               <a:solidFill>
-                <a:srgbClr val="FF0000"/>
+                <a:schemeClr val="tx1"/>
               </a:solidFill>
-            </a:ln>
-          </p:spPr>
-          <p:txBody>
-            <a:bodyPr wrap="square" lIns="91426" tIns="45713" rIns="91426" bIns="45713" rtlCol="0">
-              <a:spAutoFit/>
-            </a:bodyPr>
-            <a:lstStyle/>
-            <a:p>
-              <a:pPr algn="l"/>
-              <a:r>
-                <a:rPr kumimoji="1" lang="ja-JP" altLang="en-US" b="1" dirty="0"/>
-                <a:t>ライントレースの処理フロー</a:t>
-              </a:r>
-            </a:p>
-          </p:txBody>
-        </p:sp>
-      </p:grpSp>
+            </a:endParaRPr>
+          </a:p>
+          <a:p>
+            <a:pPr algn="l"/>
+            <a:r>
+              <a:rPr kumimoji="1" lang="ja-JP" altLang="en-US" sz="1600" b="1" dirty="0">
+                <a:solidFill>
+                  <a:schemeClr val="tx1"/>
+                </a:solidFill>
+              </a:rPr>
+              <a:t>②目標座標の方向へ直進する</a:t>
+            </a:r>
+            <a:endParaRPr kumimoji="1" lang="en-US" altLang="ja-JP" sz="1600" b="1" dirty="0">
+              <a:solidFill>
+                <a:schemeClr val="tx1"/>
+              </a:solidFill>
+            </a:endParaRPr>
+          </a:p>
+          <a:p>
+            <a:pPr algn="l"/>
+            <a:r>
+              <a:rPr kumimoji="1" lang="ja-JP" altLang="en-US" sz="1600" dirty="0">
+                <a:solidFill>
+                  <a:schemeClr val="tx1"/>
+                </a:solidFill>
+              </a:rPr>
+              <a:t>に対応する</a:t>
+            </a:r>
+          </a:p>
+        </p:txBody>
+      </p:sp>
+      <p:sp>
+        <p:nvSpPr>
+          <p:cNvPr id="36" name="四角形: 角を丸くする 35">
+            <a:extLst>
+              <a:ext uri="{FF2B5EF4-FFF2-40B4-BE49-F238E27FC236}">
+                <a16:creationId xmlns:a16="http://schemas.microsoft.com/office/drawing/2014/main" id="{F52D4A82-E5C0-4AB8-92BC-7CC83282D881}"/>
+              </a:ext>
+            </a:extLst>
+          </p:cNvPr>
+          <p:cNvSpPr/>
+          <p:nvPr/>
+        </p:nvSpPr>
+        <p:spPr>
+          <a:xfrm>
+            <a:off x="3658543" y="3013761"/>
+            <a:ext cx="1977530" cy="1273233"/>
+          </a:xfrm>
+          <a:prstGeom prst="roundRect">
+            <a:avLst/>
+          </a:prstGeom>
+          <a:solidFill>
+            <a:srgbClr val="FFE7FF"/>
+          </a:solidFill>
+          <a:ln>
+            <a:solidFill>
+              <a:srgbClr val="FF0000"/>
+            </a:solidFill>
+          </a:ln>
+        </p:spPr>
+        <p:style>
+          <a:lnRef idx="2">
+            <a:schemeClr val="accent1">
+              <a:shade val="50000"/>
+            </a:schemeClr>
+          </a:lnRef>
+          <a:fillRef idx="1">
+            <a:schemeClr val="accent1"/>
+          </a:fillRef>
+          <a:effectRef idx="0">
+            <a:schemeClr val="accent1"/>
+          </a:effectRef>
+          <a:fontRef idx="minor">
+            <a:schemeClr val="lt1"/>
+          </a:fontRef>
+        </p:style>
+        <p:txBody>
+          <a:bodyPr rtlCol="0" anchor="ctr"/>
+          <a:lstStyle/>
+          <a:p>
+            <a:pPr algn="l"/>
+            <a:r>
+              <a:rPr kumimoji="1" lang="ja-JP" altLang="en-US" sz="1600" dirty="0">
+                <a:solidFill>
+                  <a:schemeClr val="tx1"/>
+                </a:solidFill>
+              </a:rPr>
+              <a:t>コース復帰動作</a:t>
+            </a:r>
+            <a:endParaRPr kumimoji="1" lang="en-US" altLang="ja-JP" sz="1600" dirty="0">
+              <a:solidFill>
+                <a:schemeClr val="tx1"/>
+              </a:solidFill>
+            </a:endParaRPr>
+          </a:p>
+          <a:p>
+            <a:pPr algn="l"/>
+            <a:r>
+              <a:rPr kumimoji="1" lang="ja-JP" altLang="en-US" sz="1600" b="1" dirty="0">
+                <a:solidFill>
+                  <a:schemeClr val="tx1"/>
+                </a:solidFill>
+              </a:rPr>
+              <a:t>①目標座標の方向へ旋回する</a:t>
+            </a:r>
+            <a:endParaRPr kumimoji="1" lang="en-US" altLang="ja-JP" sz="1600" b="1" dirty="0">
+              <a:solidFill>
+                <a:schemeClr val="tx1"/>
+              </a:solidFill>
+            </a:endParaRPr>
+          </a:p>
+          <a:p>
+            <a:pPr algn="l"/>
+            <a:r>
+              <a:rPr kumimoji="1" lang="ja-JP" altLang="en-US" sz="1600" dirty="0">
+                <a:solidFill>
+                  <a:schemeClr val="tx1"/>
+                </a:solidFill>
+              </a:rPr>
+              <a:t>に対応する</a:t>
+            </a:r>
+          </a:p>
+        </p:txBody>
+      </p:sp>
+      <p:sp>
+        <p:nvSpPr>
+          <p:cNvPr id="45" name="二等辺三角形 44">
+            <a:extLst>
+              <a:ext uri="{FF2B5EF4-FFF2-40B4-BE49-F238E27FC236}">
+                <a16:creationId xmlns:a16="http://schemas.microsoft.com/office/drawing/2014/main" id="{156692DC-8CC4-4265-B706-4E3BA24E34C7}"/>
+              </a:ext>
+            </a:extLst>
+          </p:cNvPr>
+          <p:cNvSpPr/>
+          <p:nvPr/>
+        </p:nvSpPr>
+        <p:spPr>
+          <a:xfrm rot="7814469">
+            <a:off x="5146463" y="5715457"/>
+            <a:ext cx="1169227" cy="2599760"/>
+          </a:xfrm>
+          <a:prstGeom prst="triangle">
+            <a:avLst>
+              <a:gd name="adj" fmla="val 52035"/>
+            </a:avLst>
+          </a:prstGeom>
+          <a:solidFill>
+            <a:srgbClr val="FFE7FF">
+              <a:alpha val="50000"/>
+            </a:srgbClr>
+          </a:solidFill>
+          <a:ln>
+            <a:noFill/>
+          </a:ln>
+        </p:spPr>
+        <p:style>
+          <a:lnRef idx="2">
+            <a:schemeClr val="accent1">
+              <a:shade val="50000"/>
+            </a:schemeClr>
+          </a:lnRef>
+          <a:fillRef idx="1">
+            <a:schemeClr val="accent1"/>
+          </a:fillRef>
+          <a:effectRef idx="0">
+            <a:schemeClr val="accent1"/>
+          </a:effectRef>
+          <a:fontRef idx="minor">
+            <a:schemeClr val="lt1"/>
+          </a:fontRef>
+        </p:style>
+        <p:txBody>
+          <a:bodyPr rtlCol="0" anchor="ctr"/>
+          <a:lstStyle/>
+          <a:p>
+            <a:pPr algn="ctr"/>
+            <a:endParaRPr kumimoji="1" lang="ja-JP" altLang="en-US" dirty="0"/>
+          </a:p>
+        </p:txBody>
+      </p:sp>
+      <p:sp>
+        <p:nvSpPr>
+          <p:cNvPr id="46" name="四角形: 角を丸くする 45">
+            <a:extLst>
+              <a:ext uri="{FF2B5EF4-FFF2-40B4-BE49-F238E27FC236}">
+                <a16:creationId xmlns:a16="http://schemas.microsoft.com/office/drawing/2014/main" id="{20229F8B-4B35-407C-BBF1-66ABE368585F}"/>
+              </a:ext>
+            </a:extLst>
+          </p:cNvPr>
+          <p:cNvSpPr/>
+          <p:nvPr/>
+        </p:nvSpPr>
+        <p:spPr>
+          <a:xfrm>
+            <a:off x="3637667" y="5703653"/>
+            <a:ext cx="1977530" cy="1273233"/>
+          </a:xfrm>
+          <a:prstGeom prst="roundRect">
+            <a:avLst/>
+          </a:prstGeom>
+          <a:solidFill>
+            <a:srgbClr val="FFE7FF"/>
+          </a:solidFill>
+          <a:ln>
+            <a:solidFill>
+              <a:srgbClr val="FF0000"/>
+            </a:solidFill>
+          </a:ln>
+        </p:spPr>
+        <p:style>
+          <a:lnRef idx="2">
+            <a:schemeClr val="accent1">
+              <a:shade val="50000"/>
+            </a:schemeClr>
+          </a:lnRef>
+          <a:fillRef idx="1">
+            <a:schemeClr val="accent1"/>
+          </a:fillRef>
+          <a:effectRef idx="0">
+            <a:schemeClr val="accent1"/>
+          </a:effectRef>
+          <a:fontRef idx="minor">
+            <a:schemeClr val="lt1"/>
+          </a:fontRef>
+        </p:style>
+        <p:txBody>
+          <a:bodyPr rtlCol="0" anchor="ctr"/>
+          <a:lstStyle/>
+          <a:p>
+            <a:pPr algn="l"/>
+            <a:r>
+              <a:rPr kumimoji="1" lang="ja-JP" altLang="en-US" sz="1600" dirty="0">
+                <a:solidFill>
+                  <a:schemeClr val="tx1"/>
+                </a:solidFill>
+              </a:rPr>
+              <a:t>コース復帰動作</a:t>
+            </a:r>
+            <a:endParaRPr kumimoji="1" lang="en-US" altLang="ja-JP" sz="1600" dirty="0">
+              <a:solidFill>
+                <a:schemeClr val="tx1"/>
+              </a:solidFill>
+            </a:endParaRPr>
+          </a:p>
+          <a:p>
+            <a:pPr algn="l"/>
+            <a:r>
+              <a:rPr kumimoji="1" lang="ja-JP" altLang="en-US" sz="1600" b="1" dirty="0">
+                <a:solidFill>
+                  <a:schemeClr val="tx1"/>
+                </a:solidFill>
+              </a:rPr>
+              <a:t>③目標旋回角度まで旋回する</a:t>
+            </a:r>
+          </a:p>
+          <a:p>
+            <a:pPr algn="l"/>
+            <a:r>
+              <a:rPr kumimoji="1" lang="ja-JP" altLang="en-US" sz="1600" dirty="0">
+                <a:solidFill>
+                  <a:schemeClr val="tx1"/>
+                </a:solidFill>
+              </a:rPr>
+              <a:t>に対応する</a:t>
+            </a:r>
+          </a:p>
+        </p:txBody>
+      </p:sp>
     </p:spTree>
     <p:extLst>
       <p:ext uri="{BB962C8B-B14F-4D97-AF65-F5344CB8AC3E}">
